--- a/ipsa/slides/numpy.pptx
+++ b/ipsa/slides/numpy.pptx
@@ -143,14 +143,6 @@
     </p:ext>
   </p:extLst>
 </p:presentation>
-</file>
-
-<file path=ppt/revisionInfo.xml><?xml version="1.0" encoding="utf-8"?>
-<p1510:revInfo xmlns:a="http://schemas.openxmlformats.org/drawingml/2006/main" xmlns:r="http://schemas.openxmlformats.org/officeDocument/2006/relationships" xmlns:p1510="http://schemas.microsoft.com/office/powerpoint/2015/10/main">
-  <p1510:revLst>
-    <p1510:client id="{6582DE44-CBB2-4155-94EA-6873D72B1ACF}" v="367" dt="2022-03-19T12:28:53.734"/>
-  </p1510:revLst>
-</p1510:revInfo>
 </file>
 
 <file path=ppt/changesInfos/changesInfo1.xml><?xml version="1.0" encoding="utf-8"?>
@@ -1068,6 +1060,45 @@
       </pc:sldChg>
     </pc:docChg>
   </pc:docChgLst>
+  <pc:docChgLst>
+    <pc:chgData name="Gerth Stølting Brodal" userId="04ef4784-6591-4f86-a140-f5c3b108582a" providerId="ADAL" clId="{15D7ACD7-1346-459B-961E-1F8D8C80D6DB}"/>
+    <pc:docChg chg="undo custSel modSld">
+      <pc:chgData name="Gerth Stølting Brodal" userId="04ef4784-6591-4f86-a140-f5c3b108582a" providerId="ADAL" clId="{15D7ACD7-1346-459B-961E-1F8D8C80D6DB}" dt="2023-03-10T23:59:55.021" v="47" actId="313"/>
+      <pc:docMkLst>
+        <pc:docMk/>
+      </pc:docMkLst>
+      <pc:sldChg chg="modSp mod">
+        <pc:chgData name="Gerth Stølting Brodal" userId="04ef4784-6591-4f86-a140-f5c3b108582a" providerId="ADAL" clId="{15D7ACD7-1346-459B-961E-1F8D8C80D6DB}" dt="2023-03-10T23:59:55.021" v="47" actId="313"/>
+        <pc:sldMkLst>
+          <pc:docMk/>
+          <pc:sldMk cId="2195625844" sldId="742"/>
+        </pc:sldMkLst>
+        <pc:graphicFrameChg chg="modGraphic">
+          <ac:chgData name="Gerth Stølting Brodal" userId="04ef4784-6591-4f86-a140-f5c3b108582a" providerId="ADAL" clId="{15D7ACD7-1346-459B-961E-1F8D8C80D6DB}" dt="2023-03-10T23:59:55.021" v="47" actId="313"/>
+          <ac:graphicFrameMkLst>
+            <pc:docMk/>
+            <pc:sldMk cId="2195625844" sldId="742"/>
+            <ac:graphicFrameMk id="4" creationId="{00000000-0000-0000-0000-000000000000}"/>
+          </ac:graphicFrameMkLst>
+        </pc:graphicFrameChg>
+      </pc:sldChg>
+      <pc:sldChg chg="modSp mod">
+        <pc:chgData name="Gerth Stølting Brodal" userId="04ef4784-6591-4f86-a140-f5c3b108582a" providerId="ADAL" clId="{15D7ACD7-1346-459B-961E-1F8D8C80D6DB}" dt="2023-03-10T23:59:21.033" v="23" actId="20577"/>
+        <pc:sldMkLst>
+          <pc:docMk/>
+          <pc:sldMk cId="3517907610" sldId="765"/>
+        </pc:sldMkLst>
+        <pc:graphicFrameChg chg="modGraphic">
+          <ac:chgData name="Gerth Stølting Brodal" userId="04ef4784-6591-4f86-a140-f5c3b108582a" providerId="ADAL" clId="{15D7ACD7-1346-459B-961E-1F8D8C80D6DB}" dt="2023-03-10T23:59:21.033" v="23" actId="20577"/>
+          <ac:graphicFrameMkLst>
+            <pc:docMk/>
+            <pc:sldMk cId="3517907610" sldId="765"/>
+            <ac:graphicFrameMk id="5" creationId="{00000000-0000-0000-0000-000000000000}"/>
+          </ac:graphicFrameMkLst>
+        </pc:graphicFrameChg>
+      </pc:sldChg>
+    </pc:docChg>
+  </pc:docChgLst>
 </pc:chgInfo>
 </file>
 
@@ -1153,7 +1184,7 @@
           <a:p>
             <a:fld id="{FB1A172F-81D4-4DC4-9113-1DBD56EC3646}" type="datetimeFigureOut">
               <a:rPr lang="en-US" smtClean="0"/>
-              <a:t>4/3/2022</a:t>
+              <a:t>3/11/2023</a:t>
             </a:fld>
             <a:endParaRPr lang="en-US"/>
           </a:p>
@@ -2107,13 +2138,8 @@
             </a:r>
             <a:r>
               <a:rPr lang="en-US" dirty="0"/>
-              <a:t> arrays </a:t>
-            </a:r>
-            <a:r>
-              <a:rPr lang="en-US"/>
-              <a:t>with floats</a:t>
-            </a:r>
-            <a:endParaRPr lang="en-US" dirty="0"/>
+              <a:t> arrays with floats</a:t>
+            </a:r>
           </a:p>
         </p:txBody>
       </p:sp>
@@ -4333,7 +4359,7 @@
           <a:p>
             <a:fld id="{0560A9CD-0304-4E0B-9E82-E7E0115DE05B}" type="datetimeFigureOut">
               <a:rPr lang="en-US" smtClean="0"/>
-              <a:t>4/3/2022</a:t>
+              <a:t>3/11/2023</a:t>
             </a:fld>
             <a:endParaRPr lang="en-US"/>
           </a:p>
@@ -4501,7 +4527,7 @@
           <a:p>
             <a:fld id="{0560A9CD-0304-4E0B-9E82-E7E0115DE05B}" type="datetimeFigureOut">
               <a:rPr lang="en-US" smtClean="0"/>
-              <a:t>4/3/2022</a:t>
+              <a:t>3/11/2023</a:t>
             </a:fld>
             <a:endParaRPr lang="en-US"/>
           </a:p>
@@ -4679,7 +4705,7 @@
           <a:p>
             <a:fld id="{0560A9CD-0304-4E0B-9E82-E7E0115DE05B}" type="datetimeFigureOut">
               <a:rPr lang="en-US" smtClean="0"/>
-              <a:t>4/3/2022</a:t>
+              <a:t>3/11/2023</a:t>
             </a:fld>
             <a:endParaRPr lang="en-US"/>
           </a:p>
@@ -4862,7 +4888,7 @@
           <a:p>
             <a:fld id="{0560A9CD-0304-4E0B-9E82-E7E0115DE05B}" type="datetimeFigureOut">
               <a:rPr lang="en-US" smtClean="0"/>
-              <a:t>4/3/2022</a:t>
+              <a:t>3/11/2023</a:t>
             </a:fld>
             <a:endParaRPr lang="en-US"/>
           </a:p>
@@ -5107,7 +5133,7 @@
           <a:p>
             <a:fld id="{0560A9CD-0304-4E0B-9E82-E7E0115DE05B}" type="datetimeFigureOut">
               <a:rPr lang="en-US" smtClean="0"/>
-              <a:t>4/3/2022</a:t>
+              <a:t>3/11/2023</a:t>
             </a:fld>
             <a:endParaRPr lang="en-US"/>
           </a:p>
@@ -5336,7 +5362,7 @@
           <a:p>
             <a:fld id="{0560A9CD-0304-4E0B-9E82-E7E0115DE05B}" type="datetimeFigureOut">
               <a:rPr lang="en-US" smtClean="0"/>
-              <a:t>4/3/2022</a:t>
+              <a:t>3/11/2023</a:t>
             </a:fld>
             <a:endParaRPr lang="en-US"/>
           </a:p>
@@ -5700,7 +5726,7 @@
           <a:p>
             <a:fld id="{0560A9CD-0304-4E0B-9E82-E7E0115DE05B}" type="datetimeFigureOut">
               <a:rPr lang="en-US" smtClean="0"/>
-              <a:t>4/3/2022</a:t>
+              <a:t>3/11/2023</a:t>
             </a:fld>
             <a:endParaRPr lang="en-US"/>
           </a:p>
@@ -5817,7 +5843,7 @@
           <a:p>
             <a:fld id="{0560A9CD-0304-4E0B-9E82-E7E0115DE05B}" type="datetimeFigureOut">
               <a:rPr lang="en-US" smtClean="0"/>
-              <a:t>4/3/2022</a:t>
+              <a:t>3/11/2023</a:t>
             </a:fld>
             <a:endParaRPr lang="en-US"/>
           </a:p>
@@ -5912,7 +5938,7 @@
           <a:p>
             <a:fld id="{0560A9CD-0304-4E0B-9E82-E7E0115DE05B}" type="datetimeFigureOut">
               <a:rPr lang="en-US" smtClean="0"/>
-              <a:t>4/3/2022</a:t>
+              <a:t>3/11/2023</a:t>
             </a:fld>
             <a:endParaRPr lang="en-US"/>
           </a:p>
@@ -6187,7 +6213,7 @@
           <a:p>
             <a:fld id="{0560A9CD-0304-4E0B-9E82-E7E0115DE05B}" type="datetimeFigureOut">
               <a:rPr lang="en-US" smtClean="0"/>
-              <a:t>4/3/2022</a:t>
+              <a:t>3/11/2023</a:t>
             </a:fld>
             <a:endParaRPr lang="en-US"/>
           </a:p>
@@ -6439,7 +6465,7 @@
           <a:p>
             <a:fld id="{0560A9CD-0304-4E0B-9E82-E7E0115DE05B}" type="datetimeFigureOut">
               <a:rPr lang="en-US" smtClean="0"/>
-              <a:t>4/3/2022</a:t>
+              <a:t>3/11/2023</a:t>
             </a:fld>
             <a:endParaRPr lang="en-US"/>
           </a:p>
@@ -6650,7 +6676,7 @@
           <a:p>
             <a:fld id="{0560A9CD-0304-4E0B-9E82-E7E0115DE05B}" type="datetimeFigureOut">
               <a:rPr lang="en-US" smtClean="0"/>
-              <a:t>4/3/2022</a:t>
+              <a:t>3/11/2023</a:t>
             </a:fld>
             <a:endParaRPr lang="en-US"/>
           </a:p>
@@ -15852,7 +15878,7 @@
           <p:nvPr>
             <p:extLst>
               <p:ext uri="{D42A27DB-BD31-4B8C-83A1-F6EECF244321}">
-                <p14:modId xmlns:p14="http://schemas.microsoft.com/office/powerpoint/2010/main" val="3165772936"/>
+                <p14:modId xmlns:p14="http://schemas.microsoft.com/office/powerpoint/2010/main" val="2461902459"/>
               </p:ext>
             </p:extLst>
           </p:nvPr>
@@ -16223,7 +16249,7 @@
                           <a:latin typeface="Courier New" panose="02070309020205020404" pitchFamily="49" charset="0"/>
                           <a:cs typeface="Courier New" panose="02070309020205020404" pitchFamily="49" charset="0"/>
                         </a:rPr>
-                        <a:t>="</a:t>
+                        <a:t>='</a:t>
                       </a:r>
                       <a:r>
                         <a:rPr lang="en-US" sz="1800" b="1" baseline="0" dirty="0">
@@ -16243,7 +16269,7 @@
                           <a:latin typeface="Courier New" panose="02070309020205020404" pitchFamily="49" charset="0"/>
                           <a:cs typeface="Courier New" panose="02070309020205020404" pitchFamily="49" charset="0"/>
                         </a:rPr>
-                        <a:t>")**2).sum()</a:t>
+                        <a:t>')**2).sum()</a:t>
                       </a:r>
                       <a:endParaRPr lang="en-US" sz="1800" b="1" baseline="0" dirty="0">
                         <a:solidFill>
@@ -16594,7 +16620,7 @@
                           <a:latin typeface="Courier New" panose="02070309020205020404" pitchFamily="49" charset="0"/>
                           <a:cs typeface="Courier New" panose="02070309020205020404" pitchFamily="49" charset="0"/>
                         </a:rPr>
-                        <a:t>="</a:t>
+                        <a:t>='</a:t>
                       </a:r>
                       <a:r>
                         <a:rPr lang="en-US" sz="1800" b="1" baseline="0" dirty="0">
@@ -16614,7 +16640,7 @@
                           <a:latin typeface="Courier New" panose="02070309020205020404" pitchFamily="49" charset="0"/>
                           <a:cs typeface="Courier New" panose="02070309020205020404" pitchFamily="49" charset="0"/>
                         </a:rPr>
-                        <a:t>")**2).sum()', </a:t>
+                        <a:t>')**2).sum()', </a:t>
                       </a:r>
                       <a:br>
                         <a:rPr lang="en-US" sz="1800" b="1" baseline="0" dirty="0">
@@ -30171,7 +30197,7 @@
           <p:nvPr>
             <p:extLst>
               <p:ext uri="{D42A27DB-BD31-4B8C-83A1-F6EECF244321}">
-                <p14:modId xmlns:p14="http://schemas.microsoft.com/office/powerpoint/2010/main" val="3981809763"/>
+                <p14:modId xmlns:p14="http://schemas.microsoft.com/office/powerpoint/2010/main" val="2255849133"/>
               </p:ext>
             </p:extLst>
           </p:nvPr>
@@ -30610,13 +30636,27 @@
                           <a:latin typeface="Courier New" panose="02070309020205020404" pitchFamily="49" charset="0"/>
                           <a:cs typeface="Courier New" panose="02070309020205020404" pitchFamily="49" charset="0"/>
                         </a:rPr>
-                        <a:t>(fx, fy, '-', label="</a:t>
+                        <a:t>(fx, fy, '-', label=</a:t>
                       </a:r>
                       <a:r>
                         <a:rPr lang="da-DK" sz="1800" b="1" dirty="0" err="1">
                           <a:latin typeface="Courier New" panose="02070309020205020404" pitchFamily="49" charset="0"/>
                           <a:cs typeface="Courier New" panose="02070309020205020404" pitchFamily="49" charset="0"/>
                         </a:rPr>
+                        <a:t>f'degree</a:t>
+                      </a:r>
+                      <a:r>
+                        <a:rPr lang="da-DK" sz="1800" b="1" dirty="0">
+                          <a:latin typeface="Courier New" panose="02070309020205020404" pitchFamily="49" charset="0"/>
+                          <a:cs typeface="Courier New" panose="02070309020205020404" pitchFamily="49" charset="0"/>
+                        </a:rPr>
+                        <a:t> {</a:t>
+                      </a:r>
+                      <a:r>
+                        <a:rPr lang="da-DK" sz="1800" b="1" dirty="0" err="1">
+                          <a:latin typeface="Courier New" panose="02070309020205020404" pitchFamily="49" charset="0"/>
+                          <a:cs typeface="Courier New" panose="02070309020205020404" pitchFamily="49" charset="0"/>
+                        </a:rPr>
                         <a:t>degree</a:t>
                       </a:r>
                       <a:r>
@@ -30624,26 +30664,75 @@
                           <a:latin typeface="Courier New" panose="02070309020205020404" pitchFamily="49" charset="0"/>
                           <a:cs typeface="Courier New" panose="02070309020205020404" pitchFamily="49" charset="0"/>
                         </a:rPr>
-                        <a:t> %s" % </a:t>
-                      </a:r>
+                        <a:t>}')</a:t>
+                      </a:r>
+                    </a:p>
+                    <a:p>
                       <a:r>
                         <a:rPr lang="da-DK" sz="1800" b="1" dirty="0" err="1">
                           <a:latin typeface="Courier New" panose="02070309020205020404" pitchFamily="49" charset="0"/>
                           <a:cs typeface="Courier New" panose="02070309020205020404" pitchFamily="49" charset="0"/>
                         </a:rPr>
-                        <a:t>degree</a:t>
+                        <a:t>avg</a:t>
                       </a:r>
                       <a:r>
                         <a:rPr lang="da-DK" sz="1800" b="1" dirty="0">
                           <a:latin typeface="Courier New" panose="02070309020205020404" pitchFamily="49" charset="0"/>
                           <a:cs typeface="Courier New" panose="02070309020205020404" pitchFamily="49" charset="0"/>
                         </a:rPr>
-                        <a:t>)</a:t>
-                      </a:r>
-                    </a:p>
-                    <a:p>
+                        <a:t> = </a:t>
+                      </a:r>
                       <a:r>
                         <a:rPr lang="da-DK" sz="1800" b="1" dirty="0" err="1">
+                          <a:solidFill>
+                            <a:srgbClr val="C00000"/>
+                          </a:solidFill>
+                          <a:latin typeface="Courier New" panose="02070309020205020404" pitchFamily="49" charset="0"/>
+                          <a:cs typeface="Courier New" panose="02070309020205020404" pitchFamily="49" charset="0"/>
+                        </a:rPr>
+                        <a:t>np.average</a:t>
+                      </a:r>
+                      <a:r>
+                        <a:rPr lang="da-DK" sz="1800" b="1" dirty="0">
+                          <a:latin typeface="Courier New" panose="02070309020205020404" pitchFamily="49" charset="0"/>
+                          <a:cs typeface="Courier New" panose="02070309020205020404" pitchFamily="49" charset="0"/>
+                        </a:rPr>
+                        <a:t>(y)</a:t>
+                      </a:r>
+                    </a:p>
+                    <a:p>
+                      <a:r>
+                        <a:rPr lang="da-DK" sz="1800" b="1" dirty="0" err="1">
+                          <a:latin typeface="Courier New" panose="02070309020205020404" pitchFamily="49" charset="0"/>
+                          <a:cs typeface="Courier New" panose="02070309020205020404" pitchFamily="49" charset="0"/>
+                        </a:rPr>
+                        <a:t>plt.plot</a:t>
+                      </a:r>
+                      <a:r>
+                        <a:rPr lang="da-DK" sz="1800" b="1" dirty="0">
+                          <a:latin typeface="Courier New" panose="02070309020205020404" pitchFamily="49" charset="0"/>
+                          <a:cs typeface="Courier New" panose="02070309020205020404" pitchFamily="49" charset="0"/>
+                        </a:rPr>
+                        <a:t>(x, y, 'ro')</a:t>
+                      </a:r>
+                    </a:p>
+                    <a:p>
+                      <a:r>
+                        <a:rPr lang="da-DK" sz="1800" b="1" dirty="0" err="1">
+                          <a:latin typeface="Courier New" panose="02070309020205020404" pitchFamily="49" charset="0"/>
+                          <a:cs typeface="Courier New" panose="02070309020205020404" pitchFamily="49" charset="0"/>
+                        </a:rPr>
+                        <a:t>plt.plot</a:t>
+                      </a:r>
+                      <a:r>
+                        <a:rPr lang="da-DK" sz="1800" b="1" dirty="0">
+                          <a:latin typeface="Courier New" panose="02070309020205020404" pitchFamily="49" charset="0"/>
+                          <a:cs typeface="Courier New" panose="02070309020205020404" pitchFamily="49" charset="0"/>
+                        </a:rPr>
+                        <a:t>([-1, 4], [</a:t>
+                      </a:r>
+                      <a:r>
+                        <a:rPr lang="da-DK" sz="1800" b="1" dirty="0" err="1">
                           <a:latin typeface="Courier New" panose="02070309020205020404" pitchFamily="49" charset="0"/>
                           <a:cs typeface="Courier New" panose="02070309020205020404" pitchFamily="49" charset="0"/>
                         </a:rPr>
@@ -30654,85 +30743,33 @@
                           <a:latin typeface="Courier New" panose="02070309020205020404" pitchFamily="49" charset="0"/>
                           <a:cs typeface="Courier New" panose="02070309020205020404" pitchFamily="49" charset="0"/>
                         </a:rPr>
-                        <a:t> = </a:t>
+                        <a:t>, </a:t>
                       </a:r>
                       <a:r>
                         <a:rPr lang="da-DK" sz="1800" b="1" dirty="0" err="1">
-                          <a:solidFill>
-                            <a:srgbClr val="C00000"/>
-                          </a:solidFill>
-                          <a:latin typeface="Courier New" panose="02070309020205020404" pitchFamily="49" charset="0"/>
-                          <a:cs typeface="Courier New" panose="02070309020205020404" pitchFamily="49" charset="0"/>
-                        </a:rPr>
-                        <a:t>np.average</a:t>
+                          <a:latin typeface="Courier New" panose="02070309020205020404" pitchFamily="49" charset="0"/>
+                          <a:cs typeface="Courier New" panose="02070309020205020404" pitchFamily="49" charset="0"/>
+                        </a:rPr>
+                        <a:t>avg</a:t>
                       </a:r>
                       <a:r>
                         <a:rPr lang="da-DK" sz="1800" b="1" dirty="0">
                           <a:latin typeface="Courier New" panose="02070309020205020404" pitchFamily="49" charset="0"/>
                           <a:cs typeface="Courier New" panose="02070309020205020404" pitchFamily="49" charset="0"/>
                         </a:rPr>
-                        <a:t>(y)</a:t>
-                      </a:r>
-                    </a:p>
-                    <a:p>
-                      <a:r>
-                        <a:rPr lang="da-DK" sz="1800" b="1" dirty="0" err="1">
-                          <a:latin typeface="Courier New" panose="02070309020205020404" pitchFamily="49" charset="0"/>
-                          <a:cs typeface="Courier New" panose="02070309020205020404" pitchFamily="49" charset="0"/>
-                        </a:rPr>
-                        <a:t>plt.plot</a:t>
-                      </a:r>
-                      <a:r>
-                        <a:rPr lang="da-DK" sz="1800" b="1" dirty="0">
-                          <a:latin typeface="Courier New" panose="02070309020205020404" pitchFamily="49" charset="0"/>
-                          <a:cs typeface="Courier New" panose="02070309020205020404" pitchFamily="49" charset="0"/>
-                        </a:rPr>
-                        <a:t>(x, y, 'ro')</a:t>
-                      </a:r>
-                    </a:p>
-                    <a:p>
-                      <a:r>
-                        <a:rPr lang="da-DK" sz="1800" b="1" dirty="0" err="1">
-                          <a:latin typeface="Courier New" panose="02070309020205020404" pitchFamily="49" charset="0"/>
-                          <a:cs typeface="Courier New" panose="02070309020205020404" pitchFamily="49" charset="0"/>
-                        </a:rPr>
-                        <a:t>plt.plot</a:t>
-                      </a:r>
-                      <a:r>
-                        <a:rPr lang="da-DK" sz="1800" b="1" dirty="0">
-                          <a:latin typeface="Courier New" panose="02070309020205020404" pitchFamily="49" charset="0"/>
-                          <a:cs typeface="Courier New" panose="02070309020205020404" pitchFamily="49" charset="0"/>
-                        </a:rPr>
-                        <a:t>([-1, 4], [</a:t>
-                      </a:r>
-                      <a:r>
-                        <a:rPr lang="da-DK" sz="1800" b="1" dirty="0" err="1">
-                          <a:latin typeface="Courier New" panose="02070309020205020404" pitchFamily="49" charset="0"/>
-                          <a:cs typeface="Courier New" panose="02070309020205020404" pitchFamily="49" charset="0"/>
-                        </a:rPr>
-                        <a:t>avg</a:t>
-                      </a:r>
-                      <a:r>
-                        <a:rPr lang="da-DK" sz="1800" b="1" dirty="0">
-                          <a:latin typeface="Courier New" panose="02070309020205020404" pitchFamily="49" charset="0"/>
-                          <a:cs typeface="Courier New" panose="02070309020205020404" pitchFamily="49" charset="0"/>
-                        </a:rPr>
-                        <a:t>, </a:t>
-                      </a:r>
-                      <a:r>
-                        <a:rPr lang="da-DK" sz="1800" b="1" dirty="0" err="1">
-                          <a:latin typeface="Courier New" panose="02070309020205020404" pitchFamily="49" charset="0"/>
-                          <a:cs typeface="Courier New" panose="02070309020205020404" pitchFamily="49" charset="0"/>
-                        </a:rPr>
-                        <a:t>avg</a:t>
-                      </a:r>
-                      <a:r>
-                        <a:rPr lang="da-DK" sz="1800" b="1" dirty="0">
-                          <a:latin typeface="Courier New" panose="02070309020205020404" pitchFamily="49" charset="0"/>
-                          <a:cs typeface="Courier New" panose="02070309020205020404" pitchFamily="49" charset="0"/>
-                        </a:rPr>
-                        <a:t>], 'k-', label="average")</a:t>
-                      </a:r>
+                        <a:t>], 'k-', </a:t>
+                      </a:r>
+                      <a:r>
+                        <a:rPr lang="da-DK" sz="1800" b="1">
+                          <a:latin typeface="Courier New" panose="02070309020205020404" pitchFamily="49" charset="0"/>
+                          <a:cs typeface="Courier New" panose="02070309020205020404" pitchFamily="49" charset="0"/>
+                        </a:rPr>
+                        <a:t>label='average')</a:t>
+                      </a:r>
+                      <a:endParaRPr lang="da-DK" sz="1800" b="1" dirty="0">
+                        <a:latin typeface="Courier New" panose="02070309020205020404" pitchFamily="49" charset="0"/>
+                        <a:cs typeface="Courier New" panose="02070309020205020404" pitchFamily="49" charset="0"/>
+                      </a:endParaRPr>
                     </a:p>
                     <a:p>
                       <a:r>

--- a/ipsa/slides/numpy.pptx
+++ b/ipsa/slides/numpy.pptx
@@ -145,8 +145,140 @@
 </p:presentation>
 </file>
 
+<file path=ppt/revisionInfo.xml><?xml version="1.0" encoding="utf-8"?>
+<p1510:revInfo xmlns:a="http://schemas.openxmlformats.org/drawingml/2006/main" xmlns:r="http://schemas.openxmlformats.org/officeDocument/2006/relationships" xmlns:p1510="http://schemas.microsoft.com/office/powerpoint/2015/10/main">
+  <p1510:revLst>
+    <p1510:client id="{F316340A-942C-45D6-9D7E-5900E7876E8F}" v="10" dt="2023-03-29T10:43:07.888"/>
+  </p1510:revLst>
+</p1510:revInfo>
+</file>
+
 <file path=ppt/changesInfos/changesInfo1.xml><?xml version="1.0" encoding="utf-8"?>
 <pc:chgInfo xmlns:a="http://schemas.openxmlformats.org/drawingml/2006/main" xmlns:r="http://schemas.openxmlformats.org/officeDocument/2006/relationships" xmlns:ac="http://schemas.microsoft.com/office/drawing/2013/main/command" xmlns:pc="http://schemas.microsoft.com/office/powerpoint/2013/main/command">
+  <pc:docChgLst>
+    <pc:chgData name="Gerth Stølting Brodal" userId="04ef4784-6591-4f86-a140-f5c3b108582a" providerId="ADAL" clId="{F316340A-942C-45D6-9D7E-5900E7876E8F}"/>
+    <pc:docChg chg="undo custSel modSld">
+      <pc:chgData name="Gerth Stølting Brodal" userId="04ef4784-6591-4f86-a140-f5c3b108582a" providerId="ADAL" clId="{F316340A-942C-45D6-9D7E-5900E7876E8F}" dt="2023-03-29T11:02:33.279" v="169" actId="113"/>
+      <pc:docMkLst>
+        <pc:docMk/>
+      </pc:docMkLst>
+      <pc:sldChg chg="modSp mod">
+        <pc:chgData name="Gerth Stølting Brodal" userId="04ef4784-6591-4f86-a140-f5c3b108582a" providerId="ADAL" clId="{F316340A-942C-45D6-9D7E-5900E7876E8F}" dt="2023-03-29T10:39:58.718" v="77" actId="113"/>
+        <pc:sldMkLst>
+          <pc:docMk/>
+          <pc:sldMk cId="4115646034" sldId="753"/>
+        </pc:sldMkLst>
+        <pc:spChg chg="mod">
+          <ac:chgData name="Gerth Stølting Brodal" userId="04ef4784-6591-4f86-a140-f5c3b108582a" providerId="ADAL" clId="{F316340A-942C-45D6-9D7E-5900E7876E8F}" dt="2023-03-29T10:36:49.113" v="71" actId="1037"/>
+          <ac:spMkLst>
+            <pc:docMk/>
+            <pc:sldMk cId="4115646034" sldId="753"/>
+            <ac:spMk id="5" creationId="{00000000-0000-0000-0000-000000000000}"/>
+          </ac:spMkLst>
+        </pc:spChg>
+        <pc:spChg chg="mod">
+          <ac:chgData name="Gerth Stølting Brodal" userId="04ef4784-6591-4f86-a140-f5c3b108582a" providerId="ADAL" clId="{F316340A-942C-45D6-9D7E-5900E7876E8F}" dt="2023-03-29T10:39:58.718" v="77" actId="113"/>
+          <ac:spMkLst>
+            <pc:docMk/>
+            <pc:sldMk cId="4115646034" sldId="753"/>
+            <ac:spMk id="7" creationId="{00000000-0000-0000-0000-000000000000}"/>
+          </ac:spMkLst>
+        </pc:spChg>
+        <pc:graphicFrameChg chg="modGraphic">
+          <ac:chgData name="Gerth Stølting Brodal" userId="04ef4784-6591-4f86-a140-f5c3b108582a" providerId="ADAL" clId="{F316340A-942C-45D6-9D7E-5900E7876E8F}" dt="2023-03-29T10:36:25.207" v="56" actId="14734"/>
+          <ac:graphicFrameMkLst>
+            <pc:docMk/>
+            <pc:sldMk cId="4115646034" sldId="753"/>
+            <ac:graphicFrameMk id="4" creationId="{00000000-0000-0000-0000-000000000000}"/>
+          </ac:graphicFrameMkLst>
+        </pc:graphicFrameChg>
+        <pc:picChg chg="mod">
+          <ac:chgData name="Gerth Stølting Brodal" userId="04ef4784-6591-4f86-a140-f5c3b108582a" providerId="ADAL" clId="{F316340A-942C-45D6-9D7E-5900E7876E8F}" dt="2023-03-29T10:36:49.113" v="71" actId="1037"/>
+          <ac:picMkLst>
+            <pc:docMk/>
+            <pc:sldMk cId="4115646034" sldId="753"/>
+            <ac:picMk id="6" creationId="{00000000-0000-0000-0000-000000000000}"/>
+          </ac:picMkLst>
+        </pc:picChg>
+        <pc:picChg chg="mod">
+          <ac:chgData name="Gerth Stølting Brodal" userId="04ef4784-6591-4f86-a140-f5c3b108582a" providerId="ADAL" clId="{F316340A-942C-45D6-9D7E-5900E7876E8F}" dt="2023-03-29T10:36:39.507" v="57" actId="1076"/>
+          <ac:picMkLst>
+            <pc:docMk/>
+            <pc:sldMk cId="4115646034" sldId="753"/>
+            <ac:picMk id="8" creationId="{00000000-0000-0000-0000-000000000000}"/>
+          </ac:picMkLst>
+        </pc:picChg>
+      </pc:sldChg>
+      <pc:sldChg chg="addSp modSp mod modNotesTx">
+        <pc:chgData name="Gerth Stølting Brodal" userId="04ef4784-6591-4f86-a140-f5c3b108582a" providerId="ADAL" clId="{F316340A-942C-45D6-9D7E-5900E7876E8F}" dt="2023-03-29T10:43:20.610" v="94" actId="1035"/>
+        <pc:sldMkLst>
+          <pc:docMk/>
+          <pc:sldMk cId="822157407" sldId="754"/>
+        </pc:sldMkLst>
+        <pc:graphicFrameChg chg="mod modGraphic">
+          <ac:chgData name="Gerth Stølting Brodal" userId="04ef4784-6591-4f86-a140-f5c3b108582a" providerId="ADAL" clId="{F316340A-942C-45D6-9D7E-5900E7876E8F}" dt="2023-03-29T10:42:50.271" v="90"/>
+          <ac:graphicFrameMkLst>
+            <pc:docMk/>
+            <pc:sldMk cId="822157407" sldId="754"/>
+            <ac:graphicFrameMk id="4" creationId="{00000000-0000-0000-0000-000000000000}"/>
+          </ac:graphicFrameMkLst>
+        </pc:graphicFrameChg>
+        <pc:picChg chg="add mod">
+          <ac:chgData name="Gerth Stølting Brodal" userId="04ef4784-6591-4f86-a140-f5c3b108582a" providerId="ADAL" clId="{F316340A-942C-45D6-9D7E-5900E7876E8F}" dt="2023-03-29T10:43:20.610" v="94" actId="1035"/>
+          <ac:picMkLst>
+            <pc:docMk/>
+            <pc:sldMk cId="822157407" sldId="754"/>
+            <ac:picMk id="3" creationId="{71193D85-B494-3907-983F-971117A48141}"/>
+          </ac:picMkLst>
+        </pc:picChg>
+      </pc:sldChg>
+      <pc:sldChg chg="modSp mod">
+        <pc:chgData name="Gerth Stølting Brodal" userId="04ef4784-6591-4f86-a140-f5c3b108582a" providerId="ADAL" clId="{F316340A-942C-45D6-9D7E-5900E7876E8F}" dt="2023-03-29T10:49:44.643" v="95" actId="20577"/>
+        <pc:sldMkLst>
+          <pc:docMk/>
+          <pc:sldMk cId="601737075" sldId="757"/>
+        </pc:sldMkLst>
+        <pc:graphicFrameChg chg="modGraphic">
+          <ac:chgData name="Gerth Stølting Brodal" userId="04ef4784-6591-4f86-a140-f5c3b108582a" providerId="ADAL" clId="{F316340A-942C-45D6-9D7E-5900E7876E8F}" dt="2023-03-29T10:49:44.643" v="95" actId="20577"/>
+          <ac:graphicFrameMkLst>
+            <pc:docMk/>
+            <pc:sldMk cId="601737075" sldId="757"/>
+            <ac:graphicFrameMk id="4" creationId="{00000000-0000-0000-0000-000000000000}"/>
+          </ac:graphicFrameMkLst>
+        </pc:graphicFrameChg>
+      </pc:sldChg>
+      <pc:sldChg chg="modSp mod">
+        <pc:chgData name="Gerth Stølting Brodal" userId="04ef4784-6591-4f86-a140-f5c3b108582a" providerId="ADAL" clId="{F316340A-942C-45D6-9D7E-5900E7876E8F}" dt="2023-03-29T10:51:34.765" v="97" actId="1076"/>
+        <pc:sldMkLst>
+          <pc:docMk/>
+          <pc:sldMk cId="2008844095" sldId="763"/>
+        </pc:sldMkLst>
+        <pc:spChg chg="mod">
+          <ac:chgData name="Gerth Stølting Brodal" userId="04ef4784-6591-4f86-a140-f5c3b108582a" providerId="ADAL" clId="{F316340A-942C-45D6-9D7E-5900E7876E8F}" dt="2023-03-29T10:51:20.113" v="96" actId="14100"/>
+          <ac:spMkLst>
+            <pc:docMk/>
+            <pc:sldMk cId="2008844095" sldId="763"/>
+            <ac:spMk id="5" creationId="{00000000-0000-0000-0000-000000000000}"/>
+          </ac:spMkLst>
+        </pc:spChg>
+        <pc:picChg chg="mod">
+          <ac:chgData name="Gerth Stølting Brodal" userId="04ef4784-6591-4f86-a140-f5c3b108582a" providerId="ADAL" clId="{F316340A-942C-45D6-9D7E-5900E7876E8F}" dt="2023-03-29T10:51:34.765" v="97" actId="1076"/>
+          <ac:picMkLst>
+            <pc:docMk/>
+            <pc:sldMk cId="2008844095" sldId="763"/>
+            <ac:picMk id="6" creationId="{00000000-0000-0000-0000-000000000000}"/>
+          </ac:picMkLst>
+        </pc:picChg>
+      </pc:sldChg>
+      <pc:sldChg chg="modNotesTx">
+        <pc:chgData name="Gerth Stølting Brodal" userId="04ef4784-6591-4f86-a140-f5c3b108582a" providerId="ADAL" clId="{F316340A-942C-45D6-9D7E-5900E7876E8F}" dt="2023-03-29T11:02:33.279" v="169" actId="113"/>
+        <pc:sldMkLst>
+          <pc:docMk/>
+          <pc:sldMk cId="3517907610" sldId="765"/>
+        </pc:sldMkLst>
+      </pc:sldChg>
+    </pc:docChg>
+  </pc:docChgLst>
   <pc:docChgLst>
     <pc:chgData name="Gerth Stølting Brodal" userId="04ef4784-6591-4f86-a140-f5c3b108582a" providerId="ADAL" clId="{6582DE44-CBB2-4155-94EA-6873D72B1ACF}"/>
     <pc:docChg chg="undo redo custSel addSld delSld modSld sldOrd">
@@ -1184,7 +1316,7 @@
           <a:p>
             <a:fld id="{FB1A172F-81D4-4DC4-9113-1DBD56EC3646}" type="datetimeFigureOut">
               <a:rPr lang="en-US" smtClean="0"/>
-              <a:t>3/11/2023</a:t>
+              <a:t>3/29/2023</a:t>
             </a:fld>
             <a:endParaRPr lang="en-US"/>
           </a:p>
@@ -1591,6 +1723,194 @@
           <a:bodyPr/>
           <a:lstStyle/>
           <a:p>
+            <a:r>
+              <a:rPr lang="en-US" dirty="0"/>
+              <a:t>np.mod can also take two arrays and applied elementwise</a:t>
+            </a:r>
+            <a:r>
+              <a:rPr lang="en-US" baseline="0" dirty="0"/>
+              <a:t> modulo</a:t>
+            </a:r>
+            <a:endParaRPr lang="en-US" dirty="0"/>
+          </a:p>
+        </p:txBody>
+      </p:sp>
+      <p:sp>
+        <p:nvSpPr>
+          <p:cNvPr id="4" name="Slide Number Placeholder 3"/>
+          <p:cNvSpPr>
+            <a:spLocks noGrp="1"/>
+          </p:cNvSpPr>
+          <p:nvPr>
+            <p:ph type="sldNum" sz="quarter" idx="10"/>
+          </p:nvPr>
+        </p:nvSpPr>
+        <p:spPr/>
+        <p:txBody>
+          <a:bodyPr/>
+          <a:lstStyle/>
+          <a:p>
+            <a:fld id="{CD563DD8-32AB-41BE-B1C6-8EAC45222ACE}" type="slidenum">
+              <a:rPr lang="en-US" smtClean="0"/>
+              <a:t>13</a:t>
+            </a:fld>
+            <a:endParaRPr lang="en-US"/>
+          </a:p>
+        </p:txBody>
+      </p:sp>
+    </p:spTree>
+    <p:extLst>
+      <p:ext uri="{BB962C8B-B14F-4D97-AF65-F5344CB8AC3E}">
+        <p14:creationId xmlns:p14="http://schemas.microsoft.com/office/powerpoint/2010/main" val="2883948154"/>
+      </p:ext>
+    </p:extLst>
+  </p:cSld>
+  <p:clrMapOvr>
+    <a:masterClrMapping/>
+  </p:clrMapOvr>
+</p:notes>
+</file>
+
+<file path=ppt/notesSlides/notesSlide11.xml><?xml version="1.0" encoding="utf-8"?>
+<p:notes xmlns:a="http://schemas.openxmlformats.org/drawingml/2006/main" xmlns:r="http://schemas.openxmlformats.org/officeDocument/2006/relationships" xmlns:p="http://schemas.openxmlformats.org/presentationml/2006/main">
+  <p:cSld>
+    <p:spTree>
+      <p:nvGrpSpPr>
+        <p:cNvPr id="1" name=""/>
+        <p:cNvGrpSpPr/>
+        <p:nvPr/>
+      </p:nvGrpSpPr>
+      <p:grpSpPr>
+        <a:xfrm>
+          <a:off x="0" y="0"/>
+          <a:ext cx="0" cy="0"/>
+          <a:chOff x="0" y="0"/>
+          <a:chExt cx="0" cy="0"/>
+        </a:xfrm>
+      </p:grpSpPr>
+      <p:sp>
+        <p:nvSpPr>
+          <p:cNvPr id="2" name="Slide Image Placeholder 1"/>
+          <p:cNvSpPr>
+            <a:spLocks noGrp="1" noRot="1" noChangeAspect="1"/>
+          </p:cNvSpPr>
+          <p:nvPr>
+            <p:ph type="sldImg"/>
+          </p:nvPr>
+        </p:nvSpPr>
+        <p:spPr/>
+      </p:sp>
+      <p:sp>
+        <p:nvSpPr>
+          <p:cNvPr id="3" name="Notes Placeholder 2"/>
+          <p:cNvSpPr>
+            <a:spLocks noGrp="1"/>
+          </p:cNvSpPr>
+          <p:nvPr>
+            <p:ph type="body" idx="1"/>
+          </p:nvPr>
+        </p:nvSpPr>
+        <p:spPr/>
+        <p:txBody>
+          <a:bodyPr/>
+          <a:lstStyle/>
+          <a:p>
+            <a:r>
+              <a:rPr lang="en-US" b="1" dirty="0"/>
+              <a:t>sum(axis=0)  removes</a:t>
+            </a:r>
+            <a:r>
+              <a:rPr lang="en-US" b="1" baseline="0" dirty="0"/>
+              <a:t> axis 0 </a:t>
+            </a:r>
+            <a:r>
+              <a:rPr lang="en-US" baseline="0" dirty="0"/>
+              <a:t>(sums over this axis)</a:t>
+            </a:r>
+            <a:endParaRPr lang="en-US" dirty="0"/>
+          </a:p>
+        </p:txBody>
+      </p:sp>
+      <p:sp>
+        <p:nvSpPr>
+          <p:cNvPr id="4" name="Slide Number Placeholder 3"/>
+          <p:cNvSpPr>
+            <a:spLocks noGrp="1"/>
+          </p:cNvSpPr>
+          <p:nvPr>
+            <p:ph type="sldNum" sz="quarter" idx="10"/>
+          </p:nvPr>
+        </p:nvSpPr>
+        <p:spPr/>
+        <p:txBody>
+          <a:bodyPr/>
+          <a:lstStyle/>
+          <a:p>
+            <a:fld id="{CD563DD8-32AB-41BE-B1C6-8EAC45222ACE}" type="slidenum">
+              <a:rPr lang="en-US" smtClean="0"/>
+              <a:t>14</a:t>
+            </a:fld>
+            <a:endParaRPr lang="en-US"/>
+          </a:p>
+        </p:txBody>
+      </p:sp>
+    </p:spTree>
+    <p:extLst>
+      <p:ext uri="{BB962C8B-B14F-4D97-AF65-F5344CB8AC3E}">
+        <p14:creationId xmlns:p14="http://schemas.microsoft.com/office/powerpoint/2010/main" val="3246251085"/>
+      </p:ext>
+    </p:extLst>
+  </p:cSld>
+  <p:clrMapOvr>
+    <a:masterClrMapping/>
+  </p:clrMapOvr>
+</p:notes>
+</file>
+
+<file path=ppt/notesSlides/notesSlide12.xml><?xml version="1.0" encoding="utf-8"?>
+<p:notes xmlns:a="http://schemas.openxmlformats.org/drawingml/2006/main" xmlns:r="http://schemas.openxmlformats.org/officeDocument/2006/relationships" xmlns:p="http://schemas.openxmlformats.org/presentationml/2006/main">
+  <p:cSld>
+    <p:spTree>
+      <p:nvGrpSpPr>
+        <p:cNvPr id="1" name=""/>
+        <p:cNvGrpSpPr/>
+        <p:nvPr/>
+      </p:nvGrpSpPr>
+      <p:grpSpPr>
+        <a:xfrm>
+          <a:off x="0" y="0"/>
+          <a:ext cx="0" cy="0"/>
+          <a:chOff x="0" y="0"/>
+          <a:chExt cx="0" cy="0"/>
+        </a:xfrm>
+      </p:grpSpPr>
+      <p:sp>
+        <p:nvSpPr>
+          <p:cNvPr id="2" name="Slide Image Placeholder 1"/>
+          <p:cNvSpPr>
+            <a:spLocks noGrp="1" noRot="1" noChangeAspect="1"/>
+          </p:cNvSpPr>
+          <p:nvPr>
+            <p:ph type="sldImg"/>
+          </p:nvPr>
+        </p:nvSpPr>
+        <p:spPr/>
+      </p:sp>
+      <p:sp>
+        <p:nvSpPr>
+          <p:cNvPr id="3" name="Notes Placeholder 2"/>
+          <p:cNvSpPr>
+            <a:spLocks noGrp="1"/>
+          </p:cNvSpPr>
+          <p:nvPr>
+            <p:ph type="body" idx="1"/>
+          </p:nvPr>
+        </p:nvSpPr>
+        <p:spPr/>
+        <p:txBody>
+          <a:bodyPr/>
+          <a:lstStyle/>
+          <a:p>
             <a:endParaRPr lang="en-US" dirty="0"/>
           </a:p>
         </p:txBody>
@@ -1631,7 +1951,7 @@
 </p:notes>
 </file>
 
-<file path=ppt/notesSlides/notesSlide11.xml><?xml version="1.0" encoding="utf-8"?>
+<file path=ppt/notesSlides/notesSlide13.xml><?xml version="1.0" encoding="utf-8"?>
 <p:notes xmlns:a="http://schemas.openxmlformats.org/drawingml/2006/main" xmlns:r="http://schemas.openxmlformats.org/officeDocument/2006/relationships" xmlns:p="http://schemas.openxmlformats.org/presentationml/2006/main">
   <p:cSld>
     <p:spTree>
@@ -1715,7 +2035,7 @@
 </p:notes>
 </file>
 
-<file path=ppt/notesSlides/notesSlide12.xml><?xml version="1.0" encoding="utf-8"?>
+<file path=ppt/notesSlides/notesSlide14.xml><?xml version="1.0" encoding="utf-8"?>
 <p:notes xmlns:a="http://schemas.openxmlformats.org/drawingml/2006/main" xmlns:r="http://schemas.openxmlformats.org/officeDocument/2006/relationships" xmlns:p="http://schemas.openxmlformats.org/presentationml/2006/main">
   <p:cSld>
     <p:spTree>
@@ -1802,7 +2122,7 @@
 </p:notes>
 </file>
 
-<file path=ppt/notesSlides/notesSlide13.xml><?xml version="1.0" encoding="utf-8"?>
+<file path=ppt/notesSlides/notesSlide15.xml><?xml version="1.0" encoding="utf-8"?>
 <p:notes xmlns:a="http://schemas.openxmlformats.org/drawingml/2006/main" xmlns:r="http://schemas.openxmlformats.org/officeDocument/2006/relationships" xmlns:p="http://schemas.openxmlformats.org/presentationml/2006/main">
   <p:cSld>
     <p:spTree>
@@ -1860,6 +2180,169 @@
               <a:t>~40 and ~10 times faster</a:t>
             </a:r>
           </a:p>
+          <a:p>
+            <a:endParaRPr lang="en-US" dirty="0"/>
+          </a:p>
+          <a:p>
+            <a:r>
+              <a:rPr lang="en-US" dirty="0" err="1"/>
+              <a:t>timeit</a:t>
+            </a:r>
+            <a:r>
+              <a:rPr lang="en-US" dirty="0"/>
+              <a:t>('</a:t>
+            </a:r>
+            <a:r>
+              <a:rPr lang="en-US" b="1" dirty="0"/>
+              <a:t>sum(A)</a:t>
+            </a:r>
+            <a:r>
+              <a:rPr lang="en-US" dirty="0"/>
+              <a:t>', setup='A = </a:t>
+            </a:r>
+            <a:r>
+              <a:rPr lang="en-US" b="1" dirty="0"/>
+              <a:t>list(range</a:t>
+            </a:r>
+            <a:r>
+              <a:rPr lang="en-US" dirty="0"/>
+              <a:t>(10**6))', number=100)             </a:t>
+            </a:r>
+          </a:p>
+          <a:p>
+            <a:r>
+              <a:rPr lang="en-US" dirty="0"/>
+              <a:t>1.6</a:t>
+            </a:r>
+          </a:p>
+          <a:p>
+            <a:r>
+              <a:rPr lang="en-US" dirty="0" err="1"/>
+              <a:t>timeit</a:t>
+            </a:r>
+            <a:r>
+              <a:rPr lang="en-US" dirty="0"/>
+              <a:t>('</a:t>
+            </a:r>
+            <a:r>
+              <a:rPr lang="en-US" b="1" dirty="0"/>
+              <a:t>sum(A)</a:t>
+            </a:r>
+            <a:r>
+              <a:rPr lang="en-US" dirty="0"/>
+              <a:t>', setup='import </a:t>
+            </a:r>
+            <a:r>
+              <a:rPr lang="en-US" dirty="0" err="1"/>
+              <a:t>numpy</a:t>
+            </a:r>
+            <a:r>
+              <a:rPr lang="en-US" dirty="0"/>
+              <a:t> as np; A = </a:t>
+            </a:r>
+            <a:r>
+              <a:rPr lang="en-US" b="1" dirty="0" err="1"/>
+              <a:t>np.array</a:t>
+            </a:r>
+            <a:r>
+              <a:rPr lang="en-US" dirty="0"/>
+              <a:t>(range(10**6))', number=100)</a:t>
+            </a:r>
+          </a:p>
+          <a:p>
+            <a:r>
+              <a:rPr lang="en-US" dirty="0" err="1"/>
+              <a:t>RuntimeWarning</a:t>
+            </a:r>
+            <a:r>
+              <a:rPr lang="en-US" dirty="0"/>
+              <a:t>: overflow encountered in scalar add</a:t>
+            </a:r>
+          </a:p>
+          <a:p>
+            <a:r>
+              <a:rPr lang="en-US" dirty="0"/>
+              <a:t>4.1  # slower</a:t>
+            </a:r>
+          </a:p>
+          <a:p>
+            <a:r>
+              <a:rPr lang="en-US" dirty="0" err="1"/>
+              <a:t>timeit</a:t>
+            </a:r>
+            <a:r>
+              <a:rPr lang="en-US" dirty="0"/>
+              <a:t>('</a:t>
+            </a:r>
+            <a:r>
+              <a:rPr lang="en-US" b="1" dirty="0" err="1"/>
+              <a:t>np.sum</a:t>
+            </a:r>
+            <a:r>
+              <a:rPr lang="en-US" dirty="0"/>
+              <a:t>(A)', setup='import </a:t>
+            </a:r>
+            <a:r>
+              <a:rPr lang="en-US" dirty="0" err="1"/>
+              <a:t>numpy</a:t>
+            </a:r>
+            <a:r>
+              <a:rPr lang="en-US" dirty="0"/>
+              <a:t> as np; A = </a:t>
+            </a:r>
+            <a:r>
+              <a:rPr lang="en-US" dirty="0" err="1"/>
+              <a:t>np.array</a:t>
+            </a:r>
+            <a:r>
+              <a:rPr lang="en-US" dirty="0"/>
+              <a:t>(range(10**6))', number=100)</a:t>
+            </a:r>
+          </a:p>
+          <a:p>
+            <a:r>
+              <a:rPr lang="en-US" dirty="0" err="1"/>
+              <a:t>timeit</a:t>
+            </a:r>
+            <a:r>
+              <a:rPr lang="en-US" dirty="0"/>
+              <a:t>(</a:t>
+            </a:r>
+            <a:r>
+              <a:rPr lang="en-US" b="1" dirty="0"/>
+              <a:t>'</a:t>
+            </a:r>
+            <a:r>
+              <a:rPr lang="en-US" b="1" dirty="0" err="1"/>
+              <a:t>A.sum</a:t>
+            </a:r>
+            <a:r>
+              <a:rPr lang="en-US" dirty="0"/>
+              <a:t>()', setup='import </a:t>
+            </a:r>
+            <a:r>
+              <a:rPr lang="en-US" dirty="0" err="1"/>
+              <a:t>numpy</a:t>
+            </a:r>
+            <a:r>
+              <a:rPr lang="en-US" dirty="0"/>
+              <a:t> as np; A = </a:t>
+            </a:r>
+            <a:r>
+              <a:rPr lang="en-US" dirty="0" err="1"/>
+              <a:t>np.array</a:t>
+            </a:r>
+            <a:r>
+              <a:rPr lang="en-US" dirty="0"/>
+              <a:t>(range(10**6))', number=100)</a:t>
+            </a:r>
+          </a:p>
+          <a:p>
+            <a:r>
+              <a:rPr lang="en-US" dirty="0"/>
+              <a:t>0.02  # factor 100 faster</a:t>
+            </a:r>
+          </a:p>
         </p:txBody>
       </p:sp>
       <p:sp>
@@ -1898,7 +2381,7 @@
 </p:notes>
 </file>
 
-<file path=ppt/notesSlides/notesSlide14.xml><?xml version="1.0" encoding="utf-8"?>
+<file path=ppt/notesSlides/notesSlide16.xml><?xml version="1.0" encoding="utf-8"?>
 <p:notes xmlns:a="http://schemas.openxmlformats.org/drawingml/2006/main" xmlns:r="http://schemas.openxmlformats.org/officeDocument/2006/relationships" xmlns:p="http://schemas.openxmlformats.org/presentationml/2006/main">
   <p:cSld>
     <p:spTree>
@@ -1982,7 +2465,7 @@
 </p:notes>
 </file>
 
-<file path=ppt/notesSlides/notesSlide15.xml><?xml version="1.0" encoding="utf-8"?>
+<file path=ppt/notesSlides/notesSlide17.xml><?xml version="1.0" encoding="utf-8"?>
 <p:notes xmlns:a="http://schemas.openxmlformats.org/drawingml/2006/main" xmlns:r="http://schemas.openxmlformats.org/officeDocument/2006/relationships" xmlns:p="http://schemas.openxmlformats.org/presentationml/2006/main">
   <p:cSld>
     <p:spTree>
@@ -2066,266 +2549,6 @@
 </p:notes>
 </file>
 
-<file path=ppt/notesSlides/notesSlide16.xml><?xml version="1.0" encoding="utf-8"?>
-<p:notes xmlns:a="http://schemas.openxmlformats.org/drawingml/2006/main" xmlns:r="http://schemas.openxmlformats.org/officeDocument/2006/relationships" xmlns:p="http://schemas.openxmlformats.org/presentationml/2006/main">
-  <p:cSld>
-    <p:spTree>
-      <p:nvGrpSpPr>
-        <p:cNvPr id="1" name=""/>
-        <p:cNvGrpSpPr/>
-        <p:nvPr/>
-      </p:nvGrpSpPr>
-      <p:grpSpPr>
-        <a:xfrm>
-          <a:off x="0" y="0"/>
-          <a:ext cx="0" cy="0"/>
-          <a:chOff x="0" y="0"/>
-          <a:chExt cx="0" cy="0"/>
-        </a:xfrm>
-      </p:grpSpPr>
-      <p:sp>
-        <p:nvSpPr>
-          <p:cNvPr id="2" name="Slide Image Placeholder 1"/>
-          <p:cNvSpPr>
-            <a:spLocks noGrp="1" noRot="1" noChangeAspect="1"/>
-          </p:cNvSpPr>
-          <p:nvPr>
-            <p:ph type="sldImg"/>
-          </p:nvPr>
-        </p:nvSpPr>
-        <p:spPr/>
-      </p:sp>
-      <p:sp>
-        <p:nvSpPr>
-          <p:cNvPr id="3" name="Notes Placeholder 2"/>
-          <p:cNvSpPr>
-            <a:spLocks noGrp="1"/>
-          </p:cNvSpPr>
-          <p:nvPr>
-            <p:ph type="body" idx="1"/>
-          </p:nvPr>
-        </p:nvSpPr>
-        <p:spPr/>
-        <p:txBody>
-          <a:bodyPr/>
-          <a:lstStyle/>
-          <a:p>
-            <a:r>
-              <a:rPr lang="en-US" dirty="0"/>
-              <a:t>SVD not part of “Linear Algebra” course, but chapter 14.3 in lecture notes by Jesper Funch Thomsen</a:t>
-            </a:r>
-          </a:p>
-          <a:p>
-            <a:r>
-              <a:rPr lang="en-US" dirty="0"/>
-              <a:t>Example shows how SVD can be used for image compression</a:t>
-            </a:r>
-          </a:p>
-          <a:p>
-            <a:r>
-              <a:rPr lang="en-US" dirty="0"/>
-              <a:t>Pink part of V is required for making U unitary, but is not used at all in the final product (wasted computation…)</a:t>
-            </a:r>
-          </a:p>
-          <a:p>
-            <a:r>
-              <a:rPr lang="en-US" dirty="0"/>
-              <a:t>u, s, v are </a:t>
-            </a:r>
-            <a:r>
-              <a:rPr lang="en-US" dirty="0" err="1"/>
-              <a:t>numpy</a:t>
-            </a:r>
-            <a:r>
-              <a:rPr lang="en-US" dirty="0"/>
-              <a:t> arrays with floats</a:t>
-            </a:r>
-          </a:p>
-        </p:txBody>
-      </p:sp>
-      <p:sp>
-        <p:nvSpPr>
-          <p:cNvPr id="4" name="Slide Number Placeholder 3"/>
-          <p:cNvSpPr>
-            <a:spLocks noGrp="1"/>
-          </p:cNvSpPr>
-          <p:nvPr>
-            <p:ph type="sldNum" sz="quarter" idx="10"/>
-          </p:nvPr>
-        </p:nvSpPr>
-        <p:spPr/>
-        <p:txBody>
-          <a:bodyPr/>
-          <a:lstStyle/>
-          <a:p>
-            <a:fld id="{CD563DD8-32AB-41BE-B1C6-8EAC45222ACE}" type="slidenum">
-              <a:rPr lang="en-US" smtClean="0"/>
-              <a:t>21</a:t>
-            </a:fld>
-            <a:endParaRPr lang="en-US"/>
-          </a:p>
-        </p:txBody>
-      </p:sp>
-    </p:spTree>
-    <p:extLst>
-      <p:ext uri="{BB962C8B-B14F-4D97-AF65-F5344CB8AC3E}">
-        <p14:creationId xmlns:p14="http://schemas.microsoft.com/office/powerpoint/2010/main" val="2534788376"/>
-      </p:ext>
-    </p:extLst>
-  </p:cSld>
-  <p:clrMapOvr>
-    <a:masterClrMapping/>
-  </p:clrMapOvr>
-</p:notes>
-</file>
-
-<file path=ppt/notesSlides/notesSlide17.xml><?xml version="1.0" encoding="utf-8"?>
-<p:notes xmlns:a="http://schemas.openxmlformats.org/drawingml/2006/main" xmlns:r="http://schemas.openxmlformats.org/officeDocument/2006/relationships" xmlns:p="http://schemas.openxmlformats.org/presentationml/2006/main">
-  <p:cSld>
-    <p:spTree>
-      <p:nvGrpSpPr>
-        <p:cNvPr id="1" name=""/>
-        <p:cNvGrpSpPr/>
-        <p:nvPr/>
-      </p:nvGrpSpPr>
-      <p:grpSpPr>
-        <a:xfrm>
-          <a:off x="0" y="0"/>
-          <a:ext cx="0" cy="0"/>
-          <a:chOff x="0" y="0"/>
-          <a:chExt cx="0" cy="0"/>
-        </a:xfrm>
-      </p:grpSpPr>
-      <p:sp>
-        <p:nvSpPr>
-          <p:cNvPr id="2" name="Slide Image Placeholder 1"/>
-          <p:cNvSpPr>
-            <a:spLocks noGrp="1" noRot="1" noChangeAspect="1"/>
-          </p:cNvSpPr>
-          <p:nvPr>
-            <p:ph type="sldImg"/>
-          </p:nvPr>
-        </p:nvSpPr>
-        <p:spPr/>
-      </p:sp>
-      <p:sp>
-        <p:nvSpPr>
-          <p:cNvPr id="3" name="Notes Placeholder 2"/>
-          <p:cNvSpPr>
-            <a:spLocks noGrp="1"/>
-          </p:cNvSpPr>
-          <p:nvPr>
-            <p:ph type="body" idx="1"/>
-          </p:nvPr>
-        </p:nvSpPr>
-        <p:spPr/>
-        <p:txBody>
-          <a:bodyPr/>
-          <a:lstStyle/>
-          <a:p>
-            <a:r>
-              <a:rPr lang="da-DK" sz="1200" b="1" dirty="0" err="1">
-                <a:latin typeface="Courier New" panose="02070309020205020404" pitchFamily="49" charset="0"/>
-                <a:cs typeface="Courier New" panose="02070309020205020404" pitchFamily="49" charset="0"/>
-              </a:rPr>
-              <a:t>np.linalg.svd</a:t>
-            </a:r>
-            <a:r>
-              <a:rPr lang="da-DK" sz="1200" b="1" dirty="0">
-                <a:latin typeface="Courier New" panose="02070309020205020404" pitchFamily="49" charset="0"/>
-                <a:cs typeface="Courier New" panose="02070309020205020404" pitchFamily="49" charset="0"/>
-              </a:rPr>
-              <a:t>(…</a:t>
-            </a:r>
-            <a:r>
-              <a:rPr lang="da-DK" sz="1200" b="1" dirty="0" err="1">
-                <a:latin typeface="Courier New" panose="02070309020205020404" pitchFamily="49" charset="0"/>
-                <a:cs typeface="Courier New" panose="02070309020205020404" pitchFamily="49" charset="0"/>
-              </a:rPr>
-              <a:t>full_matrices</a:t>
-            </a:r>
-            <a:r>
-              <a:rPr lang="da-DK" sz="1200" b="1" dirty="0">
-                <a:latin typeface="Courier New" panose="02070309020205020404" pitchFamily="49" charset="0"/>
-                <a:cs typeface="Courier New" panose="02070309020205020404" pitchFamily="49" charset="0"/>
-              </a:rPr>
-              <a:t>=False) </a:t>
-            </a:r>
-            <a:r>
-              <a:rPr lang="da-DK" sz="1200" b="1" dirty="0" err="1">
-                <a:latin typeface="Courier New" panose="02070309020205020404" pitchFamily="49" charset="0"/>
-                <a:cs typeface="Courier New" panose="02070309020205020404" pitchFamily="49" charset="0"/>
-              </a:rPr>
-              <a:t>only</a:t>
-            </a:r>
-            <a:r>
-              <a:rPr lang="da-DK" sz="1200" b="1" dirty="0">
-                <a:latin typeface="Courier New" panose="02070309020205020404" pitchFamily="49" charset="0"/>
-                <a:cs typeface="Courier New" panose="02070309020205020404" pitchFamily="49" charset="0"/>
-              </a:rPr>
-              <a:t> generates the non-</a:t>
-            </a:r>
-            <a:r>
-              <a:rPr lang="da-DK" sz="1200" b="1" dirty="0" err="1">
-                <a:latin typeface="Courier New" panose="02070309020205020404" pitchFamily="49" charset="0"/>
-                <a:cs typeface="Courier New" panose="02070309020205020404" pitchFamily="49" charset="0"/>
-              </a:rPr>
-              <a:t>zero</a:t>
-            </a:r>
-            <a:r>
-              <a:rPr lang="da-DK" sz="1200" b="1" dirty="0">
-                <a:latin typeface="Courier New" panose="02070309020205020404" pitchFamily="49" charset="0"/>
-                <a:cs typeface="Courier New" panose="02070309020205020404" pitchFamily="49" charset="0"/>
-              </a:rPr>
-              <a:t> part of </a:t>
-            </a:r>
-            <a:r>
-              <a:rPr lang="da-DK" sz="1200" b="1" i="1" dirty="0">
-                <a:latin typeface="Courier New" panose="02070309020205020404" pitchFamily="49" charset="0"/>
-                <a:cs typeface="Courier New" panose="02070309020205020404" pitchFamily="49" charset="0"/>
-              </a:rPr>
-              <a:t>V</a:t>
-            </a:r>
-            <a:endParaRPr lang="en-US" i="1" baseline="30000" dirty="0"/>
-          </a:p>
-        </p:txBody>
-      </p:sp>
-      <p:sp>
-        <p:nvSpPr>
-          <p:cNvPr id="4" name="Slide Number Placeholder 3"/>
-          <p:cNvSpPr>
-            <a:spLocks noGrp="1"/>
-          </p:cNvSpPr>
-          <p:nvPr>
-            <p:ph type="sldNum" sz="quarter" idx="10"/>
-          </p:nvPr>
-        </p:nvSpPr>
-        <p:spPr/>
-        <p:txBody>
-          <a:bodyPr/>
-          <a:lstStyle/>
-          <a:p>
-            <a:fld id="{CD563DD8-32AB-41BE-B1C6-8EAC45222ACE}" type="slidenum">
-              <a:rPr lang="en-US" smtClean="0"/>
-              <a:t>22</a:t>
-            </a:fld>
-            <a:endParaRPr lang="en-US"/>
-          </a:p>
-        </p:txBody>
-      </p:sp>
-    </p:spTree>
-    <p:extLst>
-      <p:ext uri="{BB962C8B-B14F-4D97-AF65-F5344CB8AC3E}">
-        <p14:creationId xmlns:p14="http://schemas.microsoft.com/office/powerpoint/2010/main" val="2764587566"/>
-      </p:ext>
-    </p:extLst>
-  </p:cSld>
-  <p:clrMapOvr>
-    <a:masterClrMapping/>
-  </p:clrMapOvr>
-</p:notes>
-</file>
-
 <file path=ppt/notesSlides/notesSlide18.xml><?xml version="1.0" encoding="utf-8"?>
 <p:notes xmlns:a="http://schemas.openxmlformats.org/drawingml/2006/main" xmlns:r="http://schemas.openxmlformats.org/officeDocument/2006/relationships" xmlns:p="http://schemas.openxmlformats.org/presentationml/2006/main">
   <p:cSld>
@@ -2371,241 +2594,35 @@
           <a:lstStyle/>
           <a:p>
             <a:r>
-              <a:rPr lang="da-DK" sz="1200" b="0" dirty="0" err="1">
-                <a:latin typeface="Courier New" panose="02070309020205020404" pitchFamily="49" charset="0"/>
-                <a:cs typeface="Courier New" panose="02070309020205020404" pitchFamily="49" charset="0"/>
-              </a:rPr>
-              <a:t>Apply</a:t>
-            </a:r>
-            <a:r>
-              <a:rPr lang="da-DK" sz="1200" b="0" dirty="0">
-                <a:latin typeface="Courier New" panose="02070309020205020404" pitchFamily="49" charset="0"/>
-                <a:cs typeface="Courier New" panose="02070309020205020404" pitchFamily="49" charset="0"/>
-              </a:rPr>
-              <a:t> SVD to </a:t>
-            </a:r>
-            <a:r>
-              <a:rPr lang="da-DK" sz="1200" b="0" dirty="0" err="1">
-                <a:latin typeface="Courier New" panose="02070309020205020404" pitchFamily="49" charset="0"/>
-                <a:cs typeface="Courier New" panose="02070309020205020404" pitchFamily="49" charset="0"/>
-              </a:rPr>
-              <a:t>each</a:t>
-            </a:r>
-            <a:r>
-              <a:rPr lang="da-DK" sz="1200" b="0" dirty="0">
-                <a:latin typeface="Courier New" panose="02070309020205020404" pitchFamily="49" charset="0"/>
-                <a:cs typeface="Courier New" panose="02070309020205020404" pitchFamily="49" charset="0"/>
-              </a:rPr>
-              <a:t> </a:t>
-            </a:r>
-            <a:r>
-              <a:rPr lang="da-DK" sz="1200" b="0" dirty="0" err="1">
-                <a:latin typeface="Courier New" panose="02070309020205020404" pitchFamily="49" charset="0"/>
-                <a:cs typeface="Courier New" panose="02070309020205020404" pitchFamily="49" charset="0"/>
-              </a:rPr>
-              <a:t>color</a:t>
-            </a:r>
-            <a:r>
-              <a:rPr lang="da-DK" sz="1200" b="0" dirty="0">
-                <a:latin typeface="Courier New" panose="02070309020205020404" pitchFamily="49" charset="0"/>
-                <a:cs typeface="Courier New" panose="02070309020205020404" pitchFamily="49" charset="0"/>
-              </a:rPr>
-              <a:t> </a:t>
-            </a:r>
-            <a:r>
-              <a:rPr lang="da-DK" sz="1200" b="0" dirty="0" err="1">
-                <a:latin typeface="Courier New" panose="02070309020205020404" pitchFamily="49" charset="0"/>
-                <a:cs typeface="Courier New" panose="02070309020205020404" pitchFamily="49" charset="0"/>
-              </a:rPr>
-              <a:t>seaparately</a:t>
-            </a:r>
-            <a:endParaRPr lang="da-DK" sz="1200" b="0" dirty="0">
-              <a:latin typeface="Courier New" panose="02070309020205020404" pitchFamily="49" charset="0"/>
-              <a:cs typeface="Courier New" panose="02070309020205020404" pitchFamily="49" charset="0"/>
-            </a:endParaRPr>
+              <a:rPr lang="en-US" dirty="0"/>
+              <a:t>SVD not part of “Linear Algebra” course, but chapter 14.3 in lecture notes by Jesper Funch Thomsen</a:t>
+            </a:r>
           </a:p>
           <a:p>
             <a:r>
-              <a:rPr lang="da-DK" sz="1200" b="0" dirty="0" err="1">
-                <a:latin typeface="Courier New" panose="02070309020205020404" pitchFamily="49" charset="0"/>
-                <a:cs typeface="Courier New" panose="02070309020205020404" pitchFamily="49" charset="0"/>
-              </a:rPr>
-              <a:t>Replace</a:t>
-            </a:r>
-            <a:r>
-              <a:rPr lang="da-DK" sz="1200" b="0" dirty="0">
-                <a:latin typeface="Courier New" panose="02070309020205020404" pitchFamily="49" charset="0"/>
-                <a:cs typeface="Courier New" panose="02070309020205020404" pitchFamily="49" charset="0"/>
-              </a:rPr>
-              <a:t> </a:t>
-            </a:r>
-            <a:r>
-              <a:rPr lang="da-DK" sz="1200" b="0" dirty="0" err="1">
-                <a:latin typeface="Courier New" panose="02070309020205020404" pitchFamily="49" charset="0"/>
-                <a:cs typeface="Courier New" panose="02070309020205020404" pitchFamily="49" charset="0"/>
-              </a:rPr>
-              <a:t>muliplication</a:t>
-            </a:r>
-            <a:r>
-              <a:rPr lang="da-DK" sz="1200" b="0" dirty="0">
-                <a:latin typeface="Courier New" panose="02070309020205020404" pitchFamily="49" charset="0"/>
-                <a:cs typeface="Courier New" panose="02070309020205020404" pitchFamily="49" charset="0"/>
-              </a:rPr>
-              <a:t> by diagonal matrix by </a:t>
-            </a:r>
-            <a:r>
-              <a:rPr lang="da-DK" sz="1200" b="0" dirty="0" err="1">
-                <a:latin typeface="Courier New" panose="02070309020205020404" pitchFamily="49" charset="0"/>
-                <a:cs typeface="Courier New" panose="02070309020205020404" pitchFamily="49" charset="0"/>
-              </a:rPr>
-              <a:t>elementwise</a:t>
-            </a:r>
-            <a:r>
-              <a:rPr lang="da-DK" sz="1200" b="0" dirty="0">
-                <a:latin typeface="Courier New" panose="02070309020205020404" pitchFamily="49" charset="0"/>
-                <a:cs typeface="Courier New" panose="02070309020205020404" pitchFamily="49" charset="0"/>
-              </a:rPr>
-              <a:t> </a:t>
-            </a:r>
-            <a:r>
-              <a:rPr lang="da-DK" sz="1200" b="0" dirty="0" err="1">
-                <a:latin typeface="Courier New" panose="02070309020205020404" pitchFamily="49" charset="0"/>
-                <a:cs typeface="Courier New" panose="02070309020205020404" pitchFamily="49" charset="0"/>
-              </a:rPr>
-              <a:t>multiplication</a:t>
-            </a:r>
-            <a:r>
-              <a:rPr lang="da-DK" sz="1200" b="0" dirty="0">
-                <a:latin typeface="Courier New" panose="02070309020205020404" pitchFamily="49" charset="0"/>
-                <a:cs typeface="Courier New" panose="02070309020205020404" pitchFamily="49" charset="0"/>
-              </a:rPr>
-              <a:t> of broadcast </a:t>
-            </a:r>
-            <a:r>
-              <a:rPr lang="da-DK" sz="1200" b="0" dirty="0" err="1">
-                <a:latin typeface="Courier New" panose="02070309020205020404" pitchFamily="49" charset="0"/>
-                <a:cs typeface="Courier New" panose="02070309020205020404" pitchFamily="49" charset="0"/>
-              </a:rPr>
-              <a:t>row</a:t>
-            </a:r>
-            <a:r>
-              <a:rPr lang="da-DK" sz="1200" b="0" dirty="0">
-                <a:latin typeface="Courier New" panose="02070309020205020404" pitchFamily="49" charset="0"/>
-                <a:cs typeface="Courier New" panose="02070309020205020404" pitchFamily="49" charset="0"/>
-              </a:rPr>
-              <a:t> </a:t>
-            </a:r>
-            <a:r>
-              <a:rPr lang="da-DK" sz="1200" b="0" dirty="0" err="1">
-                <a:latin typeface="Courier New" panose="02070309020205020404" pitchFamily="49" charset="0"/>
-                <a:cs typeface="Courier New" panose="02070309020205020404" pitchFamily="49" charset="0"/>
-              </a:rPr>
-              <a:t>vector</a:t>
-            </a:r>
-            <a:endParaRPr lang="da-DK" sz="1200" b="0" dirty="0">
-              <a:latin typeface="Courier New" panose="02070309020205020404" pitchFamily="49" charset="0"/>
-              <a:cs typeface="Courier New" panose="02070309020205020404" pitchFamily="49" charset="0"/>
-            </a:endParaRPr>
+              <a:rPr lang="en-US" dirty="0"/>
+              <a:t>Example shows how SVD can be used for image compression</a:t>
+            </a:r>
           </a:p>
           <a:p>
             <a:r>
-              <a:rPr lang="da-DK" sz="1200" b="0" dirty="0" err="1">
-                <a:latin typeface="Courier New" panose="02070309020205020404" pitchFamily="49" charset="0"/>
-                <a:cs typeface="Courier New" panose="02070309020205020404" pitchFamily="49" charset="0"/>
-              </a:rPr>
-              <a:t>Stacked</a:t>
-            </a:r>
-            <a:r>
-              <a:rPr lang="da-DK" sz="1200" b="0" dirty="0">
-                <a:latin typeface="Courier New" panose="02070309020205020404" pitchFamily="49" charset="0"/>
-                <a:cs typeface="Courier New" panose="02070309020205020404" pitchFamily="49" charset="0"/>
-              </a:rPr>
-              <a:t>, </a:t>
-            </a:r>
-            <a:r>
-              <a:rPr lang="da-DK" sz="1200" b="0" dirty="0" err="1">
-                <a:latin typeface="Courier New" panose="02070309020205020404" pitchFamily="49" charset="0"/>
-                <a:cs typeface="Courier New" panose="02070309020205020404" pitchFamily="49" charset="0"/>
-              </a:rPr>
-              <a:t>applies</a:t>
-            </a:r>
-            <a:r>
-              <a:rPr lang="da-DK" sz="1200" b="0" dirty="0">
-                <a:latin typeface="Courier New" panose="02070309020205020404" pitchFamily="49" charset="0"/>
-                <a:cs typeface="Courier New" panose="02070309020205020404" pitchFamily="49" charset="0"/>
-              </a:rPr>
-              <a:t> </a:t>
-            </a:r>
-            <a:r>
-              <a:rPr lang="da-DK" sz="1200" b="0" dirty="0" err="1">
-                <a:latin typeface="Courier New" panose="02070309020205020404" pitchFamily="49" charset="0"/>
-                <a:cs typeface="Courier New" panose="02070309020205020404" pitchFamily="49" charset="0"/>
-              </a:rPr>
-              <a:t>svd</a:t>
-            </a:r>
-            <a:r>
-              <a:rPr lang="da-DK" sz="1200" b="0" dirty="0">
-                <a:latin typeface="Courier New" panose="02070309020205020404" pitchFamily="49" charset="0"/>
-                <a:cs typeface="Courier New" panose="02070309020205020404" pitchFamily="49" charset="0"/>
-              </a:rPr>
-              <a:t> to </a:t>
-            </a:r>
-            <a:r>
-              <a:rPr lang="da-DK" sz="1200" b="0" dirty="0" err="1">
-                <a:latin typeface="Courier New" panose="02070309020205020404" pitchFamily="49" charset="0"/>
-                <a:cs typeface="Courier New" panose="02070309020205020404" pitchFamily="49" charset="0"/>
-              </a:rPr>
-              <a:t>each</a:t>
-            </a:r>
-            <a:r>
-              <a:rPr lang="da-DK" sz="1200" b="0" dirty="0">
-                <a:latin typeface="Courier New" panose="02070309020205020404" pitchFamily="49" charset="0"/>
-                <a:cs typeface="Courier New" panose="02070309020205020404" pitchFamily="49" charset="0"/>
-              </a:rPr>
-              <a:t> of the </a:t>
-            </a:r>
-            <a:r>
-              <a:rPr lang="da-DK" sz="1200" b="0" dirty="0" err="1">
-                <a:latin typeface="Courier New" panose="02070309020205020404" pitchFamily="49" charset="0"/>
-                <a:cs typeface="Courier New" panose="02070309020205020404" pitchFamily="49" charset="0"/>
-              </a:rPr>
-              <a:t>indexes</a:t>
-            </a:r>
-            <a:r>
-              <a:rPr lang="da-DK" sz="1200" b="0" dirty="0">
-                <a:latin typeface="Courier New" panose="02070309020205020404" pitchFamily="49" charset="0"/>
-                <a:cs typeface="Courier New" panose="02070309020205020404" pitchFamily="49" charset="0"/>
-              </a:rPr>
-              <a:t> of the </a:t>
-            </a:r>
-            <a:r>
-              <a:rPr lang="da-DK" sz="1200" b="0" dirty="0" err="1">
-                <a:latin typeface="Courier New" panose="02070309020205020404" pitchFamily="49" charset="0"/>
-                <a:cs typeface="Courier New" panose="02070309020205020404" pitchFamily="49" charset="0"/>
-              </a:rPr>
-              <a:t>first</a:t>
-            </a:r>
-            <a:r>
-              <a:rPr lang="da-DK" sz="1200" b="0" dirty="0">
-                <a:latin typeface="Courier New" panose="02070309020205020404" pitchFamily="49" charset="0"/>
-                <a:cs typeface="Courier New" panose="02070309020205020404" pitchFamily="49" charset="0"/>
-              </a:rPr>
-              <a:t> </a:t>
-            </a:r>
-            <a:r>
-              <a:rPr lang="da-DK" sz="1200" b="0" dirty="0" err="1">
-                <a:latin typeface="Courier New" panose="02070309020205020404" pitchFamily="49" charset="0"/>
-                <a:cs typeface="Courier New" panose="02070309020205020404" pitchFamily="49" charset="0"/>
-              </a:rPr>
-              <a:t>coordinate</a:t>
-            </a:r>
-            <a:endParaRPr lang="da-DK" sz="1200" b="0" dirty="0">
-              <a:latin typeface="Courier New" panose="02070309020205020404" pitchFamily="49" charset="0"/>
-              <a:cs typeface="Courier New" panose="02070309020205020404" pitchFamily="49" charset="0"/>
-            </a:endParaRPr>
+              <a:rPr lang="en-US" dirty="0"/>
+              <a:t>Pink part of V is required for making U unitary, but is not used at all in the final product (wasted computation…)</a:t>
+            </a:r>
           </a:p>
           <a:p>
-            <a:endParaRPr lang="en-US" b="0" i="1" baseline="30000" dirty="0"/>
+            <a:r>
+              <a:rPr lang="en-US" dirty="0"/>
+              <a:t>u, s, v are </a:t>
+            </a:r>
+            <a:r>
+              <a:rPr lang="en-US" dirty="0" err="1"/>
+              <a:t>numpy</a:t>
+            </a:r>
+            <a:r>
+              <a:rPr lang="en-US" dirty="0"/>
+              <a:t> arrays with floats</a:t>
+            </a:r>
           </a:p>
         </p:txBody>
       </p:sp>
@@ -2626,7 +2643,7 @@
           <a:p>
             <a:fld id="{CD563DD8-32AB-41BE-B1C6-8EAC45222ACE}" type="slidenum">
               <a:rPr lang="en-US" smtClean="0"/>
-              <a:t>23</a:t>
+              <a:t>21</a:t>
             </a:fld>
             <a:endParaRPr lang="en-US"/>
           </a:p>
@@ -2635,7 +2652,7 @@
     </p:spTree>
     <p:extLst>
       <p:ext uri="{BB962C8B-B14F-4D97-AF65-F5344CB8AC3E}">
-        <p14:creationId xmlns:p14="http://schemas.microsoft.com/office/powerpoint/2010/main" val="754425780"/>
+        <p14:creationId xmlns:p14="http://schemas.microsoft.com/office/powerpoint/2010/main" val="2534788376"/>
       </p:ext>
     </p:extLst>
   </p:cSld>
@@ -2690,70 +2707,69 @@
           <a:lstStyle/>
           <a:p>
             <a:r>
-              <a:rPr lang="da-DK" dirty="0"/>
-              <a:t>Red and Blue </a:t>
-            </a:r>
-            <a:r>
-              <a:rPr lang="da-DK" dirty="0" err="1"/>
-              <a:t>are</a:t>
-            </a:r>
-            <a:r>
-              <a:rPr lang="da-DK" dirty="0"/>
-              <a:t> </a:t>
-            </a:r>
-            <a:r>
-              <a:rPr lang="da-DK" dirty="0" err="1"/>
-              <a:t>swapped</a:t>
-            </a:r>
-            <a:r>
-              <a:rPr lang="da-DK" dirty="0"/>
-              <a:t> in the </a:t>
-            </a:r>
-            <a:r>
-              <a:rPr lang="da-DK" dirty="0" err="1"/>
-              <a:t>representation</a:t>
-            </a:r>
-            <a:r>
-              <a:rPr lang="da-DK" dirty="0"/>
-              <a:t> </a:t>
-            </a:r>
-            <a:r>
-              <a:rPr lang="da-DK" dirty="0" err="1"/>
-              <a:t>used</a:t>
-            </a:r>
-            <a:r>
-              <a:rPr lang="da-DK" dirty="0"/>
-              <a:t> by Open CV</a:t>
-            </a:r>
-          </a:p>
-          <a:p>
-            <a:endParaRPr lang="da-DK" dirty="0"/>
-          </a:p>
-          <a:p>
-            <a:r>
-              <a:rPr lang="da-DK" dirty="0" err="1"/>
-              <a:t>Middle</a:t>
-            </a:r>
-            <a:r>
-              <a:rPr lang="da-DK" dirty="0"/>
-              <a:t> </a:t>
-            </a:r>
-            <a:r>
-              <a:rPr lang="da-DK" dirty="0" err="1"/>
-              <a:t>picture</a:t>
-            </a:r>
-            <a:r>
-              <a:rPr lang="da-DK" dirty="0"/>
-              <a:t> is not red </a:t>
-            </a:r>
-            <a:r>
-              <a:rPr lang="da-DK" dirty="0" err="1"/>
-              <a:t>dust</a:t>
-            </a:r>
-            <a:r>
-              <a:rPr lang="da-DK" dirty="0"/>
-              <a:t> from the Sahara….</a:t>
-            </a:r>
+              <a:rPr lang="da-DK" sz="1200" b="1" dirty="0" err="1">
+                <a:latin typeface="Courier New" panose="02070309020205020404" pitchFamily="49" charset="0"/>
+                <a:cs typeface="Courier New" panose="02070309020205020404" pitchFamily="49" charset="0"/>
+              </a:rPr>
+              <a:t>np.linalg.svd</a:t>
+            </a:r>
+            <a:r>
+              <a:rPr lang="da-DK" sz="1200" b="1" dirty="0">
+                <a:latin typeface="Courier New" panose="02070309020205020404" pitchFamily="49" charset="0"/>
+                <a:cs typeface="Courier New" panose="02070309020205020404" pitchFamily="49" charset="0"/>
+              </a:rPr>
+              <a:t>(…</a:t>
+            </a:r>
+            <a:r>
+              <a:rPr lang="da-DK" sz="1200" b="1" dirty="0" err="1">
+                <a:latin typeface="Courier New" panose="02070309020205020404" pitchFamily="49" charset="0"/>
+                <a:cs typeface="Courier New" panose="02070309020205020404" pitchFamily="49" charset="0"/>
+              </a:rPr>
+              <a:t>full_matrices</a:t>
+            </a:r>
+            <a:r>
+              <a:rPr lang="da-DK" sz="1200" b="1" dirty="0">
+                <a:latin typeface="Courier New" panose="02070309020205020404" pitchFamily="49" charset="0"/>
+                <a:cs typeface="Courier New" panose="02070309020205020404" pitchFamily="49" charset="0"/>
+              </a:rPr>
+              <a:t>=False) </a:t>
+            </a:r>
+            <a:r>
+              <a:rPr lang="da-DK" sz="1200" b="1" dirty="0" err="1">
+                <a:latin typeface="Courier New" panose="02070309020205020404" pitchFamily="49" charset="0"/>
+                <a:cs typeface="Courier New" panose="02070309020205020404" pitchFamily="49" charset="0"/>
+              </a:rPr>
+              <a:t>only</a:t>
+            </a:r>
+            <a:r>
+              <a:rPr lang="da-DK" sz="1200" b="1" dirty="0">
+                <a:latin typeface="Courier New" panose="02070309020205020404" pitchFamily="49" charset="0"/>
+                <a:cs typeface="Courier New" panose="02070309020205020404" pitchFamily="49" charset="0"/>
+              </a:rPr>
+              <a:t> generates the non-</a:t>
+            </a:r>
+            <a:r>
+              <a:rPr lang="da-DK" sz="1200" b="1" dirty="0" err="1">
+                <a:latin typeface="Courier New" panose="02070309020205020404" pitchFamily="49" charset="0"/>
+                <a:cs typeface="Courier New" panose="02070309020205020404" pitchFamily="49" charset="0"/>
+              </a:rPr>
+              <a:t>zero</a:t>
+            </a:r>
+            <a:r>
+              <a:rPr lang="da-DK" sz="1200" b="1" dirty="0">
+                <a:latin typeface="Courier New" panose="02070309020205020404" pitchFamily="49" charset="0"/>
+                <a:cs typeface="Courier New" panose="02070309020205020404" pitchFamily="49" charset="0"/>
+              </a:rPr>
+              <a:t> part of </a:t>
+            </a:r>
+            <a:r>
+              <a:rPr lang="da-DK" sz="1200" b="1" i="1" dirty="0">
+                <a:latin typeface="Courier New" panose="02070309020205020404" pitchFamily="49" charset="0"/>
+                <a:cs typeface="Courier New" panose="02070309020205020404" pitchFamily="49" charset="0"/>
+              </a:rPr>
+              <a:t>V</a:t>
+            </a:r>
+            <a:endParaRPr lang="en-US" i="1" baseline="30000" dirty="0"/>
           </a:p>
         </p:txBody>
       </p:sp>
@@ -2764,7 +2780,7 @@
             <a:spLocks noGrp="1"/>
           </p:cNvSpPr>
           <p:nvPr>
-            <p:ph type="sldNum" sz="quarter" idx="5"/>
+            <p:ph type="sldNum" sz="quarter" idx="10"/>
           </p:nvPr>
         </p:nvSpPr>
         <p:spPr/>
@@ -2774,7 +2790,7 @@
           <a:p>
             <a:fld id="{CD563DD8-32AB-41BE-B1C6-8EAC45222ACE}" type="slidenum">
               <a:rPr lang="en-US" smtClean="0"/>
-              <a:t>24</a:t>
+              <a:t>22</a:t>
             </a:fld>
             <a:endParaRPr lang="en-US"/>
           </a:p>
@@ -2783,7 +2799,7 @@
     </p:spTree>
     <p:extLst>
       <p:ext uri="{BB962C8B-B14F-4D97-AF65-F5344CB8AC3E}">
-        <p14:creationId xmlns:p14="http://schemas.microsoft.com/office/powerpoint/2010/main" val="3602288403"/>
+        <p14:creationId xmlns:p14="http://schemas.microsoft.com/office/powerpoint/2010/main" val="2764587566"/>
       </p:ext>
     </p:extLst>
   </p:cSld>
@@ -2922,9 +2938,241 @@
           <a:lstStyle/>
           <a:p>
             <a:r>
-              <a:rPr lang="en-US" dirty="0"/>
-              <a:t>d &lt;&lt; n – otherwise overfitting</a:t>
-            </a:r>
+              <a:rPr lang="da-DK" sz="1200" b="0" dirty="0" err="1">
+                <a:latin typeface="Courier New" panose="02070309020205020404" pitchFamily="49" charset="0"/>
+                <a:cs typeface="Courier New" panose="02070309020205020404" pitchFamily="49" charset="0"/>
+              </a:rPr>
+              <a:t>Apply</a:t>
+            </a:r>
+            <a:r>
+              <a:rPr lang="da-DK" sz="1200" b="0" dirty="0">
+                <a:latin typeface="Courier New" panose="02070309020205020404" pitchFamily="49" charset="0"/>
+                <a:cs typeface="Courier New" panose="02070309020205020404" pitchFamily="49" charset="0"/>
+              </a:rPr>
+              <a:t> SVD to </a:t>
+            </a:r>
+            <a:r>
+              <a:rPr lang="da-DK" sz="1200" b="0" dirty="0" err="1">
+                <a:latin typeface="Courier New" panose="02070309020205020404" pitchFamily="49" charset="0"/>
+                <a:cs typeface="Courier New" panose="02070309020205020404" pitchFamily="49" charset="0"/>
+              </a:rPr>
+              <a:t>each</a:t>
+            </a:r>
+            <a:r>
+              <a:rPr lang="da-DK" sz="1200" b="0" dirty="0">
+                <a:latin typeface="Courier New" panose="02070309020205020404" pitchFamily="49" charset="0"/>
+                <a:cs typeface="Courier New" panose="02070309020205020404" pitchFamily="49" charset="0"/>
+              </a:rPr>
+              <a:t> </a:t>
+            </a:r>
+            <a:r>
+              <a:rPr lang="da-DK" sz="1200" b="0" dirty="0" err="1">
+                <a:latin typeface="Courier New" panose="02070309020205020404" pitchFamily="49" charset="0"/>
+                <a:cs typeface="Courier New" panose="02070309020205020404" pitchFamily="49" charset="0"/>
+              </a:rPr>
+              <a:t>color</a:t>
+            </a:r>
+            <a:r>
+              <a:rPr lang="da-DK" sz="1200" b="0" dirty="0">
+                <a:latin typeface="Courier New" panose="02070309020205020404" pitchFamily="49" charset="0"/>
+                <a:cs typeface="Courier New" panose="02070309020205020404" pitchFamily="49" charset="0"/>
+              </a:rPr>
+              <a:t> </a:t>
+            </a:r>
+            <a:r>
+              <a:rPr lang="da-DK" sz="1200" b="0" dirty="0" err="1">
+                <a:latin typeface="Courier New" panose="02070309020205020404" pitchFamily="49" charset="0"/>
+                <a:cs typeface="Courier New" panose="02070309020205020404" pitchFamily="49" charset="0"/>
+              </a:rPr>
+              <a:t>seaparately</a:t>
+            </a:r>
+            <a:endParaRPr lang="da-DK" sz="1200" b="0" dirty="0">
+              <a:latin typeface="Courier New" panose="02070309020205020404" pitchFamily="49" charset="0"/>
+              <a:cs typeface="Courier New" panose="02070309020205020404" pitchFamily="49" charset="0"/>
+            </a:endParaRPr>
+          </a:p>
+          <a:p>
+            <a:r>
+              <a:rPr lang="da-DK" sz="1200" b="0" dirty="0" err="1">
+                <a:latin typeface="Courier New" panose="02070309020205020404" pitchFamily="49" charset="0"/>
+                <a:cs typeface="Courier New" panose="02070309020205020404" pitchFamily="49" charset="0"/>
+              </a:rPr>
+              <a:t>Replace</a:t>
+            </a:r>
+            <a:r>
+              <a:rPr lang="da-DK" sz="1200" b="0" dirty="0">
+                <a:latin typeface="Courier New" panose="02070309020205020404" pitchFamily="49" charset="0"/>
+                <a:cs typeface="Courier New" panose="02070309020205020404" pitchFamily="49" charset="0"/>
+              </a:rPr>
+              <a:t> </a:t>
+            </a:r>
+            <a:r>
+              <a:rPr lang="da-DK" sz="1200" b="0" dirty="0" err="1">
+                <a:latin typeface="Courier New" panose="02070309020205020404" pitchFamily="49" charset="0"/>
+                <a:cs typeface="Courier New" panose="02070309020205020404" pitchFamily="49" charset="0"/>
+              </a:rPr>
+              <a:t>muliplication</a:t>
+            </a:r>
+            <a:r>
+              <a:rPr lang="da-DK" sz="1200" b="0" dirty="0">
+                <a:latin typeface="Courier New" panose="02070309020205020404" pitchFamily="49" charset="0"/>
+                <a:cs typeface="Courier New" panose="02070309020205020404" pitchFamily="49" charset="0"/>
+              </a:rPr>
+              <a:t> by diagonal matrix by </a:t>
+            </a:r>
+            <a:r>
+              <a:rPr lang="da-DK" sz="1200" b="0" dirty="0" err="1">
+                <a:latin typeface="Courier New" panose="02070309020205020404" pitchFamily="49" charset="0"/>
+                <a:cs typeface="Courier New" panose="02070309020205020404" pitchFamily="49" charset="0"/>
+              </a:rPr>
+              <a:t>elementwise</a:t>
+            </a:r>
+            <a:r>
+              <a:rPr lang="da-DK" sz="1200" b="0" dirty="0">
+                <a:latin typeface="Courier New" panose="02070309020205020404" pitchFamily="49" charset="0"/>
+                <a:cs typeface="Courier New" panose="02070309020205020404" pitchFamily="49" charset="0"/>
+              </a:rPr>
+              <a:t> </a:t>
+            </a:r>
+            <a:r>
+              <a:rPr lang="da-DK" sz="1200" b="0" dirty="0" err="1">
+                <a:latin typeface="Courier New" panose="02070309020205020404" pitchFamily="49" charset="0"/>
+                <a:cs typeface="Courier New" panose="02070309020205020404" pitchFamily="49" charset="0"/>
+              </a:rPr>
+              <a:t>multiplication</a:t>
+            </a:r>
+            <a:r>
+              <a:rPr lang="da-DK" sz="1200" b="0" dirty="0">
+                <a:latin typeface="Courier New" panose="02070309020205020404" pitchFamily="49" charset="0"/>
+                <a:cs typeface="Courier New" panose="02070309020205020404" pitchFamily="49" charset="0"/>
+              </a:rPr>
+              <a:t> of broadcast </a:t>
+            </a:r>
+            <a:r>
+              <a:rPr lang="da-DK" sz="1200" b="0" dirty="0" err="1">
+                <a:latin typeface="Courier New" panose="02070309020205020404" pitchFamily="49" charset="0"/>
+                <a:cs typeface="Courier New" panose="02070309020205020404" pitchFamily="49" charset="0"/>
+              </a:rPr>
+              <a:t>row</a:t>
+            </a:r>
+            <a:r>
+              <a:rPr lang="da-DK" sz="1200" b="0" dirty="0">
+                <a:latin typeface="Courier New" panose="02070309020205020404" pitchFamily="49" charset="0"/>
+                <a:cs typeface="Courier New" panose="02070309020205020404" pitchFamily="49" charset="0"/>
+              </a:rPr>
+              <a:t> </a:t>
+            </a:r>
+            <a:r>
+              <a:rPr lang="da-DK" sz="1200" b="0" dirty="0" err="1">
+                <a:latin typeface="Courier New" panose="02070309020205020404" pitchFamily="49" charset="0"/>
+                <a:cs typeface="Courier New" panose="02070309020205020404" pitchFamily="49" charset="0"/>
+              </a:rPr>
+              <a:t>vector</a:t>
+            </a:r>
+            <a:endParaRPr lang="da-DK" sz="1200" b="0" dirty="0">
+              <a:latin typeface="Courier New" panose="02070309020205020404" pitchFamily="49" charset="0"/>
+              <a:cs typeface="Courier New" panose="02070309020205020404" pitchFamily="49" charset="0"/>
+            </a:endParaRPr>
+          </a:p>
+          <a:p>
+            <a:r>
+              <a:rPr lang="da-DK" sz="1200" b="0" dirty="0" err="1">
+                <a:latin typeface="Courier New" panose="02070309020205020404" pitchFamily="49" charset="0"/>
+                <a:cs typeface="Courier New" panose="02070309020205020404" pitchFamily="49" charset="0"/>
+              </a:rPr>
+              <a:t>Stacked</a:t>
+            </a:r>
+            <a:r>
+              <a:rPr lang="da-DK" sz="1200" b="0" dirty="0">
+                <a:latin typeface="Courier New" panose="02070309020205020404" pitchFamily="49" charset="0"/>
+                <a:cs typeface="Courier New" panose="02070309020205020404" pitchFamily="49" charset="0"/>
+              </a:rPr>
+              <a:t>, </a:t>
+            </a:r>
+            <a:r>
+              <a:rPr lang="da-DK" sz="1200" b="0" dirty="0" err="1">
+                <a:latin typeface="Courier New" panose="02070309020205020404" pitchFamily="49" charset="0"/>
+                <a:cs typeface="Courier New" panose="02070309020205020404" pitchFamily="49" charset="0"/>
+              </a:rPr>
+              <a:t>applies</a:t>
+            </a:r>
+            <a:r>
+              <a:rPr lang="da-DK" sz="1200" b="0" dirty="0">
+                <a:latin typeface="Courier New" panose="02070309020205020404" pitchFamily="49" charset="0"/>
+                <a:cs typeface="Courier New" panose="02070309020205020404" pitchFamily="49" charset="0"/>
+              </a:rPr>
+              <a:t> </a:t>
+            </a:r>
+            <a:r>
+              <a:rPr lang="da-DK" sz="1200" b="0" dirty="0" err="1">
+                <a:latin typeface="Courier New" panose="02070309020205020404" pitchFamily="49" charset="0"/>
+                <a:cs typeface="Courier New" panose="02070309020205020404" pitchFamily="49" charset="0"/>
+              </a:rPr>
+              <a:t>svd</a:t>
+            </a:r>
+            <a:r>
+              <a:rPr lang="da-DK" sz="1200" b="0" dirty="0">
+                <a:latin typeface="Courier New" panose="02070309020205020404" pitchFamily="49" charset="0"/>
+                <a:cs typeface="Courier New" panose="02070309020205020404" pitchFamily="49" charset="0"/>
+              </a:rPr>
+              <a:t> to </a:t>
+            </a:r>
+            <a:r>
+              <a:rPr lang="da-DK" sz="1200" b="0" dirty="0" err="1">
+                <a:latin typeface="Courier New" panose="02070309020205020404" pitchFamily="49" charset="0"/>
+                <a:cs typeface="Courier New" panose="02070309020205020404" pitchFamily="49" charset="0"/>
+              </a:rPr>
+              <a:t>each</a:t>
+            </a:r>
+            <a:r>
+              <a:rPr lang="da-DK" sz="1200" b="0" dirty="0">
+                <a:latin typeface="Courier New" panose="02070309020205020404" pitchFamily="49" charset="0"/>
+                <a:cs typeface="Courier New" panose="02070309020205020404" pitchFamily="49" charset="0"/>
+              </a:rPr>
+              <a:t> of the </a:t>
+            </a:r>
+            <a:r>
+              <a:rPr lang="da-DK" sz="1200" b="0" dirty="0" err="1">
+                <a:latin typeface="Courier New" panose="02070309020205020404" pitchFamily="49" charset="0"/>
+                <a:cs typeface="Courier New" panose="02070309020205020404" pitchFamily="49" charset="0"/>
+              </a:rPr>
+              <a:t>indexes</a:t>
+            </a:r>
+            <a:r>
+              <a:rPr lang="da-DK" sz="1200" b="0" dirty="0">
+                <a:latin typeface="Courier New" panose="02070309020205020404" pitchFamily="49" charset="0"/>
+                <a:cs typeface="Courier New" panose="02070309020205020404" pitchFamily="49" charset="0"/>
+              </a:rPr>
+              <a:t> of the </a:t>
+            </a:r>
+            <a:r>
+              <a:rPr lang="da-DK" sz="1200" b="0" dirty="0" err="1">
+                <a:latin typeface="Courier New" panose="02070309020205020404" pitchFamily="49" charset="0"/>
+                <a:cs typeface="Courier New" panose="02070309020205020404" pitchFamily="49" charset="0"/>
+              </a:rPr>
+              <a:t>first</a:t>
+            </a:r>
+            <a:r>
+              <a:rPr lang="da-DK" sz="1200" b="0" dirty="0">
+                <a:latin typeface="Courier New" panose="02070309020205020404" pitchFamily="49" charset="0"/>
+                <a:cs typeface="Courier New" panose="02070309020205020404" pitchFamily="49" charset="0"/>
+              </a:rPr>
+              <a:t> </a:t>
+            </a:r>
+            <a:r>
+              <a:rPr lang="da-DK" sz="1200" b="0" dirty="0" err="1">
+                <a:latin typeface="Courier New" panose="02070309020205020404" pitchFamily="49" charset="0"/>
+                <a:cs typeface="Courier New" panose="02070309020205020404" pitchFamily="49" charset="0"/>
+              </a:rPr>
+              <a:t>coordinate</a:t>
+            </a:r>
+            <a:endParaRPr lang="da-DK" sz="1200" b="0" dirty="0">
+              <a:latin typeface="Courier New" panose="02070309020205020404" pitchFamily="49" charset="0"/>
+              <a:cs typeface="Courier New" panose="02070309020205020404" pitchFamily="49" charset="0"/>
+            </a:endParaRPr>
+          </a:p>
+          <a:p>
+            <a:endParaRPr lang="en-US" b="0" i="1" baseline="30000" dirty="0"/>
           </a:p>
         </p:txBody>
       </p:sp>
@@ -2945,7 +3193,7 @@
           <a:p>
             <a:fld id="{CD563DD8-32AB-41BE-B1C6-8EAC45222ACE}" type="slidenum">
               <a:rPr lang="en-US" smtClean="0"/>
-              <a:t>25</a:t>
+              <a:t>23</a:t>
             </a:fld>
             <a:endParaRPr lang="en-US"/>
           </a:p>
@@ -2954,7 +3202,7 @@
     </p:spTree>
     <p:extLst>
       <p:ext uri="{BB962C8B-B14F-4D97-AF65-F5344CB8AC3E}">
-        <p14:creationId xmlns:p14="http://schemas.microsoft.com/office/powerpoint/2010/main" val="2771828849"/>
+        <p14:creationId xmlns:p14="http://schemas.microsoft.com/office/powerpoint/2010/main" val="754425780"/>
       </p:ext>
     </p:extLst>
   </p:cSld>
@@ -3009,6 +3257,241 @@
           <a:lstStyle/>
           <a:p>
             <a:r>
+              <a:rPr lang="da-DK" dirty="0"/>
+              <a:t>Red and Blue </a:t>
+            </a:r>
+            <a:r>
+              <a:rPr lang="da-DK" dirty="0" err="1"/>
+              <a:t>are</a:t>
+            </a:r>
+            <a:r>
+              <a:rPr lang="da-DK" dirty="0"/>
+              <a:t> </a:t>
+            </a:r>
+            <a:r>
+              <a:rPr lang="da-DK" dirty="0" err="1"/>
+              <a:t>swapped</a:t>
+            </a:r>
+            <a:r>
+              <a:rPr lang="da-DK" dirty="0"/>
+              <a:t> in the </a:t>
+            </a:r>
+            <a:r>
+              <a:rPr lang="da-DK" dirty="0" err="1"/>
+              <a:t>representation</a:t>
+            </a:r>
+            <a:r>
+              <a:rPr lang="da-DK" dirty="0"/>
+              <a:t> </a:t>
+            </a:r>
+            <a:r>
+              <a:rPr lang="da-DK" dirty="0" err="1"/>
+              <a:t>used</a:t>
+            </a:r>
+            <a:r>
+              <a:rPr lang="da-DK" dirty="0"/>
+              <a:t> by Open CV</a:t>
+            </a:r>
+          </a:p>
+          <a:p>
+            <a:endParaRPr lang="da-DK" dirty="0"/>
+          </a:p>
+          <a:p>
+            <a:r>
+              <a:rPr lang="da-DK" dirty="0" err="1"/>
+              <a:t>Middle</a:t>
+            </a:r>
+            <a:r>
+              <a:rPr lang="da-DK" dirty="0"/>
+              <a:t> </a:t>
+            </a:r>
+            <a:r>
+              <a:rPr lang="da-DK" dirty="0" err="1"/>
+              <a:t>picture</a:t>
+            </a:r>
+            <a:r>
+              <a:rPr lang="da-DK" dirty="0"/>
+              <a:t> is not red </a:t>
+            </a:r>
+            <a:r>
+              <a:rPr lang="da-DK" dirty="0" err="1"/>
+              <a:t>dust</a:t>
+            </a:r>
+            <a:r>
+              <a:rPr lang="da-DK" dirty="0"/>
+              <a:t> from the Sahara….</a:t>
+            </a:r>
+          </a:p>
+        </p:txBody>
+      </p:sp>
+      <p:sp>
+        <p:nvSpPr>
+          <p:cNvPr id="4" name="Slide Number Placeholder 3"/>
+          <p:cNvSpPr>
+            <a:spLocks noGrp="1"/>
+          </p:cNvSpPr>
+          <p:nvPr>
+            <p:ph type="sldNum" sz="quarter" idx="5"/>
+          </p:nvPr>
+        </p:nvSpPr>
+        <p:spPr/>
+        <p:txBody>
+          <a:bodyPr/>
+          <a:lstStyle/>
+          <a:p>
+            <a:fld id="{CD563DD8-32AB-41BE-B1C6-8EAC45222ACE}" type="slidenum">
+              <a:rPr lang="en-US" smtClean="0"/>
+              <a:t>24</a:t>
+            </a:fld>
+            <a:endParaRPr lang="en-US"/>
+          </a:p>
+        </p:txBody>
+      </p:sp>
+    </p:spTree>
+    <p:extLst>
+      <p:ext uri="{BB962C8B-B14F-4D97-AF65-F5344CB8AC3E}">
+        <p14:creationId xmlns:p14="http://schemas.microsoft.com/office/powerpoint/2010/main" val="3602288403"/>
+      </p:ext>
+    </p:extLst>
+  </p:cSld>
+  <p:clrMapOvr>
+    <a:masterClrMapping/>
+  </p:clrMapOvr>
+</p:notes>
+</file>
+
+<file path=ppt/notesSlides/notesSlide22.xml><?xml version="1.0" encoding="utf-8"?>
+<p:notes xmlns:a="http://schemas.openxmlformats.org/drawingml/2006/main" xmlns:r="http://schemas.openxmlformats.org/officeDocument/2006/relationships" xmlns:p="http://schemas.openxmlformats.org/presentationml/2006/main">
+  <p:cSld>
+    <p:spTree>
+      <p:nvGrpSpPr>
+        <p:cNvPr id="1" name=""/>
+        <p:cNvGrpSpPr/>
+        <p:nvPr/>
+      </p:nvGrpSpPr>
+      <p:grpSpPr>
+        <a:xfrm>
+          <a:off x="0" y="0"/>
+          <a:ext cx="0" cy="0"/>
+          <a:chOff x="0" y="0"/>
+          <a:chExt cx="0" cy="0"/>
+        </a:xfrm>
+      </p:grpSpPr>
+      <p:sp>
+        <p:nvSpPr>
+          <p:cNvPr id="2" name="Slide Image Placeholder 1"/>
+          <p:cNvSpPr>
+            <a:spLocks noGrp="1" noRot="1" noChangeAspect="1"/>
+          </p:cNvSpPr>
+          <p:nvPr>
+            <p:ph type="sldImg"/>
+          </p:nvPr>
+        </p:nvSpPr>
+        <p:spPr/>
+      </p:sp>
+      <p:sp>
+        <p:nvSpPr>
+          <p:cNvPr id="3" name="Notes Placeholder 2"/>
+          <p:cNvSpPr>
+            <a:spLocks noGrp="1"/>
+          </p:cNvSpPr>
+          <p:nvPr>
+            <p:ph type="body" idx="1"/>
+          </p:nvPr>
+        </p:nvSpPr>
+        <p:spPr/>
+        <p:txBody>
+          <a:bodyPr/>
+          <a:lstStyle/>
+          <a:p>
+            <a:r>
+              <a:rPr lang="en-US" dirty="0"/>
+              <a:t>d &lt;&lt; n – otherwise overfitting</a:t>
+            </a:r>
+          </a:p>
+        </p:txBody>
+      </p:sp>
+      <p:sp>
+        <p:nvSpPr>
+          <p:cNvPr id="4" name="Slide Number Placeholder 3"/>
+          <p:cNvSpPr>
+            <a:spLocks noGrp="1"/>
+          </p:cNvSpPr>
+          <p:nvPr>
+            <p:ph type="sldNum" sz="quarter" idx="10"/>
+          </p:nvPr>
+        </p:nvSpPr>
+        <p:spPr/>
+        <p:txBody>
+          <a:bodyPr/>
+          <a:lstStyle/>
+          <a:p>
+            <a:fld id="{CD563DD8-32AB-41BE-B1C6-8EAC45222ACE}" type="slidenum">
+              <a:rPr lang="en-US" smtClean="0"/>
+              <a:t>25</a:t>
+            </a:fld>
+            <a:endParaRPr lang="en-US"/>
+          </a:p>
+        </p:txBody>
+      </p:sp>
+    </p:spTree>
+    <p:extLst>
+      <p:ext uri="{BB962C8B-B14F-4D97-AF65-F5344CB8AC3E}">
+        <p14:creationId xmlns:p14="http://schemas.microsoft.com/office/powerpoint/2010/main" val="2771828849"/>
+      </p:ext>
+    </p:extLst>
+  </p:cSld>
+  <p:clrMapOvr>
+    <a:masterClrMapping/>
+  </p:clrMapOvr>
+</p:notes>
+</file>
+
+<file path=ppt/notesSlides/notesSlide23.xml><?xml version="1.0" encoding="utf-8"?>
+<p:notes xmlns:a="http://schemas.openxmlformats.org/drawingml/2006/main" xmlns:r="http://schemas.openxmlformats.org/officeDocument/2006/relationships" xmlns:p="http://schemas.openxmlformats.org/presentationml/2006/main">
+  <p:cSld>
+    <p:spTree>
+      <p:nvGrpSpPr>
+        <p:cNvPr id="1" name=""/>
+        <p:cNvGrpSpPr/>
+        <p:nvPr/>
+      </p:nvGrpSpPr>
+      <p:grpSpPr>
+        <a:xfrm>
+          <a:off x="0" y="0"/>
+          <a:ext cx="0" cy="0"/>
+          <a:chOff x="0" y="0"/>
+          <a:chExt cx="0" cy="0"/>
+        </a:xfrm>
+      </p:grpSpPr>
+      <p:sp>
+        <p:nvSpPr>
+          <p:cNvPr id="2" name="Slide Image Placeholder 1"/>
+          <p:cNvSpPr>
+            <a:spLocks noGrp="1" noRot="1" noChangeAspect="1"/>
+          </p:cNvSpPr>
+          <p:nvPr>
+            <p:ph type="sldImg"/>
+          </p:nvPr>
+        </p:nvSpPr>
+        <p:spPr/>
+      </p:sp>
+      <p:sp>
+        <p:nvSpPr>
+          <p:cNvPr id="3" name="Notes Placeholder 2"/>
+          <p:cNvSpPr>
+            <a:spLocks noGrp="1"/>
+          </p:cNvSpPr>
+          <p:nvPr>
+            <p:ph type="body" idx="1"/>
+          </p:nvPr>
+        </p:nvSpPr>
+        <p:spPr/>
+        <p:txBody>
+          <a:bodyPr/>
+          <a:lstStyle/>
+          <a:p>
+            <a:r>
               <a:rPr lang="en-US" dirty="0" err="1"/>
               <a:t>numpy</a:t>
             </a:r>
@@ -3198,7 +3681,7 @@
 </p:notes>
 </file>
 
-<file path=ppt/notesSlides/notesSlide22.xml><?xml version="1.0" encoding="utf-8"?>
+<file path=ppt/notesSlides/notesSlide24.xml><?xml version="1.0" encoding="utf-8"?>
 <p:notes xmlns:a="http://schemas.openxmlformats.org/drawingml/2006/main" xmlns:r="http://schemas.openxmlformats.org/officeDocument/2006/relationships" xmlns:p="http://schemas.openxmlformats.org/presentationml/2006/main">
   <p:cSld>
     <p:spTree>
@@ -3858,19 +4341,7 @@
           <a:bodyPr/>
           <a:lstStyle/>
           <a:p>
-            <a:r>
-              <a:rPr lang="en-US" dirty="0"/>
-              <a:t>Views and slices are confusing!!!!</a:t>
-            </a:r>
-          </a:p>
-          <a:p>
-            <a:r>
-              <a:rPr lang="en-US" dirty="0"/>
-              <a:t>https://scipy-cookbook.readthedocs.io/items/ViewsVsCopies.html</a:t>
-            </a:r>
-          </a:p>
-          <a:p>
-            <a:endParaRPr lang="en-US" dirty="0"/>
+            <a:endParaRPr lang="da-DK" dirty="0"/>
           </a:p>
         </p:txBody>
       </p:sp>
@@ -3881,7 +4352,7 @@
             <a:spLocks noGrp="1"/>
           </p:cNvSpPr>
           <p:nvPr>
-            <p:ph type="sldNum" sz="quarter" idx="10"/>
+            <p:ph type="sldNum" sz="quarter" idx="5"/>
           </p:nvPr>
         </p:nvSpPr>
         <p:spPr/>
@@ -3891,7 +4362,7 @@
           <a:p>
             <a:fld id="{CD563DD8-32AB-41BE-B1C6-8EAC45222ACE}" type="slidenum">
               <a:rPr lang="en-US" smtClean="0"/>
-              <a:t>11</a:t>
+              <a:t>9</a:t>
             </a:fld>
             <a:endParaRPr lang="en-US"/>
           </a:p>
@@ -3900,7 +4371,7 @@
     </p:spTree>
     <p:extLst>
       <p:ext uri="{BB962C8B-B14F-4D97-AF65-F5344CB8AC3E}">
-        <p14:creationId xmlns:p14="http://schemas.microsoft.com/office/powerpoint/2010/main" val="1289729412"/>
+        <p14:creationId xmlns:p14="http://schemas.microsoft.com/office/powerpoint/2010/main" val="848025229"/>
       </p:ext>
     </p:extLst>
   </p:cSld>
@@ -3955,46 +4426,65 @@
           <a:lstStyle/>
           <a:p>
             <a:r>
-              <a:rPr lang="en-US" dirty="0"/>
-              <a:t>.cross for 3-dimensional</a:t>
-            </a:r>
-            <a:r>
-              <a:rPr lang="en-US" baseline="0" dirty="0"/>
-              <a:t> vectors</a:t>
-            </a:r>
+              <a:rPr lang="da-DK" dirty="0" err="1"/>
+              <a:t>Rows</a:t>
+            </a:r>
+            <a:r>
+              <a:rPr lang="da-DK" dirty="0"/>
+              <a:t> must </a:t>
+            </a:r>
+            <a:r>
+              <a:rPr lang="da-DK" dirty="0" err="1"/>
+              <a:t>contain</a:t>
+            </a:r>
+            <a:r>
+              <a:rPr lang="da-DK" dirty="0"/>
+              <a:t> same </a:t>
+            </a:r>
+            <a:r>
+              <a:rPr lang="da-DK" dirty="0" err="1"/>
+              <a:t>number</a:t>
+            </a:r>
+            <a:r>
+              <a:rPr lang="da-DK" dirty="0"/>
+              <a:t> of </a:t>
+            </a:r>
+            <a:r>
+              <a:rPr lang="da-DK" dirty="0" err="1"/>
+              <a:t>values</a:t>
+            </a:r>
+            <a:endParaRPr lang="da-DK" dirty="0"/>
           </a:p>
           <a:p>
             <a:r>
-              <a:rPr lang="en-US" baseline="0" dirty="0"/>
-              <a:t>.T is only a </a:t>
-            </a:r>
-            <a:r>
-              <a:rPr lang="en-US" b="1" baseline="0" dirty="0"/>
-              <a:t>view</a:t>
-            </a:r>
-            <a:r>
-              <a:rPr lang="en-US" b="0" baseline="0" dirty="0"/>
-              <a:t> - so updates are applied to original matrix</a:t>
-            </a:r>
-          </a:p>
-          <a:p>
-            <a:r>
-              <a:rPr lang="en-US" b="0" baseline="0" dirty="0"/>
-              <a:t>@ calls method </a:t>
+              <a:rPr lang="da-DK" dirty="0" err="1"/>
+              <a:t>np.array</a:t>
             </a:r>
             <a:r>
               <a:rPr lang="da-DK" dirty="0"/>
-              <a:t>__</a:t>
-            </a:r>
-            <a:r>
-              <a:rPr lang="da-DK" dirty="0" err="1"/>
-              <a:t>matmul</a:t>
-            </a:r>
-            <a:r>
-              <a:rPr lang="da-DK" dirty="0"/>
-              <a:t>__ on array</a:t>
-            </a:r>
-            <a:endParaRPr lang="en-US" b="1" dirty="0"/>
+              <a:t>([[1,2],[3,4,5]]) -&gt; </a:t>
+            </a:r>
+            <a:r>
+              <a:rPr lang="da-DK" b="1" dirty="0" err="1"/>
+              <a:t>ValueError</a:t>
+            </a:r>
+            <a:r>
+              <a:rPr lang="da-DK" b="1" dirty="0"/>
+              <a:t>: </a:t>
+            </a:r>
+            <a:r>
+              <a:rPr lang="da-DK" b="1" dirty="0" err="1"/>
+              <a:t>inhomogeneous</a:t>
+            </a:r>
+            <a:r>
+              <a:rPr lang="da-DK" b="1" dirty="0"/>
+              <a:t> </a:t>
+            </a:r>
+            <a:r>
+              <a:rPr lang="da-DK" b="1" dirty="0" err="1"/>
+              <a:t>shape</a:t>
+            </a:r>
+            <a:endParaRPr lang="da-DK" b="1" dirty="0"/>
           </a:p>
         </p:txBody>
       </p:sp>
@@ -4005,7 +4495,7 @@
             <a:spLocks noGrp="1"/>
           </p:cNvSpPr>
           <p:nvPr>
-            <p:ph type="sldNum" sz="quarter" idx="10"/>
+            <p:ph type="sldNum" sz="quarter" idx="5"/>
           </p:nvPr>
         </p:nvSpPr>
         <p:spPr/>
@@ -4015,7 +4505,7 @@
           <a:p>
             <a:fld id="{CD563DD8-32AB-41BE-B1C6-8EAC45222ACE}" type="slidenum">
               <a:rPr lang="en-US" smtClean="0"/>
-              <a:t>12</a:t>
+              <a:t>10</a:t>
             </a:fld>
             <a:endParaRPr lang="en-US"/>
           </a:p>
@@ -4024,7 +4514,7 @@
     </p:spTree>
     <p:extLst>
       <p:ext uri="{BB962C8B-B14F-4D97-AF65-F5344CB8AC3E}">
-        <p14:creationId xmlns:p14="http://schemas.microsoft.com/office/powerpoint/2010/main" val="4018900118"/>
+        <p14:creationId xmlns:p14="http://schemas.microsoft.com/office/powerpoint/2010/main" val="1273569641"/>
       </p:ext>
     </p:extLst>
   </p:cSld>
@@ -4080,12 +4570,16 @@
           <a:p>
             <a:r>
               <a:rPr lang="en-US" dirty="0"/>
-              <a:t>np.mod can also take two arrays and applied elementwise</a:t>
-            </a:r>
-            <a:r>
-              <a:rPr lang="en-US" baseline="0" dirty="0"/>
-              <a:t> modulo</a:t>
-            </a:r>
+              <a:t>Views and slices are confusing!!!!</a:t>
+            </a:r>
+          </a:p>
+          <a:p>
+            <a:r>
+              <a:rPr lang="en-US" dirty="0"/>
+              <a:t>https://scipy-cookbook.readthedocs.io/items/ViewsVsCopies.html</a:t>
+            </a:r>
+          </a:p>
+          <a:p>
             <a:endParaRPr lang="en-US" dirty="0"/>
           </a:p>
         </p:txBody>
@@ -4107,7 +4601,7 @@
           <a:p>
             <a:fld id="{CD563DD8-32AB-41BE-B1C6-8EAC45222ACE}" type="slidenum">
               <a:rPr lang="en-US" smtClean="0"/>
-              <a:t>13</a:t>
+              <a:t>11</a:t>
             </a:fld>
             <a:endParaRPr lang="en-US"/>
           </a:p>
@@ -4116,7 +4610,7 @@
     </p:spTree>
     <p:extLst>
       <p:ext uri="{BB962C8B-B14F-4D97-AF65-F5344CB8AC3E}">
-        <p14:creationId xmlns:p14="http://schemas.microsoft.com/office/powerpoint/2010/main" val="2883948154"/>
+        <p14:creationId xmlns:p14="http://schemas.microsoft.com/office/powerpoint/2010/main" val="1289729412"/>
       </p:ext>
     </p:extLst>
   </p:cSld>
@@ -4171,18 +4665,46 @@
           <a:lstStyle/>
           <a:p>
             <a:r>
-              <a:rPr lang="en-US" b="1" dirty="0"/>
-              <a:t>sum(axis=0)  removes</a:t>
+              <a:rPr lang="en-US" dirty="0"/>
+              <a:t>.cross for 3-dimensional</a:t>
+            </a:r>
+            <a:r>
+              <a:rPr lang="en-US" baseline="0" dirty="0"/>
+              <a:t> vectors</a:t>
+            </a:r>
+          </a:p>
+          <a:p>
+            <a:r>
+              <a:rPr lang="en-US" baseline="0" dirty="0"/>
+              <a:t>.T is only a </a:t>
             </a:r>
             <a:r>
               <a:rPr lang="en-US" b="1" baseline="0" dirty="0"/>
-              <a:t> axis 0 </a:t>
-            </a:r>
-            <a:r>
-              <a:rPr lang="en-US" baseline="0" dirty="0"/>
-              <a:t>(sums over this axis)</a:t>
-            </a:r>
-            <a:endParaRPr lang="en-US" dirty="0"/>
+              <a:t>view</a:t>
+            </a:r>
+            <a:r>
+              <a:rPr lang="en-US" b="0" baseline="0" dirty="0"/>
+              <a:t> - so updates are applied to original matrix</a:t>
+            </a:r>
+          </a:p>
+          <a:p>
+            <a:r>
+              <a:rPr lang="en-US" b="0" baseline="0" dirty="0"/>
+              <a:t>@ calls method </a:t>
+            </a:r>
+            <a:r>
+              <a:rPr lang="da-DK" dirty="0"/>
+              <a:t>__</a:t>
+            </a:r>
+            <a:r>
+              <a:rPr lang="da-DK" dirty="0" err="1"/>
+              <a:t>matmul</a:t>
+            </a:r>
+            <a:r>
+              <a:rPr lang="da-DK" dirty="0"/>
+              <a:t>__ on array</a:t>
+            </a:r>
+            <a:endParaRPr lang="en-US" b="1" dirty="0"/>
           </a:p>
         </p:txBody>
       </p:sp>
@@ -4203,7 +4725,7 @@
           <a:p>
             <a:fld id="{CD563DD8-32AB-41BE-B1C6-8EAC45222ACE}" type="slidenum">
               <a:rPr lang="en-US" smtClean="0"/>
-              <a:t>14</a:t>
+              <a:t>12</a:t>
             </a:fld>
             <a:endParaRPr lang="en-US"/>
           </a:p>
@@ -4212,7 +4734,7 @@
     </p:spTree>
     <p:extLst>
       <p:ext uri="{BB962C8B-B14F-4D97-AF65-F5344CB8AC3E}">
-        <p14:creationId xmlns:p14="http://schemas.microsoft.com/office/powerpoint/2010/main" val="3246251085"/>
+        <p14:creationId xmlns:p14="http://schemas.microsoft.com/office/powerpoint/2010/main" val="4018900118"/>
       </p:ext>
     </p:extLst>
   </p:cSld>
@@ -4359,7 +4881,7 @@
           <a:p>
             <a:fld id="{0560A9CD-0304-4E0B-9E82-E7E0115DE05B}" type="datetimeFigureOut">
               <a:rPr lang="en-US" smtClean="0"/>
-              <a:t>3/11/2023</a:t>
+              <a:t>3/29/2023</a:t>
             </a:fld>
             <a:endParaRPr lang="en-US"/>
           </a:p>
@@ -4527,7 +5049,7 @@
           <a:p>
             <a:fld id="{0560A9CD-0304-4E0B-9E82-E7E0115DE05B}" type="datetimeFigureOut">
               <a:rPr lang="en-US" smtClean="0"/>
-              <a:t>3/11/2023</a:t>
+              <a:t>3/29/2023</a:t>
             </a:fld>
             <a:endParaRPr lang="en-US"/>
           </a:p>
@@ -4705,7 +5227,7 @@
           <a:p>
             <a:fld id="{0560A9CD-0304-4E0B-9E82-E7E0115DE05B}" type="datetimeFigureOut">
               <a:rPr lang="en-US" smtClean="0"/>
-              <a:t>3/11/2023</a:t>
+              <a:t>3/29/2023</a:t>
             </a:fld>
             <a:endParaRPr lang="en-US"/>
           </a:p>
@@ -4888,7 +5410,7 @@
           <a:p>
             <a:fld id="{0560A9CD-0304-4E0B-9E82-E7E0115DE05B}" type="datetimeFigureOut">
               <a:rPr lang="en-US" smtClean="0"/>
-              <a:t>3/11/2023</a:t>
+              <a:t>3/29/2023</a:t>
             </a:fld>
             <a:endParaRPr lang="en-US"/>
           </a:p>
@@ -5133,7 +5655,7 @@
           <a:p>
             <a:fld id="{0560A9CD-0304-4E0B-9E82-E7E0115DE05B}" type="datetimeFigureOut">
               <a:rPr lang="en-US" smtClean="0"/>
-              <a:t>3/11/2023</a:t>
+              <a:t>3/29/2023</a:t>
             </a:fld>
             <a:endParaRPr lang="en-US"/>
           </a:p>
@@ -5362,7 +5884,7 @@
           <a:p>
             <a:fld id="{0560A9CD-0304-4E0B-9E82-E7E0115DE05B}" type="datetimeFigureOut">
               <a:rPr lang="en-US" smtClean="0"/>
-              <a:t>3/11/2023</a:t>
+              <a:t>3/29/2023</a:t>
             </a:fld>
             <a:endParaRPr lang="en-US"/>
           </a:p>
@@ -5726,7 +6248,7 @@
           <a:p>
             <a:fld id="{0560A9CD-0304-4E0B-9E82-E7E0115DE05B}" type="datetimeFigureOut">
               <a:rPr lang="en-US" smtClean="0"/>
-              <a:t>3/11/2023</a:t>
+              <a:t>3/29/2023</a:t>
             </a:fld>
             <a:endParaRPr lang="en-US"/>
           </a:p>
@@ -5843,7 +6365,7 @@
           <a:p>
             <a:fld id="{0560A9CD-0304-4E0B-9E82-E7E0115DE05B}" type="datetimeFigureOut">
               <a:rPr lang="en-US" smtClean="0"/>
-              <a:t>3/11/2023</a:t>
+              <a:t>3/29/2023</a:t>
             </a:fld>
             <a:endParaRPr lang="en-US"/>
           </a:p>
@@ -5938,7 +6460,7 @@
           <a:p>
             <a:fld id="{0560A9CD-0304-4E0B-9E82-E7E0115DE05B}" type="datetimeFigureOut">
               <a:rPr lang="en-US" smtClean="0"/>
-              <a:t>3/11/2023</a:t>
+              <a:t>3/29/2023</a:t>
             </a:fld>
             <a:endParaRPr lang="en-US"/>
           </a:p>
@@ -6213,7 +6735,7 @@
           <a:p>
             <a:fld id="{0560A9CD-0304-4E0B-9E82-E7E0115DE05B}" type="datetimeFigureOut">
               <a:rPr lang="en-US" smtClean="0"/>
-              <a:t>3/11/2023</a:t>
+              <a:t>3/29/2023</a:t>
             </a:fld>
             <a:endParaRPr lang="en-US"/>
           </a:p>
@@ -6465,7 +6987,7 @@
           <a:p>
             <a:fld id="{0560A9CD-0304-4E0B-9E82-E7E0115DE05B}" type="datetimeFigureOut">
               <a:rPr lang="en-US" smtClean="0"/>
-              <a:t>3/11/2023</a:t>
+              <a:t>3/29/2023</a:t>
             </a:fld>
             <a:endParaRPr lang="en-US"/>
           </a:p>
@@ -6676,7 +7198,7 @@
           <a:p>
             <a:fld id="{0560A9CD-0304-4E0B-9E82-E7E0115DE05B}" type="datetimeFigureOut">
               <a:rPr lang="en-US" smtClean="0"/>
-              <a:t>3/11/2023</a:t>
+              <a:t>3/29/2023</a:t>
             </a:fld>
             <a:endParaRPr lang="en-US"/>
           </a:p>
@@ -7344,14 +7866,14 @@
           <p:nvPr>
             <p:extLst>
               <p:ext uri="{D42A27DB-BD31-4B8C-83A1-F6EECF244321}">
-                <p14:modId xmlns:p14="http://schemas.microsoft.com/office/powerpoint/2010/main" val="3126164411"/>
+                <p14:modId xmlns:p14="http://schemas.microsoft.com/office/powerpoint/2010/main" val="1206552266"/>
               </p:ext>
             </p:extLst>
           </p:nvPr>
         </p:nvGraphicFramePr>
         <p:xfrm>
-          <a:off x="897890" y="1523231"/>
-          <a:ext cx="10455910" cy="4886010"/>
+          <a:off x="897890" y="1288100"/>
+          <a:ext cx="10455910" cy="5434650"/>
         </p:xfrm>
         <a:graphic>
           <a:graphicData uri="http://schemas.openxmlformats.org/drawingml/2006/table">
@@ -7612,6 +8134,80 @@
                         <a:t>       [4, 5, 6]])</a:t>
                       </a:r>
                       <a:endParaRPr lang="pt-BR" sz="1800" b="1" baseline="0" dirty="0">
+                        <a:latin typeface="Courier New" panose="02070309020205020404" pitchFamily="49" charset="0"/>
+                        <a:cs typeface="Courier New" panose="02070309020205020404" pitchFamily="49" charset="0"/>
+                      </a:endParaRPr>
+                    </a:p>
+                    <a:p>
+                      <a:pPr marL="266700" indent="-266700">
+                        <a:buClr>
+                          <a:srgbClr val="C00000"/>
+                        </a:buClr>
+                        <a:buSzPct val="100000"/>
+                        <a:buFont typeface="Courier New" panose="02070309020205020404" pitchFamily="49" charset="0"/>
+                        <a:buChar char="&gt;"/>
+                      </a:pPr>
+                      <a:r>
+                        <a:rPr lang="en-US" sz="1800" b="1" baseline="0" dirty="0" err="1">
+                          <a:latin typeface="Courier New" panose="02070309020205020404" pitchFamily="49" charset="0"/>
+                          <a:cs typeface="Courier New" panose="02070309020205020404" pitchFamily="49" charset="0"/>
+                        </a:rPr>
+                        <a:t>np.array</a:t>
+                      </a:r>
+                      <a:r>
+                        <a:rPr lang="en-US" sz="1800" b="1" baseline="0" dirty="0">
+                          <a:solidFill>
+                            <a:schemeClr val="tx1"/>
+                          </a:solidFill>
+                          <a:latin typeface="Courier New" panose="02070309020205020404" pitchFamily="49" charset="0"/>
+                          <a:cs typeface="Courier New" panose="02070309020205020404" pitchFamily="49" charset="0"/>
+                        </a:rPr>
+                        <a:t>(</a:t>
+                      </a:r>
+                      <a:r>
+                        <a:rPr lang="en-US" sz="1800" b="1" baseline="0" dirty="0">
+                          <a:solidFill>
+                            <a:srgbClr val="C00000"/>
+                          </a:solidFill>
+                          <a:latin typeface="Courier New" panose="02070309020205020404" pitchFamily="49" charset="0"/>
+                          <a:cs typeface="Courier New" panose="02070309020205020404" pitchFamily="49" charset="0"/>
+                        </a:rPr>
+                        <a:t>[[1, 2], [4, 5, 6]]</a:t>
+                      </a:r>
+                      <a:r>
+                        <a:rPr lang="en-US" sz="1800" b="1" baseline="0" dirty="0">
+                          <a:latin typeface="Courier New" panose="02070309020205020404" pitchFamily="49" charset="0"/>
+                          <a:cs typeface="Courier New" panose="02070309020205020404" pitchFamily="49" charset="0"/>
+                        </a:rPr>
+                        <a:t>)</a:t>
+                      </a:r>
+                    </a:p>
+                    <a:p>
+                      <a:pPr marL="266700" indent="-266700">
+                        <a:buClr>
+                          <a:schemeClr val="accent1">
+                            <a:lumMod val="50000"/>
+                          </a:schemeClr>
+                        </a:buClr>
+                        <a:buSzPct val="120000"/>
+                        <a:buFont typeface="Courier New" panose="02070309020205020404" pitchFamily="49" charset="0"/>
+                        <a:buChar char="|"/>
+                      </a:pPr>
+                      <a:r>
+                        <a:rPr lang="en-US" sz="1800" b="1" baseline="0" dirty="0" err="1">
+                          <a:latin typeface="Courier New" panose="02070309020205020404" pitchFamily="49" charset="0"/>
+                          <a:cs typeface="Courier New" panose="02070309020205020404" pitchFamily="49" charset="0"/>
+                        </a:rPr>
+                        <a:t>ValueError</a:t>
+                      </a:r>
+                      <a:r>
+                        <a:rPr lang="en-US" sz="1800" b="1" baseline="0" dirty="0">
+                          <a:latin typeface="Courier New" panose="02070309020205020404" pitchFamily="49" charset="0"/>
+                          <a:cs typeface="Courier New" panose="02070309020205020404" pitchFamily="49" charset="0"/>
+                        </a:rPr>
+                        <a:t>: inhomogeneous shape</a:t>
+                      </a:r>
+                      <a:endParaRPr lang="da-DK" sz="1800" b="1" baseline="0" dirty="0">
                         <a:latin typeface="Courier New" panose="02070309020205020404" pitchFamily="49" charset="0"/>
                         <a:cs typeface="Courier New" panose="02070309020205020404" pitchFamily="49" charset="0"/>
                       </a:endParaRPr>
@@ -8581,6 +9177,42 @@
           </a:graphicData>
         </a:graphic>
       </p:graphicFrame>
+      <p:pic>
+        <p:nvPicPr>
+          <p:cNvPr id="3" name="Picture 2">
+            <a:extLst>
+              <a:ext uri="{FF2B5EF4-FFF2-40B4-BE49-F238E27FC236}">
+                <a16:creationId xmlns:a16="http://schemas.microsoft.com/office/drawing/2014/main" id="{71193D85-B494-3907-983F-971117A48141}"/>
+              </a:ext>
+            </a:extLst>
+          </p:cNvPr>
+          <p:cNvPicPr>
+            <a:picLocks noChangeAspect="1"/>
+          </p:cNvPicPr>
+          <p:nvPr/>
+        </p:nvPicPr>
+        <p:blipFill>
+          <a:blip r:embed="rId3" cstate="print">
+            <a:extLst>
+              <a:ext uri="{28A0092B-C50C-407E-A947-70E740481C1C}">
+                <a14:useLocalDpi xmlns:a14="http://schemas.microsoft.com/office/drawing/2010/main" val="0"/>
+              </a:ext>
+            </a:extLst>
+          </a:blip>
+          <a:stretch>
+            <a:fillRect/>
+          </a:stretch>
+        </p:blipFill>
+        <p:spPr>
+          <a:xfrm>
+            <a:off x="5531492" y="2668148"/>
+            <a:ext cx="487666" cy="405904"/>
+          </a:xfrm>
+          <a:prstGeom prst="rect">
+            <a:avLst/>
+          </a:prstGeom>
+        </p:spPr>
+      </p:pic>
     </p:spTree>
     <p:extLst>
       <p:ext uri="{BB962C8B-B14F-4D97-AF65-F5344CB8AC3E}">
@@ -13243,7 +13875,7 @@
           <p:nvPr>
             <p:extLst>
               <p:ext uri="{D42A27DB-BD31-4B8C-83A1-F6EECF244321}">
-                <p14:modId xmlns:p14="http://schemas.microsoft.com/office/powerpoint/2010/main" val="1019736260"/>
+                <p14:modId xmlns:p14="http://schemas.microsoft.com/office/powerpoint/2010/main" val="1858651141"/>
               </p:ext>
             </p:extLst>
           </p:nvPr>
@@ -13389,7 +14021,7 @@
                           <a:latin typeface="Courier New" panose="02070309020205020404" pitchFamily="49" charset="0"/>
                           <a:cs typeface="Courier New" panose="02070309020205020404" pitchFamily="49" charset="0"/>
                         </a:rPr>
-                        <a:t>(20).reshape(4,5)</a:t>
+                        <a:t>(20).reshape(4, 5)</a:t>
                       </a:r>
                     </a:p>
                     <a:p>
@@ -14832,7 +15464,7 @@
         <p:spPr>
           <a:xfrm>
             <a:off x="231495" y="1608548"/>
-            <a:ext cx="5348054" cy="4786024"/>
+            <a:ext cx="5476684" cy="4786024"/>
           </a:xfrm>
         </p:spPr>
         <p:txBody>
@@ -15026,7 +15658,7 @@
         </p:blipFill>
         <p:spPr>
           <a:xfrm>
-            <a:off x="149930" y="5611567"/>
+            <a:off x="149930" y="5249452"/>
             <a:ext cx="487666" cy="405904"/>
           </a:xfrm>
           <a:prstGeom prst="rect">
@@ -38518,14 +39150,14 @@
           <p:nvPr>
             <p:extLst>
               <p:ext uri="{D42A27DB-BD31-4B8C-83A1-F6EECF244321}">
-                <p14:modId xmlns:p14="http://schemas.microsoft.com/office/powerpoint/2010/main" val="3554966248"/>
+                <p14:modId xmlns:p14="http://schemas.microsoft.com/office/powerpoint/2010/main" val="2750138221"/>
               </p:ext>
             </p:extLst>
           </p:nvPr>
         </p:nvGraphicFramePr>
         <p:xfrm>
           <a:off x="600693" y="750029"/>
-          <a:ext cx="11148281" cy="5708970"/>
+          <a:ext cx="10920747" cy="5708970"/>
         </p:xfrm>
         <a:graphic>
           <a:graphicData uri="http://schemas.openxmlformats.org/drawingml/2006/table">
@@ -38534,14 +39166,14 @@
                 <a:tableStyleId>{5C22544A-7EE6-4342-B048-85BDC9FD1C3A}</a:tableStyleId>
               </a:tblPr>
               <a:tblGrid>
-                <a:gridCol w="4087434">
+                <a:gridCol w="3753593">
                   <a:extLst>
                     <a:ext uri="{9D8B030D-6E8A-4147-A177-3AD203B41FA5}">
                       <a16:colId xmlns:a16="http://schemas.microsoft.com/office/drawing/2014/main" val="1873682825"/>
                     </a:ext>
                   </a:extLst>
                 </a:gridCol>
-                <a:gridCol w="7060847">
+                <a:gridCol w="7167154">
                   <a:extLst>
                     <a:ext uri="{9D8B030D-6E8A-4147-A177-3AD203B41FA5}">
                       <a16:colId xmlns:a16="http://schemas.microsoft.com/office/drawing/2014/main" val="328242890"/>
@@ -39586,12 +40218,6 @@
                         </a:rPr>
                         <a:t>array([1, 1000, 1000000, 1000000000, </a:t>
                       </a:r>
-                      <a:br>
-                        <a:rPr lang="en-US" sz="1800" b="1" baseline="0" dirty="0">
-                          <a:latin typeface="Courier New" panose="02070309020205020404" pitchFamily="49" charset="0"/>
-                          <a:cs typeface="Courier New" panose="02070309020205020404" pitchFamily="49" charset="0"/>
-                        </a:rPr>
-                      </a:br>
                       <a:r>
                         <a:rPr lang="en-US" sz="1800" b="1" baseline="0" dirty="0">
                           <a:solidFill>
@@ -39947,7 +40573,7 @@
         </p:nvSpPr>
         <p:spPr>
           <a:xfrm>
-            <a:off x="5343898" y="5658622"/>
+            <a:off x="5091347" y="5658622"/>
             <a:ext cx="6293766" cy="646331"/>
           </a:xfrm>
           <a:prstGeom prst="rect">
@@ -40079,7 +40705,7 @@
         </p:blipFill>
         <p:spPr>
           <a:xfrm>
-            <a:off x="4856232" y="5772403"/>
+            <a:off x="4603681" y="5772403"/>
             <a:ext cx="487666" cy="405904"/>
           </a:xfrm>
           <a:prstGeom prst="rect">
@@ -40113,7 +40739,7 @@
               <a:rPr lang="en-US" dirty="0">
                 <a:hlinkClick r:id="rId4"/>
               </a:rPr>
-              <a:t>docs.scipy.org/doc/numpy-1.13.0/user/basics.types.html</a:t>
+              <a:t>https://numpy.org/doc/stable/reference/arrays.scalars.html</a:t>
             </a:r>
             <a:endParaRPr lang="en-US" dirty="0"/>
           </a:p>
@@ -40141,7 +40767,7 @@
         </p:blipFill>
         <p:spPr>
           <a:xfrm>
-            <a:off x="11261309" y="3774138"/>
+            <a:off x="11583949" y="3669635"/>
             <a:ext cx="487666" cy="405904"/>
           </a:xfrm>
           <a:prstGeom prst="rect">
@@ -41062,7 +41688,7 @@
             <a:pPr algn="r"/>
             <a:r>
               <a:rPr lang="en-US" dirty="0">
-                <a:hlinkClick r:id="rId2"/>
+                <a:hlinkClick r:id="rId3"/>
               </a:rPr>
               <a:t>docs.scipy.org/doc/numpy-1.13.0/user/basics.types.html</a:t>
             </a:r>

--- a/ipsa/slides/numpy.pptx
+++ b/ipsa/slides/numpy.pptx
@@ -148,7 +148,7 @@
 <file path=ppt/revisionInfo.xml><?xml version="1.0" encoding="utf-8"?>
 <p1510:revInfo xmlns:a="http://schemas.openxmlformats.org/drawingml/2006/main" xmlns:r="http://schemas.openxmlformats.org/officeDocument/2006/relationships" xmlns:p1510="http://schemas.microsoft.com/office/powerpoint/2015/10/main">
   <p1510:revLst>
-    <p1510:client id="{F316340A-942C-45D6-9D7E-5900E7876E8F}" v="10" dt="2023-03-29T10:43:07.888"/>
+    <p1510:client id="{F316340A-942C-45D6-9D7E-5900E7876E8F}" v="28" dt="2023-03-29T13:04:07.364"/>
   </p1510:revLst>
 </p1510:revInfo>
 </file>
@@ -158,10 +158,25 @@
   <pc:docChgLst>
     <pc:chgData name="Gerth Stølting Brodal" userId="04ef4784-6591-4f86-a140-f5c3b108582a" providerId="ADAL" clId="{F316340A-942C-45D6-9D7E-5900E7876E8F}"/>
     <pc:docChg chg="undo custSel modSld">
-      <pc:chgData name="Gerth Stølting Brodal" userId="04ef4784-6591-4f86-a140-f5c3b108582a" providerId="ADAL" clId="{F316340A-942C-45D6-9D7E-5900E7876E8F}" dt="2023-03-29T11:02:33.279" v="169" actId="113"/>
+      <pc:chgData name="Gerth Stølting Brodal" userId="04ef4784-6591-4f86-a140-f5c3b108582a" providerId="ADAL" clId="{F316340A-942C-45D6-9D7E-5900E7876E8F}" dt="2023-03-29T13:04:07.364" v="187" actId="20577"/>
       <pc:docMkLst>
         <pc:docMk/>
       </pc:docMkLst>
+      <pc:sldChg chg="modSp">
+        <pc:chgData name="Gerth Stølting Brodal" userId="04ef4784-6591-4f86-a140-f5c3b108582a" providerId="ADAL" clId="{F316340A-942C-45D6-9D7E-5900E7876E8F}" dt="2023-03-29T13:04:07.364" v="187" actId="20577"/>
+        <pc:sldMkLst>
+          <pc:docMk/>
+          <pc:sldMk cId="1557432263" sldId="751"/>
+        </pc:sldMkLst>
+        <pc:spChg chg="mod">
+          <ac:chgData name="Gerth Stølting Brodal" userId="04ef4784-6591-4f86-a140-f5c3b108582a" providerId="ADAL" clId="{F316340A-942C-45D6-9D7E-5900E7876E8F}" dt="2023-03-29T13:04:07.364" v="187" actId="20577"/>
+          <ac:spMkLst>
+            <pc:docMk/>
+            <pc:sldMk cId="1557432263" sldId="751"/>
+            <ac:spMk id="4" creationId="{00000000-0000-0000-0000-000000000000}"/>
+          </ac:spMkLst>
+        </pc:spChg>
+      </pc:sldChg>
       <pc:sldChg chg="modSp mod">
         <pc:chgData name="Gerth Stølting Brodal" userId="04ef4784-6591-4f86-a140-f5c3b108582a" providerId="ADAL" clId="{F316340A-942C-45D6-9D7E-5900E7876E8F}" dt="2023-03-29T10:39:58.718" v="77" actId="113"/>
         <pc:sldMkLst>
@@ -20076,7 +20091,7 @@
           <p:nvPr/>
         </p:nvPicPr>
         <p:blipFill>
-          <a:blip r:embed="rId6" cstate="print">
+          <a:blip r:embed="rId5" cstate="print">
             <a:extLst>
               <a:ext uri="{28A0092B-C50C-407E-A947-70E740481C1C}">
                 <a14:useLocalDpi xmlns:a14="http://schemas.microsoft.com/office/drawing/2010/main" val="0"/>
@@ -20106,7 +20121,7 @@
           <p:nvPr/>
         </p:nvPicPr>
         <p:blipFill>
-          <a:blip r:embed="rId6" cstate="print">
+          <a:blip r:embed="rId5" cstate="print">
             <a:extLst>
               <a:ext uri="{28A0092B-C50C-407E-A947-70E740481C1C}">
                 <a14:useLocalDpi xmlns:a14="http://schemas.microsoft.com/office/drawing/2010/main" val="0"/>
@@ -20136,7 +20151,7 @@
           <p:nvPr/>
         </p:nvPicPr>
         <p:blipFill>
-          <a:blip r:embed="rId6" cstate="print">
+          <a:blip r:embed="rId5" cstate="print">
             <a:extLst>
               <a:ext uri="{28A0092B-C50C-407E-A947-70E740481C1C}">
                 <a14:useLocalDpi xmlns:a14="http://schemas.microsoft.com/office/drawing/2010/main" val="0"/>
@@ -20166,7 +20181,7 @@
           <p:nvPr/>
         </p:nvPicPr>
         <p:blipFill>
-          <a:blip r:embed="rId6" cstate="print">
+          <a:blip r:embed="rId5" cstate="print">
             <a:extLst>
               <a:ext uri="{28A0092B-C50C-407E-A947-70E740481C1C}">
                 <a14:useLocalDpi xmlns:a14="http://schemas.microsoft.com/office/drawing/2010/main" val="0"/>
@@ -38201,8 +38216,8 @@
           </a:prstGeom>
         </p:spPr>
       </p:pic>
-      <mc:AlternateContent xmlns:mc="http://schemas.openxmlformats.org/markup-compatibility/2006" xmlns:a14="http://schemas.microsoft.com/office/drawing/2010/main">
-        <mc:Choice Requires="a14">
+      <mc:AlternateContent xmlns:mc="http://schemas.openxmlformats.org/markup-compatibility/2006">
+        <mc:Choice xmlns:a14="http://schemas.microsoft.com/office/drawing/2010/main" Requires="a14">
           <p:sp>
             <p:nvSpPr>
               <p:cNvPr id="4" name="TextBox 3"/>
@@ -38344,7 +38359,7 @@
                           <a:latin typeface="Cambria Math" panose="02040503050406030204" pitchFamily="18" charset="0"/>
                           <a:ea typeface="Cambria Math" panose="02040503050406030204" pitchFamily="18" charset="0"/>
                         </a:rPr>
-                        <m:t>=</m:t>
+                        <m:t>=±</m:t>
                       </m:r>
                       <m:rad>
                         <m:radPr>
@@ -38405,7 +38420,7 @@
             </p:txBody>
           </p:sp>
         </mc:Choice>
-        <mc:Fallback xmlns="">
+        <mc:Fallback>
           <p:sp>
             <p:nvSpPr>
               <p:cNvPr id="4" name="TextBox 3"/>
@@ -38434,7 +38449,7 @@
               <a:lstStyle/>
               <a:p>
                 <a:r>
-                  <a:rPr lang="en-US">
+                  <a:rPr lang="da-DK">
                     <a:noFill/>
                   </a:rPr>
                   <a:t> </a:t>

--- a/ipsa/slides/numpy.pptx
+++ b/ipsa/slides/numpy.pptx
@@ -5,7 +5,7 @@
     <p:sldMasterId id="2147483648" r:id="rId1"/>
   </p:sldMasterIdLst>
   <p:notesMasterIdLst>
-    <p:notesMasterId r:id="rId33"/>
+    <p:notesMasterId r:id="rId34"/>
   </p:notesMasterIdLst>
   <p:sldIdLst>
     <p:sldId id="480" r:id="rId2"/>
@@ -16,29 +16,30 @@
     <p:sldId id="750" r:id="rId7"/>
     <p:sldId id="751" r:id="rId8"/>
     <p:sldId id="753" r:id="rId9"/>
-    <p:sldId id="767" r:id="rId10"/>
-    <p:sldId id="754" r:id="rId11"/>
-    <p:sldId id="768" r:id="rId12"/>
-    <p:sldId id="755" r:id="rId13"/>
-    <p:sldId id="756" r:id="rId14"/>
-    <p:sldId id="762" r:id="rId15"/>
-    <p:sldId id="757" r:id="rId16"/>
-    <p:sldId id="763" r:id="rId17"/>
-    <p:sldId id="764" r:id="rId18"/>
-    <p:sldId id="765" r:id="rId19"/>
-    <p:sldId id="769" r:id="rId20"/>
-    <p:sldId id="758" r:id="rId21"/>
-    <p:sldId id="771" r:id="rId22"/>
-    <p:sldId id="770" r:id="rId23"/>
-    <p:sldId id="774" r:id="rId24"/>
-    <p:sldId id="773" r:id="rId25"/>
-    <p:sldId id="740" r:id="rId26"/>
-    <p:sldId id="761" r:id="rId27"/>
-    <p:sldId id="741" r:id="rId28"/>
-    <p:sldId id="742" r:id="rId29"/>
-    <p:sldId id="766" r:id="rId30"/>
-    <p:sldId id="760" r:id="rId31"/>
-    <p:sldId id="759" r:id="rId32"/>
+    <p:sldId id="775" r:id="rId10"/>
+    <p:sldId id="767" r:id="rId11"/>
+    <p:sldId id="754" r:id="rId12"/>
+    <p:sldId id="768" r:id="rId13"/>
+    <p:sldId id="755" r:id="rId14"/>
+    <p:sldId id="756" r:id="rId15"/>
+    <p:sldId id="762" r:id="rId16"/>
+    <p:sldId id="757" r:id="rId17"/>
+    <p:sldId id="763" r:id="rId18"/>
+    <p:sldId id="764" r:id="rId19"/>
+    <p:sldId id="765" r:id="rId20"/>
+    <p:sldId id="769" r:id="rId21"/>
+    <p:sldId id="758" r:id="rId22"/>
+    <p:sldId id="771" r:id="rId23"/>
+    <p:sldId id="770" r:id="rId24"/>
+    <p:sldId id="774" r:id="rId25"/>
+    <p:sldId id="773" r:id="rId26"/>
+    <p:sldId id="740" r:id="rId27"/>
+    <p:sldId id="761" r:id="rId28"/>
+    <p:sldId id="741" r:id="rId29"/>
+    <p:sldId id="742" r:id="rId30"/>
+    <p:sldId id="766" r:id="rId31"/>
+    <p:sldId id="760" r:id="rId32"/>
+    <p:sldId id="759" r:id="rId33"/>
   </p:sldIdLst>
   <p:sldSz cx="12192000" cy="6858000"/>
   <p:notesSz cx="6858000" cy="9144000"/>
@@ -148,7 +149,7 @@
 <file path=ppt/revisionInfo.xml><?xml version="1.0" encoding="utf-8"?>
 <p1510:revInfo xmlns:a="http://schemas.openxmlformats.org/drawingml/2006/main" xmlns:r="http://schemas.openxmlformats.org/officeDocument/2006/relationships" xmlns:p1510="http://schemas.microsoft.com/office/powerpoint/2015/10/main">
   <p1510:revLst>
-    <p1510:client id="{F316340A-942C-45D6-9D7E-5900E7876E8F}" v="28" dt="2023-03-29T13:04:07.364"/>
+    <p1510:client id="{F316340A-942C-45D6-9D7E-5900E7876E8F}" v="36" dt="2023-04-12T10:38:26.977"/>
   </p1510:revLst>
 </p1510:revInfo>
 </file>
@@ -157,8 +158,8 @@
 <pc:chgInfo xmlns:a="http://schemas.openxmlformats.org/drawingml/2006/main" xmlns:r="http://schemas.openxmlformats.org/officeDocument/2006/relationships" xmlns:ac="http://schemas.microsoft.com/office/drawing/2013/main/command" xmlns:pc="http://schemas.microsoft.com/office/powerpoint/2013/main/command">
   <pc:docChgLst>
     <pc:chgData name="Gerth Stølting Brodal" userId="04ef4784-6591-4f86-a140-f5c3b108582a" providerId="ADAL" clId="{F316340A-942C-45D6-9D7E-5900E7876E8F}"/>
-    <pc:docChg chg="undo custSel modSld">
-      <pc:chgData name="Gerth Stølting Brodal" userId="04ef4784-6591-4f86-a140-f5c3b108582a" providerId="ADAL" clId="{F316340A-942C-45D6-9D7E-5900E7876E8F}" dt="2023-03-29T13:04:07.364" v="187" actId="20577"/>
+    <pc:docChg chg="undo custSel addSld delSld modSld">
+      <pc:chgData name="Gerth Stølting Brodal" userId="04ef4784-6591-4f86-a140-f5c3b108582a" providerId="ADAL" clId="{F316340A-942C-45D6-9D7E-5900E7876E8F}" dt="2023-04-12T10:58:33.252" v="666" actId="20577"/>
       <pc:docMkLst>
         <pc:docMk/>
       </pc:docMkLst>
@@ -178,7 +179,7 @@
         </pc:spChg>
       </pc:sldChg>
       <pc:sldChg chg="modSp mod">
-        <pc:chgData name="Gerth Stølting Brodal" userId="04ef4784-6591-4f86-a140-f5c3b108582a" providerId="ADAL" clId="{F316340A-942C-45D6-9D7E-5900E7876E8F}" dt="2023-03-29T10:39:58.718" v="77" actId="113"/>
+        <pc:chgData name="Gerth Stølting Brodal" userId="04ef4784-6591-4f86-a140-f5c3b108582a" providerId="ADAL" clId="{F316340A-942C-45D6-9D7E-5900E7876E8F}" dt="2023-04-12T07:51:50.733" v="197" actId="20577"/>
         <pc:sldMkLst>
           <pc:docMk/>
           <pc:sldMk cId="4115646034" sldId="753"/>
@@ -200,7 +201,7 @@
           </ac:spMkLst>
         </pc:spChg>
         <pc:graphicFrameChg chg="modGraphic">
-          <ac:chgData name="Gerth Stølting Brodal" userId="04ef4784-6591-4f86-a140-f5c3b108582a" providerId="ADAL" clId="{F316340A-942C-45D6-9D7E-5900E7876E8F}" dt="2023-03-29T10:36:25.207" v="56" actId="14734"/>
+          <ac:chgData name="Gerth Stølting Brodal" userId="04ef4784-6591-4f86-a140-f5c3b108582a" providerId="ADAL" clId="{F316340A-942C-45D6-9D7E-5900E7876E8F}" dt="2023-04-12T07:51:50.733" v="197" actId="20577"/>
           <ac:graphicFrameMkLst>
             <pc:docMk/>
             <pc:sldMk cId="4115646034" sldId="753"/>
@@ -262,6 +263,21 @@
           </ac:graphicFrameMkLst>
         </pc:graphicFrameChg>
       </pc:sldChg>
+      <pc:sldChg chg="modSp mod modNotesTx">
+        <pc:chgData name="Gerth Stølting Brodal" userId="04ef4784-6591-4f86-a140-f5c3b108582a" providerId="ADAL" clId="{F316340A-942C-45D6-9D7E-5900E7876E8F}" dt="2023-04-12T10:58:33.252" v="666" actId="20577"/>
+        <pc:sldMkLst>
+          <pc:docMk/>
+          <pc:sldMk cId="1886750958" sldId="758"/>
+        </pc:sldMkLst>
+        <pc:graphicFrameChg chg="modGraphic">
+          <ac:chgData name="Gerth Stølting Brodal" userId="04ef4784-6591-4f86-a140-f5c3b108582a" providerId="ADAL" clId="{F316340A-942C-45D6-9D7E-5900E7876E8F}" dt="2023-04-12T10:55:30.991" v="511" actId="2161"/>
+          <ac:graphicFrameMkLst>
+            <pc:docMk/>
+            <pc:sldMk cId="1886750958" sldId="758"/>
+            <ac:graphicFrameMk id="4" creationId="{00000000-0000-0000-0000-000000000000}"/>
+          </ac:graphicFrameMkLst>
+        </pc:graphicFrameChg>
+      </pc:sldChg>
       <pc:sldChg chg="modSp mod">
         <pc:chgData name="Gerth Stølting Brodal" userId="04ef4784-6591-4f86-a140-f5c3b108582a" providerId="ADAL" clId="{F316340A-942C-45D6-9D7E-5900E7876E8F}" dt="2023-03-29T10:51:34.765" v="97" actId="1076"/>
         <pc:sldMkLst>
@@ -291,6 +307,178 @@
           <pc:docMk/>
           <pc:sldMk cId="3517907610" sldId="765"/>
         </pc:sldMkLst>
+      </pc:sldChg>
+      <pc:sldChg chg="addSp delSp modSp mod">
+        <pc:chgData name="Gerth Stølting Brodal" userId="04ef4784-6591-4f86-a140-f5c3b108582a" providerId="ADAL" clId="{F316340A-942C-45D6-9D7E-5900E7876E8F}" dt="2023-04-12T10:42:11.709" v="509" actId="5793"/>
+        <pc:sldMkLst>
+          <pc:docMk/>
+          <pc:sldMk cId="3441406672" sldId="769"/>
+        </pc:sldMkLst>
+        <pc:graphicFrameChg chg="modGraphic">
+          <ac:chgData name="Gerth Stølting Brodal" userId="04ef4784-6591-4f86-a140-f5c3b108582a" providerId="ADAL" clId="{F316340A-942C-45D6-9D7E-5900E7876E8F}" dt="2023-04-12T10:42:11.709" v="509" actId="5793"/>
+          <ac:graphicFrameMkLst>
+            <pc:docMk/>
+            <pc:sldMk cId="3441406672" sldId="769"/>
+            <ac:graphicFrameMk id="4" creationId="{00000000-0000-0000-0000-000000000000}"/>
+          </ac:graphicFrameMkLst>
+        </pc:graphicFrameChg>
+        <pc:picChg chg="add mod">
+          <ac:chgData name="Gerth Stølting Brodal" userId="04ef4784-6591-4f86-a140-f5c3b108582a" providerId="ADAL" clId="{F316340A-942C-45D6-9D7E-5900E7876E8F}" dt="2023-04-12T10:38:46.267" v="499" actId="1038"/>
+          <ac:picMkLst>
+            <pc:docMk/>
+            <pc:sldMk cId="3441406672" sldId="769"/>
+            <ac:picMk id="2" creationId="{868D558B-CB5C-7358-81C4-F89F0C390AB6}"/>
+          </ac:picMkLst>
+        </pc:picChg>
+        <pc:picChg chg="add mod">
+          <ac:chgData name="Gerth Stølting Brodal" userId="04ef4784-6591-4f86-a140-f5c3b108582a" providerId="ADAL" clId="{F316340A-942C-45D6-9D7E-5900E7876E8F}" dt="2023-04-12T10:38:46.267" v="499" actId="1038"/>
+          <ac:picMkLst>
+            <pc:docMk/>
+            <pc:sldMk cId="3441406672" sldId="769"/>
+            <ac:picMk id="3" creationId="{54A360F1-9E79-437F-563D-1AB4F2FF4366}"/>
+          </ac:picMkLst>
+        </pc:picChg>
+        <pc:picChg chg="add mod">
+          <ac:chgData name="Gerth Stølting Brodal" userId="04ef4784-6591-4f86-a140-f5c3b108582a" providerId="ADAL" clId="{F316340A-942C-45D6-9D7E-5900E7876E8F}" dt="2023-04-12T10:38:46.267" v="499" actId="1038"/>
+          <ac:picMkLst>
+            <pc:docMk/>
+            <pc:sldMk cId="3441406672" sldId="769"/>
+            <ac:picMk id="5" creationId="{8F9F3E11-280A-D180-A5C2-DD65A03754B6}"/>
+          </ac:picMkLst>
+        </pc:picChg>
+        <pc:picChg chg="del">
+          <ac:chgData name="Gerth Stølting Brodal" userId="04ef4784-6591-4f86-a140-f5c3b108582a" providerId="ADAL" clId="{F316340A-942C-45D6-9D7E-5900E7876E8F}" dt="2023-04-12T10:38:37.958" v="473" actId="478"/>
+          <ac:picMkLst>
+            <pc:docMk/>
+            <pc:sldMk cId="3441406672" sldId="769"/>
+            <ac:picMk id="10" creationId="{00000000-0000-0000-0000-000000000000}"/>
+          </ac:picMkLst>
+        </pc:picChg>
+        <pc:picChg chg="del">
+          <ac:chgData name="Gerth Stølting Brodal" userId="04ef4784-6591-4f86-a140-f5c3b108582a" providerId="ADAL" clId="{F316340A-942C-45D6-9D7E-5900E7876E8F}" dt="2023-04-12T10:38:37.958" v="473" actId="478"/>
+          <ac:picMkLst>
+            <pc:docMk/>
+            <pc:sldMk cId="3441406672" sldId="769"/>
+            <ac:picMk id="11" creationId="{00000000-0000-0000-0000-000000000000}"/>
+          </ac:picMkLst>
+        </pc:picChg>
+        <pc:picChg chg="del">
+          <ac:chgData name="Gerth Stølting Brodal" userId="04ef4784-6591-4f86-a140-f5c3b108582a" providerId="ADAL" clId="{F316340A-942C-45D6-9D7E-5900E7876E8F}" dt="2023-04-12T10:38:37.958" v="473" actId="478"/>
+          <ac:picMkLst>
+            <pc:docMk/>
+            <pc:sldMk cId="3441406672" sldId="769"/>
+            <ac:picMk id="12" creationId="{00000000-0000-0000-0000-000000000000}"/>
+          </ac:picMkLst>
+        </pc:picChg>
+        <pc:picChg chg="del mod">
+          <ac:chgData name="Gerth Stølting Brodal" userId="04ef4784-6591-4f86-a140-f5c3b108582a" providerId="ADAL" clId="{F316340A-942C-45D6-9D7E-5900E7876E8F}" dt="2023-04-12T10:38:37.958" v="473" actId="478"/>
+          <ac:picMkLst>
+            <pc:docMk/>
+            <pc:sldMk cId="3441406672" sldId="769"/>
+            <ac:picMk id="13" creationId="{00000000-0000-0000-0000-000000000000}"/>
+          </ac:picMkLst>
+        </pc:picChg>
+        <pc:picChg chg="add mod">
+          <ac:chgData name="Gerth Stølting Brodal" userId="04ef4784-6591-4f86-a140-f5c3b108582a" providerId="ADAL" clId="{F316340A-942C-45D6-9D7E-5900E7876E8F}" dt="2023-04-12T10:38:46.267" v="499" actId="1038"/>
+          <ac:picMkLst>
+            <pc:docMk/>
+            <pc:sldMk cId="3441406672" sldId="769"/>
+            <ac:picMk id="15" creationId="{A7596384-E6A7-5312-84B2-3623373007A7}"/>
+          </ac:picMkLst>
+        </pc:picChg>
+      </pc:sldChg>
+      <pc:sldChg chg="addSp delSp modSp add mod modNotesTx">
+        <pc:chgData name="Gerth Stølting Brodal" userId="04ef4784-6591-4f86-a140-f5c3b108582a" providerId="ADAL" clId="{F316340A-942C-45D6-9D7E-5900E7876E8F}" dt="2023-04-12T10:36:44.142" v="463" actId="1076"/>
+        <pc:sldMkLst>
+          <pc:docMk/>
+          <pc:sldMk cId="1808197162" sldId="775"/>
+        </pc:sldMkLst>
+        <pc:spChg chg="mod">
+          <ac:chgData name="Gerth Stølting Brodal" userId="04ef4784-6591-4f86-a140-f5c3b108582a" providerId="ADAL" clId="{F316340A-942C-45D6-9D7E-5900E7876E8F}" dt="2023-04-12T10:29:29.327" v="399" actId="1076"/>
+          <ac:spMkLst>
+            <pc:docMk/>
+            <pc:sldMk cId="1808197162" sldId="775"/>
+            <ac:spMk id="2" creationId="{00000000-0000-0000-0000-000000000000}"/>
+          </ac:spMkLst>
+        </pc:spChg>
+        <pc:spChg chg="del">
+          <ac:chgData name="Gerth Stølting Brodal" userId="04ef4784-6591-4f86-a140-f5c3b108582a" providerId="ADAL" clId="{F316340A-942C-45D6-9D7E-5900E7876E8F}" dt="2023-04-12T10:29:09.105" v="398" actId="478"/>
+          <ac:spMkLst>
+            <pc:docMk/>
+            <pc:sldMk cId="1808197162" sldId="775"/>
+            <ac:spMk id="5" creationId="{00000000-0000-0000-0000-000000000000}"/>
+          </ac:spMkLst>
+        </pc:spChg>
+        <pc:spChg chg="add del mod">
+          <ac:chgData name="Gerth Stølting Brodal" userId="04ef4784-6591-4f86-a140-f5c3b108582a" providerId="ADAL" clId="{F316340A-942C-45D6-9D7E-5900E7876E8F}" dt="2023-04-12T10:34:42.617" v="405" actId="22"/>
+          <ac:spMkLst>
+            <pc:docMk/>
+            <pc:sldMk cId="1808197162" sldId="775"/>
+            <ac:spMk id="9" creationId="{8781FCF3-2DC1-EF12-6727-570C54C4CA5F}"/>
+          </ac:spMkLst>
+        </pc:spChg>
+        <pc:spChg chg="add mod">
+          <ac:chgData name="Gerth Stølting Brodal" userId="04ef4784-6591-4f86-a140-f5c3b108582a" providerId="ADAL" clId="{F316340A-942C-45D6-9D7E-5900E7876E8F}" dt="2023-04-12T10:35:46.925" v="461" actId="6549"/>
+          <ac:spMkLst>
+            <pc:docMk/>
+            <pc:sldMk cId="1808197162" sldId="775"/>
+            <ac:spMk id="10" creationId="{40C16040-C9A5-A366-CE73-A03CC8D4C027}"/>
+          </ac:spMkLst>
+        </pc:spChg>
+        <pc:graphicFrameChg chg="mod modGraphic">
+          <ac:chgData name="Gerth Stølting Brodal" userId="04ef4784-6591-4f86-a140-f5c3b108582a" providerId="ADAL" clId="{F316340A-942C-45D6-9D7E-5900E7876E8F}" dt="2023-04-12T10:36:36.044" v="462" actId="1076"/>
+          <ac:graphicFrameMkLst>
+            <pc:docMk/>
+            <pc:sldMk cId="1808197162" sldId="775"/>
+            <ac:graphicFrameMk id="4" creationId="{00000000-0000-0000-0000-000000000000}"/>
+          </ac:graphicFrameMkLst>
+        </pc:graphicFrameChg>
+        <pc:picChg chg="del">
+          <ac:chgData name="Gerth Stølting Brodal" userId="04ef4784-6591-4f86-a140-f5c3b108582a" providerId="ADAL" clId="{F316340A-942C-45D6-9D7E-5900E7876E8F}" dt="2023-04-12T10:29:09.105" v="398" actId="478"/>
+          <ac:picMkLst>
+            <pc:docMk/>
+            <pc:sldMk cId="1808197162" sldId="775"/>
+            <ac:picMk id="6" creationId="{00000000-0000-0000-0000-000000000000}"/>
+          </ac:picMkLst>
+        </pc:picChg>
+        <pc:picChg chg="del">
+          <ac:chgData name="Gerth Stølting Brodal" userId="04ef4784-6591-4f86-a140-f5c3b108582a" providerId="ADAL" clId="{F316340A-942C-45D6-9D7E-5900E7876E8F}" dt="2023-04-12T10:26:35.299" v="262" actId="478"/>
+          <ac:picMkLst>
+            <pc:docMk/>
+            <pc:sldMk cId="1808197162" sldId="775"/>
+            <ac:picMk id="8" creationId="{00000000-0000-0000-0000-000000000000}"/>
+          </ac:picMkLst>
+        </pc:picChg>
+        <pc:picChg chg="add mod">
+          <ac:chgData name="Gerth Stølting Brodal" userId="04ef4784-6591-4f86-a140-f5c3b108582a" providerId="ADAL" clId="{F316340A-942C-45D6-9D7E-5900E7876E8F}" dt="2023-04-12T10:36:44.142" v="463" actId="1076"/>
+          <ac:picMkLst>
+            <pc:docMk/>
+            <pc:sldMk cId="1808197162" sldId="775"/>
+            <ac:picMk id="11" creationId="{28095352-3BFA-56A0-BE47-AAC9F26B1166}"/>
+          </ac:picMkLst>
+        </pc:picChg>
+      </pc:sldChg>
+      <pc:sldChg chg="new del">
+        <pc:chgData name="Gerth Stølting Brodal" userId="04ef4784-6591-4f86-a140-f5c3b108582a" providerId="ADAL" clId="{F316340A-942C-45D6-9D7E-5900E7876E8F}" dt="2023-04-12T10:28:04.560" v="360" actId="680"/>
+        <pc:sldMkLst>
+          <pc:docMk/>
+          <pc:sldMk cId="2359873387" sldId="776"/>
+        </pc:sldMkLst>
+      </pc:sldChg>
+      <pc:sldChg chg="delSp modSp new del mod">
+        <pc:chgData name="Gerth Stølting Brodal" userId="04ef4784-6591-4f86-a140-f5c3b108582a" providerId="ADAL" clId="{F316340A-942C-45D6-9D7E-5900E7876E8F}" dt="2023-04-12T10:34:57.810" v="413" actId="47"/>
+        <pc:sldMkLst>
+          <pc:docMk/>
+          <pc:sldMk cId="3389015899" sldId="776"/>
+        </pc:sldMkLst>
+        <pc:spChg chg="del mod">
+          <ac:chgData name="Gerth Stølting Brodal" userId="04ef4784-6591-4f86-a140-f5c3b108582a" providerId="ADAL" clId="{F316340A-942C-45D6-9D7E-5900E7876E8F}" dt="2023-04-12T10:34:52.799" v="410" actId="21"/>
+          <ac:spMkLst>
+            <pc:docMk/>
+            <pc:sldMk cId="3389015899" sldId="776"/>
+            <ac:spMk id="3" creationId="{7EEA2963-1F94-6200-4743-A3C0D7A6EC6D}"/>
+          </ac:spMkLst>
+        </pc:spChg>
       </pc:sldChg>
     </pc:docChg>
   </pc:docChgLst>
@@ -1331,7 +1519,7 @@
           <a:p>
             <a:fld id="{FB1A172F-81D4-4DC4-9113-1DBD56EC3646}" type="datetimeFigureOut">
               <a:rPr lang="en-US" smtClean="0"/>
-              <a:t>3/29/2023</a:t>
+              <a:t>4/12/2023</a:t>
             </a:fld>
             <a:endParaRPr lang="en-US"/>
           </a:p>
@@ -1740,13 +1928,45 @@
           <a:p>
             <a:r>
               <a:rPr lang="en-US" dirty="0"/>
-              <a:t>np.mod can also take two arrays and applied elementwise</a:t>
+              <a:t>.cross for 3-dimensional</a:t>
             </a:r>
             <a:r>
               <a:rPr lang="en-US" baseline="0" dirty="0"/>
-              <a:t> modulo</a:t>
-            </a:r>
-            <a:endParaRPr lang="en-US" dirty="0"/>
+              <a:t> vectors</a:t>
+            </a:r>
+          </a:p>
+          <a:p>
+            <a:r>
+              <a:rPr lang="en-US" baseline="0" dirty="0"/>
+              <a:t>.T is only a </a:t>
+            </a:r>
+            <a:r>
+              <a:rPr lang="en-US" b="1" baseline="0" dirty="0"/>
+              <a:t>view</a:t>
+            </a:r>
+            <a:r>
+              <a:rPr lang="en-US" b="0" baseline="0" dirty="0"/>
+              <a:t> - so updates are applied to original matrix</a:t>
+            </a:r>
+          </a:p>
+          <a:p>
+            <a:r>
+              <a:rPr lang="en-US" b="0" baseline="0" dirty="0"/>
+              <a:t>@ calls method </a:t>
+            </a:r>
+            <a:r>
+              <a:rPr lang="da-DK" dirty="0"/>
+              <a:t>__</a:t>
+            </a:r>
+            <a:r>
+              <a:rPr lang="da-DK" dirty="0" err="1"/>
+              <a:t>matmul</a:t>
+            </a:r>
+            <a:r>
+              <a:rPr lang="da-DK" dirty="0"/>
+              <a:t>__ on array</a:t>
+            </a:r>
+            <a:endParaRPr lang="en-US" b="1" dirty="0"/>
           </a:p>
         </p:txBody>
       </p:sp>
@@ -1776,7 +1996,7 @@
     </p:spTree>
     <p:extLst>
       <p:ext uri="{BB962C8B-B14F-4D97-AF65-F5344CB8AC3E}">
-        <p14:creationId xmlns:p14="http://schemas.microsoft.com/office/powerpoint/2010/main" val="2883948154"/>
+        <p14:creationId xmlns:p14="http://schemas.microsoft.com/office/powerpoint/2010/main" val="4018900118"/>
       </p:ext>
     </p:extLst>
   </p:cSld>
@@ -1831,16 +2051,12 @@
           <a:lstStyle/>
           <a:p>
             <a:r>
-              <a:rPr lang="en-US" b="1" dirty="0"/>
-              <a:t>sum(axis=0)  removes</a:t>
-            </a:r>
-            <a:r>
-              <a:rPr lang="en-US" b="1" baseline="0" dirty="0"/>
-              <a:t> axis 0 </a:t>
+              <a:rPr lang="en-US" dirty="0"/>
+              <a:t>np.mod can also take two arrays and applied elementwise</a:t>
             </a:r>
             <a:r>
               <a:rPr lang="en-US" baseline="0" dirty="0"/>
-              <a:t>(sums over this axis)</a:t>
+              <a:t> modulo</a:t>
             </a:r>
             <a:endParaRPr lang="en-US" dirty="0"/>
           </a:p>
@@ -1872,7 +2088,7 @@
     </p:spTree>
     <p:extLst>
       <p:ext uri="{BB962C8B-B14F-4D97-AF65-F5344CB8AC3E}">
-        <p14:creationId xmlns:p14="http://schemas.microsoft.com/office/powerpoint/2010/main" val="3246251085"/>
+        <p14:creationId xmlns:p14="http://schemas.microsoft.com/office/powerpoint/2010/main" val="2883948154"/>
       </p:ext>
     </p:extLst>
   </p:cSld>
@@ -1926,6 +2142,18 @@
           <a:bodyPr/>
           <a:lstStyle/>
           <a:p>
+            <a:r>
+              <a:rPr lang="en-US" b="1" dirty="0"/>
+              <a:t>sum(axis=0)  removes</a:t>
+            </a:r>
+            <a:r>
+              <a:rPr lang="en-US" b="1" baseline="0" dirty="0"/>
+              <a:t> axis 0 </a:t>
+            </a:r>
+            <a:r>
+              <a:rPr lang="en-US" baseline="0" dirty="0"/>
+              <a:t>(sums over this axis)</a:t>
+            </a:r>
             <a:endParaRPr lang="en-US" dirty="0"/>
           </a:p>
         </p:txBody>
@@ -1956,7 +2184,7 @@
     </p:spTree>
     <p:extLst>
       <p:ext uri="{BB962C8B-B14F-4D97-AF65-F5344CB8AC3E}">
-        <p14:creationId xmlns:p14="http://schemas.microsoft.com/office/powerpoint/2010/main" val="2456616591"/>
+        <p14:creationId xmlns:p14="http://schemas.microsoft.com/office/powerpoint/2010/main" val="3246251085"/>
       </p:ext>
     </p:extLst>
   </p:cSld>
@@ -2040,7 +2268,7 @@
     </p:spTree>
     <p:extLst>
       <p:ext uri="{BB962C8B-B14F-4D97-AF65-F5344CB8AC3E}">
-        <p14:creationId xmlns:p14="http://schemas.microsoft.com/office/powerpoint/2010/main" val="3553912546"/>
+        <p14:creationId xmlns:p14="http://schemas.microsoft.com/office/powerpoint/2010/main" val="2456616591"/>
       </p:ext>
     </p:extLst>
   </p:cSld>
@@ -2051,352 +2279,6 @@
 </file>
 
 <file path=ppt/notesSlides/notesSlide14.xml><?xml version="1.0" encoding="utf-8"?>
-<p:notes xmlns:a="http://schemas.openxmlformats.org/drawingml/2006/main" xmlns:r="http://schemas.openxmlformats.org/officeDocument/2006/relationships" xmlns:p="http://schemas.openxmlformats.org/presentationml/2006/main">
-  <p:cSld>
-    <p:spTree>
-      <p:nvGrpSpPr>
-        <p:cNvPr id="1" name=""/>
-        <p:cNvGrpSpPr/>
-        <p:nvPr/>
-      </p:nvGrpSpPr>
-      <p:grpSpPr>
-        <a:xfrm>
-          <a:off x="0" y="0"/>
-          <a:ext cx="0" cy="0"/>
-          <a:chOff x="0" y="0"/>
-          <a:chExt cx="0" cy="0"/>
-        </a:xfrm>
-      </p:grpSpPr>
-      <p:sp>
-        <p:nvSpPr>
-          <p:cNvPr id="2" name="Slide Image Placeholder 1"/>
-          <p:cNvSpPr>
-            <a:spLocks noGrp="1" noRot="1" noChangeAspect="1"/>
-          </p:cNvSpPr>
-          <p:nvPr>
-            <p:ph type="sldImg"/>
-          </p:nvPr>
-        </p:nvSpPr>
-        <p:spPr/>
-      </p:sp>
-      <p:sp>
-        <p:nvSpPr>
-          <p:cNvPr id="3" name="Notes Placeholder 2"/>
-          <p:cNvSpPr>
-            <a:spLocks noGrp="1"/>
-          </p:cNvSpPr>
-          <p:nvPr>
-            <p:ph type="body" idx="1"/>
-          </p:nvPr>
-        </p:nvSpPr>
-        <p:spPr/>
-        <p:txBody>
-          <a:bodyPr/>
-          <a:lstStyle/>
-          <a:p>
-            <a:r>
-              <a:rPr lang="en-US" dirty="0"/>
-              <a:t>x[:, could also be x[…,</a:t>
-            </a:r>
-          </a:p>
-        </p:txBody>
-      </p:sp>
-      <p:sp>
-        <p:nvSpPr>
-          <p:cNvPr id="4" name="Slide Number Placeholder 3"/>
-          <p:cNvSpPr>
-            <a:spLocks noGrp="1"/>
-          </p:cNvSpPr>
-          <p:nvPr>
-            <p:ph type="sldNum" sz="quarter" idx="10"/>
-          </p:nvPr>
-        </p:nvSpPr>
-        <p:spPr/>
-        <p:txBody>
-          <a:bodyPr/>
-          <a:lstStyle/>
-          <a:p>
-            <a:fld id="{CD563DD8-32AB-41BE-B1C6-8EAC45222ACE}" type="slidenum">
-              <a:rPr lang="en-US" smtClean="0"/>
-              <a:t>17</a:t>
-            </a:fld>
-            <a:endParaRPr lang="en-US"/>
-          </a:p>
-        </p:txBody>
-      </p:sp>
-    </p:spTree>
-    <p:extLst>
-      <p:ext uri="{BB962C8B-B14F-4D97-AF65-F5344CB8AC3E}">
-        <p14:creationId xmlns:p14="http://schemas.microsoft.com/office/powerpoint/2010/main" val="2579779452"/>
-      </p:ext>
-    </p:extLst>
-  </p:cSld>
-  <p:clrMapOvr>
-    <a:masterClrMapping/>
-  </p:clrMapOvr>
-</p:notes>
-</file>
-
-<file path=ppt/notesSlides/notesSlide15.xml><?xml version="1.0" encoding="utf-8"?>
-<p:notes xmlns:a="http://schemas.openxmlformats.org/drawingml/2006/main" xmlns:r="http://schemas.openxmlformats.org/officeDocument/2006/relationships" xmlns:p="http://schemas.openxmlformats.org/presentationml/2006/main">
-  <p:cSld>
-    <p:spTree>
-      <p:nvGrpSpPr>
-        <p:cNvPr id="1" name=""/>
-        <p:cNvGrpSpPr/>
-        <p:nvPr/>
-      </p:nvGrpSpPr>
-      <p:grpSpPr>
-        <a:xfrm>
-          <a:off x="0" y="0"/>
-          <a:ext cx="0" cy="0"/>
-          <a:chOff x="0" y="0"/>
-          <a:chExt cx="0" cy="0"/>
-        </a:xfrm>
-      </p:grpSpPr>
-      <p:sp>
-        <p:nvSpPr>
-          <p:cNvPr id="2" name="Slide Image Placeholder 1"/>
-          <p:cNvSpPr>
-            <a:spLocks noGrp="1" noRot="1" noChangeAspect="1"/>
-          </p:cNvSpPr>
-          <p:nvPr>
-            <p:ph type="sldImg"/>
-          </p:nvPr>
-        </p:nvSpPr>
-        <p:spPr/>
-      </p:sp>
-      <p:sp>
-        <p:nvSpPr>
-          <p:cNvPr id="3" name="Notes Placeholder 2"/>
-          <p:cNvSpPr>
-            <a:spLocks noGrp="1"/>
-          </p:cNvSpPr>
-          <p:nvPr>
-            <p:ph type="body" idx="1"/>
-          </p:nvPr>
-        </p:nvSpPr>
-        <p:spPr/>
-        <p:txBody>
-          <a:bodyPr/>
-          <a:lstStyle/>
-          <a:p>
-            <a:r>
-              <a:rPr lang="en-US" dirty="0"/>
-              <a:t>Result assumes a 32 bit Python installation</a:t>
-            </a:r>
-          </a:p>
-          <a:p>
-            <a:endParaRPr lang="en-US" dirty="0"/>
-          </a:p>
-          <a:p>
-            <a:r>
-              <a:rPr lang="en-US" dirty="0"/>
-              <a:t>~40 and ~10 times faster</a:t>
-            </a:r>
-          </a:p>
-          <a:p>
-            <a:endParaRPr lang="en-US" dirty="0"/>
-          </a:p>
-          <a:p>
-            <a:r>
-              <a:rPr lang="en-US" dirty="0" err="1"/>
-              <a:t>timeit</a:t>
-            </a:r>
-            <a:r>
-              <a:rPr lang="en-US" dirty="0"/>
-              <a:t>('</a:t>
-            </a:r>
-            <a:r>
-              <a:rPr lang="en-US" b="1" dirty="0"/>
-              <a:t>sum(A)</a:t>
-            </a:r>
-            <a:r>
-              <a:rPr lang="en-US" dirty="0"/>
-              <a:t>', setup='A = </a:t>
-            </a:r>
-            <a:r>
-              <a:rPr lang="en-US" b="1" dirty="0"/>
-              <a:t>list(range</a:t>
-            </a:r>
-            <a:r>
-              <a:rPr lang="en-US" dirty="0"/>
-              <a:t>(10**6))', number=100)             </a:t>
-            </a:r>
-          </a:p>
-          <a:p>
-            <a:r>
-              <a:rPr lang="en-US" dirty="0"/>
-              <a:t>1.6</a:t>
-            </a:r>
-          </a:p>
-          <a:p>
-            <a:r>
-              <a:rPr lang="en-US" dirty="0" err="1"/>
-              <a:t>timeit</a:t>
-            </a:r>
-            <a:r>
-              <a:rPr lang="en-US" dirty="0"/>
-              <a:t>('</a:t>
-            </a:r>
-            <a:r>
-              <a:rPr lang="en-US" b="1" dirty="0"/>
-              <a:t>sum(A)</a:t>
-            </a:r>
-            <a:r>
-              <a:rPr lang="en-US" dirty="0"/>
-              <a:t>', setup='import </a:t>
-            </a:r>
-            <a:r>
-              <a:rPr lang="en-US" dirty="0" err="1"/>
-              <a:t>numpy</a:t>
-            </a:r>
-            <a:r>
-              <a:rPr lang="en-US" dirty="0"/>
-              <a:t> as np; A = </a:t>
-            </a:r>
-            <a:r>
-              <a:rPr lang="en-US" b="1" dirty="0" err="1"/>
-              <a:t>np.array</a:t>
-            </a:r>
-            <a:r>
-              <a:rPr lang="en-US" dirty="0"/>
-              <a:t>(range(10**6))', number=100)</a:t>
-            </a:r>
-          </a:p>
-          <a:p>
-            <a:r>
-              <a:rPr lang="en-US" dirty="0" err="1"/>
-              <a:t>RuntimeWarning</a:t>
-            </a:r>
-            <a:r>
-              <a:rPr lang="en-US" dirty="0"/>
-              <a:t>: overflow encountered in scalar add</a:t>
-            </a:r>
-          </a:p>
-          <a:p>
-            <a:r>
-              <a:rPr lang="en-US" dirty="0"/>
-              <a:t>4.1  # slower</a:t>
-            </a:r>
-          </a:p>
-          <a:p>
-            <a:r>
-              <a:rPr lang="en-US" dirty="0" err="1"/>
-              <a:t>timeit</a:t>
-            </a:r>
-            <a:r>
-              <a:rPr lang="en-US" dirty="0"/>
-              <a:t>('</a:t>
-            </a:r>
-            <a:r>
-              <a:rPr lang="en-US" b="1" dirty="0" err="1"/>
-              <a:t>np.sum</a:t>
-            </a:r>
-            <a:r>
-              <a:rPr lang="en-US" dirty="0"/>
-              <a:t>(A)', setup='import </a:t>
-            </a:r>
-            <a:r>
-              <a:rPr lang="en-US" dirty="0" err="1"/>
-              <a:t>numpy</a:t>
-            </a:r>
-            <a:r>
-              <a:rPr lang="en-US" dirty="0"/>
-              <a:t> as np; A = </a:t>
-            </a:r>
-            <a:r>
-              <a:rPr lang="en-US" dirty="0" err="1"/>
-              <a:t>np.array</a:t>
-            </a:r>
-            <a:r>
-              <a:rPr lang="en-US" dirty="0"/>
-              <a:t>(range(10**6))', number=100)</a:t>
-            </a:r>
-          </a:p>
-          <a:p>
-            <a:r>
-              <a:rPr lang="en-US" dirty="0" err="1"/>
-              <a:t>timeit</a:t>
-            </a:r>
-            <a:r>
-              <a:rPr lang="en-US" dirty="0"/>
-              <a:t>(</a:t>
-            </a:r>
-            <a:r>
-              <a:rPr lang="en-US" b="1" dirty="0"/>
-              <a:t>'</a:t>
-            </a:r>
-            <a:r>
-              <a:rPr lang="en-US" b="1" dirty="0" err="1"/>
-              <a:t>A.sum</a:t>
-            </a:r>
-            <a:r>
-              <a:rPr lang="en-US" dirty="0"/>
-              <a:t>()', setup='import </a:t>
-            </a:r>
-            <a:r>
-              <a:rPr lang="en-US" dirty="0" err="1"/>
-              <a:t>numpy</a:t>
-            </a:r>
-            <a:r>
-              <a:rPr lang="en-US" dirty="0"/>
-              <a:t> as np; A = </a:t>
-            </a:r>
-            <a:r>
-              <a:rPr lang="en-US" dirty="0" err="1"/>
-              <a:t>np.array</a:t>
-            </a:r>
-            <a:r>
-              <a:rPr lang="en-US" dirty="0"/>
-              <a:t>(range(10**6))', number=100)</a:t>
-            </a:r>
-          </a:p>
-          <a:p>
-            <a:r>
-              <a:rPr lang="en-US" dirty="0"/>
-              <a:t>0.02  # factor 100 faster</a:t>
-            </a:r>
-          </a:p>
-        </p:txBody>
-      </p:sp>
-      <p:sp>
-        <p:nvSpPr>
-          <p:cNvPr id="4" name="Slide Number Placeholder 3"/>
-          <p:cNvSpPr>
-            <a:spLocks noGrp="1"/>
-          </p:cNvSpPr>
-          <p:nvPr>
-            <p:ph type="sldNum" sz="quarter" idx="10"/>
-          </p:nvPr>
-        </p:nvSpPr>
-        <p:spPr/>
-        <p:txBody>
-          <a:bodyPr/>
-          <a:lstStyle/>
-          <a:p>
-            <a:fld id="{CD563DD8-32AB-41BE-B1C6-8EAC45222ACE}" type="slidenum">
-              <a:rPr lang="en-US" smtClean="0"/>
-              <a:t>18</a:t>
-            </a:fld>
-            <a:endParaRPr lang="en-US"/>
-          </a:p>
-        </p:txBody>
-      </p:sp>
-    </p:spTree>
-    <p:extLst>
-      <p:ext uri="{BB962C8B-B14F-4D97-AF65-F5344CB8AC3E}">
-        <p14:creationId xmlns:p14="http://schemas.microsoft.com/office/powerpoint/2010/main" val="2980398347"/>
-      </p:ext>
-    </p:extLst>
-  </p:cSld>
-  <p:clrMapOvr>
-    <a:masterClrMapping/>
-  </p:clrMapOvr>
-</p:notes>
-</file>
-
-<file path=ppt/notesSlides/notesSlide16.xml><?xml version="1.0" encoding="utf-8"?>
 <p:notes xmlns:a="http://schemas.openxmlformats.org/drawingml/2006/main" xmlns:r="http://schemas.openxmlformats.org/officeDocument/2006/relationships" xmlns:p="http://schemas.openxmlformats.org/presentationml/2006/main">
   <p:cSld>
     <p:spTree>
@@ -2461,6 +2343,352 @@
           <a:p>
             <a:fld id="{CD563DD8-32AB-41BE-B1C6-8EAC45222ACE}" type="slidenum">
               <a:rPr lang="en-US" smtClean="0"/>
+              <a:t>17</a:t>
+            </a:fld>
+            <a:endParaRPr lang="en-US"/>
+          </a:p>
+        </p:txBody>
+      </p:sp>
+    </p:spTree>
+    <p:extLst>
+      <p:ext uri="{BB962C8B-B14F-4D97-AF65-F5344CB8AC3E}">
+        <p14:creationId xmlns:p14="http://schemas.microsoft.com/office/powerpoint/2010/main" val="3553912546"/>
+      </p:ext>
+    </p:extLst>
+  </p:cSld>
+  <p:clrMapOvr>
+    <a:masterClrMapping/>
+  </p:clrMapOvr>
+</p:notes>
+</file>
+
+<file path=ppt/notesSlides/notesSlide15.xml><?xml version="1.0" encoding="utf-8"?>
+<p:notes xmlns:a="http://schemas.openxmlformats.org/drawingml/2006/main" xmlns:r="http://schemas.openxmlformats.org/officeDocument/2006/relationships" xmlns:p="http://schemas.openxmlformats.org/presentationml/2006/main">
+  <p:cSld>
+    <p:spTree>
+      <p:nvGrpSpPr>
+        <p:cNvPr id="1" name=""/>
+        <p:cNvGrpSpPr/>
+        <p:nvPr/>
+      </p:nvGrpSpPr>
+      <p:grpSpPr>
+        <a:xfrm>
+          <a:off x="0" y="0"/>
+          <a:ext cx="0" cy="0"/>
+          <a:chOff x="0" y="0"/>
+          <a:chExt cx="0" cy="0"/>
+        </a:xfrm>
+      </p:grpSpPr>
+      <p:sp>
+        <p:nvSpPr>
+          <p:cNvPr id="2" name="Slide Image Placeholder 1"/>
+          <p:cNvSpPr>
+            <a:spLocks noGrp="1" noRot="1" noChangeAspect="1"/>
+          </p:cNvSpPr>
+          <p:nvPr>
+            <p:ph type="sldImg"/>
+          </p:nvPr>
+        </p:nvSpPr>
+        <p:spPr/>
+      </p:sp>
+      <p:sp>
+        <p:nvSpPr>
+          <p:cNvPr id="3" name="Notes Placeholder 2"/>
+          <p:cNvSpPr>
+            <a:spLocks noGrp="1"/>
+          </p:cNvSpPr>
+          <p:nvPr>
+            <p:ph type="body" idx="1"/>
+          </p:nvPr>
+        </p:nvSpPr>
+        <p:spPr/>
+        <p:txBody>
+          <a:bodyPr/>
+          <a:lstStyle/>
+          <a:p>
+            <a:r>
+              <a:rPr lang="en-US" dirty="0"/>
+              <a:t>x[:, could also be x[…,</a:t>
+            </a:r>
+          </a:p>
+        </p:txBody>
+      </p:sp>
+      <p:sp>
+        <p:nvSpPr>
+          <p:cNvPr id="4" name="Slide Number Placeholder 3"/>
+          <p:cNvSpPr>
+            <a:spLocks noGrp="1"/>
+          </p:cNvSpPr>
+          <p:nvPr>
+            <p:ph type="sldNum" sz="quarter" idx="10"/>
+          </p:nvPr>
+        </p:nvSpPr>
+        <p:spPr/>
+        <p:txBody>
+          <a:bodyPr/>
+          <a:lstStyle/>
+          <a:p>
+            <a:fld id="{CD563DD8-32AB-41BE-B1C6-8EAC45222ACE}" type="slidenum">
+              <a:rPr lang="en-US" smtClean="0"/>
+              <a:t>18</a:t>
+            </a:fld>
+            <a:endParaRPr lang="en-US"/>
+          </a:p>
+        </p:txBody>
+      </p:sp>
+    </p:spTree>
+    <p:extLst>
+      <p:ext uri="{BB962C8B-B14F-4D97-AF65-F5344CB8AC3E}">
+        <p14:creationId xmlns:p14="http://schemas.microsoft.com/office/powerpoint/2010/main" val="2579779452"/>
+      </p:ext>
+    </p:extLst>
+  </p:cSld>
+  <p:clrMapOvr>
+    <a:masterClrMapping/>
+  </p:clrMapOvr>
+</p:notes>
+</file>
+
+<file path=ppt/notesSlides/notesSlide16.xml><?xml version="1.0" encoding="utf-8"?>
+<p:notes xmlns:a="http://schemas.openxmlformats.org/drawingml/2006/main" xmlns:r="http://schemas.openxmlformats.org/officeDocument/2006/relationships" xmlns:p="http://schemas.openxmlformats.org/presentationml/2006/main">
+  <p:cSld>
+    <p:spTree>
+      <p:nvGrpSpPr>
+        <p:cNvPr id="1" name=""/>
+        <p:cNvGrpSpPr/>
+        <p:nvPr/>
+      </p:nvGrpSpPr>
+      <p:grpSpPr>
+        <a:xfrm>
+          <a:off x="0" y="0"/>
+          <a:ext cx="0" cy="0"/>
+          <a:chOff x="0" y="0"/>
+          <a:chExt cx="0" cy="0"/>
+        </a:xfrm>
+      </p:grpSpPr>
+      <p:sp>
+        <p:nvSpPr>
+          <p:cNvPr id="2" name="Slide Image Placeholder 1"/>
+          <p:cNvSpPr>
+            <a:spLocks noGrp="1" noRot="1" noChangeAspect="1"/>
+          </p:cNvSpPr>
+          <p:nvPr>
+            <p:ph type="sldImg"/>
+          </p:nvPr>
+        </p:nvSpPr>
+        <p:spPr/>
+      </p:sp>
+      <p:sp>
+        <p:nvSpPr>
+          <p:cNvPr id="3" name="Notes Placeholder 2"/>
+          <p:cNvSpPr>
+            <a:spLocks noGrp="1"/>
+          </p:cNvSpPr>
+          <p:nvPr>
+            <p:ph type="body" idx="1"/>
+          </p:nvPr>
+        </p:nvSpPr>
+        <p:spPr/>
+        <p:txBody>
+          <a:bodyPr/>
+          <a:lstStyle/>
+          <a:p>
+            <a:r>
+              <a:rPr lang="en-US" dirty="0"/>
+              <a:t>Result assumes a 32 bit Python installation</a:t>
+            </a:r>
+          </a:p>
+          <a:p>
+            <a:endParaRPr lang="en-US" dirty="0"/>
+          </a:p>
+          <a:p>
+            <a:r>
+              <a:rPr lang="en-US" dirty="0"/>
+              <a:t>~40 and ~10 times faster</a:t>
+            </a:r>
+          </a:p>
+          <a:p>
+            <a:endParaRPr lang="en-US" dirty="0"/>
+          </a:p>
+          <a:p>
+            <a:r>
+              <a:rPr lang="en-US" dirty="0" err="1"/>
+              <a:t>timeit</a:t>
+            </a:r>
+            <a:r>
+              <a:rPr lang="en-US" dirty="0"/>
+              <a:t>('</a:t>
+            </a:r>
+            <a:r>
+              <a:rPr lang="en-US" b="1" dirty="0"/>
+              <a:t>sum(A)</a:t>
+            </a:r>
+            <a:r>
+              <a:rPr lang="en-US" dirty="0"/>
+              <a:t>', setup='A = </a:t>
+            </a:r>
+            <a:r>
+              <a:rPr lang="en-US" b="1" dirty="0"/>
+              <a:t>list(range</a:t>
+            </a:r>
+            <a:r>
+              <a:rPr lang="en-US" dirty="0"/>
+              <a:t>(10**6))', number=100)             </a:t>
+            </a:r>
+          </a:p>
+          <a:p>
+            <a:r>
+              <a:rPr lang="en-US" dirty="0"/>
+              <a:t>1.6</a:t>
+            </a:r>
+          </a:p>
+          <a:p>
+            <a:r>
+              <a:rPr lang="en-US" dirty="0" err="1"/>
+              <a:t>timeit</a:t>
+            </a:r>
+            <a:r>
+              <a:rPr lang="en-US" dirty="0"/>
+              <a:t>('</a:t>
+            </a:r>
+            <a:r>
+              <a:rPr lang="en-US" b="1" dirty="0"/>
+              <a:t>sum(A)</a:t>
+            </a:r>
+            <a:r>
+              <a:rPr lang="en-US" dirty="0"/>
+              <a:t>', setup='import </a:t>
+            </a:r>
+            <a:r>
+              <a:rPr lang="en-US" dirty="0" err="1"/>
+              <a:t>numpy</a:t>
+            </a:r>
+            <a:r>
+              <a:rPr lang="en-US" dirty="0"/>
+              <a:t> as np; A = </a:t>
+            </a:r>
+            <a:r>
+              <a:rPr lang="en-US" b="1" dirty="0" err="1"/>
+              <a:t>np.array</a:t>
+            </a:r>
+            <a:r>
+              <a:rPr lang="en-US" dirty="0"/>
+              <a:t>(range(10**6))', number=100)</a:t>
+            </a:r>
+          </a:p>
+          <a:p>
+            <a:r>
+              <a:rPr lang="en-US" dirty="0" err="1"/>
+              <a:t>RuntimeWarning</a:t>
+            </a:r>
+            <a:r>
+              <a:rPr lang="en-US" dirty="0"/>
+              <a:t>: overflow encountered in scalar add</a:t>
+            </a:r>
+          </a:p>
+          <a:p>
+            <a:r>
+              <a:rPr lang="en-US" dirty="0"/>
+              <a:t>4.1  # slower</a:t>
+            </a:r>
+          </a:p>
+          <a:p>
+            <a:r>
+              <a:rPr lang="en-US" dirty="0" err="1"/>
+              <a:t>timeit</a:t>
+            </a:r>
+            <a:r>
+              <a:rPr lang="en-US" dirty="0"/>
+              <a:t>('</a:t>
+            </a:r>
+            <a:r>
+              <a:rPr lang="en-US" b="1" dirty="0" err="1"/>
+              <a:t>np.sum</a:t>
+            </a:r>
+            <a:r>
+              <a:rPr lang="en-US" dirty="0"/>
+              <a:t>(A)', setup='import </a:t>
+            </a:r>
+            <a:r>
+              <a:rPr lang="en-US" dirty="0" err="1"/>
+              <a:t>numpy</a:t>
+            </a:r>
+            <a:r>
+              <a:rPr lang="en-US" dirty="0"/>
+              <a:t> as np; A = </a:t>
+            </a:r>
+            <a:r>
+              <a:rPr lang="en-US" dirty="0" err="1"/>
+              <a:t>np.array</a:t>
+            </a:r>
+            <a:r>
+              <a:rPr lang="en-US" dirty="0"/>
+              <a:t>(range(10**6))', number=100)</a:t>
+            </a:r>
+          </a:p>
+          <a:p>
+            <a:r>
+              <a:rPr lang="en-US" dirty="0" err="1"/>
+              <a:t>timeit</a:t>
+            </a:r>
+            <a:r>
+              <a:rPr lang="en-US" dirty="0"/>
+              <a:t>(</a:t>
+            </a:r>
+            <a:r>
+              <a:rPr lang="en-US" b="1" dirty="0"/>
+              <a:t>'</a:t>
+            </a:r>
+            <a:r>
+              <a:rPr lang="en-US" b="1" dirty="0" err="1"/>
+              <a:t>A.sum</a:t>
+            </a:r>
+            <a:r>
+              <a:rPr lang="en-US" dirty="0"/>
+              <a:t>()', setup='import </a:t>
+            </a:r>
+            <a:r>
+              <a:rPr lang="en-US" dirty="0" err="1"/>
+              <a:t>numpy</a:t>
+            </a:r>
+            <a:r>
+              <a:rPr lang="en-US" dirty="0"/>
+              <a:t> as np; A = </a:t>
+            </a:r>
+            <a:r>
+              <a:rPr lang="en-US" dirty="0" err="1"/>
+              <a:t>np.array</a:t>
+            </a:r>
+            <a:r>
+              <a:rPr lang="en-US" dirty="0"/>
+              <a:t>(range(10**6))', number=100)</a:t>
+            </a:r>
+          </a:p>
+          <a:p>
+            <a:r>
+              <a:rPr lang="en-US" dirty="0"/>
+              <a:t>0.02  # factor 100 faster</a:t>
+            </a:r>
+          </a:p>
+        </p:txBody>
+      </p:sp>
+      <p:sp>
+        <p:nvSpPr>
+          <p:cNvPr id="4" name="Slide Number Placeholder 3"/>
+          <p:cNvSpPr>
+            <a:spLocks noGrp="1"/>
+          </p:cNvSpPr>
+          <p:nvPr>
+            <p:ph type="sldNum" sz="quarter" idx="10"/>
+          </p:nvPr>
+        </p:nvSpPr>
+        <p:spPr/>
+        <p:txBody>
+          <a:bodyPr/>
+          <a:lstStyle/>
+          <a:p>
+            <a:fld id="{CD563DD8-32AB-41BE-B1C6-8EAC45222ACE}" type="slidenum">
+              <a:rPr lang="en-US" smtClean="0"/>
               <a:t>19</a:t>
             </a:fld>
             <a:endParaRPr lang="en-US"/>
@@ -2470,7 +2698,7 @@
     </p:spTree>
     <p:extLst>
       <p:ext uri="{BB962C8B-B14F-4D97-AF65-F5344CB8AC3E}">
-        <p14:creationId xmlns:p14="http://schemas.microsoft.com/office/powerpoint/2010/main" val="1365592581"/>
+        <p14:creationId xmlns:p14="http://schemas.microsoft.com/office/powerpoint/2010/main" val="2980398347"/>
       </p:ext>
     </p:extLst>
   </p:cSld>
@@ -2554,7 +2782,7 @@
     </p:spTree>
     <p:extLst>
       <p:ext uri="{BB962C8B-B14F-4D97-AF65-F5344CB8AC3E}">
-        <p14:creationId xmlns:p14="http://schemas.microsoft.com/office/powerpoint/2010/main" val="3307434200"/>
+        <p14:creationId xmlns:p14="http://schemas.microsoft.com/office/powerpoint/2010/main" val="1365592581"/>
       </p:ext>
     </p:extLst>
   </p:cSld>
@@ -2610,34 +2838,112 @@
           <a:p>
             <a:r>
               <a:rPr lang="en-US" dirty="0"/>
-              <a:t>SVD not part of “Linear Algebra” course, but chapter 14.3 in lecture notes by Jesper Funch Thomsen</a:t>
+              <a:t>Eigenvector v for eigenvalue lambda:  A * v = lambda * v</a:t>
             </a:r>
           </a:p>
           <a:p>
-            <a:r>
-              <a:rPr lang="en-US" dirty="0"/>
-              <a:t>Example shows how SVD can be used for image compression</a:t>
-            </a:r>
+            <a:endParaRPr lang="en-US" dirty="0"/>
           </a:p>
           <a:p>
             <a:r>
+              <a:rPr lang="en-US" dirty="0" err="1"/>
+              <a:t>eig_values</a:t>
+            </a:r>
+            <a:r>
               <a:rPr lang="en-US" dirty="0"/>
-              <a:t>Pink part of V is required for making U unitary, but is not used at all in the final product (wasted computation…)</a:t>
+              <a:t>, </a:t>
+            </a:r>
+            <a:r>
+              <a:rPr lang="en-US" dirty="0" err="1"/>
+              <a:t>eig_vectors</a:t>
+            </a:r>
+            <a:r>
+              <a:rPr lang="en-US" dirty="0"/>
+              <a:t> = </a:t>
+            </a:r>
+            <a:r>
+              <a:rPr lang="en-US" dirty="0" err="1"/>
+              <a:t>np.linalg.eig</a:t>
+            </a:r>
+            <a:r>
+              <a:rPr lang="en-US" dirty="0"/>
+              <a:t>(x)  # </a:t>
+            </a:r>
+            <a:r>
+              <a:rPr lang="en-US" dirty="0" err="1"/>
+              <a:t>eig_vectors</a:t>
+            </a:r>
+            <a:r>
+              <a:rPr lang="en-US" dirty="0"/>
+              <a:t> = matrix, each column an eigenvector</a:t>
             </a:r>
           </a:p>
           <a:p>
             <a:r>
               <a:rPr lang="en-US" dirty="0"/>
-              <a:t>u, s, v are </a:t>
+              <a:t>for </a:t>
             </a:r>
             <a:r>
               <a:rPr lang="en-US" dirty="0" err="1"/>
-              <a:t>numpy</a:t>
+              <a:t>i</a:t>
             </a:r>
             <a:r>
               <a:rPr lang="en-US" dirty="0"/>
-              <a:t> arrays with floats</a:t>
-            </a:r>
+              <a:t>, c in enumerate(</a:t>
+            </a:r>
+            <a:r>
+              <a:rPr lang="en-US" dirty="0" err="1"/>
+              <a:t>eig_values</a:t>
+            </a:r>
+            <a:r>
+              <a:rPr lang="en-US" dirty="0"/>
+              <a:t>):</a:t>
+            </a:r>
+          </a:p>
+          <a:p>
+            <a:r>
+              <a:rPr lang="en-US" dirty="0"/>
+              <a:t>    v = </a:t>
+            </a:r>
+            <a:r>
+              <a:rPr lang="en-US" b="1" dirty="0" err="1"/>
+              <a:t>eig_vectors</a:t>
+            </a:r>
+            <a:r>
+              <a:rPr lang="en-US" b="1" dirty="0"/>
+              <a:t>[:,</a:t>
+            </a:r>
+            <a:r>
+              <a:rPr lang="en-US" b="1" dirty="0" err="1"/>
+              <a:t>i</a:t>
+            </a:r>
+            <a:r>
+              <a:rPr lang="en-US" b="1" dirty="0"/>
+              <a:t>]</a:t>
+            </a:r>
+          </a:p>
+          <a:p>
+            <a:r>
+              <a:rPr lang="en-US" dirty="0"/>
+              <a:t>    print(f'{</a:t>
+            </a:r>
+            <a:r>
+              <a:rPr lang="en-US" dirty="0" err="1"/>
+              <a:t>i</a:t>
+            </a:r>
+            <a:r>
+              <a:rPr lang="en-US" dirty="0"/>
+              <a:t>=}, {c=}, {v=}')</a:t>
+            </a:r>
+          </a:p>
+          <a:p>
+            <a:r>
+              <a:rPr lang="en-US" dirty="0"/>
+              <a:t>    print(x @ v, c * v)</a:t>
+            </a:r>
+          </a:p>
+          <a:p>
+            <a:endParaRPr lang="en-US" dirty="0"/>
           </a:p>
         </p:txBody>
       </p:sp>
@@ -2667,7 +2973,7 @@
     </p:spTree>
     <p:extLst>
       <p:ext uri="{BB962C8B-B14F-4D97-AF65-F5344CB8AC3E}">
-        <p14:creationId xmlns:p14="http://schemas.microsoft.com/office/powerpoint/2010/main" val="2534788376"/>
+        <p14:creationId xmlns:p14="http://schemas.microsoft.com/office/powerpoint/2010/main" val="3307434200"/>
       </p:ext>
     </p:extLst>
   </p:cSld>
@@ -2722,69 +3028,35 @@
           <a:lstStyle/>
           <a:p>
             <a:r>
-              <a:rPr lang="da-DK" sz="1200" b="1" dirty="0" err="1">
-                <a:latin typeface="Courier New" panose="02070309020205020404" pitchFamily="49" charset="0"/>
-                <a:cs typeface="Courier New" panose="02070309020205020404" pitchFamily="49" charset="0"/>
-              </a:rPr>
-              <a:t>np.linalg.svd</a:t>
-            </a:r>
-            <a:r>
-              <a:rPr lang="da-DK" sz="1200" b="1" dirty="0">
-                <a:latin typeface="Courier New" panose="02070309020205020404" pitchFamily="49" charset="0"/>
-                <a:cs typeface="Courier New" panose="02070309020205020404" pitchFamily="49" charset="0"/>
-              </a:rPr>
-              <a:t>(…</a:t>
-            </a:r>
-            <a:r>
-              <a:rPr lang="da-DK" sz="1200" b="1" dirty="0" err="1">
-                <a:latin typeface="Courier New" panose="02070309020205020404" pitchFamily="49" charset="0"/>
-                <a:cs typeface="Courier New" panose="02070309020205020404" pitchFamily="49" charset="0"/>
-              </a:rPr>
-              <a:t>full_matrices</a:t>
-            </a:r>
-            <a:r>
-              <a:rPr lang="da-DK" sz="1200" b="1" dirty="0">
-                <a:latin typeface="Courier New" panose="02070309020205020404" pitchFamily="49" charset="0"/>
-                <a:cs typeface="Courier New" panose="02070309020205020404" pitchFamily="49" charset="0"/>
-              </a:rPr>
-              <a:t>=False) </a:t>
-            </a:r>
-            <a:r>
-              <a:rPr lang="da-DK" sz="1200" b="1" dirty="0" err="1">
-                <a:latin typeface="Courier New" panose="02070309020205020404" pitchFamily="49" charset="0"/>
-                <a:cs typeface="Courier New" panose="02070309020205020404" pitchFamily="49" charset="0"/>
-              </a:rPr>
-              <a:t>only</a:t>
-            </a:r>
-            <a:r>
-              <a:rPr lang="da-DK" sz="1200" b="1" dirty="0">
-                <a:latin typeface="Courier New" panose="02070309020205020404" pitchFamily="49" charset="0"/>
-                <a:cs typeface="Courier New" panose="02070309020205020404" pitchFamily="49" charset="0"/>
-              </a:rPr>
-              <a:t> generates the non-</a:t>
-            </a:r>
-            <a:r>
-              <a:rPr lang="da-DK" sz="1200" b="1" dirty="0" err="1">
-                <a:latin typeface="Courier New" panose="02070309020205020404" pitchFamily="49" charset="0"/>
-                <a:cs typeface="Courier New" panose="02070309020205020404" pitchFamily="49" charset="0"/>
-              </a:rPr>
-              <a:t>zero</a:t>
-            </a:r>
-            <a:r>
-              <a:rPr lang="da-DK" sz="1200" b="1" dirty="0">
-                <a:latin typeface="Courier New" panose="02070309020205020404" pitchFamily="49" charset="0"/>
-                <a:cs typeface="Courier New" panose="02070309020205020404" pitchFamily="49" charset="0"/>
-              </a:rPr>
-              <a:t> part of </a:t>
-            </a:r>
-            <a:r>
-              <a:rPr lang="da-DK" sz="1200" b="1" i="1" dirty="0">
-                <a:latin typeface="Courier New" panose="02070309020205020404" pitchFamily="49" charset="0"/>
-                <a:cs typeface="Courier New" panose="02070309020205020404" pitchFamily="49" charset="0"/>
-              </a:rPr>
-              <a:t>V</a:t>
-            </a:r>
-            <a:endParaRPr lang="en-US" i="1" baseline="30000" dirty="0"/>
+              <a:rPr lang="en-US" dirty="0"/>
+              <a:t>SVD not part of “Linear Algebra” course, but chapter 14.3 in lecture notes by Jesper Funch Thomsen</a:t>
+            </a:r>
+          </a:p>
+          <a:p>
+            <a:r>
+              <a:rPr lang="en-US" dirty="0"/>
+              <a:t>Example shows how SVD can be used for image compression</a:t>
+            </a:r>
+          </a:p>
+          <a:p>
+            <a:r>
+              <a:rPr lang="en-US" dirty="0"/>
+              <a:t>Pink part of V is required for making U unitary, but is not used at all in the final product (wasted computation…)</a:t>
+            </a:r>
+          </a:p>
+          <a:p>
+            <a:r>
+              <a:rPr lang="en-US" dirty="0"/>
+              <a:t>u, s, v are </a:t>
+            </a:r>
+            <a:r>
+              <a:rPr lang="en-US" dirty="0" err="1"/>
+              <a:t>numpy</a:t>
+            </a:r>
+            <a:r>
+              <a:rPr lang="en-US" dirty="0"/>
+              <a:t> arrays with floats</a:t>
+            </a:r>
           </a:p>
         </p:txBody>
       </p:sp>
@@ -2814,7 +3086,7 @@
     </p:spTree>
     <p:extLst>
       <p:ext uri="{BB962C8B-B14F-4D97-AF65-F5344CB8AC3E}">
-        <p14:creationId xmlns:p14="http://schemas.microsoft.com/office/powerpoint/2010/main" val="2764587566"/>
+        <p14:creationId xmlns:p14="http://schemas.microsoft.com/office/powerpoint/2010/main" val="2534788376"/>
       </p:ext>
     </p:extLst>
   </p:cSld>
@@ -2953,241 +3225,69 @@
           <a:lstStyle/>
           <a:p>
             <a:r>
-              <a:rPr lang="da-DK" sz="1200" b="0" dirty="0" err="1">
+              <a:rPr lang="da-DK" sz="1200" b="1" dirty="0" err="1">
                 <a:latin typeface="Courier New" panose="02070309020205020404" pitchFamily="49" charset="0"/>
                 <a:cs typeface="Courier New" panose="02070309020205020404" pitchFamily="49" charset="0"/>
               </a:rPr>
-              <a:t>Apply</a:t>
-            </a:r>
-            <a:r>
-              <a:rPr lang="da-DK" sz="1200" b="0" dirty="0">
+              <a:t>np.linalg.svd</a:t>
+            </a:r>
+            <a:r>
+              <a:rPr lang="da-DK" sz="1200" b="1" dirty="0">
                 <a:latin typeface="Courier New" panose="02070309020205020404" pitchFamily="49" charset="0"/>
                 <a:cs typeface="Courier New" panose="02070309020205020404" pitchFamily="49" charset="0"/>
               </a:rPr>
-              <a:t> SVD to </a:t>
-            </a:r>
-            <a:r>
-              <a:rPr lang="da-DK" sz="1200" b="0" dirty="0" err="1">
+              <a:t>(…</a:t>
+            </a:r>
+            <a:r>
+              <a:rPr lang="da-DK" sz="1200" b="1" dirty="0" err="1">
                 <a:latin typeface="Courier New" panose="02070309020205020404" pitchFamily="49" charset="0"/>
                 <a:cs typeface="Courier New" panose="02070309020205020404" pitchFamily="49" charset="0"/>
               </a:rPr>
-              <a:t>each</a:t>
-            </a:r>
-            <a:r>
-              <a:rPr lang="da-DK" sz="1200" b="0" dirty="0">
+              <a:t>full_matrices</a:t>
+            </a:r>
+            <a:r>
+              <a:rPr lang="da-DK" sz="1200" b="1" dirty="0">
                 <a:latin typeface="Courier New" panose="02070309020205020404" pitchFamily="49" charset="0"/>
                 <a:cs typeface="Courier New" panose="02070309020205020404" pitchFamily="49" charset="0"/>
               </a:rPr>
-              <a:t> </a:t>
-            </a:r>
-            <a:r>
-              <a:rPr lang="da-DK" sz="1200" b="0" dirty="0" err="1">
+              <a:t>=False) </a:t>
+            </a:r>
+            <a:r>
+              <a:rPr lang="da-DK" sz="1200" b="1" dirty="0" err="1">
                 <a:latin typeface="Courier New" panose="02070309020205020404" pitchFamily="49" charset="0"/>
                 <a:cs typeface="Courier New" panose="02070309020205020404" pitchFamily="49" charset="0"/>
               </a:rPr>
-              <a:t>color</a:t>
-            </a:r>
-            <a:r>
-              <a:rPr lang="da-DK" sz="1200" b="0" dirty="0">
+              <a:t>only</a:t>
+            </a:r>
+            <a:r>
+              <a:rPr lang="da-DK" sz="1200" b="1" dirty="0">
                 <a:latin typeface="Courier New" panose="02070309020205020404" pitchFamily="49" charset="0"/>
                 <a:cs typeface="Courier New" panose="02070309020205020404" pitchFamily="49" charset="0"/>
               </a:rPr>
-              <a:t> </a:t>
-            </a:r>
-            <a:r>
-              <a:rPr lang="da-DK" sz="1200" b="0" dirty="0" err="1">
+              <a:t> generates the non-</a:t>
+            </a:r>
+            <a:r>
+              <a:rPr lang="da-DK" sz="1200" b="1" dirty="0" err="1">
                 <a:latin typeface="Courier New" panose="02070309020205020404" pitchFamily="49" charset="0"/>
                 <a:cs typeface="Courier New" panose="02070309020205020404" pitchFamily="49" charset="0"/>
               </a:rPr>
-              <a:t>seaparately</a:t>
-            </a:r>
-            <a:endParaRPr lang="da-DK" sz="1200" b="0" dirty="0">
-              <a:latin typeface="Courier New" panose="02070309020205020404" pitchFamily="49" charset="0"/>
-              <a:cs typeface="Courier New" panose="02070309020205020404" pitchFamily="49" charset="0"/>
-            </a:endParaRPr>
-          </a:p>
-          <a:p>
-            <a:r>
-              <a:rPr lang="da-DK" sz="1200" b="0" dirty="0" err="1">
+              <a:t>zero</a:t>
+            </a:r>
+            <a:r>
+              <a:rPr lang="da-DK" sz="1200" b="1" dirty="0">
                 <a:latin typeface="Courier New" panose="02070309020205020404" pitchFamily="49" charset="0"/>
                 <a:cs typeface="Courier New" panose="02070309020205020404" pitchFamily="49" charset="0"/>
               </a:rPr>
-              <a:t>Replace</a:t>
-            </a:r>
-            <a:r>
-              <a:rPr lang="da-DK" sz="1200" b="0" dirty="0">
+              <a:t> part of </a:t>
+            </a:r>
+            <a:r>
+              <a:rPr lang="da-DK" sz="1200" b="1" i="1" dirty="0">
                 <a:latin typeface="Courier New" panose="02070309020205020404" pitchFamily="49" charset="0"/>
                 <a:cs typeface="Courier New" panose="02070309020205020404" pitchFamily="49" charset="0"/>
               </a:rPr>
-              <a:t> </a:t>
-            </a:r>
-            <a:r>
-              <a:rPr lang="da-DK" sz="1200" b="0" dirty="0" err="1">
-                <a:latin typeface="Courier New" panose="02070309020205020404" pitchFamily="49" charset="0"/>
-                <a:cs typeface="Courier New" panose="02070309020205020404" pitchFamily="49" charset="0"/>
-              </a:rPr>
-              <a:t>muliplication</a:t>
-            </a:r>
-            <a:r>
-              <a:rPr lang="da-DK" sz="1200" b="0" dirty="0">
-                <a:latin typeface="Courier New" panose="02070309020205020404" pitchFamily="49" charset="0"/>
-                <a:cs typeface="Courier New" panose="02070309020205020404" pitchFamily="49" charset="0"/>
-              </a:rPr>
-              <a:t> by diagonal matrix by </a:t>
-            </a:r>
-            <a:r>
-              <a:rPr lang="da-DK" sz="1200" b="0" dirty="0" err="1">
-                <a:latin typeface="Courier New" panose="02070309020205020404" pitchFamily="49" charset="0"/>
-                <a:cs typeface="Courier New" panose="02070309020205020404" pitchFamily="49" charset="0"/>
-              </a:rPr>
-              <a:t>elementwise</a:t>
-            </a:r>
-            <a:r>
-              <a:rPr lang="da-DK" sz="1200" b="0" dirty="0">
-                <a:latin typeface="Courier New" panose="02070309020205020404" pitchFamily="49" charset="0"/>
-                <a:cs typeface="Courier New" panose="02070309020205020404" pitchFamily="49" charset="0"/>
-              </a:rPr>
-              <a:t> </a:t>
-            </a:r>
-            <a:r>
-              <a:rPr lang="da-DK" sz="1200" b="0" dirty="0" err="1">
-                <a:latin typeface="Courier New" panose="02070309020205020404" pitchFamily="49" charset="0"/>
-                <a:cs typeface="Courier New" panose="02070309020205020404" pitchFamily="49" charset="0"/>
-              </a:rPr>
-              <a:t>multiplication</a:t>
-            </a:r>
-            <a:r>
-              <a:rPr lang="da-DK" sz="1200" b="0" dirty="0">
-                <a:latin typeface="Courier New" panose="02070309020205020404" pitchFamily="49" charset="0"/>
-                <a:cs typeface="Courier New" panose="02070309020205020404" pitchFamily="49" charset="0"/>
-              </a:rPr>
-              <a:t> of broadcast </a:t>
-            </a:r>
-            <a:r>
-              <a:rPr lang="da-DK" sz="1200" b="0" dirty="0" err="1">
-                <a:latin typeface="Courier New" panose="02070309020205020404" pitchFamily="49" charset="0"/>
-                <a:cs typeface="Courier New" panose="02070309020205020404" pitchFamily="49" charset="0"/>
-              </a:rPr>
-              <a:t>row</a:t>
-            </a:r>
-            <a:r>
-              <a:rPr lang="da-DK" sz="1200" b="0" dirty="0">
-                <a:latin typeface="Courier New" panose="02070309020205020404" pitchFamily="49" charset="0"/>
-                <a:cs typeface="Courier New" panose="02070309020205020404" pitchFamily="49" charset="0"/>
-              </a:rPr>
-              <a:t> </a:t>
-            </a:r>
-            <a:r>
-              <a:rPr lang="da-DK" sz="1200" b="0" dirty="0" err="1">
-                <a:latin typeface="Courier New" panose="02070309020205020404" pitchFamily="49" charset="0"/>
-                <a:cs typeface="Courier New" panose="02070309020205020404" pitchFamily="49" charset="0"/>
-              </a:rPr>
-              <a:t>vector</a:t>
-            </a:r>
-            <a:endParaRPr lang="da-DK" sz="1200" b="0" dirty="0">
-              <a:latin typeface="Courier New" panose="02070309020205020404" pitchFamily="49" charset="0"/>
-              <a:cs typeface="Courier New" panose="02070309020205020404" pitchFamily="49" charset="0"/>
-            </a:endParaRPr>
-          </a:p>
-          <a:p>
-            <a:r>
-              <a:rPr lang="da-DK" sz="1200" b="0" dirty="0" err="1">
-                <a:latin typeface="Courier New" panose="02070309020205020404" pitchFamily="49" charset="0"/>
-                <a:cs typeface="Courier New" panose="02070309020205020404" pitchFamily="49" charset="0"/>
-              </a:rPr>
-              <a:t>Stacked</a:t>
-            </a:r>
-            <a:r>
-              <a:rPr lang="da-DK" sz="1200" b="0" dirty="0">
-                <a:latin typeface="Courier New" panose="02070309020205020404" pitchFamily="49" charset="0"/>
-                <a:cs typeface="Courier New" panose="02070309020205020404" pitchFamily="49" charset="0"/>
-              </a:rPr>
-              <a:t>, </a:t>
-            </a:r>
-            <a:r>
-              <a:rPr lang="da-DK" sz="1200" b="0" dirty="0" err="1">
-                <a:latin typeface="Courier New" panose="02070309020205020404" pitchFamily="49" charset="0"/>
-                <a:cs typeface="Courier New" panose="02070309020205020404" pitchFamily="49" charset="0"/>
-              </a:rPr>
-              <a:t>applies</a:t>
-            </a:r>
-            <a:r>
-              <a:rPr lang="da-DK" sz="1200" b="0" dirty="0">
-                <a:latin typeface="Courier New" panose="02070309020205020404" pitchFamily="49" charset="0"/>
-                <a:cs typeface="Courier New" panose="02070309020205020404" pitchFamily="49" charset="0"/>
-              </a:rPr>
-              <a:t> </a:t>
-            </a:r>
-            <a:r>
-              <a:rPr lang="da-DK" sz="1200" b="0" dirty="0" err="1">
-                <a:latin typeface="Courier New" panose="02070309020205020404" pitchFamily="49" charset="0"/>
-                <a:cs typeface="Courier New" panose="02070309020205020404" pitchFamily="49" charset="0"/>
-              </a:rPr>
-              <a:t>svd</a:t>
-            </a:r>
-            <a:r>
-              <a:rPr lang="da-DK" sz="1200" b="0" dirty="0">
-                <a:latin typeface="Courier New" panose="02070309020205020404" pitchFamily="49" charset="0"/>
-                <a:cs typeface="Courier New" panose="02070309020205020404" pitchFamily="49" charset="0"/>
-              </a:rPr>
-              <a:t> to </a:t>
-            </a:r>
-            <a:r>
-              <a:rPr lang="da-DK" sz="1200" b="0" dirty="0" err="1">
-                <a:latin typeface="Courier New" panose="02070309020205020404" pitchFamily="49" charset="0"/>
-                <a:cs typeface="Courier New" panose="02070309020205020404" pitchFamily="49" charset="0"/>
-              </a:rPr>
-              <a:t>each</a:t>
-            </a:r>
-            <a:r>
-              <a:rPr lang="da-DK" sz="1200" b="0" dirty="0">
-                <a:latin typeface="Courier New" panose="02070309020205020404" pitchFamily="49" charset="0"/>
-                <a:cs typeface="Courier New" panose="02070309020205020404" pitchFamily="49" charset="0"/>
-              </a:rPr>
-              <a:t> of the </a:t>
-            </a:r>
-            <a:r>
-              <a:rPr lang="da-DK" sz="1200" b="0" dirty="0" err="1">
-                <a:latin typeface="Courier New" panose="02070309020205020404" pitchFamily="49" charset="0"/>
-                <a:cs typeface="Courier New" panose="02070309020205020404" pitchFamily="49" charset="0"/>
-              </a:rPr>
-              <a:t>indexes</a:t>
-            </a:r>
-            <a:r>
-              <a:rPr lang="da-DK" sz="1200" b="0" dirty="0">
-                <a:latin typeface="Courier New" panose="02070309020205020404" pitchFamily="49" charset="0"/>
-                <a:cs typeface="Courier New" panose="02070309020205020404" pitchFamily="49" charset="0"/>
-              </a:rPr>
-              <a:t> of the </a:t>
-            </a:r>
-            <a:r>
-              <a:rPr lang="da-DK" sz="1200" b="0" dirty="0" err="1">
-                <a:latin typeface="Courier New" panose="02070309020205020404" pitchFamily="49" charset="0"/>
-                <a:cs typeface="Courier New" panose="02070309020205020404" pitchFamily="49" charset="0"/>
-              </a:rPr>
-              <a:t>first</a:t>
-            </a:r>
-            <a:r>
-              <a:rPr lang="da-DK" sz="1200" b="0" dirty="0">
-                <a:latin typeface="Courier New" panose="02070309020205020404" pitchFamily="49" charset="0"/>
-                <a:cs typeface="Courier New" panose="02070309020205020404" pitchFamily="49" charset="0"/>
-              </a:rPr>
-              <a:t> </a:t>
-            </a:r>
-            <a:r>
-              <a:rPr lang="da-DK" sz="1200" b="0" dirty="0" err="1">
-                <a:latin typeface="Courier New" panose="02070309020205020404" pitchFamily="49" charset="0"/>
-                <a:cs typeface="Courier New" panose="02070309020205020404" pitchFamily="49" charset="0"/>
-              </a:rPr>
-              <a:t>coordinate</a:t>
-            </a:r>
-            <a:endParaRPr lang="da-DK" sz="1200" b="0" dirty="0">
-              <a:latin typeface="Courier New" panose="02070309020205020404" pitchFamily="49" charset="0"/>
-              <a:cs typeface="Courier New" panose="02070309020205020404" pitchFamily="49" charset="0"/>
-            </a:endParaRPr>
-          </a:p>
-          <a:p>
-            <a:endParaRPr lang="en-US" b="0" i="1" baseline="30000" dirty="0"/>
+              <a:t>V</a:t>
+            </a:r>
+            <a:endParaRPr lang="en-US" i="1" baseline="30000" dirty="0"/>
           </a:p>
         </p:txBody>
       </p:sp>
@@ -3217,7 +3317,7 @@
     </p:spTree>
     <p:extLst>
       <p:ext uri="{BB962C8B-B14F-4D97-AF65-F5344CB8AC3E}">
-        <p14:creationId xmlns:p14="http://schemas.microsoft.com/office/powerpoint/2010/main" val="754425780"/>
+        <p14:creationId xmlns:p14="http://schemas.microsoft.com/office/powerpoint/2010/main" val="2764587566"/>
       </p:ext>
     </p:extLst>
   </p:cSld>
@@ -3272,70 +3372,241 @@
           <a:lstStyle/>
           <a:p>
             <a:r>
-              <a:rPr lang="da-DK" dirty="0"/>
-              <a:t>Red and Blue </a:t>
-            </a:r>
-            <a:r>
-              <a:rPr lang="da-DK" dirty="0" err="1"/>
-              <a:t>are</a:t>
-            </a:r>
-            <a:r>
-              <a:rPr lang="da-DK" dirty="0"/>
+              <a:rPr lang="da-DK" sz="1200" b="0" dirty="0" err="1">
+                <a:latin typeface="Courier New" panose="02070309020205020404" pitchFamily="49" charset="0"/>
+                <a:cs typeface="Courier New" panose="02070309020205020404" pitchFamily="49" charset="0"/>
+              </a:rPr>
+              <a:t>Apply</a:t>
+            </a:r>
+            <a:r>
+              <a:rPr lang="da-DK" sz="1200" b="0" dirty="0">
+                <a:latin typeface="Courier New" panose="02070309020205020404" pitchFamily="49" charset="0"/>
+                <a:cs typeface="Courier New" panose="02070309020205020404" pitchFamily="49" charset="0"/>
+              </a:rPr>
+              <a:t> SVD to </a:t>
+            </a:r>
+            <a:r>
+              <a:rPr lang="da-DK" sz="1200" b="0" dirty="0" err="1">
+                <a:latin typeface="Courier New" panose="02070309020205020404" pitchFamily="49" charset="0"/>
+                <a:cs typeface="Courier New" panose="02070309020205020404" pitchFamily="49" charset="0"/>
+              </a:rPr>
+              <a:t>each</a:t>
+            </a:r>
+            <a:r>
+              <a:rPr lang="da-DK" sz="1200" b="0" dirty="0">
+                <a:latin typeface="Courier New" panose="02070309020205020404" pitchFamily="49" charset="0"/>
+                <a:cs typeface="Courier New" panose="02070309020205020404" pitchFamily="49" charset="0"/>
+              </a:rPr>
               <a:t> </a:t>
             </a:r>
             <a:r>
-              <a:rPr lang="da-DK" dirty="0" err="1"/>
-              <a:t>swapped</a:t>
-            </a:r>
-            <a:r>
-              <a:rPr lang="da-DK" dirty="0"/>
-              <a:t> in the </a:t>
-            </a:r>
-            <a:r>
-              <a:rPr lang="da-DK" dirty="0" err="1"/>
-              <a:t>representation</a:t>
-            </a:r>
-            <a:r>
-              <a:rPr lang="da-DK" dirty="0"/>
+              <a:rPr lang="da-DK" sz="1200" b="0" dirty="0" err="1">
+                <a:latin typeface="Courier New" panose="02070309020205020404" pitchFamily="49" charset="0"/>
+                <a:cs typeface="Courier New" panose="02070309020205020404" pitchFamily="49" charset="0"/>
+              </a:rPr>
+              <a:t>color</a:t>
+            </a:r>
+            <a:r>
+              <a:rPr lang="da-DK" sz="1200" b="0" dirty="0">
+                <a:latin typeface="Courier New" panose="02070309020205020404" pitchFamily="49" charset="0"/>
+                <a:cs typeface="Courier New" panose="02070309020205020404" pitchFamily="49" charset="0"/>
+              </a:rPr>
               <a:t> </a:t>
             </a:r>
             <a:r>
-              <a:rPr lang="da-DK" dirty="0" err="1"/>
-              <a:t>used</a:t>
-            </a:r>
-            <a:r>
-              <a:rPr lang="da-DK" dirty="0"/>
-              <a:t> by Open CV</a:t>
-            </a:r>
+              <a:rPr lang="da-DK" sz="1200" b="0" dirty="0" err="1">
+                <a:latin typeface="Courier New" panose="02070309020205020404" pitchFamily="49" charset="0"/>
+                <a:cs typeface="Courier New" panose="02070309020205020404" pitchFamily="49" charset="0"/>
+              </a:rPr>
+              <a:t>seaparately</a:t>
+            </a:r>
+            <a:endParaRPr lang="da-DK" sz="1200" b="0" dirty="0">
+              <a:latin typeface="Courier New" panose="02070309020205020404" pitchFamily="49" charset="0"/>
+              <a:cs typeface="Courier New" panose="02070309020205020404" pitchFamily="49" charset="0"/>
+            </a:endParaRPr>
           </a:p>
           <a:p>
-            <a:endParaRPr lang="da-DK" dirty="0"/>
+            <a:r>
+              <a:rPr lang="da-DK" sz="1200" b="0" dirty="0" err="1">
+                <a:latin typeface="Courier New" panose="02070309020205020404" pitchFamily="49" charset="0"/>
+                <a:cs typeface="Courier New" panose="02070309020205020404" pitchFamily="49" charset="0"/>
+              </a:rPr>
+              <a:t>Replace</a:t>
+            </a:r>
+            <a:r>
+              <a:rPr lang="da-DK" sz="1200" b="0" dirty="0">
+                <a:latin typeface="Courier New" panose="02070309020205020404" pitchFamily="49" charset="0"/>
+                <a:cs typeface="Courier New" panose="02070309020205020404" pitchFamily="49" charset="0"/>
+              </a:rPr>
+              <a:t> </a:t>
+            </a:r>
+            <a:r>
+              <a:rPr lang="da-DK" sz="1200" b="0" dirty="0" err="1">
+                <a:latin typeface="Courier New" panose="02070309020205020404" pitchFamily="49" charset="0"/>
+                <a:cs typeface="Courier New" panose="02070309020205020404" pitchFamily="49" charset="0"/>
+              </a:rPr>
+              <a:t>muliplication</a:t>
+            </a:r>
+            <a:r>
+              <a:rPr lang="da-DK" sz="1200" b="0" dirty="0">
+                <a:latin typeface="Courier New" panose="02070309020205020404" pitchFamily="49" charset="0"/>
+                <a:cs typeface="Courier New" panose="02070309020205020404" pitchFamily="49" charset="0"/>
+              </a:rPr>
+              <a:t> by diagonal matrix by </a:t>
+            </a:r>
+            <a:r>
+              <a:rPr lang="da-DK" sz="1200" b="0" dirty="0" err="1">
+                <a:latin typeface="Courier New" panose="02070309020205020404" pitchFamily="49" charset="0"/>
+                <a:cs typeface="Courier New" panose="02070309020205020404" pitchFamily="49" charset="0"/>
+              </a:rPr>
+              <a:t>elementwise</a:t>
+            </a:r>
+            <a:r>
+              <a:rPr lang="da-DK" sz="1200" b="0" dirty="0">
+                <a:latin typeface="Courier New" panose="02070309020205020404" pitchFamily="49" charset="0"/>
+                <a:cs typeface="Courier New" panose="02070309020205020404" pitchFamily="49" charset="0"/>
+              </a:rPr>
+              <a:t> </a:t>
+            </a:r>
+            <a:r>
+              <a:rPr lang="da-DK" sz="1200" b="0" dirty="0" err="1">
+                <a:latin typeface="Courier New" panose="02070309020205020404" pitchFamily="49" charset="0"/>
+                <a:cs typeface="Courier New" panose="02070309020205020404" pitchFamily="49" charset="0"/>
+              </a:rPr>
+              <a:t>multiplication</a:t>
+            </a:r>
+            <a:r>
+              <a:rPr lang="da-DK" sz="1200" b="0" dirty="0">
+                <a:latin typeface="Courier New" panose="02070309020205020404" pitchFamily="49" charset="0"/>
+                <a:cs typeface="Courier New" panose="02070309020205020404" pitchFamily="49" charset="0"/>
+              </a:rPr>
+              <a:t> of broadcast </a:t>
+            </a:r>
+            <a:r>
+              <a:rPr lang="da-DK" sz="1200" b="0" dirty="0" err="1">
+                <a:latin typeface="Courier New" panose="02070309020205020404" pitchFamily="49" charset="0"/>
+                <a:cs typeface="Courier New" panose="02070309020205020404" pitchFamily="49" charset="0"/>
+              </a:rPr>
+              <a:t>row</a:t>
+            </a:r>
+            <a:r>
+              <a:rPr lang="da-DK" sz="1200" b="0" dirty="0">
+                <a:latin typeface="Courier New" panose="02070309020205020404" pitchFamily="49" charset="0"/>
+                <a:cs typeface="Courier New" panose="02070309020205020404" pitchFamily="49" charset="0"/>
+              </a:rPr>
+              <a:t> </a:t>
+            </a:r>
+            <a:r>
+              <a:rPr lang="da-DK" sz="1200" b="0" dirty="0" err="1">
+                <a:latin typeface="Courier New" panose="02070309020205020404" pitchFamily="49" charset="0"/>
+                <a:cs typeface="Courier New" panose="02070309020205020404" pitchFamily="49" charset="0"/>
+              </a:rPr>
+              <a:t>vector</a:t>
+            </a:r>
+            <a:endParaRPr lang="da-DK" sz="1200" b="0" dirty="0">
+              <a:latin typeface="Courier New" panose="02070309020205020404" pitchFamily="49" charset="0"/>
+              <a:cs typeface="Courier New" panose="02070309020205020404" pitchFamily="49" charset="0"/>
+            </a:endParaRPr>
           </a:p>
           <a:p>
             <a:r>
-              <a:rPr lang="da-DK" dirty="0" err="1"/>
-              <a:t>Middle</a:t>
-            </a:r>
-            <a:r>
-              <a:rPr lang="da-DK" dirty="0"/>
+              <a:rPr lang="da-DK" sz="1200" b="0" dirty="0" err="1">
+                <a:latin typeface="Courier New" panose="02070309020205020404" pitchFamily="49" charset="0"/>
+                <a:cs typeface="Courier New" panose="02070309020205020404" pitchFamily="49" charset="0"/>
+              </a:rPr>
+              <a:t>Stacked</a:t>
+            </a:r>
+            <a:r>
+              <a:rPr lang="da-DK" sz="1200" b="0" dirty="0">
+                <a:latin typeface="Courier New" panose="02070309020205020404" pitchFamily="49" charset="0"/>
+                <a:cs typeface="Courier New" panose="02070309020205020404" pitchFamily="49" charset="0"/>
+              </a:rPr>
+              <a:t>, </a:t>
+            </a:r>
+            <a:r>
+              <a:rPr lang="da-DK" sz="1200" b="0" dirty="0" err="1">
+                <a:latin typeface="Courier New" panose="02070309020205020404" pitchFamily="49" charset="0"/>
+                <a:cs typeface="Courier New" panose="02070309020205020404" pitchFamily="49" charset="0"/>
+              </a:rPr>
+              <a:t>applies</a:t>
+            </a:r>
+            <a:r>
+              <a:rPr lang="da-DK" sz="1200" b="0" dirty="0">
+                <a:latin typeface="Courier New" panose="02070309020205020404" pitchFamily="49" charset="0"/>
+                <a:cs typeface="Courier New" panose="02070309020205020404" pitchFamily="49" charset="0"/>
+              </a:rPr>
               <a:t> </a:t>
             </a:r>
             <a:r>
-              <a:rPr lang="da-DK" dirty="0" err="1"/>
-              <a:t>picture</a:t>
-            </a:r>
-            <a:r>
-              <a:rPr lang="da-DK" dirty="0"/>
-              <a:t> is not red </a:t>
-            </a:r>
-            <a:r>
-              <a:rPr lang="da-DK" dirty="0" err="1"/>
-              <a:t>dust</a:t>
-            </a:r>
-            <a:r>
-              <a:rPr lang="da-DK" dirty="0"/>
-              <a:t> from the Sahara….</a:t>
-            </a:r>
+              <a:rPr lang="da-DK" sz="1200" b="0" dirty="0" err="1">
+                <a:latin typeface="Courier New" panose="02070309020205020404" pitchFamily="49" charset="0"/>
+                <a:cs typeface="Courier New" panose="02070309020205020404" pitchFamily="49" charset="0"/>
+              </a:rPr>
+              <a:t>svd</a:t>
+            </a:r>
+            <a:r>
+              <a:rPr lang="da-DK" sz="1200" b="0" dirty="0">
+                <a:latin typeface="Courier New" panose="02070309020205020404" pitchFamily="49" charset="0"/>
+                <a:cs typeface="Courier New" panose="02070309020205020404" pitchFamily="49" charset="0"/>
+              </a:rPr>
+              <a:t> to </a:t>
+            </a:r>
+            <a:r>
+              <a:rPr lang="da-DK" sz="1200" b="0" dirty="0" err="1">
+                <a:latin typeface="Courier New" panose="02070309020205020404" pitchFamily="49" charset="0"/>
+                <a:cs typeface="Courier New" panose="02070309020205020404" pitchFamily="49" charset="0"/>
+              </a:rPr>
+              <a:t>each</a:t>
+            </a:r>
+            <a:r>
+              <a:rPr lang="da-DK" sz="1200" b="0" dirty="0">
+                <a:latin typeface="Courier New" panose="02070309020205020404" pitchFamily="49" charset="0"/>
+                <a:cs typeface="Courier New" panose="02070309020205020404" pitchFamily="49" charset="0"/>
+              </a:rPr>
+              <a:t> of the </a:t>
+            </a:r>
+            <a:r>
+              <a:rPr lang="da-DK" sz="1200" b="0" dirty="0" err="1">
+                <a:latin typeface="Courier New" panose="02070309020205020404" pitchFamily="49" charset="0"/>
+                <a:cs typeface="Courier New" panose="02070309020205020404" pitchFamily="49" charset="0"/>
+              </a:rPr>
+              <a:t>indexes</a:t>
+            </a:r>
+            <a:r>
+              <a:rPr lang="da-DK" sz="1200" b="0" dirty="0">
+                <a:latin typeface="Courier New" panose="02070309020205020404" pitchFamily="49" charset="0"/>
+                <a:cs typeface="Courier New" panose="02070309020205020404" pitchFamily="49" charset="0"/>
+              </a:rPr>
+              <a:t> of the </a:t>
+            </a:r>
+            <a:r>
+              <a:rPr lang="da-DK" sz="1200" b="0" dirty="0" err="1">
+                <a:latin typeface="Courier New" panose="02070309020205020404" pitchFamily="49" charset="0"/>
+                <a:cs typeface="Courier New" panose="02070309020205020404" pitchFamily="49" charset="0"/>
+              </a:rPr>
+              <a:t>first</a:t>
+            </a:r>
+            <a:r>
+              <a:rPr lang="da-DK" sz="1200" b="0" dirty="0">
+                <a:latin typeface="Courier New" panose="02070309020205020404" pitchFamily="49" charset="0"/>
+                <a:cs typeface="Courier New" panose="02070309020205020404" pitchFamily="49" charset="0"/>
+              </a:rPr>
+              <a:t> </a:t>
+            </a:r>
+            <a:r>
+              <a:rPr lang="da-DK" sz="1200" b="0" dirty="0" err="1">
+                <a:latin typeface="Courier New" panose="02070309020205020404" pitchFamily="49" charset="0"/>
+                <a:cs typeface="Courier New" panose="02070309020205020404" pitchFamily="49" charset="0"/>
+              </a:rPr>
+              <a:t>coordinate</a:t>
+            </a:r>
+            <a:endParaRPr lang="da-DK" sz="1200" b="0" dirty="0">
+              <a:latin typeface="Courier New" panose="02070309020205020404" pitchFamily="49" charset="0"/>
+              <a:cs typeface="Courier New" panose="02070309020205020404" pitchFamily="49" charset="0"/>
+            </a:endParaRPr>
+          </a:p>
+          <a:p>
+            <a:endParaRPr lang="en-US" b="0" i="1" baseline="30000" dirty="0"/>
           </a:p>
         </p:txBody>
       </p:sp>
@@ -3346,7 +3617,7 @@
             <a:spLocks noGrp="1"/>
           </p:cNvSpPr>
           <p:nvPr>
-            <p:ph type="sldNum" sz="quarter" idx="5"/>
+            <p:ph type="sldNum" sz="quarter" idx="10"/>
           </p:nvPr>
         </p:nvSpPr>
         <p:spPr/>
@@ -3365,7 +3636,7 @@
     </p:spTree>
     <p:extLst>
       <p:ext uri="{BB962C8B-B14F-4D97-AF65-F5344CB8AC3E}">
-        <p14:creationId xmlns:p14="http://schemas.microsoft.com/office/powerpoint/2010/main" val="3602288403"/>
+        <p14:creationId xmlns:p14="http://schemas.microsoft.com/office/powerpoint/2010/main" val="754425780"/>
       </p:ext>
     </p:extLst>
   </p:cSld>
@@ -3420,8 +3691,69 @@
           <a:lstStyle/>
           <a:p>
             <a:r>
-              <a:rPr lang="en-US" dirty="0"/>
-              <a:t>d &lt;&lt; n – otherwise overfitting</a:t>
+              <a:rPr lang="da-DK" dirty="0"/>
+              <a:t>Red and Blue </a:t>
+            </a:r>
+            <a:r>
+              <a:rPr lang="da-DK" dirty="0" err="1"/>
+              <a:t>are</a:t>
+            </a:r>
+            <a:r>
+              <a:rPr lang="da-DK" dirty="0"/>
+              <a:t> </a:t>
+            </a:r>
+            <a:r>
+              <a:rPr lang="da-DK" dirty="0" err="1"/>
+              <a:t>swapped</a:t>
+            </a:r>
+            <a:r>
+              <a:rPr lang="da-DK" dirty="0"/>
+              <a:t> in the </a:t>
+            </a:r>
+            <a:r>
+              <a:rPr lang="da-DK" dirty="0" err="1"/>
+              <a:t>representation</a:t>
+            </a:r>
+            <a:r>
+              <a:rPr lang="da-DK" dirty="0"/>
+              <a:t> </a:t>
+            </a:r>
+            <a:r>
+              <a:rPr lang="da-DK" dirty="0" err="1"/>
+              <a:t>used</a:t>
+            </a:r>
+            <a:r>
+              <a:rPr lang="da-DK" dirty="0"/>
+              <a:t> by Open CV</a:t>
+            </a:r>
+          </a:p>
+          <a:p>
+            <a:endParaRPr lang="da-DK" dirty="0"/>
+          </a:p>
+          <a:p>
+            <a:r>
+              <a:rPr lang="da-DK" dirty="0" err="1"/>
+              <a:t>Middle</a:t>
+            </a:r>
+            <a:r>
+              <a:rPr lang="da-DK" dirty="0"/>
+              <a:t> </a:t>
+            </a:r>
+            <a:r>
+              <a:rPr lang="da-DK" dirty="0" err="1"/>
+              <a:t>picture</a:t>
+            </a:r>
+            <a:r>
+              <a:rPr lang="da-DK" dirty="0"/>
+              <a:t> is not red </a:t>
+            </a:r>
+            <a:r>
+              <a:rPr lang="da-DK" dirty="0" err="1"/>
+              <a:t>dust</a:t>
+            </a:r>
+            <a:r>
+              <a:rPr lang="da-DK" dirty="0"/>
+              <a:t> from the Sahara….</a:t>
             </a:r>
           </a:p>
         </p:txBody>
@@ -3433,7 +3765,7 @@
             <a:spLocks noGrp="1"/>
           </p:cNvSpPr>
           <p:nvPr>
-            <p:ph type="sldNum" sz="quarter" idx="10"/>
+            <p:ph type="sldNum" sz="quarter" idx="5"/>
           </p:nvPr>
         </p:nvSpPr>
         <p:spPr/>
@@ -3452,7 +3784,7 @@
     </p:spTree>
     <p:extLst>
       <p:ext uri="{BB962C8B-B14F-4D97-AF65-F5344CB8AC3E}">
-        <p14:creationId xmlns:p14="http://schemas.microsoft.com/office/powerpoint/2010/main" val="2771828849"/>
+        <p14:creationId xmlns:p14="http://schemas.microsoft.com/office/powerpoint/2010/main" val="3602288403"/>
       </p:ext>
     </p:extLst>
   </p:cSld>
@@ -3507,156 +3839,9 @@
           <a:lstStyle/>
           <a:p>
             <a:r>
-              <a:rPr lang="en-US" dirty="0" err="1"/>
-              <a:t>numpy</a:t>
-            </a:r>
-            <a:r>
               <a:rPr lang="en-US" dirty="0"/>
-              <a:t> arrays are</a:t>
-            </a:r>
-            <a:r>
-              <a:rPr lang="en-US" baseline="0" dirty="0"/>
-              <a:t> passed to </a:t>
-            </a:r>
-            <a:r>
-              <a:rPr lang="en-US" baseline="0" dirty="0" err="1"/>
-              <a:t>matplotlib</a:t>
-            </a:r>
-            <a:r>
-              <a:rPr lang="en-US" baseline="0" dirty="0"/>
-              <a:t> </a:t>
-            </a:r>
-            <a:r>
-              <a:rPr lang="en-US" b="1" baseline="0" dirty="0"/>
-              <a:t>plot</a:t>
-            </a:r>
-            <a:r>
-              <a:rPr lang="en-US" baseline="0" dirty="0"/>
-              <a:t> and </a:t>
-            </a:r>
-            <a:r>
-              <a:rPr lang="en-US" b="1" baseline="0" dirty="0" err="1"/>
-              <a:t>set_data</a:t>
-            </a:r>
-            <a:endParaRPr lang="en-US" b="1" baseline="0" dirty="0"/>
-          </a:p>
-          <a:p>
-            <a:endParaRPr lang="en-US" b="1" baseline="0" dirty="0"/>
-          </a:p>
-          <a:p>
-            <a:r>
-              <a:rPr lang="da-DK" sz="1200" b="1" dirty="0">
-                <a:latin typeface="Courier New" panose="02070309020205020404" pitchFamily="49" charset="0"/>
-                <a:cs typeface="Courier New" panose="02070309020205020404" pitchFamily="49" charset="0"/>
-              </a:rPr>
-              <a:t> y[</a:t>
-            </a:r>
-            <a:r>
-              <a:rPr lang="da-DK" sz="1200" b="1" dirty="0" err="1">
-                <a:latin typeface="Courier New" panose="02070309020205020404" pitchFamily="49" charset="0"/>
-                <a:cs typeface="Courier New" panose="02070309020205020404" pitchFamily="49" charset="0"/>
-              </a:rPr>
-              <a:t>bounce</a:t>
-            </a:r>
-            <a:r>
-              <a:rPr lang="da-DK" sz="1200" b="1" dirty="0">
-                <a:latin typeface="Courier New" panose="02070309020205020404" pitchFamily="49" charset="0"/>
-                <a:cs typeface="Courier New" panose="02070309020205020404" pitchFamily="49" charset="0"/>
-              </a:rPr>
-              <a:t>] -= dy[</a:t>
-            </a:r>
-            <a:r>
-              <a:rPr lang="da-DK" sz="1200" b="1" dirty="0" err="1">
-                <a:latin typeface="Courier New" panose="02070309020205020404" pitchFamily="49" charset="0"/>
-                <a:cs typeface="Courier New" panose="02070309020205020404" pitchFamily="49" charset="0"/>
-              </a:rPr>
-              <a:t>bounce</a:t>
-            </a:r>
-            <a:r>
-              <a:rPr lang="da-DK" sz="1200" b="1" dirty="0">
-                <a:latin typeface="Courier New" panose="02070309020205020404" pitchFamily="49" charset="0"/>
-                <a:cs typeface="Courier New" panose="02070309020205020404" pitchFamily="49" charset="0"/>
-              </a:rPr>
-              <a:t>] </a:t>
-            </a:r>
-            <a:r>
-              <a:rPr lang="da-DK" sz="1200" b="0" baseline="0" dirty="0" err="1">
-                <a:latin typeface="Courier New" panose="02070309020205020404" pitchFamily="49" charset="0"/>
-                <a:cs typeface="Courier New" panose="02070309020205020404" pitchFamily="49" charset="0"/>
-              </a:rPr>
-              <a:t>important</a:t>
-            </a:r>
-            <a:r>
-              <a:rPr lang="da-DK" sz="1200" b="0" baseline="0" dirty="0">
-                <a:latin typeface="Courier New" panose="02070309020205020404" pitchFamily="49" charset="0"/>
-                <a:cs typeface="Courier New" panose="02070309020205020404" pitchFamily="49" charset="0"/>
-              </a:rPr>
-              <a:t> to </a:t>
-            </a:r>
-            <a:r>
-              <a:rPr lang="da-DK" sz="1200" b="0" baseline="0" dirty="0" err="1">
-                <a:latin typeface="Courier New" panose="02070309020205020404" pitchFamily="49" charset="0"/>
-                <a:cs typeface="Courier New" panose="02070309020205020404" pitchFamily="49" charset="0"/>
-              </a:rPr>
-              <a:t>apply</a:t>
-            </a:r>
-            <a:r>
-              <a:rPr lang="da-DK" sz="1200" b="0" baseline="0" dirty="0">
-                <a:latin typeface="Courier New" panose="02070309020205020404" pitchFamily="49" charset="0"/>
-                <a:cs typeface="Courier New" panose="02070309020205020404" pitchFamily="49" charset="0"/>
-              </a:rPr>
-              <a:t> filters to </a:t>
-            </a:r>
-            <a:r>
-              <a:rPr lang="da-DK" sz="1200" b="0" baseline="0" dirty="0" err="1">
-                <a:latin typeface="Courier New" panose="02070309020205020404" pitchFamily="49" charset="0"/>
-                <a:cs typeface="Courier New" panose="02070309020205020404" pitchFamily="49" charset="0"/>
-              </a:rPr>
-              <a:t>both</a:t>
-            </a:r>
-            <a:r>
-              <a:rPr lang="da-DK" sz="1200" b="0" baseline="0" dirty="0">
-                <a:latin typeface="Courier New" panose="02070309020205020404" pitchFamily="49" charset="0"/>
-                <a:cs typeface="Courier New" panose="02070309020205020404" pitchFamily="49" charset="0"/>
-              </a:rPr>
-              <a:t> sides, to </a:t>
-            </a:r>
-            <a:r>
-              <a:rPr lang="da-DK" sz="1200" b="0" baseline="0" dirty="0" err="1">
-                <a:latin typeface="Courier New" panose="02070309020205020404" pitchFamily="49" charset="0"/>
-                <a:cs typeface="Courier New" panose="02070309020205020404" pitchFamily="49" charset="0"/>
-              </a:rPr>
-              <a:t>ensure</a:t>
-            </a:r>
-            <a:r>
-              <a:rPr lang="da-DK" sz="1200" b="0" baseline="0" dirty="0">
-                <a:latin typeface="Courier New" panose="02070309020205020404" pitchFamily="49" charset="0"/>
-                <a:cs typeface="Courier New" panose="02070309020205020404" pitchFamily="49" charset="0"/>
-              </a:rPr>
-              <a:t> the </a:t>
-            </a:r>
-            <a:r>
-              <a:rPr lang="da-DK" sz="1200" b="0" baseline="0" dirty="0" err="1">
-                <a:latin typeface="Courier New" panose="02070309020205020404" pitchFamily="49" charset="0"/>
-                <a:cs typeface="Courier New" panose="02070309020205020404" pitchFamily="49" charset="0"/>
-              </a:rPr>
-              <a:t>sliced</a:t>
-            </a:r>
-            <a:r>
-              <a:rPr lang="da-DK" sz="1200" b="0" baseline="0" dirty="0">
-                <a:latin typeface="Courier New" panose="02070309020205020404" pitchFamily="49" charset="0"/>
-                <a:cs typeface="Courier New" panose="02070309020205020404" pitchFamily="49" charset="0"/>
-              </a:rPr>
-              <a:t> arrays have the same </a:t>
-            </a:r>
-            <a:r>
-              <a:rPr lang="da-DK" sz="1200" b="0" baseline="0" dirty="0" err="1">
-                <a:latin typeface="Courier New" panose="02070309020205020404" pitchFamily="49" charset="0"/>
-                <a:cs typeface="Courier New" panose="02070309020205020404" pitchFamily="49" charset="0"/>
-              </a:rPr>
-              <a:t>size</a:t>
-            </a:r>
-            <a:endParaRPr lang="en-US" b="1" dirty="0"/>
+              <a:t>d &lt;&lt; n – otherwise overfitting</a:t>
+            </a:r>
           </a:p>
         </p:txBody>
       </p:sp>
@@ -3677,7 +3862,7 @@
           <a:p>
             <a:fld id="{CD563DD8-32AB-41BE-B1C6-8EAC45222ACE}" type="slidenum">
               <a:rPr lang="en-US" smtClean="0"/>
-              <a:t>29</a:t>
+              <a:t>26</a:t>
             </a:fld>
             <a:endParaRPr lang="en-US"/>
           </a:p>
@@ -3686,7 +3871,7 @@
     </p:spTree>
     <p:extLst>
       <p:ext uri="{BB962C8B-B14F-4D97-AF65-F5344CB8AC3E}">
-        <p14:creationId xmlns:p14="http://schemas.microsoft.com/office/powerpoint/2010/main" val="3799733805"/>
+        <p14:creationId xmlns:p14="http://schemas.microsoft.com/office/powerpoint/2010/main" val="2771828849"/>
       </p:ext>
     </p:extLst>
   </p:cSld>
@@ -3741,6 +3926,240 @@
           <a:lstStyle/>
           <a:p>
             <a:r>
+              <a:rPr lang="en-US" dirty="0" err="1"/>
+              <a:t>numpy</a:t>
+            </a:r>
+            <a:r>
+              <a:rPr lang="en-US" dirty="0"/>
+              <a:t> arrays are</a:t>
+            </a:r>
+            <a:r>
+              <a:rPr lang="en-US" baseline="0" dirty="0"/>
+              <a:t> passed to </a:t>
+            </a:r>
+            <a:r>
+              <a:rPr lang="en-US" baseline="0" dirty="0" err="1"/>
+              <a:t>matplotlib</a:t>
+            </a:r>
+            <a:r>
+              <a:rPr lang="en-US" baseline="0" dirty="0"/>
+              <a:t> </a:t>
+            </a:r>
+            <a:r>
+              <a:rPr lang="en-US" b="1" baseline="0" dirty="0"/>
+              <a:t>plot</a:t>
+            </a:r>
+            <a:r>
+              <a:rPr lang="en-US" baseline="0" dirty="0"/>
+              <a:t> and </a:t>
+            </a:r>
+            <a:r>
+              <a:rPr lang="en-US" b="1" baseline="0" dirty="0" err="1"/>
+              <a:t>set_data</a:t>
+            </a:r>
+            <a:endParaRPr lang="en-US" b="1" baseline="0" dirty="0"/>
+          </a:p>
+          <a:p>
+            <a:endParaRPr lang="en-US" b="1" baseline="0" dirty="0"/>
+          </a:p>
+          <a:p>
+            <a:r>
+              <a:rPr lang="da-DK" sz="1200" b="1" dirty="0">
+                <a:latin typeface="Courier New" panose="02070309020205020404" pitchFamily="49" charset="0"/>
+                <a:cs typeface="Courier New" panose="02070309020205020404" pitchFamily="49" charset="0"/>
+              </a:rPr>
+              <a:t> y[</a:t>
+            </a:r>
+            <a:r>
+              <a:rPr lang="da-DK" sz="1200" b="1" dirty="0" err="1">
+                <a:latin typeface="Courier New" panose="02070309020205020404" pitchFamily="49" charset="0"/>
+                <a:cs typeface="Courier New" panose="02070309020205020404" pitchFamily="49" charset="0"/>
+              </a:rPr>
+              <a:t>bounce</a:t>
+            </a:r>
+            <a:r>
+              <a:rPr lang="da-DK" sz="1200" b="1" dirty="0">
+                <a:latin typeface="Courier New" panose="02070309020205020404" pitchFamily="49" charset="0"/>
+                <a:cs typeface="Courier New" panose="02070309020205020404" pitchFamily="49" charset="0"/>
+              </a:rPr>
+              <a:t>] -= dy[</a:t>
+            </a:r>
+            <a:r>
+              <a:rPr lang="da-DK" sz="1200" b="1" dirty="0" err="1">
+                <a:latin typeface="Courier New" panose="02070309020205020404" pitchFamily="49" charset="0"/>
+                <a:cs typeface="Courier New" panose="02070309020205020404" pitchFamily="49" charset="0"/>
+              </a:rPr>
+              <a:t>bounce</a:t>
+            </a:r>
+            <a:r>
+              <a:rPr lang="da-DK" sz="1200" b="1" dirty="0">
+                <a:latin typeface="Courier New" panose="02070309020205020404" pitchFamily="49" charset="0"/>
+                <a:cs typeface="Courier New" panose="02070309020205020404" pitchFamily="49" charset="0"/>
+              </a:rPr>
+              <a:t>] </a:t>
+            </a:r>
+            <a:r>
+              <a:rPr lang="da-DK" sz="1200" b="0" baseline="0" dirty="0" err="1">
+                <a:latin typeface="Courier New" panose="02070309020205020404" pitchFamily="49" charset="0"/>
+                <a:cs typeface="Courier New" panose="02070309020205020404" pitchFamily="49" charset="0"/>
+              </a:rPr>
+              <a:t>important</a:t>
+            </a:r>
+            <a:r>
+              <a:rPr lang="da-DK" sz="1200" b="0" baseline="0" dirty="0">
+                <a:latin typeface="Courier New" panose="02070309020205020404" pitchFamily="49" charset="0"/>
+                <a:cs typeface="Courier New" panose="02070309020205020404" pitchFamily="49" charset="0"/>
+              </a:rPr>
+              <a:t> to </a:t>
+            </a:r>
+            <a:r>
+              <a:rPr lang="da-DK" sz="1200" b="0" baseline="0" dirty="0" err="1">
+                <a:latin typeface="Courier New" panose="02070309020205020404" pitchFamily="49" charset="0"/>
+                <a:cs typeface="Courier New" panose="02070309020205020404" pitchFamily="49" charset="0"/>
+              </a:rPr>
+              <a:t>apply</a:t>
+            </a:r>
+            <a:r>
+              <a:rPr lang="da-DK" sz="1200" b="0" baseline="0" dirty="0">
+                <a:latin typeface="Courier New" panose="02070309020205020404" pitchFamily="49" charset="0"/>
+                <a:cs typeface="Courier New" panose="02070309020205020404" pitchFamily="49" charset="0"/>
+              </a:rPr>
+              <a:t> filters to </a:t>
+            </a:r>
+            <a:r>
+              <a:rPr lang="da-DK" sz="1200" b="0" baseline="0" dirty="0" err="1">
+                <a:latin typeface="Courier New" panose="02070309020205020404" pitchFamily="49" charset="0"/>
+                <a:cs typeface="Courier New" panose="02070309020205020404" pitchFamily="49" charset="0"/>
+              </a:rPr>
+              <a:t>both</a:t>
+            </a:r>
+            <a:r>
+              <a:rPr lang="da-DK" sz="1200" b="0" baseline="0" dirty="0">
+                <a:latin typeface="Courier New" panose="02070309020205020404" pitchFamily="49" charset="0"/>
+                <a:cs typeface="Courier New" panose="02070309020205020404" pitchFamily="49" charset="0"/>
+              </a:rPr>
+              <a:t> sides, to </a:t>
+            </a:r>
+            <a:r>
+              <a:rPr lang="da-DK" sz="1200" b="0" baseline="0" dirty="0" err="1">
+                <a:latin typeface="Courier New" panose="02070309020205020404" pitchFamily="49" charset="0"/>
+                <a:cs typeface="Courier New" panose="02070309020205020404" pitchFamily="49" charset="0"/>
+              </a:rPr>
+              <a:t>ensure</a:t>
+            </a:r>
+            <a:r>
+              <a:rPr lang="da-DK" sz="1200" b="0" baseline="0" dirty="0">
+                <a:latin typeface="Courier New" panose="02070309020205020404" pitchFamily="49" charset="0"/>
+                <a:cs typeface="Courier New" panose="02070309020205020404" pitchFamily="49" charset="0"/>
+              </a:rPr>
+              <a:t> the </a:t>
+            </a:r>
+            <a:r>
+              <a:rPr lang="da-DK" sz="1200" b="0" baseline="0" dirty="0" err="1">
+                <a:latin typeface="Courier New" panose="02070309020205020404" pitchFamily="49" charset="0"/>
+                <a:cs typeface="Courier New" panose="02070309020205020404" pitchFamily="49" charset="0"/>
+              </a:rPr>
+              <a:t>sliced</a:t>
+            </a:r>
+            <a:r>
+              <a:rPr lang="da-DK" sz="1200" b="0" baseline="0" dirty="0">
+                <a:latin typeface="Courier New" panose="02070309020205020404" pitchFamily="49" charset="0"/>
+                <a:cs typeface="Courier New" panose="02070309020205020404" pitchFamily="49" charset="0"/>
+              </a:rPr>
+              <a:t> arrays have the same </a:t>
+            </a:r>
+            <a:r>
+              <a:rPr lang="da-DK" sz="1200" b="0" baseline="0" dirty="0" err="1">
+                <a:latin typeface="Courier New" panose="02070309020205020404" pitchFamily="49" charset="0"/>
+                <a:cs typeface="Courier New" panose="02070309020205020404" pitchFamily="49" charset="0"/>
+              </a:rPr>
+              <a:t>size</a:t>
+            </a:r>
+            <a:endParaRPr lang="en-US" b="1" dirty="0"/>
+          </a:p>
+        </p:txBody>
+      </p:sp>
+      <p:sp>
+        <p:nvSpPr>
+          <p:cNvPr id="4" name="Slide Number Placeholder 3"/>
+          <p:cNvSpPr>
+            <a:spLocks noGrp="1"/>
+          </p:cNvSpPr>
+          <p:nvPr>
+            <p:ph type="sldNum" sz="quarter" idx="10"/>
+          </p:nvPr>
+        </p:nvSpPr>
+        <p:spPr/>
+        <p:txBody>
+          <a:bodyPr/>
+          <a:lstStyle/>
+          <a:p>
+            <a:fld id="{CD563DD8-32AB-41BE-B1C6-8EAC45222ACE}" type="slidenum">
+              <a:rPr lang="en-US" smtClean="0"/>
+              <a:t>30</a:t>
+            </a:fld>
+            <a:endParaRPr lang="en-US"/>
+          </a:p>
+        </p:txBody>
+      </p:sp>
+    </p:spTree>
+    <p:extLst>
+      <p:ext uri="{BB962C8B-B14F-4D97-AF65-F5344CB8AC3E}">
+        <p14:creationId xmlns:p14="http://schemas.microsoft.com/office/powerpoint/2010/main" val="3799733805"/>
+      </p:ext>
+    </p:extLst>
+  </p:cSld>
+  <p:clrMapOvr>
+    <a:masterClrMapping/>
+  </p:clrMapOvr>
+</p:notes>
+</file>
+
+<file path=ppt/notesSlides/notesSlide25.xml><?xml version="1.0" encoding="utf-8"?>
+<p:notes xmlns:a="http://schemas.openxmlformats.org/drawingml/2006/main" xmlns:r="http://schemas.openxmlformats.org/officeDocument/2006/relationships" xmlns:p="http://schemas.openxmlformats.org/presentationml/2006/main">
+  <p:cSld>
+    <p:spTree>
+      <p:nvGrpSpPr>
+        <p:cNvPr id="1" name=""/>
+        <p:cNvGrpSpPr/>
+        <p:nvPr/>
+      </p:nvGrpSpPr>
+      <p:grpSpPr>
+        <a:xfrm>
+          <a:off x="0" y="0"/>
+          <a:ext cx="0" cy="0"/>
+          <a:chOff x="0" y="0"/>
+          <a:chExt cx="0" cy="0"/>
+        </a:xfrm>
+      </p:grpSpPr>
+      <p:sp>
+        <p:nvSpPr>
+          <p:cNvPr id="2" name="Slide Image Placeholder 1"/>
+          <p:cNvSpPr>
+            <a:spLocks noGrp="1" noRot="1" noChangeAspect="1"/>
+          </p:cNvSpPr>
+          <p:nvPr>
+            <p:ph type="sldImg"/>
+          </p:nvPr>
+        </p:nvSpPr>
+        <p:spPr/>
+      </p:sp>
+      <p:sp>
+        <p:nvSpPr>
+          <p:cNvPr id="3" name="Notes Placeholder 2"/>
+          <p:cNvSpPr>
+            <a:spLocks noGrp="1"/>
+          </p:cNvSpPr>
+          <p:nvPr>
+            <p:ph type="body" idx="1"/>
+          </p:nvPr>
+        </p:nvSpPr>
+        <p:spPr/>
+        <p:txBody>
+          <a:bodyPr/>
+          <a:lstStyle/>
+          <a:p>
+            <a:r>
               <a:rPr lang="en-US" dirty="0"/>
               <a:t>Basically for each point=convex number iterate a process</a:t>
             </a:r>
@@ -3964,7 +4383,7 @@
           <a:p>
             <a:fld id="{CD563DD8-32AB-41BE-B1C6-8EAC45222ACE}" type="slidenum">
               <a:rPr lang="en-US" smtClean="0"/>
-              <a:t>31</a:t>
+              <a:t>32</a:t>
             </a:fld>
             <a:endParaRPr lang="en-US"/>
           </a:p>
@@ -4356,7 +4775,7 @@
           <a:bodyPr/>
           <a:lstStyle/>
           <a:p>
-            <a:endParaRPr lang="da-DK" dirty="0"/>
+            <a:endParaRPr lang="en-US" b="1" dirty="0"/>
           </a:p>
         </p:txBody>
       </p:sp>
@@ -4367,7 +4786,7 @@
             <a:spLocks noGrp="1"/>
           </p:cNvSpPr>
           <p:nvPr>
-            <p:ph type="sldNum" sz="quarter" idx="5"/>
+            <p:ph type="sldNum" sz="quarter" idx="10"/>
           </p:nvPr>
         </p:nvSpPr>
         <p:spPr/>
@@ -4386,7 +4805,7 @@
     </p:spTree>
     <p:extLst>
       <p:ext uri="{BB962C8B-B14F-4D97-AF65-F5344CB8AC3E}">
-        <p14:creationId xmlns:p14="http://schemas.microsoft.com/office/powerpoint/2010/main" val="848025229"/>
+        <p14:creationId xmlns:p14="http://schemas.microsoft.com/office/powerpoint/2010/main" val="1974485766"/>
       </p:ext>
     </p:extLst>
   </p:cSld>
@@ -4440,66 +4859,7 @@
           <a:bodyPr/>
           <a:lstStyle/>
           <a:p>
-            <a:r>
-              <a:rPr lang="da-DK" dirty="0" err="1"/>
-              <a:t>Rows</a:t>
-            </a:r>
-            <a:r>
-              <a:rPr lang="da-DK" dirty="0"/>
-              <a:t> must </a:t>
-            </a:r>
-            <a:r>
-              <a:rPr lang="da-DK" dirty="0" err="1"/>
-              <a:t>contain</a:t>
-            </a:r>
-            <a:r>
-              <a:rPr lang="da-DK" dirty="0"/>
-              <a:t> same </a:t>
-            </a:r>
-            <a:r>
-              <a:rPr lang="da-DK" dirty="0" err="1"/>
-              <a:t>number</a:t>
-            </a:r>
-            <a:r>
-              <a:rPr lang="da-DK" dirty="0"/>
-              <a:t> of </a:t>
-            </a:r>
-            <a:r>
-              <a:rPr lang="da-DK" dirty="0" err="1"/>
-              <a:t>values</a:t>
-            </a:r>
             <a:endParaRPr lang="da-DK" dirty="0"/>
-          </a:p>
-          <a:p>
-            <a:r>
-              <a:rPr lang="da-DK" dirty="0" err="1"/>
-              <a:t>np.array</a:t>
-            </a:r>
-            <a:r>
-              <a:rPr lang="da-DK" dirty="0"/>
-              <a:t>([[1,2],[3,4,5]]) -&gt; </a:t>
-            </a:r>
-            <a:r>
-              <a:rPr lang="da-DK" b="1" dirty="0" err="1"/>
-              <a:t>ValueError</a:t>
-            </a:r>
-            <a:r>
-              <a:rPr lang="da-DK" b="1" dirty="0"/>
-              <a:t>: </a:t>
-            </a:r>
-            <a:r>
-              <a:rPr lang="da-DK" b="1" dirty="0" err="1"/>
-              <a:t>inhomogeneous</a:t>
-            </a:r>
-            <a:r>
-              <a:rPr lang="da-DK" b="1" dirty="0"/>
-              <a:t> </a:t>
-            </a:r>
-            <a:r>
-              <a:rPr lang="da-DK" b="1" dirty="0" err="1"/>
-              <a:t>shape</a:t>
-            </a:r>
-            <a:endParaRPr lang="da-DK" b="1" dirty="0"/>
           </a:p>
         </p:txBody>
       </p:sp>
@@ -4529,7 +4889,7 @@
     </p:spTree>
     <p:extLst>
       <p:ext uri="{BB962C8B-B14F-4D97-AF65-F5344CB8AC3E}">
-        <p14:creationId xmlns:p14="http://schemas.microsoft.com/office/powerpoint/2010/main" val="1273569641"/>
+        <p14:creationId xmlns:p14="http://schemas.microsoft.com/office/powerpoint/2010/main" val="848025229"/>
       </p:ext>
     </p:extLst>
   </p:cSld>
@@ -4584,18 +4944,65 @@
           <a:lstStyle/>
           <a:p>
             <a:r>
-              <a:rPr lang="en-US" dirty="0"/>
-              <a:t>Views and slices are confusing!!!!</a:t>
-            </a:r>
+              <a:rPr lang="da-DK" dirty="0" err="1"/>
+              <a:t>Rows</a:t>
+            </a:r>
+            <a:r>
+              <a:rPr lang="da-DK" dirty="0"/>
+              <a:t> must </a:t>
+            </a:r>
+            <a:r>
+              <a:rPr lang="da-DK" dirty="0" err="1"/>
+              <a:t>contain</a:t>
+            </a:r>
+            <a:r>
+              <a:rPr lang="da-DK" dirty="0"/>
+              <a:t> same </a:t>
+            </a:r>
+            <a:r>
+              <a:rPr lang="da-DK" dirty="0" err="1"/>
+              <a:t>number</a:t>
+            </a:r>
+            <a:r>
+              <a:rPr lang="da-DK" dirty="0"/>
+              <a:t> of </a:t>
+            </a:r>
+            <a:r>
+              <a:rPr lang="da-DK" dirty="0" err="1"/>
+              <a:t>values</a:t>
+            </a:r>
+            <a:endParaRPr lang="da-DK" dirty="0"/>
           </a:p>
           <a:p>
             <a:r>
-              <a:rPr lang="en-US" dirty="0"/>
-              <a:t>https://scipy-cookbook.readthedocs.io/items/ViewsVsCopies.html</a:t>
-            </a:r>
-          </a:p>
-          <a:p>
-            <a:endParaRPr lang="en-US" dirty="0"/>
+              <a:rPr lang="da-DK" dirty="0" err="1"/>
+              <a:t>np.array</a:t>
+            </a:r>
+            <a:r>
+              <a:rPr lang="da-DK" dirty="0"/>
+              <a:t>([[1,2],[3,4,5]]) -&gt; </a:t>
+            </a:r>
+            <a:r>
+              <a:rPr lang="da-DK" b="1" dirty="0" err="1"/>
+              <a:t>ValueError</a:t>
+            </a:r>
+            <a:r>
+              <a:rPr lang="da-DK" b="1" dirty="0"/>
+              <a:t>: </a:t>
+            </a:r>
+            <a:r>
+              <a:rPr lang="da-DK" b="1" dirty="0" err="1"/>
+              <a:t>inhomogeneous</a:t>
+            </a:r>
+            <a:r>
+              <a:rPr lang="da-DK" b="1" dirty="0"/>
+              <a:t> </a:t>
+            </a:r>
+            <a:r>
+              <a:rPr lang="da-DK" b="1" dirty="0" err="1"/>
+              <a:t>shape</a:t>
+            </a:r>
+            <a:endParaRPr lang="da-DK" b="1" dirty="0"/>
           </a:p>
         </p:txBody>
       </p:sp>
@@ -4606,7 +5013,7 @@
             <a:spLocks noGrp="1"/>
           </p:cNvSpPr>
           <p:nvPr>
-            <p:ph type="sldNum" sz="quarter" idx="10"/>
+            <p:ph type="sldNum" sz="quarter" idx="5"/>
           </p:nvPr>
         </p:nvSpPr>
         <p:spPr/>
@@ -4625,7 +5032,7 @@
     </p:spTree>
     <p:extLst>
       <p:ext uri="{BB962C8B-B14F-4D97-AF65-F5344CB8AC3E}">
-        <p14:creationId xmlns:p14="http://schemas.microsoft.com/office/powerpoint/2010/main" val="1289729412"/>
+        <p14:creationId xmlns:p14="http://schemas.microsoft.com/office/powerpoint/2010/main" val="1273569641"/>
       </p:ext>
     </p:extLst>
   </p:cSld>
@@ -4681,45 +5088,17 @@
           <a:p>
             <a:r>
               <a:rPr lang="en-US" dirty="0"/>
-              <a:t>.cross for 3-dimensional</a:t>
-            </a:r>
-            <a:r>
-              <a:rPr lang="en-US" baseline="0" dirty="0"/>
-              <a:t> vectors</a:t>
+              <a:t>Views and slices are confusing!!!!</a:t>
             </a:r>
           </a:p>
           <a:p>
             <a:r>
-              <a:rPr lang="en-US" baseline="0" dirty="0"/>
-              <a:t>.T is only a </a:t>
-            </a:r>
-            <a:r>
-              <a:rPr lang="en-US" b="1" baseline="0" dirty="0"/>
-              <a:t>view</a:t>
-            </a:r>
-            <a:r>
-              <a:rPr lang="en-US" b="0" baseline="0" dirty="0"/>
-              <a:t> - so updates are applied to original matrix</a:t>
+              <a:rPr lang="en-US" dirty="0"/>
+              <a:t>https://scipy-cookbook.readthedocs.io/items/ViewsVsCopies.html</a:t>
             </a:r>
           </a:p>
           <a:p>
-            <a:r>
-              <a:rPr lang="en-US" b="0" baseline="0" dirty="0"/>
-              <a:t>@ calls method </a:t>
-            </a:r>
-            <a:r>
-              <a:rPr lang="da-DK" dirty="0"/>
-              <a:t>__</a:t>
-            </a:r>
-            <a:r>
-              <a:rPr lang="da-DK" dirty="0" err="1"/>
-              <a:t>matmul</a:t>
-            </a:r>
-            <a:r>
-              <a:rPr lang="da-DK" dirty="0"/>
-              <a:t>__ on array</a:t>
-            </a:r>
-            <a:endParaRPr lang="en-US" b="1" dirty="0"/>
+            <a:endParaRPr lang="en-US" dirty="0"/>
           </a:p>
         </p:txBody>
       </p:sp>
@@ -4749,7 +5128,7 @@
     </p:spTree>
     <p:extLst>
       <p:ext uri="{BB962C8B-B14F-4D97-AF65-F5344CB8AC3E}">
-        <p14:creationId xmlns:p14="http://schemas.microsoft.com/office/powerpoint/2010/main" val="4018900118"/>
+        <p14:creationId xmlns:p14="http://schemas.microsoft.com/office/powerpoint/2010/main" val="1289729412"/>
       </p:ext>
     </p:extLst>
   </p:cSld>
@@ -4896,7 +5275,7 @@
           <a:p>
             <a:fld id="{0560A9CD-0304-4E0B-9E82-E7E0115DE05B}" type="datetimeFigureOut">
               <a:rPr lang="en-US" smtClean="0"/>
-              <a:t>3/29/2023</a:t>
+              <a:t>4/12/2023</a:t>
             </a:fld>
             <a:endParaRPr lang="en-US"/>
           </a:p>
@@ -5064,7 +5443,7 @@
           <a:p>
             <a:fld id="{0560A9CD-0304-4E0B-9E82-E7E0115DE05B}" type="datetimeFigureOut">
               <a:rPr lang="en-US" smtClean="0"/>
-              <a:t>3/29/2023</a:t>
+              <a:t>4/12/2023</a:t>
             </a:fld>
             <a:endParaRPr lang="en-US"/>
           </a:p>
@@ -5242,7 +5621,7 @@
           <a:p>
             <a:fld id="{0560A9CD-0304-4E0B-9E82-E7E0115DE05B}" type="datetimeFigureOut">
               <a:rPr lang="en-US" smtClean="0"/>
-              <a:t>3/29/2023</a:t>
+              <a:t>4/12/2023</a:t>
             </a:fld>
             <a:endParaRPr lang="en-US"/>
           </a:p>
@@ -5425,7 +5804,7 @@
           <a:p>
             <a:fld id="{0560A9CD-0304-4E0B-9E82-E7E0115DE05B}" type="datetimeFigureOut">
               <a:rPr lang="en-US" smtClean="0"/>
-              <a:t>3/29/2023</a:t>
+              <a:t>4/12/2023</a:t>
             </a:fld>
             <a:endParaRPr lang="en-US"/>
           </a:p>
@@ -5670,7 +6049,7 @@
           <a:p>
             <a:fld id="{0560A9CD-0304-4E0B-9E82-E7E0115DE05B}" type="datetimeFigureOut">
               <a:rPr lang="en-US" smtClean="0"/>
-              <a:t>3/29/2023</a:t>
+              <a:t>4/12/2023</a:t>
             </a:fld>
             <a:endParaRPr lang="en-US"/>
           </a:p>
@@ -5899,7 +6278,7 @@
           <a:p>
             <a:fld id="{0560A9CD-0304-4E0B-9E82-E7E0115DE05B}" type="datetimeFigureOut">
               <a:rPr lang="en-US" smtClean="0"/>
-              <a:t>3/29/2023</a:t>
+              <a:t>4/12/2023</a:t>
             </a:fld>
             <a:endParaRPr lang="en-US"/>
           </a:p>
@@ -6263,7 +6642,7 @@
           <a:p>
             <a:fld id="{0560A9CD-0304-4E0B-9E82-E7E0115DE05B}" type="datetimeFigureOut">
               <a:rPr lang="en-US" smtClean="0"/>
-              <a:t>3/29/2023</a:t>
+              <a:t>4/12/2023</a:t>
             </a:fld>
             <a:endParaRPr lang="en-US"/>
           </a:p>
@@ -6380,7 +6759,7 @@
           <a:p>
             <a:fld id="{0560A9CD-0304-4E0B-9E82-E7E0115DE05B}" type="datetimeFigureOut">
               <a:rPr lang="en-US" smtClean="0"/>
-              <a:t>3/29/2023</a:t>
+              <a:t>4/12/2023</a:t>
             </a:fld>
             <a:endParaRPr lang="en-US"/>
           </a:p>
@@ -6475,7 +6854,7 @@
           <a:p>
             <a:fld id="{0560A9CD-0304-4E0B-9E82-E7E0115DE05B}" type="datetimeFigureOut">
               <a:rPr lang="en-US" smtClean="0"/>
-              <a:t>3/29/2023</a:t>
+              <a:t>4/12/2023</a:t>
             </a:fld>
             <a:endParaRPr lang="en-US"/>
           </a:p>
@@ -6750,7 +7129,7 @@
           <a:p>
             <a:fld id="{0560A9CD-0304-4E0B-9E82-E7E0115DE05B}" type="datetimeFigureOut">
               <a:rPr lang="en-US" smtClean="0"/>
-              <a:t>3/29/2023</a:t>
+              <a:t>4/12/2023</a:t>
             </a:fld>
             <a:endParaRPr lang="en-US"/>
           </a:p>
@@ -7002,7 +7381,7 @@
           <a:p>
             <a:fld id="{0560A9CD-0304-4E0B-9E82-E7E0115DE05B}" type="datetimeFigureOut">
               <a:rPr lang="en-US" smtClean="0"/>
-              <a:t>3/29/2023</a:t>
+              <a:t>4/12/2023</a:t>
             </a:fld>
             <a:endParaRPr lang="en-US"/>
           </a:p>
@@ -7213,7 +7592,7 @@
           <a:p>
             <a:fld id="{0560A9CD-0304-4E0B-9E82-E7E0115DE05B}" type="datetimeFigureOut">
               <a:rPr lang="en-US" smtClean="0"/>
-              <a:t>3/29/2023</a:t>
+              <a:t>4/12/2023</a:t>
             </a:fld>
             <a:endParaRPr lang="en-US"/>
           </a:p>
@@ -7824,6 +8203,1167 @@
           <a:chExt cx="0" cy="0"/>
         </a:xfrm>
       </p:grpSpPr>
+      <p:graphicFrame>
+        <p:nvGraphicFramePr>
+          <p:cNvPr id="4" name="Table 3"/>
+          <p:cNvGraphicFramePr>
+            <a:graphicFrameLocks noGrp="1"/>
+          </p:cNvGraphicFramePr>
+          <p:nvPr>
+            <p:extLst>
+              <p:ext uri="{D42A27DB-BD31-4B8C-83A1-F6EECF244321}">
+                <p14:modId xmlns:p14="http://schemas.microsoft.com/office/powerpoint/2010/main" val="3581893593"/>
+              </p:ext>
+            </p:extLst>
+          </p:nvPr>
+        </p:nvGraphicFramePr>
+        <p:xfrm>
+          <a:off x="268328" y="1919923"/>
+          <a:ext cx="11695430" cy="3666810"/>
+        </p:xfrm>
+        <a:graphic>
+          <a:graphicData uri="http://schemas.openxmlformats.org/drawingml/2006/table">
+            <a:tbl>
+              <a:tblPr firstRow="1" bandRow="1">
+                <a:tableStyleId>{5C22544A-7EE6-4342-B048-85BDC9FD1C3A}</a:tableStyleId>
+              </a:tblPr>
+              <a:tblGrid>
+                <a:gridCol w="11695430">
+                  <a:extLst>
+                    <a:ext uri="{9D8B030D-6E8A-4147-A177-3AD203B41FA5}">
+                      <a16:colId xmlns:a16="http://schemas.microsoft.com/office/drawing/2014/main" val="1873682825"/>
+                    </a:ext>
+                  </a:extLst>
+                </a:gridCol>
+              </a:tblGrid>
+              <a:tr h="405450">
+                <a:tc>
+                  <a:txBody>
+                    <a:bodyPr/>
+                    <a:lstStyle/>
+                    <a:p>
+                      <a:r>
+                        <a:rPr lang="da-DK" sz="1600" b="1" dirty="0" err="1">
+                          <a:latin typeface="Courier New" panose="02070309020205020404" pitchFamily="49" charset="0"/>
+                          <a:cs typeface="Courier New" panose="02070309020205020404" pitchFamily="49" charset="0"/>
+                        </a:rPr>
+                        <a:t>Python</a:t>
+                      </a:r>
+                      <a:r>
+                        <a:rPr lang="da-DK" sz="1600" b="1" dirty="0">
+                          <a:latin typeface="Courier New" panose="02070309020205020404" pitchFamily="49" charset="0"/>
+                          <a:cs typeface="Courier New" panose="02070309020205020404" pitchFamily="49" charset="0"/>
+                        </a:rPr>
+                        <a:t> </a:t>
+                      </a:r>
+                      <a:r>
+                        <a:rPr lang="da-DK" sz="1600" b="1" dirty="0" err="1">
+                          <a:latin typeface="Courier New" panose="02070309020205020404" pitchFamily="49" charset="0"/>
+                          <a:cs typeface="Courier New" panose="02070309020205020404" pitchFamily="49" charset="0"/>
+                        </a:rPr>
+                        <a:t>shell</a:t>
+                      </a:r>
+                      <a:endParaRPr lang="da-DK" sz="1600" b="1" dirty="0">
+                        <a:latin typeface="Courier New" panose="02070309020205020404" pitchFamily="49" charset="0"/>
+                        <a:cs typeface="Courier New" panose="02070309020205020404" pitchFamily="49" charset="0"/>
+                      </a:endParaRPr>
+                    </a:p>
+                  </a:txBody>
+                  <a:tcPr anchor="ctr">
+                    <a:lnL w="6350" cap="flat" cmpd="sng" algn="ctr">
+                      <a:solidFill>
+                        <a:schemeClr val="tx1"/>
+                      </a:solidFill>
+                      <a:prstDash val="solid"/>
+                      <a:round/>
+                      <a:headEnd type="none" w="med" len="med"/>
+                      <a:tailEnd type="none" w="med" len="med"/>
+                    </a:lnL>
+                    <a:lnR w="6350" cap="flat" cmpd="sng" algn="ctr">
+                      <a:solidFill>
+                        <a:schemeClr val="tx1"/>
+                      </a:solidFill>
+                      <a:prstDash val="solid"/>
+                      <a:round/>
+                      <a:headEnd type="none" w="med" len="med"/>
+                      <a:tailEnd type="none" w="med" len="med"/>
+                    </a:lnR>
+                    <a:lnT w="6350" cap="flat" cmpd="sng" algn="ctr">
+                      <a:solidFill>
+                        <a:schemeClr val="tx1"/>
+                      </a:solidFill>
+                      <a:prstDash val="solid"/>
+                      <a:round/>
+                      <a:headEnd type="none" w="med" len="med"/>
+                      <a:tailEnd type="none" w="med" len="med"/>
+                    </a:lnT>
+                    <a:lnB w="6350" cap="flat" cmpd="sng" algn="ctr">
+                      <a:solidFill>
+                        <a:schemeClr val="tx1"/>
+                      </a:solidFill>
+                      <a:prstDash val="solid"/>
+                      <a:round/>
+                      <a:headEnd type="none" w="med" len="med"/>
+                      <a:tailEnd type="none" w="med" len="med"/>
+                    </a:lnB>
+                    <a:lnTlToBr w="12700" cmpd="sng">
+                      <a:noFill/>
+                      <a:prstDash val="solid"/>
+                    </a:lnTlToBr>
+                    <a:lnBlToTr w="12700" cmpd="sng">
+                      <a:noFill/>
+                      <a:prstDash val="solid"/>
+                    </a:lnBlToTr>
+                    <a:solidFill>
+                      <a:srgbClr val="C00000"/>
+                    </a:solidFill>
+                  </a:tcPr>
+                </a:tc>
+                <a:extLst>
+                  <a:ext uri="{0D108BD9-81ED-4DB2-BD59-A6C34878D82A}">
+                    <a16:rowId xmlns:a16="http://schemas.microsoft.com/office/drawing/2014/main" val="3330819881"/>
+                  </a:ext>
+                </a:extLst>
+              </a:tr>
+              <a:tr h="2229972">
+                <a:tc>
+                  <a:txBody>
+                    <a:bodyPr/>
+                    <a:lstStyle/>
+                    <a:p>
+                      <a:pPr marL="266700" indent="-266700">
+                        <a:buClr>
+                          <a:srgbClr val="C00000"/>
+                        </a:buClr>
+                        <a:buSzPct val="100000"/>
+                        <a:buFont typeface="Courier New" panose="02070309020205020404" pitchFamily="49" charset="0"/>
+                        <a:buChar char="&gt;"/>
+                      </a:pPr>
+                      <a:r>
+                        <a:rPr lang="pt-BR" sz="1600" b="1" baseline="0" dirty="0">
+                          <a:solidFill>
+                            <a:schemeClr val="tx1"/>
+                          </a:solidFill>
+                          <a:latin typeface="Courier New" panose="02070309020205020404" pitchFamily="49" charset="0"/>
+                          <a:cs typeface="Courier New" panose="02070309020205020404" pitchFamily="49" charset="0"/>
+                        </a:rPr>
+                        <a:t>for data_type in ['</a:t>
+                      </a:r>
+                      <a:r>
+                        <a:rPr lang="pt-BR" sz="1600" b="1" baseline="0" dirty="0">
+                          <a:solidFill>
+                            <a:srgbClr val="00B050"/>
+                          </a:solidFill>
+                          <a:latin typeface="Courier New" panose="02070309020205020404" pitchFamily="49" charset="0"/>
+                          <a:cs typeface="Courier New" panose="02070309020205020404" pitchFamily="49" charset="0"/>
+                        </a:rPr>
+                        <a:t>half</a:t>
+                      </a:r>
+                      <a:r>
+                        <a:rPr lang="pt-BR" sz="1600" b="1" baseline="0" dirty="0">
+                          <a:solidFill>
+                            <a:schemeClr val="tx1"/>
+                          </a:solidFill>
+                          <a:latin typeface="Courier New" panose="02070309020205020404" pitchFamily="49" charset="0"/>
+                          <a:cs typeface="Courier New" panose="02070309020205020404" pitchFamily="49" charset="0"/>
+                        </a:rPr>
+                        <a:t>', '</a:t>
+                      </a:r>
+                      <a:r>
+                        <a:rPr lang="pt-BR" sz="1600" b="1" baseline="0" dirty="0">
+                          <a:solidFill>
+                            <a:srgbClr val="00B050"/>
+                          </a:solidFill>
+                          <a:latin typeface="Courier New" panose="02070309020205020404" pitchFamily="49" charset="0"/>
+                          <a:cs typeface="Courier New" panose="02070309020205020404" pitchFamily="49" charset="0"/>
+                        </a:rPr>
+                        <a:t>float</a:t>
+                      </a:r>
+                      <a:r>
+                        <a:rPr lang="pt-BR" sz="1600" b="1" baseline="0" dirty="0">
+                          <a:solidFill>
+                            <a:schemeClr val="tx1"/>
+                          </a:solidFill>
+                          <a:latin typeface="Courier New" panose="02070309020205020404" pitchFamily="49" charset="0"/>
+                          <a:cs typeface="Courier New" panose="02070309020205020404" pitchFamily="49" charset="0"/>
+                        </a:rPr>
+                        <a:t>', '</a:t>
+                      </a:r>
+                      <a:r>
+                        <a:rPr lang="pt-BR" sz="1600" b="1" baseline="0" dirty="0">
+                          <a:solidFill>
+                            <a:srgbClr val="00B050"/>
+                          </a:solidFill>
+                          <a:latin typeface="Courier New" panose="02070309020205020404" pitchFamily="49" charset="0"/>
+                          <a:cs typeface="Courier New" panose="02070309020205020404" pitchFamily="49" charset="0"/>
+                        </a:rPr>
+                        <a:t>single</a:t>
+                      </a:r>
+                      <a:r>
+                        <a:rPr lang="pt-BR" sz="1600" b="1" baseline="0" dirty="0">
+                          <a:solidFill>
+                            <a:schemeClr val="tx1"/>
+                          </a:solidFill>
+                          <a:latin typeface="Courier New" panose="02070309020205020404" pitchFamily="49" charset="0"/>
+                          <a:cs typeface="Courier New" panose="02070309020205020404" pitchFamily="49" charset="0"/>
+                        </a:rPr>
+                        <a:t>', '</a:t>
+                      </a:r>
+                      <a:r>
+                        <a:rPr lang="pt-BR" sz="1600" b="1" baseline="0" dirty="0">
+                          <a:solidFill>
+                            <a:srgbClr val="00B050"/>
+                          </a:solidFill>
+                          <a:latin typeface="Courier New" panose="02070309020205020404" pitchFamily="49" charset="0"/>
+                          <a:cs typeface="Courier New" panose="02070309020205020404" pitchFamily="49" charset="0"/>
+                        </a:rPr>
+                        <a:t>double</a:t>
+                      </a:r>
+                      <a:r>
+                        <a:rPr lang="pt-BR" sz="1600" b="1" baseline="0" dirty="0">
+                          <a:solidFill>
+                            <a:schemeClr val="tx1"/>
+                          </a:solidFill>
+                          <a:latin typeface="Courier New" panose="02070309020205020404" pitchFamily="49" charset="0"/>
+                          <a:cs typeface="Courier New" panose="02070309020205020404" pitchFamily="49" charset="0"/>
+                        </a:rPr>
+                        <a:t>', '</a:t>
+                      </a:r>
+                      <a:r>
+                        <a:rPr lang="pt-BR" sz="1600" b="1" baseline="0" dirty="0">
+                          <a:solidFill>
+                            <a:srgbClr val="00B050"/>
+                          </a:solidFill>
+                          <a:latin typeface="Courier New" panose="02070309020205020404" pitchFamily="49" charset="0"/>
+                          <a:cs typeface="Courier New" panose="02070309020205020404" pitchFamily="49" charset="0"/>
+                        </a:rPr>
+                        <a:t>longdouble</a:t>
+                      </a:r>
+                      <a:r>
+                        <a:rPr lang="pt-BR" sz="1600" b="1" baseline="0" dirty="0">
+                          <a:solidFill>
+                            <a:schemeClr val="tx1"/>
+                          </a:solidFill>
+                          <a:latin typeface="Courier New" panose="02070309020205020404" pitchFamily="49" charset="0"/>
+                          <a:cs typeface="Courier New" panose="02070309020205020404" pitchFamily="49" charset="0"/>
+                        </a:rPr>
+                        <a:t>', '</a:t>
+                      </a:r>
+                      <a:r>
+                        <a:rPr lang="pt-BR" sz="1600" b="1" baseline="0" dirty="0">
+                          <a:solidFill>
+                            <a:srgbClr val="00B050"/>
+                          </a:solidFill>
+                          <a:latin typeface="Courier New" panose="02070309020205020404" pitchFamily="49" charset="0"/>
+                          <a:cs typeface="Courier New" panose="02070309020205020404" pitchFamily="49" charset="0"/>
+                        </a:rPr>
+                        <a:t>float32</a:t>
+                      </a:r>
+                      <a:r>
+                        <a:rPr lang="pt-BR" sz="1600" b="1" baseline="0" dirty="0">
+                          <a:solidFill>
+                            <a:schemeClr val="tx1"/>
+                          </a:solidFill>
+                          <a:latin typeface="Courier New" panose="02070309020205020404" pitchFamily="49" charset="0"/>
+                          <a:cs typeface="Courier New" panose="02070309020205020404" pitchFamily="49" charset="0"/>
+                        </a:rPr>
+                        <a:t>', '</a:t>
+                      </a:r>
+                      <a:r>
+                        <a:rPr lang="pt-BR" sz="1600" b="1" baseline="0" dirty="0">
+                          <a:solidFill>
+                            <a:srgbClr val="00B050"/>
+                          </a:solidFill>
+                          <a:latin typeface="Courier New" panose="02070309020205020404" pitchFamily="49" charset="0"/>
+                          <a:cs typeface="Courier New" panose="02070309020205020404" pitchFamily="49" charset="0"/>
+                        </a:rPr>
+                        <a:t>float64</a:t>
+                      </a:r>
+                      <a:r>
+                        <a:rPr lang="pt-BR" sz="1600" b="1" baseline="0" dirty="0">
+                          <a:solidFill>
+                            <a:schemeClr val="tx1"/>
+                          </a:solidFill>
+                          <a:latin typeface="Courier New" panose="02070309020205020404" pitchFamily="49" charset="0"/>
+                          <a:cs typeface="Courier New" panose="02070309020205020404" pitchFamily="49" charset="0"/>
+                        </a:rPr>
+                        <a:t>']:</a:t>
+                      </a:r>
+                    </a:p>
+                    <a:p>
+                      <a:pPr marL="265113" indent="0">
+                        <a:buClr>
+                          <a:srgbClr val="C00000"/>
+                        </a:buClr>
+                        <a:buSzPct val="100000"/>
+                        <a:buFontTx/>
+                        <a:buNone/>
+                      </a:pPr>
+                      <a:r>
+                        <a:rPr lang="pt-BR" sz="1600" b="1" baseline="0" dirty="0">
+                          <a:solidFill>
+                            <a:schemeClr val="tx1"/>
+                          </a:solidFill>
+                          <a:latin typeface="Courier New" panose="02070309020205020404" pitchFamily="49" charset="0"/>
+                          <a:cs typeface="Courier New" panose="02070309020205020404" pitchFamily="49" charset="0"/>
+                        </a:rPr>
+                        <a:t>  x = </a:t>
+                      </a:r>
+                      <a:r>
+                        <a:rPr lang="pt-BR" sz="1600" b="1" baseline="0" dirty="0">
+                          <a:solidFill>
+                            <a:schemeClr val="accent1">
+                              <a:lumMod val="50000"/>
+                            </a:schemeClr>
+                          </a:solidFill>
+                          <a:latin typeface="Courier New" panose="02070309020205020404" pitchFamily="49" charset="0"/>
+                          <a:cs typeface="Courier New" panose="02070309020205020404" pitchFamily="49" charset="0"/>
+                        </a:rPr>
+                        <a:t>np</a:t>
+                      </a:r>
+                      <a:r>
+                        <a:rPr lang="pt-BR" sz="1600" b="1" baseline="0" dirty="0">
+                          <a:solidFill>
+                            <a:schemeClr val="tx1"/>
+                          </a:solidFill>
+                          <a:latin typeface="Courier New" panose="02070309020205020404" pitchFamily="49" charset="0"/>
+                          <a:cs typeface="Courier New" panose="02070309020205020404" pitchFamily="49" charset="0"/>
+                        </a:rPr>
+                        <a:t>.array([1], </a:t>
+                      </a:r>
+                      <a:r>
+                        <a:rPr lang="pt-BR" sz="1600" b="1" baseline="0" dirty="0">
+                          <a:solidFill>
+                            <a:srgbClr val="00B050"/>
+                          </a:solidFill>
+                          <a:latin typeface="Courier New" panose="02070309020205020404" pitchFamily="49" charset="0"/>
+                          <a:cs typeface="Courier New" panose="02070309020205020404" pitchFamily="49" charset="0"/>
+                        </a:rPr>
+                        <a:t>dtype=data_type</a:t>
+                      </a:r>
+                      <a:r>
+                        <a:rPr lang="pt-BR" sz="1600" b="1" baseline="0" dirty="0">
+                          <a:solidFill>
+                            <a:schemeClr val="tx1"/>
+                          </a:solidFill>
+                          <a:latin typeface="Courier New" panose="02070309020205020404" pitchFamily="49" charset="0"/>
+                          <a:cs typeface="Courier New" panose="02070309020205020404" pitchFamily="49" charset="0"/>
+                        </a:rPr>
+                        <a:t>)</a:t>
+                      </a:r>
+                    </a:p>
+                    <a:p>
+                      <a:pPr marL="265113" indent="0">
+                        <a:buClr>
+                          <a:srgbClr val="C00000"/>
+                        </a:buClr>
+                        <a:buSzPct val="100000"/>
+                        <a:buFontTx/>
+                        <a:buNone/>
+                      </a:pPr>
+                      <a:r>
+                        <a:rPr lang="pt-BR" sz="1600" b="1" baseline="0" dirty="0">
+                          <a:solidFill>
+                            <a:schemeClr val="tx1"/>
+                          </a:solidFill>
+                          <a:latin typeface="Courier New" panose="02070309020205020404" pitchFamily="49" charset="0"/>
+                          <a:cs typeface="Courier New" panose="02070309020205020404" pitchFamily="49" charset="0"/>
+                        </a:rPr>
+                        <a:t>  for i in range(100):</a:t>
+                      </a:r>
+                    </a:p>
+                    <a:p>
+                      <a:pPr marL="265113" indent="0">
+                        <a:buClr>
+                          <a:srgbClr val="C00000"/>
+                        </a:buClr>
+                        <a:buSzPct val="100000"/>
+                        <a:buFontTx/>
+                        <a:buNone/>
+                      </a:pPr>
+                      <a:r>
+                        <a:rPr lang="pt-BR" sz="1600" b="1" baseline="0" dirty="0">
+                          <a:solidFill>
+                            <a:schemeClr val="tx1"/>
+                          </a:solidFill>
+                          <a:latin typeface="Courier New" panose="02070309020205020404" pitchFamily="49" charset="0"/>
+                          <a:cs typeface="Courier New" panose="02070309020205020404" pitchFamily="49" charset="0"/>
+                        </a:rPr>
+                        <a:t>    if x == </a:t>
+                      </a:r>
+                      <a:r>
+                        <a:rPr lang="pt-BR" sz="1600" b="1" baseline="0" dirty="0">
+                          <a:solidFill>
+                            <a:srgbClr val="C00000"/>
+                          </a:solidFill>
+                          <a:latin typeface="Courier New" panose="02070309020205020404" pitchFamily="49" charset="0"/>
+                          <a:cs typeface="Courier New" panose="02070309020205020404" pitchFamily="49" charset="0"/>
+                        </a:rPr>
+                        <a:t>x + (x / 2) ** i</a:t>
+                      </a:r>
+                      <a:r>
+                        <a:rPr lang="pt-BR" sz="1600" b="1" baseline="0" dirty="0">
+                          <a:solidFill>
+                            <a:schemeClr val="tx1"/>
+                          </a:solidFill>
+                          <a:latin typeface="Courier New" panose="02070309020205020404" pitchFamily="49" charset="0"/>
+                          <a:cs typeface="Courier New" panose="02070309020205020404" pitchFamily="49" charset="0"/>
+                        </a:rPr>
+                        <a:t>:</a:t>
+                      </a:r>
+                    </a:p>
+                    <a:p>
+                      <a:pPr marL="265113" indent="0">
+                        <a:buClr>
+                          <a:srgbClr val="C00000"/>
+                        </a:buClr>
+                        <a:buSzPct val="100000"/>
+                        <a:buFontTx/>
+                        <a:buNone/>
+                      </a:pPr>
+                      <a:r>
+                        <a:rPr lang="pt-BR" sz="1600" b="1" baseline="0" dirty="0">
+                          <a:solidFill>
+                            <a:schemeClr val="tx1"/>
+                          </a:solidFill>
+                          <a:latin typeface="Courier New" panose="02070309020205020404" pitchFamily="49" charset="0"/>
+                          <a:cs typeface="Courier New" panose="02070309020205020404" pitchFamily="49" charset="0"/>
+                        </a:rPr>
+                        <a:t>      break</a:t>
+                      </a:r>
+                    </a:p>
+                    <a:p>
+                      <a:pPr marL="265113" indent="0">
+                        <a:buClr>
+                          <a:srgbClr val="C00000"/>
+                        </a:buClr>
+                        <a:buSzPct val="100000"/>
+                        <a:buFontTx/>
+                        <a:buNone/>
+                      </a:pPr>
+                      <a:r>
+                        <a:rPr lang="pt-BR" sz="1600" b="1" baseline="0" dirty="0">
+                          <a:solidFill>
+                            <a:schemeClr val="tx1"/>
+                          </a:solidFill>
+                          <a:latin typeface="Courier New" panose="02070309020205020404" pitchFamily="49" charset="0"/>
+                          <a:cs typeface="Courier New" panose="02070309020205020404" pitchFamily="49" charset="0"/>
+                        </a:rPr>
+                        <a:t>  print(</a:t>
+                      </a:r>
+                      <a:r>
+                        <a:rPr lang="pt-BR" sz="1600" b="1" baseline="0" dirty="0">
+                          <a:solidFill>
+                            <a:srgbClr val="00B050"/>
+                          </a:solidFill>
+                          <a:latin typeface="Courier New" panose="02070309020205020404" pitchFamily="49" charset="0"/>
+                          <a:cs typeface="Courier New" panose="02070309020205020404" pitchFamily="49" charset="0"/>
+                        </a:rPr>
+                        <a:t>data_type</a:t>
+                      </a:r>
+                      <a:r>
+                        <a:rPr lang="pt-BR" sz="1600" b="1" baseline="0" dirty="0">
+                          <a:solidFill>
+                            <a:schemeClr val="tx1"/>
+                          </a:solidFill>
+                          <a:latin typeface="Courier New" panose="02070309020205020404" pitchFamily="49" charset="0"/>
+                          <a:cs typeface="Courier New" panose="02070309020205020404" pitchFamily="49" charset="0"/>
+                        </a:rPr>
+                        <a:t>, i - 1, 'bits mantissa')</a:t>
+                      </a:r>
+                      <a:endParaRPr lang="en-US" sz="1600" b="1" baseline="0" dirty="0">
+                        <a:solidFill>
+                          <a:schemeClr val="tx1"/>
+                        </a:solidFill>
+                        <a:latin typeface="Courier New" panose="02070309020205020404" pitchFamily="49" charset="0"/>
+                        <a:cs typeface="Courier New" panose="02070309020205020404" pitchFamily="49" charset="0"/>
+                      </a:endParaRPr>
+                    </a:p>
+                    <a:p>
+                      <a:pPr marL="266700" indent="-266700">
+                        <a:buClr>
+                          <a:schemeClr val="accent1">
+                            <a:lumMod val="50000"/>
+                          </a:schemeClr>
+                        </a:buClr>
+                        <a:buSzPct val="120000"/>
+                        <a:buFont typeface="Courier New" panose="02070309020205020404" pitchFamily="49" charset="0"/>
+                        <a:buChar char="|"/>
+                      </a:pPr>
+                      <a:r>
+                        <a:rPr lang="pt-BR" sz="1600" b="1" baseline="0" dirty="0">
+                          <a:solidFill>
+                            <a:srgbClr val="00B050"/>
+                          </a:solidFill>
+                          <a:latin typeface="Courier New" panose="02070309020205020404" pitchFamily="49" charset="0"/>
+                          <a:cs typeface="Courier New" panose="02070309020205020404" pitchFamily="49" charset="0"/>
+                        </a:rPr>
+                        <a:t>half</a:t>
+                      </a:r>
+                      <a:r>
+                        <a:rPr lang="pt-BR" sz="1600" b="1" baseline="0" dirty="0">
+                          <a:solidFill>
+                            <a:schemeClr val="tx1"/>
+                          </a:solidFill>
+                          <a:latin typeface="Courier New" panose="02070309020205020404" pitchFamily="49" charset="0"/>
+                          <a:cs typeface="Courier New" panose="02070309020205020404" pitchFamily="49" charset="0"/>
+                        </a:rPr>
+                        <a:t> 10 bits mantissa</a:t>
+                      </a:r>
+                    </a:p>
+                    <a:p>
+                      <a:pPr marL="266700" indent="-266700">
+                        <a:buClr>
+                          <a:schemeClr val="accent1">
+                            <a:lumMod val="50000"/>
+                          </a:schemeClr>
+                        </a:buClr>
+                        <a:buSzPct val="120000"/>
+                        <a:buFont typeface="Courier New" panose="02070309020205020404" pitchFamily="49" charset="0"/>
+                        <a:buChar char="|"/>
+                      </a:pPr>
+                      <a:r>
+                        <a:rPr lang="pt-BR" sz="1600" b="1" baseline="0" dirty="0">
+                          <a:solidFill>
+                            <a:srgbClr val="00B050"/>
+                          </a:solidFill>
+                          <a:latin typeface="Courier New" panose="02070309020205020404" pitchFamily="49" charset="0"/>
+                          <a:cs typeface="Courier New" panose="02070309020205020404" pitchFamily="49" charset="0"/>
+                        </a:rPr>
+                        <a:t>float</a:t>
+                      </a:r>
+                      <a:r>
+                        <a:rPr lang="pt-BR" sz="1600" b="1" baseline="0" dirty="0">
+                          <a:solidFill>
+                            <a:schemeClr val="tx1"/>
+                          </a:solidFill>
+                          <a:latin typeface="Courier New" panose="02070309020205020404" pitchFamily="49" charset="0"/>
+                          <a:cs typeface="Courier New" panose="02070309020205020404" pitchFamily="49" charset="0"/>
+                        </a:rPr>
+                        <a:t> 52 bits mantissa</a:t>
+                      </a:r>
+                    </a:p>
+                    <a:p>
+                      <a:pPr marL="266700" indent="-266700">
+                        <a:buClr>
+                          <a:schemeClr val="accent1">
+                            <a:lumMod val="50000"/>
+                          </a:schemeClr>
+                        </a:buClr>
+                        <a:buSzPct val="120000"/>
+                        <a:buFont typeface="Courier New" panose="02070309020205020404" pitchFamily="49" charset="0"/>
+                        <a:buChar char="|"/>
+                      </a:pPr>
+                      <a:r>
+                        <a:rPr lang="pt-BR" sz="1600" b="1" baseline="0" dirty="0">
+                          <a:solidFill>
+                            <a:srgbClr val="00B050"/>
+                          </a:solidFill>
+                          <a:latin typeface="Courier New" panose="02070309020205020404" pitchFamily="49" charset="0"/>
+                          <a:cs typeface="Courier New" panose="02070309020205020404" pitchFamily="49" charset="0"/>
+                        </a:rPr>
+                        <a:t>single</a:t>
+                      </a:r>
+                      <a:r>
+                        <a:rPr lang="pt-BR" sz="1600" b="1" baseline="0" dirty="0">
+                          <a:solidFill>
+                            <a:schemeClr val="tx1"/>
+                          </a:solidFill>
+                          <a:latin typeface="Courier New" panose="02070309020205020404" pitchFamily="49" charset="0"/>
+                          <a:cs typeface="Courier New" panose="02070309020205020404" pitchFamily="49" charset="0"/>
+                        </a:rPr>
+                        <a:t> 23 bits mantissa</a:t>
+                      </a:r>
+                    </a:p>
+                    <a:p>
+                      <a:pPr marL="266700" indent="-266700">
+                        <a:buClr>
+                          <a:schemeClr val="accent1">
+                            <a:lumMod val="50000"/>
+                          </a:schemeClr>
+                        </a:buClr>
+                        <a:buSzPct val="120000"/>
+                        <a:buFont typeface="Courier New" panose="02070309020205020404" pitchFamily="49" charset="0"/>
+                        <a:buChar char="|"/>
+                      </a:pPr>
+                      <a:r>
+                        <a:rPr lang="pt-BR" sz="1600" b="1" baseline="0" dirty="0">
+                          <a:solidFill>
+                            <a:srgbClr val="00B050"/>
+                          </a:solidFill>
+                          <a:latin typeface="Courier New" panose="02070309020205020404" pitchFamily="49" charset="0"/>
+                          <a:cs typeface="Courier New" panose="02070309020205020404" pitchFamily="49" charset="0"/>
+                        </a:rPr>
+                        <a:t>double</a:t>
+                      </a:r>
+                      <a:r>
+                        <a:rPr lang="pt-BR" sz="1600" b="1" baseline="0" dirty="0">
+                          <a:solidFill>
+                            <a:schemeClr val="tx1"/>
+                          </a:solidFill>
+                          <a:latin typeface="Courier New" panose="02070309020205020404" pitchFamily="49" charset="0"/>
+                          <a:cs typeface="Courier New" panose="02070309020205020404" pitchFamily="49" charset="0"/>
+                        </a:rPr>
+                        <a:t> 52 bits mantissa</a:t>
+                      </a:r>
+                    </a:p>
+                    <a:p>
+                      <a:pPr marL="266700" indent="-266700">
+                        <a:buClr>
+                          <a:schemeClr val="accent1">
+                            <a:lumMod val="50000"/>
+                          </a:schemeClr>
+                        </a:buClr>
+                        <a:buSzPct val="120000"/>
+                        <a:buFont typeface="Courier New" panose="02070309020205020404" pitchFamily="49" charset="0"/>
+                        <a:buChar char="|"/>
+                      </a:pPr>
+                      <a:r>
+                        <a:rPr lang="pt-BR" sz="1600" b="1" baseline="0" dirty="0">
+                          <a:solidFill>
+                            <a:srgbClr val="00B050"/>
+                          </a:solidFill>
+                          <a:latin typeface="Courier New" panose="02070309020205020404" pitchFamily="49" charset="0"/>
+                          <a:cs typeface="Courier New" panose="02070309020205020404" pitchFamily="49" charset="0"/>
+                        </a:rPr>
+                        <a:t>longdouble</a:t>
+                      </a:r>
+                      <a:r>
+                        <a:rPr lang="pt-BR" sz="1600" b="1" baseline="0" dirty="0">
+                          <a:solidFill>
+                            <a:schemeClr val="tx1"/>
+                          </a:solidFill>
+                          <a:latin typeface="Courier New" panose="02070309020205020404" pitchFamily="49" charset="0"/>
+                          <a:cs typeface="Courier New" panose="02070309020205020404" pitchFamily="49" charset="0"/>
+                        </a:rPr>
+                        <a:t> 52 bits mantissa</a:t>
+                      </a:r>
+                    </a:p>
+                    <a:p>
+                      <a:pPr marL="266700" indent="-266700">
+                        <a:buClr>
+                          <a:schemeClr val="accent1">
+                            <a:lumMod val="50000"/>
+                          </a:schemeClr>
+                        </a:buClr>
+                        <a:buSzPct val="120000"/>
+                        <a:buFont typeface="Courier New" panose="02070309020205020404" pitchFamily="49" charset="0"/>
+                        <a:buChar char="|"/>
+                      </a:pPr>
+                      <a:r>
+                        <a:rPr lang="pt-BR" sz="1600" b="1" baseline="0" dirty="0">
+                          <a:solidFill>
+                            <a:srgbClr val="00B050"/>
+                          </a:solidFill>
+                          <a:latin typeface="Courier New" panose="02070309020205020404" pitchFamily="49" charset="0"/>
+                          <a:cs typeface="Courier New" panose="02070309020205020404" pitchFamily="49" charset="0"/>
+                        </a:rPr>
+                        <a:t>float32</a:t>
+                      </a:r>
+                      <a:r>
+                        <a:rPr lang="pt-BR" sz="1600" b="1" baseline="0" dirty="0">
+                          <a:solidFill>
+                            <a:schemeClr val="tx1"/>
+                          </a:solidFill>
+                          <a:latin typeface="Courier New" panose="02070309020205020404" pitchFamily="49" charset="0"/>
+                          <a:cs typeface="Courier New" panose="02070309020205020404" pitchFamily="49" charset="0"/>
+                        </a:rPr>
+                        <a:t> 23 bits mantissa            </a:t>
+                      </a:r>
+                      <a:r>
+                        <a:rPr lang="pt-BR" sz="1600" b="1" baseline="0" dirty="0">
+                          <a:solidFill>
+                            <a:schemeClr val="bg1">
+                              <a:lumMod val="50000"/>
+                            </a:schemeClr>
+                          </a:solidFill>
+                          <a:latin typeface="Courier New" panose="02070309020205020404" pitchFamily="49" charset="0"/>
+                          <a:cs typeface="Courier New" panose="02070309020205020404" pitchFamily="49" charset="0"/>
+                        </a:rPr>
+                        <a:t># platform independent</a:t>
+                      </a:r>
+                    </a:p>
+                    <a:p>
+                      <a:pPr marL="266700" indent="-266700">
+                        <a:buClr>
+                          <a:schemeClr val="accent1">
+                            <a:lumMod val="50000"/>
+                          </a:schemeClr>
+                        </a:buClr>
+                        <a:buSzPct val="120000"/>
+                        <a:buFont typeface="Courier New" panose="02070309020205020404" pitchFamily="49" charset="0"/>
+                        <a:buChar char="|"/>
+                      </a:pPr>
+                      <a:r>
+                        <a:rPr lang="pt-BR" sz="1600" b="1" baseline="0" dirty="0">
+                          <a:solidFill>
+                            <a:srgbClr val="00B050"/>
+                          </a:solidFill>
+                          <a:latin typeface="Courier New" panose="02070309020205020404" pitchFamily="49" charset="0"/>
+                          <a:cs typeface="Courier New" panose="02070309020205020404" pitchFamily="49" charset="0"/>
+                        </a:rPr>
+                        <a:t>float64</a:t>
+                      </a:r>
+                      <a:r>
+                        <a:rPr lang="pt-BR" sz="1600" b="1" baseline="0" dirty="0">
+                          <a:solidFill>
+                            <a:schemeClr val="tx1"/>
+                          </a:solidFill>
+                          <a:latin typeface="Courier New" panose="02070309020205020404" pitchFamily="49" charset="0"/>
+                          <a:cs typeface="Courier New" panose="02070309020205020404" pitchFamily="49" charset="0"/>
+                        </a:rPr>
+                        <a:t> 52 bits mantissa            </a:t>
+                      </a:r>
+                      <a:r>
+                        <a:rPr lang="pt-BR" sz="1600" b="1" baseline="0" dirty="0">
+                          <a:solidFill>
+                            <a:schemeClr val="bg1">
+                              <a:lumMod val="50000"/>
+                            </a:schemeClr>
+                          </a:solidFill>
+                          <a:latin typeface="Courier New" panose="02070309020205020404" pitchFamily="49" charset="0"/>
+                          <a:cs typeface="Courier New" panose="02070309020205020404" pitchFamily="49" charset="0"/>
+                        </a:rPr>
+                        <a:t># platform independent</a:t>
+                      </a:r>
+                      <a:endParaRPr lang="pt-BR" sz="1600" b="1" baseline="0" dirty="0">
+                        <a:solidFill>
+                          <a:schemeClr val="tx1"/>
+                        </a:solidFill>
+                        <a:latin typeface="Courier New" panose="02070309020205020404" pitchFamily="49" charset="0"/>
+                        <a:cs typeface="Courier New" panose="02070309020205020404" pitchFamily="49" charset="0"/>
+                      </a:endParaRPr>
+                    </a:p>
+                  </a:txBody>
+                  <a:tcPr>
+                    <a:lnL w="6350" cap="flat" cmpd="sng" algn="ctr">
+                      <a:solidFill>
+                        <a:schemeClr val="tx1"/>
+                      </a:solidFill>
+                      <a:prstDash val="solid"/>
+                      <a:round/>
+                      <a:headEnd type="none" w="med" len="med"/>
+                      <a:tailEnd type="none" w="med" len="med"/>
+                    </a:lnL>
+                    <a:lnR w="6350" cap="flat" cmpd="sng" algn="ctr">
+                      <a:solidFill>
+                        <a:schemeClr val="tx1"/>
+                      </a:solidFill>
+                      <a:prstDash val="solid"/>
+                      <a:round/>
+                      <a:headEnd type="none" w="med" len="med"/>
+                      <a:tailEnd type="none" w="med" len="med"/>
+                    </a:lnR>
+                    <a:lnT w="6350" cap="flat" cmpd="sng" algn="ctr">
+                      <a:solidFill>
+                        <a:schemeClr val="tx1"/>
+                      </a:solidFill>
+                      <a:prstDash val="solid"/>
+                      <a:round/>
+                      <a:headEnd type="none" w="med" len="med"/>
+                      <a:tailEnd type="none" w="med" len="med"/>
+                    </a:lnT>
+                    <a:lnB w="6350" cap="flat" cmpd="sng" algn="ctr">
+                      <a:solidFill>
+                        <a:schemeClr val="tx1"/>
+                      </a:solidFill>
+                      <a:prstDash val="solid"/>
+                      <a:round/>
+                      <a:headEnd type="none" w="med" len="med"/>
+                      <a:tailEnd type="none" w="med" len="med"/>
+                    </a:lnB>
+                    <a:lnTlToBr w="12700" cmpd="sng">
+                      <a:noFill/>
+                      <a:prstDash val="solid"/>
+                    </a:lnTlToBr>
+                    <a:lnBlToTr w="12700" cmpd="sng">
+                      <a:noFill/>
+                      <a:prstDash val="solid"/>
+                    </a:lnBlToTr>
+                    <a:solidFill>
+                      <a:schemeClr val="accent5">
+                        <a:lumMod val="20000"/>
+                        <a:lumOff val="80000"/>
+                      </a:schemeClr>
+                    </a:solidFill>
+                  </a:tcPr>
+                </a:tc>
+                <a:extLst>
+                  <a:ext uri="{0D108BD9-81ED-4DB2-BD59-A6C34878D82A}">
+                    <a16:rowId xmlns:a16="http://schemas.microsoft.com/office/drawing/2014/main" val="4112970457"/>
+                  </a:ext>
+                </a:extLst>
+              </a:tr>
+            </a:tbl>
+          </a:graphicData>
+        </a:graphic>
+      </p:graphicFrame>
+      <p:sp>
+        <p:nvSpPr>
+          <p:cNvPr id="2" name="Title 1"/>
+          <p:cNvSpPr>
+            <a:spLocks noGrp="1"/>
+          </p:cNvSpPr>
+          <p:nvPr>
+            <p:ph type="title"/>
+          </p:nvPr>
+        </p:nvSpPr>
+        <p:spPr>
+          <a:xfrm>
+            <a:off x="600696" y="103869"/>
+            <a:ext cx="10515600" cy="1325563"/>
+          </a:xfrm>
+        </p:spPr>
+        <p:txBody>
+          <a:bodyPr/>
+          <a:lstStyle/>
+          <a:p>
+            <a:r>
+              <a:rPr lang="da-DK" dirty="0" err="1"/>
+              <a:t>Mantissa</a:t>
+            </a:r>
+            <a:r>
+              <a:rPr lang="da-DK" dirty="0"/>
+              <a:t> </a:t>
+            </a:r>
+            <a:r>
+              <a:rPr lang="da-DK" dirty="0" err="1"/>
+              <a:t>size</a:t>
+            </a:r>
+            <a:r>
+              <a:rPr lang="da-DK" dirty="0"/>
+              <a:t> in </a:t>
+            </a:r>
+            <a:r>
+              <a:rPr lang="da-DK" dirty="0" err="1"/>
+              <a:t>various</a:t>
+            </a:r>
+            <a:r>
+              <a:rPr lang="da-DK" dirty="0"/>
+              <a:t> </a:t>
+            </a:r>
+            <a:r>
+              <a:rPr lang="da-DK" dirty="0" err="1"/>
+              <a:t>numpy</a:t>
+            </a:r>
+            <a:r>
+              <a:rPr lang="da-DK" dirty="0"/>
+              <a:t> </a:t>
+            </a:r>
+            <a:r>
+              <a:rPr lang="da-DK" dirty="0" err="1"/>
+              <a:t>floats</a:t>
+            </a:r>
+            <a:r>
+              <a:rPr lang="da-DK" dirty="0"/>
+              <a:t> </a:t>
+            </a:r>
+            <a:endParaRPr lang="en-US" dirty="0"/>
+          </a:p>
+        </p:txBody>
+      </p:sp>
+      <p:sp>
+        <p:nvSpPr>
+          <p:cNvPr id="7" name="Rectangle 6"/>
+          <p:cNvSpPr/>
+          <p:nvPr/>
+        </p:nvSpPr>
+        <p:spPr>
+          <a:xfrm>
+            <a:off x="3567640" y="6458999"/>
+            <a:ext cx="8566485" cy="369332"/>
+          </a:xfrm>
+          <a:prstGeom prst="rect">
+            <a:avLst/>
+          </a:prstGeom>
+        </p:spPr>
+        <p:txBody>
+          <a:bodyPr wrap="square">
+            <a:spAutoFit/>
+          </a:bodyPr>
+          <a:lstStyle/>
+          <a:p>
+            <a:pPr algn="r"/>
+            <a:r>
+              <a:rPr lang="en-US" dirty="0">
+                <a:hlinkClick r:id="rId3"/>
+              </a:rPr>
+              <a:t>docs.scipy.org/doc/numpy-1.13.0/user/basics.types.html</a:t>
+            </a:r>
+            <a:endParaRPr lang="en-US" dirty="0"/>
+          </a:p>
+        </p:txBody>
+      </p:sp>
+      <p:grpSp>
+        <p:nvGrpSpPr>
+          <p:cNvPr id="12" name="Group 11"/>
+          <p:cNvGrpSpPr/>
+          <p:nvPr/>
+        </p:nvGrpSpPr>
+        <p:grpSpPr>
+          <a:xfrm>
+            <a:off x="8061015" y="3291663"/>
+            <a:ext cx="1934210" cy="923330"/>
+            <a:chOff x="6414052" y="2736539"/>
+            <a:chExt cx="1934210" cy="923330"/>
+          </a:xfrm>
+        </p:grpSpPr>
+        <p:sp>
+          <p:nvSpPr>
+            <p:cNvPr id="3" name="TextBox 2"/>
+            <p:cNvSpPr txBox="1"/>
+            <p:nvPr/>
+          </p:nvSpPr>
+          <p:spPr>
+            <a:xfrm>
+              <a:off x="6414052" y="2736539"/>
+              <a:ext cx="1934210" cy="923330"/>
+            </a:xfrm>
+            <a:prstGeom prst="rect">
+              <a:avLst/>
+            </a:prstGeom>
+            <a:solidFill>
+              <a:schemeClr val="bg1">
+                <a:lumMod val="85000"/>
+              </a:schemeClr>
+            </a:solidFill>
+            <a:ln>
+              <a:solidFill>
+                <a:schemeClr val="tx1"/>
+              </a:solidFill>
+            </a:ln>
+          </p:spPr>
+          <p:txBody>
+            <a:bodyPr wrap="square" tIns="0" bIns="0" rtlCol="0">
+              <a:spAutoFit/>
+            </a:bodyPr>
+            <a:lstStyle/>
+            <a:p>
+              <a:pPr>
+                <a:lnSpc>
+                  <a:spcPts val="2400"/>
+                </a:lnSpc>
+                <a:spcBef>
+                  <a:spcPts val="600"/>
+                </a:spcBef>
+              </a:pPr>
+              <a:r>
+                <a:rPr lang="en-US" dirty="0">
+                  <a:solidFill>
+                    <a:srgbClr val="C00000"/>
+                  </a:solidFill>
+                  <a:cs typeface="Courier New" panose="02070309020205020404" pitchFamily="49" charset="0"/>
+                </a:rPr>
+                <a:t>          mantissa</a:t>
+              </a:r>
+            </a:p>
+            <a:p>
+              <a:pPr>
+                <a:lnSpc>
+                  <a:spcPts val="2400"/>
+                </a:lnSpc>
+              </a:pPr>
+              <a:r>
+                <a:rPr lang="en-US" b="1" dirty="0">
+                  <a:solidFill>
+                    <a:srgbClr val="C00000"/>
+                  </a:solidFill>
+                  <a:latin typeface="Courier New" panose="02070309020205020404" pitchFamily="49" charset="0"/>
+                  <a:cs typeface="Courier New" panose="02070309020205020404" pitchFamily="49" charset="0"/>
+                </a:rPr>
+                <a:t>1.0000100000</a:t>
+              </a:r>
+              <a:r>
+                <a:rPr lang="en-US" b="1" baseline="-25000" dirty="0">
+                  <a:solidFill>
+                    <a:srgbClr val="C00000"/>
+                  </a:solidFill>
+                  <a:latin typeface="Courier New" panose="02070309020205020404" pitchFamily="49" charset="0"/>
+                  <a:cs typeface="Courier New" panose="02070309020205020404" pitchFamily="49" charset="0"/>
+                </a:rPr>
+                <a:t>2</a:t>
+              </a:r>
+            </a:p>
+            <a:p>
+              <a:pPr>
+                <a:lnSpc>
+                  <a:spcPts val="2400"/>
+                </a:lnSpc>
+              </a:pPr>
+              <a:r>
+                <a:rPr lang="en-US" b="1" dirty="0">
+                  <a:solidFill>
+                    <a:srgbClr val="C00000"/>
+                  </a:solidFill>
+                  <a:latin typeface="Courier New" panose="02070309020205020404" pitchFamily="49" charset="0"/>
+                  <a:cs typeface="Courier New" panose="02070309020205020404" pitchFamily="49" charset="0"/>
+                </a:rPr>
+                <a:t>    i</a:t>
+              </a:r>
+            </a:p>
+          </p:txBody>
+        </p:sp>
+        <p:sp>
+          <p:nvSpPr>
+            <p:cNvPr id="10" name="Left Brace 9"/>
+            <p:cNvSpPr/>
+            <p:nvPr/>
+          </p:nvSpPr>
+          <p:spPr>
+            <a:xfrm rot="16200000">
+              <a:off x="7088195" y="2999588"/>
+              <a:ext cx="58779" cy="648000"/>
+            </a:xfrm>
+            <a:prstGeom prst="leftBrace">
+              <a:avLst>
+                <a:gd name="adj1" fmla="val 67926"/>
+                <a:gd name="adj2" fmla="val 50000"/>
+              </a:avLst>
+            </a:prstGeom>
+            <a:ln>
+              <a:solidFill>
+                <a:srgbClr val="C00000"/>
+              </a:solidFill>
+            </a:ln>
+          </p:spPr>
+          <p:style>
+            <a:lnRef idx="1">
+              <a:schemeClr val="accent1"/>
+            </a:lnRef>
+            <a:fillRef idx="0">
+              <a:schemeClr val="accent1"/>
+            </a:fillRef>
+            <a:effectRef idx="0">
+              <a:schemeClr val="accent1"/>
+            </a:effectRef>
+            <a:fontRef idx="minor">
+              <a:schemeClr val="tx1"/>
+            </a:fontRef>
+          </p:style>
+          <p:txBody>
+            <a:bodyPr rtlCol="0" anchor="ctr"/>
+            <a:lstStyle/>
+            <a:p>
+              <a:pPr algn="ctr"/>
+              <a:endParaRPr lang="en-US"/>
+            </a:p>
+          </p:txBody>
+        </p:sp>
+        <p:sp>
+          <p:nvSpPr>
+            <p:cNvPr id="11" name="Left Brace 10"/>
+            <p:cNvSpPr/>
+            <p:nvPr/>
+          </p:nvSpPr>
+          <p:spPr>
+            <a:xfrm rot="16200000" flipH="1">
+              <a:off x="7430784" y="2401054"/>
+              <a:ext cx="57600" cy="1332000"/>
+            </a:xfrm>
+            <a:prstGeom prst="leftBrace">
+              <a:avLst>
+                <a:gd name="adj1" fmla="val 67926"/>
+                <a:gd name="adj2" fmla="val 50000"/>
+              </a:avLst>
+            </a:prstGeom>
+            <a:ln>
+              <a:solidFill>
+                <a:srgbClr val="C00000"/>
+              </a:solidFill>
+            </a:ln>
+          </p:spPr>
+          <p:style>
+            <a:lnRef idx="1">
+              <a:schemeClr val="accent1"/>
+            </a:lnRef>
+            <a:fillRef idx="0">
+              <a:schemeClr val="accent1"/>
+            </a:fillRef>
+            <a:effectRef idx="0">
+              <a:schemeClr val="accent1"/>
+            </a:effectRef>
+            <a:fontRef idx="minor">
+              <a:schemeClr val="tx1"/>
+            </a:fontRef>
+          </p:style>
+          <p:txBody>
+            <a:bodyPr rtlCol="0" anchor="ctr"/>
+            <a:lstStyle/>
+            <a:p>
+              <a:pPr algn="ctr"/>
+              <a:endParaRPr lang="en-US"/>
+            </a:p>
+          </p:txBody>
+        </p:sp>
+      </p:grpSp>
+      <p:cxnSp>
+        <p:nvCxnSpPr>
+          <p:cNvPr id="13" name="Straight Arrow Connector 12"/>
+          <p:cNvCxnSpPr>
+            <a:stCxn id="3" idx="1"/>
+          </p:cNvCxnSpPr>
+          <p:nvPr/>
+        </p:nvCxnSpPr>
+        <p:spPr>
+          <a:xfrm flipH="1" flipV="1">
+            <a:off x="4166797" y="3240005"/>
+            <a:ext cx="3894218" cy="513323"/>
+          </a:xfrm>
+          <a:prstGeom prst="straightConnector1">
+            <a:avLst/>
+          </a:prstGeom>
+          <a:ln>
+            <a:solidFill>
+              <a:srgbClr val="C00000"/>
+            </a:solidFill>
+            <a:tailEnd type="triangle"/>
+          </a:ln>
+        </p:spPr>
+        <p:style>
+          <a:lnRef idx="1">
+            <a:schemeClr val="accent1"/>
+          </a:lnRef>
+          <a:fillRef idx="0">
+            <a:schemeClr val="accent1"/>
+          </a:fillRef>
+          <a:effectRef idx="0">
+            <a:schemeClr val="accent1"/>
+          </a:effectRef>
+          <a:fontRef idx="minor">
+            <a:schemeClr val="tx1"/>
+          </a:fontRef>
+        </p:style>
+      </p:cxnSp>
+    </p:spTree>
+    <p:extLst>
+      <p:ext uri="{BB962C8B-B14F-4D97-AF65-F5344CB8AC3E}">
+        <p14:creationId xmlns:p14="http://schemas.microsoft.com/office/powerpoint/2010/main" val="12591899"/>
+      </p:ext>
+    </p:extLst>
+  </p:cSld>
+  <p:clrMapOvr>
+    <a:masterClrMapping/>
+  </p:clrMapOvr>
+</p:sld>
+</file>
+
+<file path=ppt/slides/slide11.xml><?xml version="1.0" encoding="utf-8"?>
+<p:sld xmlns:a="http://schemas.openxmlformats.org/drawingml/2006/main" xmlns:r="http://schemas.openxmlformats.org/officeDocument/2006/relationships" xmlns:p="http://schemas.openxmlformats.org/presentationml/2006/main">
+  <p:cSld>
+    <p:spTree>
+      <p:nvGrpSpPr>
+        <p:cNvPr id="1" name=""/>
+        <p:cNvGrpSpPr/>
+        <p:nvPr/>
+      </p:nvGrpSpPr>
+      <p:grpSpPr>
+        <a:xfrm>
+          <a:off x="0" y="0"/>
+          <a:ext cx="0" cy="0"/>
+          <a:chOff x="0" y="0"/>
+          <a:chExt cx="0" cy="0"/>
+        </a:xfrm>
+      </p:grpSpPr>
       <p:sp>
         <p:nvSpPr>
           <p:cNvPr id="2" name="Title 1"/>
@@ -9241,7 +10781,7 @@
 </p:sld>
 </file>
 
-<file path=ppt/slides/slide11.xml><?xml version="1.0" encoding="utf-8"?>
+<file path=ppt/slides/slide12.xml><?xml version="1.0" encoding="utf-8"?>
 <p:sld xmlns:a="http://schemas.openxmlformats.org/drawingml/2006/main" xmlns:r="http://schemas.openxmlformats.org/officeDocument/2006/relationships" xmlns:p="http://schemas.openxmlformats.org/presentationml/2006/main">
   <p:cSld>
     <p:spTree>
@@ -10307,7 +11847,7 @@
 </p:sld>
 </file>
 
-<file path=ppt/slides/slide12.xml><?xml version="1.0" encoding="utf-8"?>
+<file path=ppt/slides/slide13.xml><?xml version="1.0" encoding="utf-8"?>
 <p:sld xmlns:a="http://schemas.openxmlformats.org/drawingml/2006/main" xmlns:r="http://schemas.openxmlformats.org/officeDocument/2006/relationships" xmlns:p="http://schemas.openxmlformats.org/presentationml/2006/main">
   <p:cSld>
     <p:spTree>
@@ -11736,7 +13276,7 @@
 </p:sld>
 </file>
 
-<file path=ppt/slides/slide13.xml><?xml version="1.0" encoding="utf-8"?>
+<file path=ppt/slides/slide14.xml><?xml version="1.0" encoding="utf-8"?>
 <p:sld xmlns:a="http://schemas.openxmlformats.org/drawingml/2006/main" xmlns:r="http://schemas.openxmlformats.org/officeDocument/2006/relationships" xmlns:p="http://schemas.openxmlformats.org/presentationml/2006/main">
   <p:cSld>
     <p:spTree>
@@ -12474,7 +14014,7 @@
 </p:sld>
 </file>
 
-<file path=ppt/slides/slide14.xml><?xml version="1.0" encoding="utf-8"?>
+<file path=ppt/slides/slide15.xml><?xml version="1.0" encoding="utf-8"?>
 <p:sld xmlns:a="http://schemas.openxmlformats.org/drawingml/2006/main" xmlns:r="http://schemas.openxmlformats.org/officeDocument/2006/relationships" xmlns:p="http://schemas.openxmlformats.org/presentationml/2006/main">
   <p:cSld>
     <p:spTree>
@@ -13836,7 +15376,7 @@
 </p:sld>
 </file>
 
-<file path=ppt/slides/slide15.xml><?xml version="1.0" encoding="utf-8"?>
+<file path=ppt/slides/slide16.xml><?xml version="1.0" encoding="utf-8"?>
 <p:sld xmlns:a="http://schemas.openxmlformats.org/drawingml/2006/main" xmlns:r="http://schemas.openxmlformats.org/officeDocument/2006/relationships" xmlns:p="http://schemas.openxmlformats.org/presentationml/2006/main">
   <p:cSld>
     <p:spTree>
@@ -14667,7 +16207,7 @@
 </p:sld>
 </file>
 
-<file path=ppt/slides/slide16.xml><?xml version="1.0" encoding="utf-8"?>
+<file path=ppt/slides/slide17.xml><?xml version="1.0" encoding="utf-8"?>
 <p:sld xmlns:a="http://schemas.openxmlformats.org/drawingml/2006/main" xmlns:r="http://schemas.openxmlformats.org/officeDocument/2006/relationships" xmlns:p="http://schemas.openxmlformats.org/presentationml/2006/main">
   <p:cSld>
     <p:spTree>
@@ -15737,7 +17277,7 @@
 </p:sld>
 </file>
 
-<file path=ppt/slides/slide17.xml><?xml version="1.0" encoding="utf-8"?>
+<file path=ppt/slides/slide18.xml><?xml version="1.0" encoding="utf-8"?>
 <p:sld xmlns:a="http://schemas.openxmlformats.org/drawingml/2006/main" xmlns:r="http://schemas.openxmlformats.org/officeDocument/2006/relationships" xmlns:p="http://schemas.openxmlformats.org/presentationml/2006/main">
   <p:cSld>
     <p:spTree>
@@ -16433,7 +17973,7 @@
 </p:sld>
 </file>
 
-<file path=ppt/slides/slide18.xml><?xml version="1.0" encoding="utf-8"?>
+<file path=ppt/slides/slide19.xml><?xml version="1.0" encoding="utf-8"?>
 <p:sld xmlns:a="http://schemas.openxmlformats.org/drawingml/2006/main" xmlns:r="http://schemas.openxmlformats.org/officeDocument/2006/relationships" xmlns:p="http://schemas.openxmlformats.org/presentationml/2006/main">
   <p:cSld>
     <p:spTree>
@@ -17703,7 +19243,206 @@
 </p:sld>
 </file>
 
-<file path=ppt/slides/slide19.xml><?xml version="1.0" encoding="utf-8"?>
+<file path=ppt/slides/slide2.xml><?xml version="1.0" encoding="utf-8"?>
+<p:sld xmlns:a="http://schemas.openxmlformats.org/drawingml/2006/main" xmlns:r="http://schemas.openxmlformats.org/officeDocument/2006/relationships" xmlns:p="http://schemas.openxmlformats.org/presentationml/2006/main">
+  <p:cSld>
+    <p:spTree>
+      <p:nvGrpSpPr>
+        <p:cNvPr id="1" name=""/>
+        <p:cNvGrpSpPr/>
+        <p:nvPr/>
+      </p:nvGrpSpPr>
+      <p:grpSpPr>
+        <a:xfrm>
+          <a:off x="0" y="0"/>
+          <a:ext cx="0" cy="0"/>
+          <a:chOff x="0" y="0"/>
+          <a:chExt cx="0" cy="0"/>
+        </a:xfrm>
+      </p:grpSpPr>
+      <p:sp>
+        <p:nvSpPr>
+          <p:cNvPr id="3" name="Content Placeholder 2"/>
+          <p:cNvSpPr>
+            <a:spLocks noGrp="1"/>
+          </p:cNvSpPr>
+          <p:nvPr>
+            <p:ph idx="1"/>
+          </p:nvPr>
+        </p:nvSpPr>
+        <p:spPr>
+          <a:xfrm>
+            <a:off x="838200" y="3941597"/>
+            <a:ext cx="10515600" cy="1285710"/>
+          </a:xfrm>
+        </p:spPr>
+        <p:txBody>
+          <a:bodyPr/>
+          <a:lstStyle/>
+          <a:p>
+            <a:r>
+              <a:rPr lang="da-DK" dirty="0" err="1"/>
+              <a:t>NumPy</a:t>
+            </a:r>
+            <a:r>
+              <a:rPr lang="da-DK" dirty="0"/>
+              <a:t> is a </a:t>
+            </a:r>
+            <a:r>
+              <a:rPr lang="da-DK" dirty="0" err="1"/>
+              <a:t>Python</a:t>
+            </a:r>
+            <a:r>
+              <a:rPr lang="da-DK" dirty="0"/>
+              <a:t> </a:t>
+            </a:r>
+            <a:r>
+              <a:rPr lang="da-DK" dirty="0" err="1"/>
+              <a:t>package</a:t>
+            </a:r>
+            <a:r>
+              <a:rPr lang="da-DK" dirty="0"/>
+              <a:t> for </a:t>
+            </a:r>
+            <a:r>
+              <a:rPr lang="da-DK" dirty="0" err="1"/>
+              <a:t>dealing</a:t>
+            </a:r>
+            <a:r>
+              <a:rPr lang="da-DK" dirty="0"/>
+              <a:t> with </a:t>
+            </a:r>
+            <a:r>
+              <a:rPr lang="da-DK" dirty="0" err="1"/>
+              <a:t>multi</a:t>
+            </a:r>
+            <a:r>
+              <a:rPr lang="da-DK" dirty="0"/>
+              <a:t>-dimensional data</a:t>
+            </a:r>
+            <a:endParaRPr lang="en-US" dirty="0"/>
+          </a:p>
+        </p:txBody>
+      </p:sp>
+      <p:pic>
+        <p:nvPicPr>
+          <p:cNvPr id="5" name="Picture 4"/>
+          <p:cNvPicPr>
+            <a:picLocks noChangeAspect="1"/>
+          </p:cNvPicPr>
+          <p:nvPr/>
+        </p:nvPicPr>
+        <p:blipFill>
+          <a:blip r:embed="rId2">
+            <a:extLst>
+              <a:ext uri="{28A0092B-C50C-407E-A947-70E740481C1C}">
+                <a14:useLocalDpi xmlns:a14="http://schemas.microsoft.com/office/drawing/2010/main" val="0"/>
+              </a:ext>
+            </a:extLst>
+          </a:blip>
+          <a:stretch>
+            <a:fillRect/>
+          </a:stretch>
+        </p:blipFill>
+        <p:spPr>
+          <a:xfrm>
+            <a:off x="838200" y="548429"/>
+            <a:ext cx="5080000" cy="2260600"/>
+          </a:xfrm>
+          <a:prstGeom prst="rect">
+            <a:avLst/>
+          </a:prstGeom>
+        </p:spPr>
+      </p:pic>
+      <p:sp>
+        <p:nvSpPr>
+          <p:cNvPr id="6" name="Rectangle 5"/>
+          <p:cNvSpPr/>
+          <p:nvPr/>
+        </p:nvSpPr>
+        <p:spPr>
+          <a:xfrm>
+            <a:off x="10263025" y="5990543"/>
+            <a:ext cx="1727974" cy="369332"/>
+          </a:xfrm>
+          <a:prstGeom prst="rect">
+            <a:avLst/>
+          </a:prstGeom>
+        </p:spPr>
+        <p:txBody>
+          <a:bodyPr wrap="none">
+            <a:spAutoFit/>
+          </a:bodyPr>
+          <a:lstStyle/>
+          <a:p>
+            <a:r>
+              <a:rPr lang="en-US" dirty="0">
+                <a:hlinkClick r:id="rId3"/>
+              </a:rPr>
+              <a:t>www.numpy.org</a:t>
+            </a:r>
+            <a:endParaRPr lang="en-US" dirty="0"/>
+          </a:p>
+        </p:txBody>
+      </p:sp>
+      <p:sp>
+        <p:nvSpPr>
+          <p:cNvPr id="8" name="Rectangle 7"/>
+          <p:cNvSpPr/>
+          <p:nvPr/>
+        </p:nvSpPr>
+        <p:spPr>
+          <a:xfrm>
+            <a:off x="7315938" y="6359875"/>
+            <a:ext cx="4675061" cy="369332"/>
+          </a:xfrm>
+          <a:prstGeom prst="rect">
+            <a:avLst/>
+          </a:prstGeom>
+        </p:spPr>
+        <p:txBody>
+          <a:bodyPr wrap="none">
+            <a:spAutoFit/>
+          </a:bodyPr>
+          <a:lstStyle/>
+          <a:p>
+            <a:pPr algn="r"/>
+            <a:r>
+              <a:rPr lang="en-US" dirty="0">
+                <a:hlinkClick r:id="rId4"/>
+              </a:rPr>
+              <a:t>docs.scipy.org/doc/</a:t>
+            </a:r>
+            <a:r>
+              <a:rPr lang="en-US" dirty="0" err="1">
+                <a:hlinkClick r:id="rId4"/>
+              </a:rPr>
+              <a:t>numpy</a:t>
+            </a:r>
+            <a:r>
+              <a:rPr lang="en-US" dirty="0">
+                <a:hlinkClick r:id="rId4"/>
+              </a:rPr>
+              <a:t>/user/quickstart.html</a:t>
+            </a:r>
+            <a:endParaRPr lang="en-US" dirty="0"/>
+          </a:p>
+        </p:txBody>
+      </p:sp>
+    </p:spTree>
+    <p:extLst>
+      <p:ext uri="{BB962C8B-B14F-4D97-AF65-F5344CB8AC3E}">
+        <p14:creationId xmlns:p14="http://schemas.microsoft.com/office/powerpoint/2010/main" val="730150201"/>
+      </p:ext>
+    </p:extLst>
+  </p:cSld>
+  <p:clrMapOvr>
+    <a:masterClrMapping/>
+  </p:clrMapOvr>
+</p:sld>
+</file>
+
+<file path=ppt/slides/slide20.xml><?xml version="1.0" encoding="utf-8"?>
 <p:sld xmlns:a="http://schemas.openxmlformats.org/drawingml/2006/main" xmlns:r="http://schemas.openxmlformats.org/officeDocument/2006/relationships" xmlns:p="http://schemas.openxmlformats.org/presentationml/2006/main">
   <p:cSld>
     <p:spTree>
@@ -17729,7 +19468,7 @@
           <p:nvPr>
             <p:extLst>
               <p:ext uri="{D42A27DB-BD31-4B8C-83A1-F6EECF244321}">
-                <p14:modId xmlns:p14="http://schemas.microsoft.com/office/powerpoint/2010/main" val="3860860932"/>
+                <p14:modId xmlns:p14="http://schemas.microsoft.com/office/powerpoint/2010/main" val="3993841328"/>
               </p:ext>
             </p:extLst>
           </p:nvPr>
@@ -18297,6 +20036,16 @@
                         <a:defRPr/>
                       </a:pPr>
                       <a:r>
+                        <a:rPr lang="en-US" sz="1800" b="1" baseline="0" dirty="0" err="1">
+                          <a:solidFill>
+                            <a:schemeClr val="tx1"/>
+                          </a:solidFill>
+                          <a:latin typeface="Courier New" panose="02070309020205020404" pitchFamily="49" charset="0"/>
+                          <a:cs typeface="Courier New" panose="02070309020205020404" pitchFamily="49" charset="0"/>
+                        </a:rPr>
+                        <a:t>np.abs</a:t>
+                      </a:r>
+                      <a:r>
                         <a:rPr lang="en-US" sz="1800" b="1" baseline="0" dirty="0">
                           <a:solidFill>
                             <a:schemeClr val="tx1"/>
@@ -18304,7 +20053,7 @@
                           <a:latin typeface="Courier New" panose="02070309020205020404" pitchFamily="49" charset="0"/>
                           <a:cs typeface="Courier New" panose="02070309020205020404" pitchFamily="49" charset="0"/>
                         </a:rPr>
-                        <a:t>abs(np.int32(-2147483647))</a:t>
+                        <a:t>(np.int32(-2147483647))</a:t>
                       </a:r>
                       <a:endParaRPr lang="en-US" sz="1800" b="1" baseline="0" dirty="0">
                         <a:solidFill>
@@ -18365,6 +20114,16 @@
                         <a:defRPr/>
                       </a:pPr>
                       <a:r>
+                        <a:rPr lang="en-US" sz="1800" b="1" baseline="0" dirty="0" err="1">
+                          <a:solidFill>
+                            <a:schemeClr val="tx1"/>
+                          </a:solidFill>
+                          <a:latin typeface="Courier New" panose="02070309020205020404" pitchFamily="49" charset="0"/>
+                          <a:cs typeface="Courier New" panose="02070309020205020404" pitchFamily="49" charset="0"/>
+                        </a:rPr>
+                        <a:t>np.abs</a:t>
+                      </a:r>
+                      <a:r>
                         <a:rPr lang="en-US" sz="1800" b="1" baseline="0" dirty="0">
                           <a:solidFill>
                             <a:schemeClr val="tx1"/>
@@ -18372,7 +20131,7 @@
                           <a:latin typeface="Courier New" panose="02070309020205020404" pitchFamily="49" charset="0"/>
                           <a:cs typeface="Courier New" panose="02070309020205020404" pitchFamily="49" charset="0"/>
                         </a:rPr>
-                        <a:t>abs(np.int32(-2147483648))</a:t>
+                        <a:t>(np.int32(-2147483648))</a:t>
                       </a:r>
                       <a:endParaRPr lang="en-US" sz="1800" b="1" baseline="0" dirty="0">
                         <a:solidFill>
@@ -20082,126 +21841,6 @@
           </a:graphicData>
         </a:graphic>
       </p:graphicFrame>
-      <p:pic>
-        <p:nvPicPr>
-          <p:cNvPr id="10" name="Picture 9"/>
-          <p:cNvPicPr>
-            <a:picLocks noChangeAspect="1"/>
-          </p:cNvPicPr>
-          <p:nvPr/>
-        </p:nvPicPr>
-        <p:blipFill>
-          <a:blip r:embed="rId5" cstate="print">
-            <a:extLst>
-              <a:ext uri="{28A0092B-C50C-407E-A947-70E740481C1C}">
-                <a14:useLocalDpi xmlns:a14="http://schemas.microsoft.com/office/drawing/2010/main" val="0"/>
-              </a:ext>
-            </a:extLst>
-          </a:blip>
-          <a:stretch>
-            <a:fillRect/>
-          </a:stretch>
-        </p:blipFill>
-        <p:spPr>
-          <a:xfrm>
-            <a:off x="6534382" y="2705237"/>
-            <a:ext cx="487666" cy="405904"/>
-          </a:xfrm>
-          <a:prstGeom prst="rect">
-            <a:avLst/>
-          </a:prstGeom>
-        </p:spPr>
-      </p:pic>
-      <p:pic>
-        <p:nvPicPr>
-          <p:cNvPr id="11" name="Picture 10"/>
-          <p:cNvPicPr>
-            <a:picLocks noChangeAspect="1"/>
-          </p:cNvPicPr>
-          <p:nvPr/>
-        </p:nvPicPr>
-        <p:blipFill>
-          <a:blip r:embed="rId5" cstate="print">
-            <a:extLst>
-              <a:ext uri="{28A0092B-C50C-407E-A947-70E740481C1C}">
-                <a14:useLocalDpi xmlns:a14="http://schemas.microsoft.com/office/drawing/2010/main" val="0"/>
-              </a:ext>
-            </a:extLst>
-          </a:blip>
-          <a:stretch>
-            <a:fillRect/>
-          </a:stretch>
-        </p:blipFill>
-        <p:spPr>
-          <a:xfrm>
-            <a:off x="6534382" y="3197796"/>
-            <a:ext cx="487666" cy="405904"/>
-          </a:xfrm>
-          <a:prstGeom prst="rect">
-            <a:avLst/>
-          </a:prstGeom>
-        </p:spPr>
-      </p:pic>
-      <p:pic>
-        <p:nvPicPr>
-          <p:cNvPr id="12" name="Picture 11"/>
-          <p:cNvPicPr>
-            <a:picLocks noChangeAspect="1"/>
-          </p:cNvPicPr>
-          <p:nvPr/>
-        </p:nvPicPr>
-        <p:blipFill>
-          <a:blip r:embed="rId5" cstate="print">
-            <a:extLst>
-              <a:ext uri="{28A0092B-C50C-407E-A947-70E740481C1C}">
-                <a14:useLocalDpi xmlns:a14="http://schemas.microsoft.com/office/drawing/2010/main" val="0"/>
-              </a:ext>
-            </a:extLst>
-          </a:blip>
-          <a:stretch>
-            <a:fillRect/>
-          </a:stretch>
-        </p:blipFill>
-        <p:spPr>
-          <a:xfrm>
-            <a:off x="6534382" y="4611373"/>
-            <a:ext cx="487666" cy="405904"/>
-          </a:xfrm>
-          <a:prstGeom prst="rect">
-            <a:avLst/>
-          </a:prstGeom>
-        </p:spPr>
-      </p:pic>
-      <p:pic>
-        <p:nvPicPr>
-          <p:cNvPr id="13" name="Picture 12"/>
-          <p:cNvPicPr>
-            <a:picLocks noChangeAspect="1"/>
-          </p:cNvPicPr>
-          <p:nvPr/>
-        </p:nvPicPr>
-        <p:blipFill>
-          <a:blip r:embed="rId5" cstate="print">
-            <a:extLst>
-              <a:ext uri="{28A0092B-C50C-407E-A947-70E740481C1C}">
-                <a14:useLocalDpi xmlns:a14="http://schemas.microsoft.com/office/drawing/2010/main" val="0"/>
-              </a:ext>
-            </a:extLst>
-          </a:blip>
-          <a:stretch>
-            <a:fillRect/>
-          </a:stretch>
-        </p:blipFill>
-        <p:spPr>
-          <a:xfrm>
-            <a:off x="6534382" y="5742794"/>
-            <a:ext cx="487666" cy="405904"/>
-          </a:xfrm>
-          <a:prstGeom prst="rect">
-            <a:avLst/>
-          </a:prstGeom>
-        </p:spPr>
-      </p:pic>
       <p:sp>
         <p:nvSpPr>
           <p:cNvPr id="14" name="TextBox 13"/>
@@ -20232,6 +21871,150 @@
           </a:p>
         </p:txBody>
       </p:sp>
+      <p:pic>
+        <p:nvPicPr>
+          <p:cNvPr id="2" name="Picture 1">
+            <a:extLst>
+              <a:ext uri="{FF2B5EF4-FFF2-40B4-BE49-F238E27FC236}">
+                <a16:creationId xmlns:a16="http://schemas.microsoft.com/office/drawing/2014/main" id="{868D558B-CB5C-7358-81C4-F89F0C390AB6}"/>
+              </a:ext>
+            </a:extLst>
+          </p:cNvPr>
+          <p:cNvPicPr>
+            <a:picLocks noChangeAspect="1"/>
+          </p:cNvPicPr>
+          <p:nvPr/>
+        </p:nvPicPr>
+        <p:blipFill>
+          <a:blip r:embed="rId6" cstate="print">
+            <a:extLst>
+              <a:ext uri="{28A0092B-C50C-407E-A947-70E740481C1C}">
+                <a14:useLocalDpi xmlns:a14="http://schemas.microsoft.com/office/drawing/2010/main" val="0"/>
+              </a:ext>
+            </a:extLst>
+          </a:blip>
+          <a:stretch>
+            <a:fillRect/>
+          </a:stretch>
+        </p:blipFill>
+        <p:spPr>
+          <a:xfrm>
+            <a:off x="6522737" y="2705237"/>
+            <a:ext cx="487666" cy="405904"/>
+          </a:xfrm>
+          <a:prstGeom prst="rect">
+            <a:avLst/>
+          </a:prstGeom>
+        </p:spPr>
+      </p:pic>
+      <p:pic>
+        <p:nvPicPr>
+          <p:cNvPr id="3" name="Picture 2">
+            <a:extLst>
+              <a:ext uri="{FF2B5EF4-FFF2-40B4-BE49-F238E27FC236}">
+                <a16:creationId xmlns:a16="http://schemas.microsoft.com/office/drawing/2014/main" id="{54A360F1-9E79-437F-563D-1AB4F2FF4366}"/>
+              </a:ext>
+            </a:extLst>
+          </p:cNvPr>
+          <p:cNvPicPr>
+            <a:picLocks noChangeAspect="1"/>
+          </p:cNvPicPr>
+          <p:nvPr/>
+        </p:nvPicPr>
+        <p:blipFill>
+          <a:blip r:embed="rId6" cstate="print">
+            <a:extLst>
+              <a:ext uri="{28A0092B-C50C-407E-A947-70E740481C1C}">
+                <a14:useLocalDpi xmlns:a14="http://schemas.microsoft.com/office/drawing/2010/main" val="0"/>
+              </a:ext>
+            </a:extLst>
+          </a:blip>
+          <a:stretch>
+            <a:fillRect/>
+          </a:stretch>
+        </p:blipFill>
+        <p:spPr>
+          <a:xfrm>
+            <a:off x="6534874" y="3172037"/>
+            <a:ext cx="487666" cy="405904"/>
+          </a:xfrm>
+          <a:prstGeom prst="rect">
+            <a:avLst/>
+          </a:prstGeom>
+        </p:spPr>
+      </p:pic>
+      <p:pic>
+        <p:nvPicPr>
+          <p:cNvPr id="5" name="Picture 4">
+            <a:extLst>
+              <a:ext uri="{FF2B5EF4-FFF2-40B4-BE49-F238E27FC236}">
+                <a16:creationId xmlns:a16="http://schemas.microsoft.com/office/drawing/2014/main" id="{8F9F3E11-280A-D180-A5C2-DD65A03754B6}"/>
+              </a:ext>
+            </a:extLst>
+          </p:cNvPr>
+          <p:cNvPicPr>
+            <a:picLocks noChangeAspect="1"/>
+          </p:cNvPicPr>
+          <p:nvPr/>
+        </p:nvPicPr>
+        <p:blipFill>
+          <a:blip r:embed="rId6" cstate="print">
+            <a:extLst>
+              <a:ext uri="{28A0092B-C50C-407E-A947-70E740481C1C}">
+                <a14:useLocalDpi xmlns:a14="http://schemas.microsoft.com/office/drawing/2010/main" val="0"/>
+              </a:ext>
+            </a:extLst>
+          </a:blip>
+          <a:stretch>
+            <a:fillRect/>
+          </a:stretch>
+        </p:blipFill>
+        <p:spPr>
+          <a:xfrm>
+            <a:off x="6522737" y="4611373"/>
+            <a:ext cx="487666" cy="405904"/>
+          </a:xfrm>
+          <a:prstGeom prst="rect">
+            <a:avLst/>
+          </a:prstGeom>
+        </p:spPr>
+      </p:pic>
+      <p:pic>
+        <p:nvPicPr>
+          <p:cNvPr id="15" name="Picture 14">
+            <a:extLst>
+              <a:ext uri="{FF2B5EF4-FFF2-40B4-BE49-F238E27FC236}">
+                <a16:creationId xmlns:a16="http://schemas.microsoft.com/office/drawing/2014/main" id="{A7596384-E6A7-5312-84B2-3623373007A7}"/>
+              </a:ext>
+            </a:extLst>
+          </p:cNvPr>
+          <p:cNvPicPr>
+            <a:picLocks noChangeAspect="1"/>
+          </p:cNvPicPr>
+          <p:nvPr/>
+        </p:nvPicPr>
+        <p:blipFill>
+          <a:blip r:embed="rId6" cstate="print">
+            <a:extLst>
+              <a:ext uri="{28A0092B-C50C-407E-A947-70E740481C1C}">
+                <a14:useLocalDpi xmlns:a14="http://schemas.microsoft.com/office/drawing/2010/main" val="0"/>
+              </a:ext>
+            </a:extLst>
+          </a:blip>
+          <a:stretch>
+            <a:fillRect/>
+          </a:stretch>
+        </p:blipFill>
+        <p:spPr>
+          <a:xfrm>
+            <a:off x="6534874" y="5742794"/>
+            <a:ext cx="487666" cy="405904"/>
+          </a:xfrm>
+          <a:prstGeom prst="rect">
+            <a:avLst/>
+          </a:prstGeom>
+        </p:spPr>
+      </p:pic>
     </p:spTree>
     <p:extLst>
       <p:ext uri="{BB962C8B-B14F-4D97-AF65-F5344CB8AC3E}">
@@ -20245,206 +22028,7 @@
 </p:sld>
 </file>
 
-<file path=ppt/slides/slide2.xml><?xml version="1.0" encoding="utf-8"?>
-<p:sld xmlns:a="http://schemas.openxmlformats.org/drawingml/2006/main" xmlns:r="http://schemas.openxmlformats.org/officeDocument/2006/relationships" xmlns:p="http://schemas.openxmlformats.org/presentationml/2006/main">
-  <p:cSld>
-    <p:spTree>
-      <p:nvGrpSpPr>
-        <p:cNvPr id="1" name=""/>
-        <p:cNvGrpSpPr/>
-        <p:nvPr/>
-      </p:nvGrpSpPr>
-      <p:grpSpPr>
-        <a:xfrm>
-          <a:off x="0" y="0"/>
-          <a:ext cx="0" cy="0"/>
-          <a:chOff x="0" y="0"/>
-          <a:chExt cx="0" cy="0"/>
-        </a:xfrm>
-      </p:grpSpPr>
-      <p:sp>
-        <p:nvSpPr>
-          <p:cNvPr id="3" name="Content Placeholder 2"/>
-          <p:cNvSpPr>
-            <a:spLocks noGrp="1"/>
-          </p:cNvSpPr>
-          <p:nvPr>
-            <p:ph idx="1"/>
-          </p:nvPr>
-        </p:nvSpPr>
-        <p:spPr>
-          <a:xfrm>
-            <a:off x="838200" y="3941597"/>
-            <a:ext cx="10515600" cy="1285710"/>
-          </a:xfrm>
-        </p:spPr>
-        <p:txBody>
-          <a:bodyPr/>
-          <a:lstStyle/>
-          <a:p>
-            <a:r>
-              <a:rPr lang="da-DK" dirty="0" err="1"/>
-              <a:t>NumPy</a:t>
-            </a:r>
-            <a:r>
-              <a:rPr lang="da-DK" dirty="0"/>
-              <a:t> is a </a:t>
-            </a:r>
-            <a:r>
-              <a:rPr lang="da-DK" dirty="0" err="1"/>
-              <a:t>Python</a:t>
-            </a:r>
-            <a:r>
-              <a:rPr lang="da-DK" dirty="0"/>
-              <a:t> </a:t>
-            </a:r>
-            <a:r>
-              <a:rPr lang="da-DK" dirty="0" err="1"/>
-              <a:t>package</a:t>
-            </a:r>
-            <a:r>
-              <a:rPr lang="da-DK" dirty="0"/>
-              <a:t> for </a:t>
-            </a:r>
-            <a:r>
-              <a:rPr lang="da-DK" dirty="0" err="1"/>
-              <a:t>dealing</a:t>
-            </a:r>
-            <a:r>
-              <a:rPr lang="da-DK" dirty="0"/>
-              <a:t> with </a:t>
-            </a:r>
-            <a:r>
-              <a:rPr lang="da-DK" dirty="0" err="1"/>
-              <a:t>multi</a:t>
-            </a:r>
-            <a:r>
-              <a:rPr lang="da-DK" dirty="0"/>
-              <a:t>-dimensional data</a:t>
-            </a:r>
-            <a:endParaRPr lang="en-US" dirty="0"/>
-          </a:p>
-        </p:txBody>
-      </p:sp>
-      <p:pic>
-        <p:nvPicPr>
-          <p:cNvPr id="5" name="Picture 4"/>
-          <p:cNvPicPr>
-            <a:picLocks noChangeAspect="1"/>
-          </p:cNvPicPr>
-          <p:nvPr/>
-        </p:nvPicPr>
-        <p:blipFill>
-          <a:blip r:embed="rId2">
-            <a:extLst>
-              <a:ext uri="{28A0092B-C50C-407E-A947-70E740481C1C}">
-                <a14:useLocalDpi xmlns:a14="http://schemas.microsoft.com/office/drawing/2010/main" val="0"/>
-              </a:ext>
-            </a:extLst>
-          </a:blip>
-          <a:stretch>
-            <a:fillRect/>
-          </a:stretch>
-        </p:blipFill>
-        <p:spPr>
-          <a:xfrm>
-            <a:off x="838200" y="548429"/>
-            <a:ext cx="5080000" cy="2260600"/>
-          </a:xfrm>
-          <a:prstGeom prst="rect">
-            <a:avLst/>
-          </a:prstGeom>
-        </p:spPr>
-      </p:pic>
-      <p:sp>
-        <p:nvSpPr>
-          <p:cNvPr id="6" name="Rectangle 5"/>
-          <p:cNvSpPr/>
-          <p:nvPr/>
-        </p:nvSpPr>
-        <p:spPr>
-          <a:xfrm>
-            <a:off x="10263025" y="5990543"/>
-            <a:ext cx="1727974" cy="369332"/>
-          </a:xfrm>
-          <a:prstGeom prst="rect">
-            <a:avLst/>
-          </a:prstGeom>
-        </p:spPr>
-        <p:txBody>
-          <a:bodyPr wrap="none">
-            <a:spAutoFit/>
-          </a:bodyPr>
-          <a:lstStyle/>
-          <a:p>
-            <a:r>
-              <a:rPr lang="en-US" dirty="0">
-                <a:hlinkClick r:id="rId3"/>
-              </a:rPr>
-              <a:t>www.numpy.org</a:t>
-            </a:r>
-            <a:endParaRPr lang="en-US" dirty="0"/>
-          </a:p>
-        </p:txBody>
-      </p:sp>
-      <p:sp>
-        <p:nvSpPr>
-          <p:cNvPr id="8" name="Rectangle 7"/>
-          <p:cNvSpPr/>
-          <p:nvPr/>
-        </p:nvSpPr>
-        <p:spPr>
-          <a:xfrm>
-            <a:off x="7315938" y="6359875"/>
-            <a:ext cx="4675061" cy="369332"/>
-          </a:xfrm>
-          <a:prstGeom prst="rect">
-            <a:avLst/>
-          </a:prstGeom>
-        </p:spPr>
-        <p:txBody>
-          <a:bodyPr wrap="none">
-            <a:spAutoFit/>
-          </a:bodyPr>
-          <a:lstStyle/>
-          <a:p>
-            <a:pPr algn="r"/>
-            <a:r>
-              <a:rPr lang="en-US" dirty="0">
-                <a:hlinkClick r:id="rId4"/>
-              </a:rPr>
-              <a:t>docs.scipy.org/doc/</a:t>
-            </a:r>
-            <a:r>
-              <a:rPr lang="en-US" dirty="0" err="1">
-                <a:hlinkClick r:id="rId4"/>
-              </a:rPr>
-              <a:t>numpy</a:t>
-            </a:r>
-            <a:r>
-              <a:rPr lang="en-US" dirty="0">
-                <a:hlinkClick r:id="rId4"/>
-              </a:rPr>
-              <a:t>/user/quickstart.html</a:t>
-            </a:r>
-            <a:endParaRPr lang="en-US" dirty="0"/>
-          </a:p>
-        </p:txBody>
-      </p:sp>
-    </p:spTree>
-    <p:extLst>
-      <p:ext uri="{BB962C8B-B14F-4D97-AF65-F5344CB8AC3E}">
-        <p14:creationId xmlns:p14="http://schemas.microsoft.com/office/powerpoint/2010/main" val="730150201"/>
-      </p:ext>
-    </p:extLst>
-  </p:cSld>
-  <p:clrMapOvr>
-    <a:masterClrMapping/>
-  </p:clrMapOvr>
-</p:sld>
-</file>
-
-<file path=ppt/slides/slide20.xml><?xml version="1.0" encoding="utf-8"?>
+<file path=ppt/slides/slide21.xml><?xml version="1.0" encoding="utf-8"?>
 <p:sld xmlns:a="http://schemas.openxmlformats.org/drawingml/2006/main" xmlns:r="http://schemas.openxmlformats.org/officeDocument/2006/relationships" xmlns:p="http://schemas.openxmlformats.org/presentationml/2006/main">
   <p:cSld>
     <p:spTree>
@@ -20502,7 +22086,7 @@
           <p:nvPr>
             <p:extLst>
               <p:ext uri="{D42A27DB-BD31-4B8C-83A1-F6EECF244321}">
-                <p14:modId xmlns:p14="http://schemas.microsoft.com/office/powerpoint/2010/main" val="2315199047"/>
+                <p14:modId xmlns:p14="http://schemas.microsoft.com/office/powerpoint/2010/main" val="687989118"/>
               </p:ext>
             </p:extLst>
           </p:nvPr>
@@ -21812,7 +23396,7 @@
 </p:sld>
 </file>
 
-<file path=ppt/slides/slide21.xml><?xml version="1.0" encoding="utf-8"?>
+<file path=ppt/slides/slide22.xml><?xml version="1.0" encoding="utf-8"?>
 <p:sld xmlns:a="http://schemas.openxmlformats.org/drawingml/2006/main" xmlns:r="http://schemas.openxmlformats.org/officeDocument/2006/relationships" xmlns:p="http://schemas.openxmlformats.org/presentationml/2006/main">
   <p:cSld>
     <p:spTree>
@@ -24372,7 +25956,7 @@
 </p:sld>
 </file>
 
-<file path=ppt/slides/slide22.xml><?xml version="1.0" encoding="utf-8"?>
+<file path=ppt/slides/slide23.xml><?xml version="1.0" encoding="utf-8"?>
 <p:sld xmlns:a="http://schemas.openxmlformats.org/drawingml/2006/main" xmlns:r="http://schemas.openxmlformats.org/officeDocument/2006/relationships" xmlns:p="http://schemas.openxmlformats.org/presentationml/2006/main">
   <p:cSld>
     <p:spTree>
@@ -26369,7 +27953,7 @@
 </p:sld>
 </file>
 
-<file path=ppt/slides/slide23.xml><?xml version="1.0" encoding="utf-8"?>
+<file path=ppt/slides/slide24.xml><?xml version="1.0" encoding="utf-8"?>
 <p:sld xmlns:a="http://schemas.openxmlformats.org/drawingml/2006/main" xmlns:r="http://schemas.openxmlformats.org/officeDocument/2006/relationships" xmlns:p="http://schemas.openxmlformats.org/presentationml/2006/main">
   <p:cSld>
     <p:spTree>
@@ -28840,7 +30424,7 @@
 </p:sld>
 </file>
 
-<file path=ppt/slides/slide24.xml><?xml version="1.0" encoding="utf-8"?>
+<file path=ppt/slides/slide25.xml><?xml version="1.0" encoding="utf-8"?>
 <p:sld xmlns:a="http://schemas.openxmlformats.org/drawingml/2006/main" xmlns:r="http://schemas.openxmlformats.org/officeDocument/2006/relationships" xmlns:p="http://schemas.openxmlformats.org/presentationml/2006/main">
   <p:cSld>
     <p:spTree>
@@ -29658,7 +31242,7 @@
 </p:sld>
 </file>
 
-<file path=ppt/slides/slide25.xml><?xml version="1.0" encoding="utf-8"?>
+<file path=ppt/slides/slide26.xml><?xml version="1.0" encoding="utf-8"?>
 <p:sld xmlns:a="http://schemas.openxmlformats.org/drawingml/2006/main" xmlns:r="http://schemas.openxmlformats.org/officeDocument/2006/relationships" xmlns:p="http://schemas.openxmlformats.org/presentationml/2006/main">
   <p:cSld>
     <p:spTree>
@@ -30202,7 +31786,7 @@
 </p:sld>
 </file>
 
-<file path=ppt/slides/slide26.xml><?xml version="1.0" encoding="utf-8"?>
+<file path=ppt/slides/slide27.xml><?xml version="1.0" encoding="utf-8"?>
 <p:sld xmlns:a="http://schemas.openxmlformats.org/drawingml/2006/main" xmlns:r="http://schemas.openxmlformats.org/officeDocument/2006/relationships" xmlns:p="http://schemas.openxmlformats.org/presentationml/2006/main">
   <p:cSld>
     <p:spTree>
@@ -30764,7 +32348,7 @@
 </p:sld>
 </file>
 
-<file path=ppt/slides/slide27.xml><?xml version="1.0" encoding="utf-8"?>
+<file path=ppt/slides/slide28.xml><?xml version="1.0" encoding="utf-8"?>
 <p:sld xmlns:a="http://schemas.openxmlformats.org/drawingml/2006/main" xmlns:r="http://schemas.openxmlformats.org/officeDocument/2006/relationships" xmlns:p="http://schemas.openxmlformats.org/presentationml/2006/main">
   <p:cSld>
     <p:spTree>
@@ -30818,7 +32402,7 @@
 </p:sld>
 </file>
 
-<file path=ppt/slides/slide28.xml><?xml version="1.0" encoding="utf-8"?>
+<file path=ppt/slides/slide29.xml><?xml version="1.0" encoding="utf-8"?>
 <p:sld xmlns:a="http://schemas.openxmlformats.org/drawingml/2006/main" xmlns:r="http://schemas.openxmlformats.org/officeDocument/2006/relationships" xmlns:p="http://schemas.openxmlformats.org/presentationml/2006/main">
   <p:cSld>
     <p:spTree>
@@ -31644,7 +33228,242 @@
 </p:sld>
 </file>
 
-<file path=ppt/slides/slide29.xml><?xml version="1.0" encoding="utf-8"?>
+<file path=ppt/slides/slide3.xml><?xml version="1.0" encoding="utf-8"?>
+<p:sld xmlns:a="http://schemas.openxmlformats.org/drawingml/2006/main" xmlns:r="http://schemas.openxmlformats.org/officeDocument/2006/relationships" xmlns:p="http://schemas.openxmlformats.org/presentationml/2006/main">
+  <p:cSld>
+    <p:spTree>
+      <p:nvGrpSpPr>
+        <p:cNvPr id="1" name=""/>
+        <p:cNvGrpSpPr/>
+        <p:nvPr/>
+      </p:nvGrpSpPr>
+      <p:grpSpPr>
+        <a:xfrm>
+          <a:off x="0" y="0"/>
+          <a:ext cx="0" cy="0"/>
+          <a:chOff x="0" y="0"/>
+          <a:chExt cx="0" cy="0"/>
+        </a:xfrm>
+      </p:grpSpPr>
+      <p:sp>
+        <p:nvSpPr>
+          <p:cNvPr id="2" name="Title 1"/>
+          <p:cNvSpPr>
+            <a:spLocks noGrp="1"/>
+          </p:cNvSpPr>
+          <p:nvPr>
+            <p:ph type="title"/>
+          </p:nvPr>
+        </p:nvSpPr>
+        <p:spPr/>
+        <p:txBody>
+          <a:bodyPr/>
+          <a:lstStyle/>
+          <a:p>
+            <a:r>
+              <a:rPr lang="da-DK"/>
+              <a:t>pylab ?</a:t>
+            </a:r>
+            <a:endParaRPr lang="en-US" dirty="0"/>
+          </a:p>
+        </p:txBody>
+      </p:sp>
+      <p:sp>
+        <p:nvSpPr>
+          <p:cNvPr id="3" name="Content Placeholder 2"/>
+          <p:cNvSpPr>
+            <a:spLocks noGrp="1"/>
+          </p:cNvSpPr>
+          <p:nvPr>
+            <p:ph idx="1"/>
+          </p:nvPr>
+        </p:nvSpPr>
+        <p:spPr>
+          <a:xfrm>
+            <a:off x="838200" y="1825625"/>
+            <a:ext cx="10076727" cy="2746375"/>
+          </a:xfrm>
+        </p:spPr>
+        <p:txBody>
+          <a:bodyPr/>
+          <a:lstStyle/>
+          <a:p>
+            <a:r>
+              <a:rPr lang="da-DK" dirty="0" err="1"/>
+              <a:t>Guttag</a:t>
+            </a:r>
+            <a:r>
+              <a:rPr lang="da-DK" dirty="0"/>
+              <a:t> [2</a:t>
+            </a:r>
+            <a:r>
+              <a:rPr lang="da-DK" baseline="30000" dirty="0"/>
+              <a:t>nd</a:t>
+            </a:r>
+            <a:r>
+              <a:rPr lang="da-DK" dirty="0"/>
+              <a:t> edition] </a:t>
+            </a:r>
+            <a:r>
+              <a:rPr lang="da-DK" dirty="0" err="1"/>
+              <a:t>uses</a:t>
+            </a:r>
+            <a:r>
+              <a:rPr lang="da-DK" dirty="0"/>
+              <a:t> </a:t>
+            </a:r>
+            <a:r>
+              <a:rPr lang="da-DK" dirty="0" err="1"/>
+              <a:t>pylab</a:t>
+            </a:r>
+            <a:r>
+              <a:rPr lang="da-DK" dirty="0"/>
+              <a:t> in the </a:t>
+            </a:r>
+            <a:r>
+              <a:rPr lang="da-DK" dirty="0" err="1"/>
+              <a:t>examples</a:t>
+            </a:r>
+            <a:r>
+              <a:rPr lang="da-DK" dirty="0"/>
+              <a:t>, but...</a:t>
+            </a:r>
+            <a:endParaRPr lang="en-US" dirty="0"/>
+          </a:p>
+          <a:p>
+            <a:pPr marL="0" indent="0">
+              <a:buNone/>
+            </a:pPr>
+            <a:endParaRPr lang="en-US" i="1" dirty="0"/>
+          </a:p>
+          <a:p>
+            <a:pPr marL="890588" indent="0">
+              <a:buNone/>
+            </a:pPr>
+            <a:r>
+              <a:rPr lang="en-US" i="1" dirty="0"/>
+              <a:t>“</a:t>
+            </a:r>
+            <a:r>
+              <a:rPr lang="en-US" dirty="0" err="1">
+                <a:solidFill>
+                  <a:srgbClr val="C00000"/>
+                </a:solidFill>
+              </a:rPr>
+              <a:t>pylab</a:t>
+            </a:r>
+            <a:r>
+              <a:rPr lang="en-US" i="1" dirty="0"/>
+              <a:t> is a convenience module that bulk imports </a:t>
+            </a:r>
+            <a:r>
+              <a:rPr lang="en-US" dirty="0" err="1">
+                <a:solidFill>
+                  <a:schemeClr val="accent1">
+                    <a:lumMod val="50000"/>
+                  </a:schemeClr>
+                </a:solidFill>
+              </a:rPr>
+              <a:t>matplotlib.pyplot</a:t>
+            </a:r>
+            <a:r>
+              <a:rPr lang="en-US" i="1" dirty="0"/>
+              <a:t> (for plotting) and </a:t>
+            </a:r>
+            <a:r>
+              <a:rPr lang="en-US" dirty="0" err="1">
+                <a:solidFill>
+                  <a:schemeClr val="accent1">
+                    <a:lumMod val="50000"/>
+                  </a:schemeClr>
+                </a:solidFill>
+              </a:rPr>
+              <a:t>numpy</a:t>
+            </a:r>
+            <a:r>
+              <a:rPr lang="en-US" i="1" dirty="0"/>
+              <a:t> (for mathematics and working with arrays) in a single name space. Although many examples use </a:t>
+            </a:r>
+            <a:r>
+              <a:rPr lang="en-US" i="1" dirty="0" err="1"/>
+              <a:t>pylab</a:t>
+            </a:r>
+            <a:r>
+              <a:rPr lang="en-US" i="1" dirty="0"/>
+              <a:t>, </a:t>
+            </a:r>
+            <a:r>
+              <a:rPr lang="en-US" i="1" dirty="0">
+                <a:solidFill>
+                  <a:srgbClr val="C00000"/>
+                </a:solidFill>
+              </a:rPr>
+              <a:t>it is no longer recommended</a:t>
+            </a:r>
+            <a:r>
+              <a:rPr lang="en-US" i="1" dirty="0"/>
+              <a:t>.”</a:t>
+            </a:r>
+          </a:p>
+        </p:txBody>
+      </p:sp>
+      <p:sp>
+        <p:nvSpPr>
+          <p:cNvPr id="5" name="Rectangle 4"/>
+          <p:cNvSpPr/>
+          <p:nvPr/>
+        </p:nvSpPr>
+        <p:spPr>
+          <a:xfrm>
+            <a:off x="8665002" y="6488668"/>
+            <a:ext cx="3457550" cy="369332"/>
+          </a:xfrm>
+          <a:prstGeom prst="rect">
+            <a:avLst/>
+          </a:prstGeom>
+        </p:spPr>
+        <p:txBody>
+          <a:bodyPr wrap="none">
+            <a:spAutoFit/>
+          </a:bodyPr>
+          <a:lstStyle/>
+          <a:p>
+            <a:r>
+              <a:rPr lang="en-US" dirty="0">
+                <a:hlinkClick r:id="rId3"/>
+              </a:rPr>
+              <a:t>matplotlib.org/</a:t>
+            </a:r>
+            <a:r>
+              <a:rPr lang="en-US" dirty="0" err="1">
+                <a:hlinkClick r:id="rId3"/>
+              </a:rPr>
+              <a:t>faq</a:t>
+            </a:r>
+            <a:r>
+              <a:rPr lang="en-US" dirty="0">
+                <a:hlinkClick r:id="rId3"/>
+              </a:rPr>
+              <a:t>/usage_faq.html</a:t>
+            </a:r>
+            <a:endParaRPr lang="en-US" dirty="0"/>
+          </a:p>
+        </p:txBody>
+      </p:sp>
+    </p:spTree>
+    <p:extLst>
+      <p:ext uri="{BB962C8B-B14F-4D97-AF65-F5344CB8AC3E}">
+        <p14:creationId xmlns:p14="http://schemas.microsoft.com/office/powerpoint/2010/main" val="1023447693"/>
+      </p:ext>
+    </p:extLst>
+  </p:cSld>
+  <p:clrMapOvr>
+    <a:masterClrMapping/>
+  </p:clrMapOvr>
+</p:sld>
+</file>
+
+<file path=ppt/slides/slide30.xml><?xml version="1.0" encoding="utf-8"?>
 <p:sld xmlns:a="http://schemas.openxmlformats.org/drawingml/2006/main" xmlns:r="http://schemas.openxmlformats.org/officeDocument/2006/relationships" xmlns:p="http://schemas.openxmlformats.org/presentationml/2006/main">
   <p:cSld>
     <p:spTree>
@@ -32999,242 +34818,7 @@
 </p:sld>
 </file>
 
-<file path=ppt/slides/slide3.xml><?xml version="1.0" encoding="utf-8"?>
-<p:sld xmlns:a="http://schemas.openxmlformats.org/drawingml/2006/main" xmlns:r="http://schemas.openxmlformats.org/officeDocument/2006/relationships" xmlns:p="http://schemas.openxmlformats.org/presentationml/2006/main">
-  <p:cSld>
-    <p:spTree>
-      <p:nvGrpSpPr>
-        <p:cNvPr id="1" name=""/>
-        <p:cNvGrpSpPr/>
-        <p:nvPr/>
-      </p:nvGrpSpPr>
-      <p:grpSpPr>
-        <a:xfrm>
-          <a:off x="0" y="0"/>
-          <a:ext cx="0" cy="0"/>
-          <a:chOff x="0" y="0"/>
-          <a:chExt cx="0" cy="0"/>
-        </a:xfrm>
-      </p:grpSpPr>
-      <p:sp>
-        <p:nvSpPr>
-          <p:cNvPr id="2" name="Title 1"/>
-          <p:cNvSpPr>
-            <a:spLocks noGrp="1"/>
-          </p:cNvSpPr>
-          <p:nvPr>
-            <p:ph type="title"/>
-          </p:nvPr>
-        </p:nvSpPr>
-        <p:spPr/>
-        <p:txBody>
-          <a:bodyPr/>
-          <a:lstStyle/>
-          <a:p>
-            <a:r>
-              <a:rPr lang="da-DK"/>
-              <a:t>pylab ?</a:t>
-            </a:r>
-            <a:endParaRPr lang="en-US" dirty="0"/>
-          </a:p>
-        </p:txBody>
-      </p:sp>
-      <p:sp>
-        <p:nvSpPr>
-          <p:cNvPr id="3" name="Content Placeholder 2"/>
-          <p:cNvSpPr>
-            <a:spLocks noGrp="1"/>
-          </p:cNvSpPr>
-          <p:nvPr>
-            <p:ph idx="1"/>
-          </p:nvPr>
-        </p:nvSpPr>
-        <p:spPr>
-          <a:xfrm>
-            <a:off x="838200" y="1825625"/>
-            <a:ext cx="10076727" cy="2746375"/>
-          </a:xfrm>
-        </p:spPr>
-        <p:txBody>
-          <a:bodyPr/>
-          <a:lstStyle/>
-          <a:p>
-            <a:r>
-              <a:rPr lang="da-DK" dirty="0" err="1"/>
-              <a:t>Guttag</a:t>
-            </a:r>
-            <a:r>
-              <a:rPr lang="da-DK" dirty="0"/>
-              <a:t> [2</a:t>
-            </a:r>
-            <a:r>
-              <a:rPr lang="da-DK" baseline="30000" dirty="0"/>
-              <a:t>nd</a:t>
-            </a:r>
-            <a:r>
-              <a:rPr lang="da-DK" dirty="0"/>
-              <a:t> edition] </a:t>
-            </a:r>
-            <a:r>
-              <a:rPr lang="da-DK" dirty="0" err="1"/>
-              <a:t>uses</a:t>
-            </a:r>
-            <a:r>
-              <a:rPr lang="da-DK" dirty="0"/>
-              <a:t> </a:t>
-            </a:r>
-            <a:r>
-              <a:rPr lang="da-DK" dirty="0" err="1"/>
-              <a:t>pylab</a:t>
-            </a:r>
-            <a:r>
-              <a:rPr lang="da-DK" dirty="0"/>
-              <a:t> in the </a:t>
-            </a:r>
-            <a:r>
-              <a:rPr lang="da-DK" dirty="0" err="1"/>
-              <a:t>examples</a:t>
-            </a:r>
-            <a:r>
-              <a:rPr lang="da-DK" dirty="0"/>
-              <a:t>, but...</a:t>
-            </a:r>
-            <a:endParaRPr lang="en-US" dirty="0"/>
-          </a:p>
-          <a:p>
-            <a:pPr marL="0" indent="0">
-              <a:buNone/>
-            </a:pPr>
-            <a:endParaRPr lang="en-US" i="1" dirty="0"/>
-          </a:p>
-          <a:p>
-            <a:pPr marL="890588" indent="0">
-              <a:buNone/>
-            </a:pPr>
-            <a:r>
-              <a:rPr lang="en-US" i="1" dirty="0"/>
-              <a:t>“</a:t>
-            </a:r>
-            <a:r>
-              <a:rPr lang="en-US" dirty="0" err="1">
-                <a:solidFill>
-                  <a:srgbClr val="C00000"/>
-                </a:solidFill>
-              </a:rPr>
-              <a:t>pylab</a:t>
-            </a:r>
-            <a:r>
-              <a:rPr lang="en-US" i="1" dirty="0"/>
-              <a:t> is a convenience module that bulk imports </a:t>
-            </a:r>
-            <a:r>
-              <a:rPr lang="en-US" dirty="0" err="1">
-                <a:solidFill>
-                  <a:schemeClr val="accent1">
-                    <a:lumMod val="50000"/>
-                  </a:schemeClr>
-                </a:solidFill>
-              </a:rPr>
-              <a:t>matplotlib.pyplot</a:t>
-            </a:r>
-            <a:r>
-              <a:rPr lang="en-US" i="1" dirty="0"/>
-              <a:t> (for plotting) and </a:t>
-            </a:r>
-            <a:r>
-              <a:rPr lang="en-US" dirty="0" err="1">
-                <a:solidFill>
-                  <a:schemeClr val="accent1">
-                    <a:lumMod val="50000"/>
-                  </a:schemeClr>
-                </a:solidFill>
-              </a:rPr>
-              <a:t>numpy</a:t>
-            </a:r>
-            <a:r>
-              <a:rPr lang="en-US" i="1" dirty="0"/>
-              <a:t> (for mathematics and working with arrays) in a single name space. Although many examples use </a:t>
-            </a:r>
-            <a:r>
-              <a:rPr lang="en-US" i="1" dirty="0" err="1"/>
-              <a:t>pylab</a:t>
-            </a:r>
-            <a:r>
-              <a:rPr lang="en-US" i="1" dirty="0"/>
-              <a:t>, </a:t>
-            </a:r>
-            <a:r>
-              <a:rPr lang="en-US" i="1" dirty="0">
-                <a:solidFill>
-                  <a:srgbClr val="C00000"/>
-                </a:solidFill>
-              </a:rPr>
-              <a:t>it is no longer recommended</a:t>
-            </a:r>
-            <a:r>
-              <a:rPr lang="en-US" i="1" dirty="0"/>
-              <a:t>.”</a:t>
-            </a:r>
-          </a:p>
-        </p:txBody>
-      </p:sp>
-      <p:sp>
-        <p:nvSpPr>
-          <p:cNvPr id="5" name="Rectangle 4"/>
-          <p:cNvSpPr/>
-          <p:nvPr/>
-        </p:nvSpPr>
-        <p:spPr>
-          <a:xfrm>
-            <a:off x="8665002" y="6488668"/>
-            <a:ext cx="3457550" cy="369332"/>
-          </a:xfrm>
-          <a:prstGeom prst="rect">
-            <a:avLst/>
-          </a:prstGeom>
-        </p:spPr>
-        <p:txBody>
-          <a:bodyPr wrap="none">
-            <a:spAutoFit/>
-          </a:bodyPr>
-          <a:lstStyle/>
-          <a:p>
-            <a:r>
-              <a:rPr lang="en-US" dirty="0">
-                <a:hlinkClick r:id="rId3"/>
-              </a:rPr>
-              <a:t>matplotlib.org/</a:t>
-            </a:r>
-            <a:r>
-              <a:rPr lang="en-US" dirty="0" err="1">
-                <a:hlinkClick r:id="rId3"/>
-              </a:rPr>
-              <a:t>faq</a:t>
-            </a:r>
-            <a:r>
-              <a:rPr lang="en-US" dirty="0">
-                <a:hlinkClick r:id="rId3"/>
-              </a:rPr>
-              <a:t>/usage_faq.html</a:t>
-            </a:r>
-            <a:endParaRPr lang="en-US" dirty="0"/>
-          </a:p>
-        </p:txBody>
-      </p:sp>
-    </p:spTree>
-    <p:extLst>
-      <p:ext uri="{BB962C8B-B14F-4D97-AF65-F5344CB8AC3E}">
-        <p14:creationId xmlns:p14="http://schemas.microsoft.com/office/powerpoint/2010/main" val="1023447693"/>
-      </p:ext>
-    </p:extLst>
-  </p:cSld>
-  <p:clrMapOvr>
-    <a:masterClrMapping/>
-  </p:clrMapOvr>
-</p:sld>
-</file>
-
-<file path=ppt/slides/slide30.xml><?xml version="1.0" encoding="utf-8"?>
+<file path=ppt/slides/slide31.xml><?xml version="1.0" encoding="utf-8"?>
 <p:sld xmlns:a="http://schemas.openxmlformats.org/drawingml/2006/main" xmlns:r="http://schemas.openxmlformats.org/officeDocument/2006/relationships" xmlns:p="http://schemas.openxmlformats.org/presentationml/2006/main">
   <p:cSld>
     <p:spTree>
@@ -33288,7 +34872,7 @@
 </p:sld>
 </file>
 
-<file path=ppt/slides/slide31.xml><?xml version="1.0" encoding="utf-8"?>
+<file path=ppt/slides/slide32.xml><?xml version="1.0" encoding="utf-8"?>
 <p:sld xmlns:a="http://schemas.openxmlformats.org/drawingml/2006/main" xmlns:r="http://schemas.openxmlformats.org/officeDocument/2006/relationships" xmlns:p="http://schemas.openxmlformats.org/presentationml/2006/main">
   <p:cSld>
     <p:spTree>
@@ -38216,8 +39800,8 @@
           </a:prstGeom>
         </p:spPr>
       </p:pic>
-      <mc:AlternateContent xmlns:mc="http://schemas.openxmlformats.org/markup-compatibility/2006">
-        <mc:Choice xmlns:a14="http://schemas.microsoft.com/office/drawing/2010/main" Requires="a14">
+      <mc:AlternateContent xmlns:mc="http://schemas.openxmlformats.org/markup-compatibility/2006" xmlns:a14="http://schemas.microsoft.com/office/drawing/2010/main">
+        <mc:Choice Requires="a14">
           <p:sp>
             <p:nvSpPr>
               <p:cNvPr id="4" name="TextBox 3"/>
@@ -38420,7 +40004,7 @@
             </p:txBody>
           </p:sp>
         </mc:Choice>
-        <mc:Fallback>
+        <mc:Fallback xmlns="">
           <p:sp>
             <p:nvSpPr>
               <p:cNvPr id="4" name="TextBox 3"/>
@@ -39165,7 +40749,7 @@
           <p:nvPr>
             <p:extLst>
               <p:ext uri="{D42A27DB-BD31-4B8C-83A1-F6EECF244321}">
-                <p14:modId xmlns:p14="http://schemas.microsoft.com/office/powerpoint/2010/main" val="2750138221"/>
+                <p14:modId xmlns:p14="http://schemas.microsoft.com/office/powerpoint/2010/main" val="1433385590"/>
               </p:ext>
             </p:extLst>
           </p:nvPr>
@@ -40050,7 +41634,7 @@
                           <a:latin typeface="Courier New" panose="02070309020205020404" pitchFamily="49" charset="0"/>
                           <a:cs typeface="Courier New" panose="02070309020205020404" pitchFamily="49" charset="0"/>
                         </a:rPr>
-                        <a:t>) </a:t>
+                        <a:t>)  </a:t>
                       </a:r>
                       <a:r>
                         <a:rPr lang="en-US" sz="1800" b="1" baseline="0" dirty="0">
@@ -40150,7 +41734,7 @@
                           <a:latin typeface="Courier New" panose="02070309020205020404" pitchFamily="49" charset="0"/>
                           <a:cs typeface="Courier New" panose="02070309020205020404" pitchFamily="49" charset="0"/>
                         </a:rPr>
-                        <a:t>) </a:t>
+                        <a:t>)  </a:t>
                       </a:r>
                       <a:r>
                         <a:rPr lang="en-US" sz="1800" b="1" baseline="0" dirty="0">
@@ -40387,7 +41971,7 @@
                           <a:latin typeface="Courier New" panose="02070309020205020404" pitchFamily="49" charset="0"/>
                           <a:cs typeface="Courier New" panose="02070309020205020404" pitchFamily="49" charset="0"/>
                         </a:rPr>
-                        <a:t>=object) </a:t>
+                        <a:t>=object)  </a:t>
                       </a:r>
                       <a:r>
                         <a:rPr lang="en-US" sz="1800" b="1" baseline="0" dirty="0">
@@ -40460,7 +42044,7 @@
                           <a:latin typeface="Courier New" panose="02070309020205020404" pitchFamily="49" charset="0"/>
                           <a:cs typeface="Courier New" panose="02070309020205020404" pitchFamily="49" charset="0"/>
                         </a:rPr>
-                        <a:t>')</a:t>
+                        <a:t>') </a:t>
                       </a:r>
                       <a:endParaRPr lang="en-US" sz="1800" b="1" baseline="0" dirty="0">
                         <a:latin typeface="Courier New" panose="02070309020205020404" pitchFamily="49" charset="0"/>
@@ -40820,6 +42404,42 @@
           <a:chExt cx="0" cy="0"/>
         </a:xfrm>
       </p:grpSpPr>
+      <p:sp>
+        <p:nvSpPr>
+          <p:cNvPr id="2" name="Title 1"/>
+          <p:cNvSpPr>
+            <a:spLocks noGrp="1"/>
+          </p:cNvSpPr>
+          <p:nvPr>
+            <p:ph type="title"/>
+          </p:nvPr>
+        </p:nvSpPr>
+        <p:spPr>
+          <a:xfrm>
+            <a:off x="600696" y="592965"/>
+            <a:ext cx="10515600" cy="761670"/>
+          </a:xfrm>
+        </p:spPr>
+        <p:txBody>
+          <a:bodyPr/>
+          <a:lstStyle/>
+          <a:p>
+            <a:r>
+              <a:rPr lang="da-DK" dirty="0" err="1"/>
+              <a:t>Supported</a:t>
+            </a:r>
+            <a:r>
+              <a:rPr lang="da-DK" dirty="0"/>
+              <a:t> </a:t>
+            </a:r>
+            <a:r>
+              <a:rPr lang="da-DK" dirty="0" err="1"/>
+              <a:t>dtypes</a:t>
+            </a:r>
+            <a:endParaRPr lang="en-US" dirty="0"/>
+          </a:p>
+        </p:txBody>
+      </p:sp>
       <p:graphicFrame>
         <p:nvGraphicFramePr>
           <p:cNvPr id="4" name="Table 3"/>
@@ -40829,14 +42449,14 @@
           <p:nvPr>
             <p:extLst>
               <p:ext uri="{D42A27DB-BD31-4B8C-83A1-F6EECF244321}">
-                <p14:modId xmlns:p14="http://schemas.microsoft.com/office/powerpoint/2010/main" val="3581893593"/>
+                <p14:modId xmlns:p14="http://schemas.microsoft.com/office/powerpoint/2010/main" val="2045099847"/>
               </p:ext>
             </p:extLst>
           </p:nvPr>
         </p:nvGraphicFramePr>
         <p:xfrm>
-          <a:off x="268328" y="1919923"/>
-          <a:ext cx="11695430" cy="3666810"/>
+          <a:off x="703790" y="2685144"/>
+          <a:ext cx="10784420" cy="3514410"/>
         </p:xfrm>
         <a:graphic>
           <a:graphicData uri="http://schemas.openxmlformats.org/drawingml/2006/table">
@@ -40845,7 +42465,7 @@
                 <a:tableStyleId>{5C22544A-7EE6-4342-B048-85BDC9FD1C3A}</a:tableStyleId>
               </a:tblPr>
               <a:tblGrid>
-                <a:gridCol w="11695430">
+                <a:gridCol w="10784420">
                   <a:extLst>
                     <a:ext uri="{9D8B030D-6E8A-4147-A177-3AD203B41FA5}">
                       <a16:colId xmlns:a16="http://schemas.microsoft.com/office/drawing/2014/main" val="1873682825"/>
@@ -40860,27 +42480,27 @@
                     <a:lstStyle/>
                     <a:p>
                       <a:r>
-                        <a:rPr lang="da-DK" sz="1600" b="1" dirty="0" err="1">
+                        <a:rPr lang="da-DK" sz="1800" b="1" dirty="0" err="1">
                           <a:latin typeface="Courier New" panose="02070309020205020404" pitchFamily="49" charset="0"/>
                           <a:cs typeface="Courier New" panose="02070309020205020404" pitchFamily="49" charset="0"/>
                         </a:rPr>
                         <a:t>Python</a:t>
                       </a:r>
                       <a:r>
-                        <a:rPr lang="da-DK" sz="1600" b="1" dirty="0">
+                        <a:rPr lang="da-DK" sz="1800" b="1" dirty="0">
                           <a:latin typeface="Courier New" panose="02070309020205020404" pitchFamily="49" charset="0"/>
                           <a:cs typeface="Courier New" panose="02070309020205020404" pitchFamily="49" charset="0"/>
                         </a:rPr>
                         <a:t> </a:t>
                       </a:r>
                       <a:r>
-                        <a:rPr lang="da-DK" sz="1600" b="1" dirty="0" err="1">
+                        <a:rPr lang="da-DK" sz="1800" b="1" dirty="0" err="1">
                           <a:latin typeface="Courier New" panose="02070309020205020404" pitchFamily="49" charset="0"/>
                           <a:cs typeface="Courier New" panose="02070309020205020404" pitchFamily="49" charset="0"/>
                         </a:rPr>
                         <a:t>shell</a:t>
                       </a:r>
-                      <a:endParaRPr lang="da-DK" sz="1600" b="1" dirty="0">
+                      <a:endParaRPr lang="da-DK" sz="1800" b="1" dirty="0">
                         <a:latin typeface="Courier New" panose="02070309020205020404" pitchFamily="49" charset="0"/>
                         <a:cs typeface="Courier New" panose="02070309020205020404" pitchFamily="49" charset="0"/>
                       </a:endParaRPr>
@@ -40957,344 +42577,39 @@
                         <a:buChar char="&gt;"/>
                       </a:pPr>
                       <a:r>
-                        <a:rPr lang="pt-BR" sz="1600" b="1" baseline="0" dirty="0">
-                          <a:solidFill>
-                            <a:schemeClr val="tx1"/>
-                          </a:solidFill>
-                          <a:latin typeface="Courier New" panose="02070309020205020404" pitchFamily="49" charset="0"/>
-                          <a:cs typeface="Courier New" panose="02070309020205020404" pitchFamily="49" charset="0"/>
-                        </a:rPr>
-                        <a:t>for data_type in ['</a:t>
-                      </a:r>
-                      <a:r>
-                        <a:rPr lang="pt-BR" sz="1600" b="1" baseline="0" dirty="0">
-                          <a:solidFill>
-                            <a:srgbClr val="00B050"/>
-                          </a:solidFill>
-                          <a:latin typeface="Courier New" panose="02070309020205020404" pitchFamily="49" charset="0"/>
-                          <a:cs typeface="Courier New" panose="02070309020205020404" pitchFamily="49" charset="0"/>
-                        </a:rPr>
-                        <a:t>half</a:t>
-                      </a:r>
-                      <a:r>
-                        <a:rPr lang="pt-BR" sz="1600" b="1" baseline="0" dirty="0">
-                          <a:solidFill>
-                            <a:schemeClr val="tx1"/>
-                          </a:solidFill>
-                          <a:latin typeface="Courier New" panose="02070309020205020404" pitchFamily="49" charset="0"/>
-                          <a:cs typeface="Courier New" panose="02070309020205020404" pitchFamily="49" charset="0"/>
-                        </a:rPr>
-                        <a:t>', '</a:t>
-                      </a:r>
-                      <a:r>
-                        <a:rPr lang="pt-BR" sz="1600" b="1" baseline="0" dirty="0">
-                          <a:solidFill>
-                            <a:srgbClr val="00B050"/>
-                          </a:solidFill>
-                          <a:latin typeface="Courier New" panose="02070309020205020404" pitchFamily="49" charset="0"/>
-                          <a:cs typeface="Courier New" panose="02070309020205020404" pitchFamily="49" charset="0"/>
-                        </a:rPr>
-                        <a:t>float</a:t>
-                      </a:r>
-                      <a:r>
-                        <a:rPr lang="pt-BR" sz="1600" b="1" baseline="0" dirty="0">
-                          <a:solidFill>
-                            <a:schemeClr val="tx1"/>
-                          </a:solidFill>
-                          <a:latin typeface="Courier New" panose="02070309020205020404" pitchFamily="49" charset="0"/>
-                          <a:cs typeface="Courier New" panose="02070309020205020404" pitchFamily="49" charset="0"/>
-                        </a:rPr>
-                        <a:t>', '</a:t>
-                      </a:r>
-                      <a:r>
-                        <a:rPr lang="pt-BR" sz="1600" b="1" baseline="0" dirty="0">
-                          <a:solidFill>
-                            <a:srgbClr val="00B050"/>
-                          </a:solidFill>
-                          <a:latin typeface="Courier New" panose="02070309020205020404" pitchFamily="49" charset="0"/>
-                          <a:cs typeface="Courier New" panose="02070309020205020404" pitchFamily="49" charset="0"/>
-                        </a:rPr>
-                        <a:t>single</a:t>
-                      </a:r>
-                      <a:r>
-                        <a:rPr lang="pt-BR" sz="1600" b="1" baseline="0" dirty="0">
-                          <a:solidFill>
-                            <a:schemeClr val="tx1"/>
-                          </a:solidFill>
-                          <a:latin typeface="Courier New" panose="02070309020205020404" pitchFamily="49" charset="0"/>
-                          <a:cs typeface="Courier New" panose="02070309020205020404" pitchFamily="49" charset="0"/>
-                        </a:rPr>
-                        <a:t>', '</a:t>
-                      </a:r>
-                      <a:r>
-                        <a:rPr lang="pt-BR" sz="1600" b="1" baseline="0" dirty="0">
-                          <a:solidFill>
-                            <a:srgbClr val="00B050"/>
-                          </a:solidFill>
-                          <a:latin typeface="Courier New" panose="02070309020205020404" pitchFamily="49" charset="0"/>
-                          <a:cs typeface="Courier New" panose="02070309020205020404" pitchFamily="49" charset="0"/>
-                        </a:rPr>
-                        <a:t>double</a:t>
-                      </a:r>
-                      <a:r>
-                        <a:rPr lang="pt-BR" sz="1600" b="1" baseline="0" dirty="0">
-                          <a:solidFill>
-                            <a:schemeClr val="tx1"/>
-                          </a:solidFill>
-                          <a:latin typeface="Courier New" panose="02070309020205020404" pitchFamily="49" charset="0"/>
-                          <a:cs typeface="Courier New" panose="02070309020205020404" pitchFamily="49" charset="0"/>
-                        </a:rPr>
-                        <a:t>', '</a:t>
-                      </a:r>
-                      <a:r>
-                        <a:rPr lang="pt-BR" sz="1600" b="1" baseline="0" dirty="0">
-                          <a:solidFill>
-                            <a:srgbClr val="00B050"/>
-                          </a:solidFill>
-                          <a:latin typeface="Courier New" panose="02070309020205020404" pitchFamily="49" charset="0"/>
-                          <a:cs typeface="Courier New" panose="02070309020205020404" pitchFamily="49" charset="0"/>
-                        </a:rPr>
-                        <a:t>longdouble</a:t>
-                      </a:r>
-                      <a:r>
-                        <a:rPr lang="pt-BR" sz="1600" b="1" baseline="0" dirty="0">
-                          <a:solidFill>
-                            <a:schemeClr val="tx1"/>
-                          </a:solidFill>
-                          <a:latin typeface="Courier New" panose="02070309020205020404" pitchFamily="49" charset="0"/>
-                          <a:cs typeface="Courier New" panose="02070309020205020404" pitchFamily="49" charset="0"/>
-                        </a:rPr>
-                        <a:t>', '</a:t>
-                      </a:r>
-                      <a:r>
-                        <a:rPr lang="pt-BR" sz="1600" b="1" baseline="0" dirty="0">
-                          <a:solidFill>
-                            <a:srgbClr val="00B050"/>
-                          </a:solidFill>
-                          <a:latin typeface="Courier New" panose="02070309020205020404" pitchFamily="49" charset="0"/>
-                          <a:cs typeface="Courier New" panose="02070309020205020404" pitchFamily="49" charset="0"/>
-                        </a:rPr>
-                        <a:t>float32</a:t>
-                      </a:r>
-                      <a:r>
-                        <a:rPr lang="pt-BR" sz="1600" b="1" baseline="0" dirty="0">
-                          <a:solidFill>
-                            <a:schemeClr val="tx1"/>
-                          </a:solidFill>
-                          <a:latin typeface="Courier New" panose="02070309020205020404" pitchFamily="49" charset="0"/>
-                          <a:cs typeface="Courier New" panose="02070309020205020404" pitchFamily="49" charset="0"/>
-                        </a:rPr>
-                        <a:t>', '</a:t>
-                      </a:r>
-                      <a:r>
-                        <a:rPr lang="pt-BR" sz="1600" b="1" baseline="0" dirty="0">
-                          <a:solidFill>
-                            <a:srgbClr val="00B050"/>
-                          </a:solidFill>
-                          <a:latin typeface="Courier New" panose="02070309020205020404" pitchFamily="49" charset="0"/>
-                          <a:cs typeface="Courier New" panose="02070309020205020404" pitchFamily="49" charset="0"/>
-                        </a:rPr>
-                        <a:t>float64</a:t>
-                      </a:r>
-                      <a:r>
-                        <a:rPr lang="pt-BR" sz="1600" b="1" baseline="0" dirty="0">
-                          <a:solidFill>
-                            <a:schemeClr val="tx1"/>
-                          </a:solidFill>
-                          <a:latin typeface="Courier New" panose="02070309020205020404" pitchFamily="49" charset="0"/>
-                          <a:cs typeface="Courier New" panose="02070309020205020404" pitchFamily="49" charset="0"/>
-                        </a:rPr>
-                        <a:t>']:</a:t>
-                      </a:r>
-                    </a:p>
-                    <a:p>
-                      <a:pPr marL="265113" indent="0">
+                        <a:rPr lang="pt-BR" sz="1800" b="1" baseline="0" dirty="0">
+                          <a:latin typeface="Courier New" panose="02070309020205020404" pitchFamily="49" charset="0"/>
+                          <a:cs typeface="Courier New" panose="02070309020205020404" pitchFamily="49" charset="0"/>
+                        </a:rPr>
+                        <a:t>import numpy as np</a:t>
+                      </a:r>
+                    </a:p>
+                    <a:p>
+                      <a:pPr marL="266700" indent="-266700">
                         <a:buClr>
                           <a:srgbClr val="C00000"/>
                         </a:buClr>
                         <a:buSzPct val="100000"/>
-                        <a:buFontTx/>
-                        <a:buNone/>
+                        <a:buFont typeface="Courier New" panose="02070309020205020404" pitchFamily="49" charset="0"/>
+                        <a:buChar char="&gt;"/>
                       </a:pPr>
                       <a:r>
-                        <a:rPr lang="pt-BR" sz="1600" b="1" baseline="0" dirty="0">
-                          <a:solidFill>
-                            <a:schemeClr val="tx1"/>
-                          </a:solidFill>
-                          <a:latin typeface="Courier New" panose="02070309020205020404" pitchFamily="49" charset="0"/>
-                          <a:cs typeface="Courier New" panose="02070309020205020404" pitchFamily="49" charset="0"/>
-                        </a:rPr>
-                        <a:t>  x = </a:t>
-                      </a:r>
-                      <a:r>
-                        <a:rPr lang="pt-BR" sz="1600" b="1" baseline="0" dirty="0">
-                          <a:solidFill>
-                            <a:schemeClr val="accent1">
-                              <a:lumMod val="50000"/>
-                            </a:schemeClr>
-                          </a:solidFill>
-                          <a:latin typeface="Courier New" panose="02070309020205020404" pitchFamily="49" charset="0"/>
-                          <a:cs typeface="Courier New" panose="02070309020205020404" pitchFamily="49" charset="0"/>
-                        </a:rPr>
-                        <a:t>np</a:t>
-                      </a:r>
-                      <a:r>
-                        <a:rPr lang="pt-BR" sz="1600" b="1" baseline="0" dirty="0">
-                          <a:solidFill>
-                            <a:schemeClr val="tx1"/>
-                          </a:solidFill>
-                          <a:latin typeface="Courier New" panose="02070309020205020404" pitchFamily="49" charset="0"/>
-                          <a:cs typeface="Courier New" panose="02070309020205020404" pitchFamily="49" charset="0"/>
-                        </a:rPr>
-                        <a:t>.array([1], </a:t>
-                      </a:r>
-                      <a:r>
-                        <a:rPr lang="pt-BR" sz="1600" b="1" baseline="0" dirty="0">
-                          <a:solidFill>
-                            <a:srgbClr val="00B050"/>
-                          </a:solidFill>
-                          <a:latin typeface="Courier New" panose="02070309020205020404" pitchFamily="49" charset="0"/>
-                          <a:cs typeface="Courier New" panose="02070309020205020404" pitchFamily="49" charset="0"/>
-                        </a:rPr>
-                        <a:t>dtype=data_type</a:t>
-                      </a:r>
-                      <a:r>
-                        <a:rPr lang="pt-BR" sz="1600" b="1" baseline="0" dirty="0">
-                          <a:solidFill>
-                            <a:schemeClr val="tx1"/>
-                          </a:solidFill>
-                          <a:latin typeface="Courier New" panose="02070309020205020404" pitchFamily="49" charset="0"/>
-                          <a:cs typeface="Courier New" panose="02070309020205020404" pitchFamily="49" charset="0"/>
-                        </a:rPr>
-                        <a:t>)</a:t>
-                      </a:r>
-                    </a:p>
-                    <a:p>
-                      <a:pPr marL="265113" indent="0">
-                        <a:buClr>
-                          <a:srgbClr val="C00000"/>
-                        </a:buClr>
-                        <a:buSzPct val="100000"/>
-                        <a:buFontTx/>
-                        <a:buNone/>
-                      </a:pPr>
-                      <a:r>
-                        <a:rPr lang="pt-BR" sz="1600" b="1" baseline="0" dirty="0">
-                          <a:solidFill>
-                            <a:schemeClr val="tx1"/>
-                          </a:solidFill>
-                          <a:latin typeface="Courier New" panose="02070309020205020404" pitchFamily="49" charset="0"/>
-                          <a:cs typeface="Courier New" panose="02070309020205020404" pitchFamily="49" charset="0"/>
-                        </a:rPr>
-                        <a:t>  for i in range(100):</a:t>
-                      </a:r>
-                    </a:p>
-                    <a:p>
-                      <a:pPr marL="265113" indent="0">
-                        <a:buClr>
-                          <a:srgbClr val="C00000"/>
-                        </a:buClr>
-                        <a:buSzPct val="100000"/>
-                        <a:buFontTx/>
-                        <a:buNone/>
-                      </a:pPr>
-                      <a:r>
-                        <a:rPr lang="pt-BR" sz="1600" b="1" baseline="0" dirty="0">
-                          <a:solidFill>
-                            <a:schemeClr val="tx1"/>
-                          </a:solidFill>
-                          <a:latin typeface="Courier New" panose="02070309020205020404" pitchFamily="49" charset="0"/>
-                          <a:cs typeface="Courier New" panose="02070309020205020404" pitchFamily="49" charset="0"/>
-                        </a:rPr>
-                        <a:t>    if x == </a:t>
-                      </a:r>
-                      <a:r>
-                        <a:rPr lang="pt-BR" sz="1600" b="1" baseline="0" dirty="0">
+                        <a:rPr lang="pt-BR" sz="1800" b="1" baseline="0" dirty="0">
+                          <a:latin typeface="Courier New" panose="02070309020205020404" pitchFamily="49" charset="0"/>
+                          <a:cs typeface="Courier New" panose="02070309020205020404" pitchFamily="49" charset="0"/>
+                        </a:rPr>
+                        <a:t>np.</a:t>
+                      </a:r>
+                      <a:r>
+                        <a:rPr lang="pt-BR" sz="1800" b="1" baseline="0" dirty="0">
                           <a:solidFill>
                             <a:srgbClr val="C00000"/>
                           </a:solidFill>
                           <a:latin typeface="Courier New" panose="02070309020205020404" pitchFamily="49" charset="0"/>
                           <a:cs typeface="Courier New" panose="02070309020205020404" pitchFamily="49" charset="0"/>
                         </a:rPr>
-                        <a:t>x + (x / 2) ** i</a:t>
-                      </a:r>
-                      <a:r>
-                        <a:rPr lang="pt-BR" sz="1600" b="1" baseline="0" dirty="0">
-                          <a:solidFill>
-                            <a:schemeClr val="tx1"/>
-                          </a:solidFill>
-                          <a:latin typeface="Courier New" panose="02070309020205020404" pitchFamily="49" charset="0"/>
-                          <a:cs typeface="Courier New" panose="02070309020205020404" pitchFamily="49" charset="0"/>
-                        </a:rPr>
-                        <a:t>:</a:t>
-                      </a:r>
-                    </a:p>
-                    <a:p>
-                      <a:pPr marL="265113" indent="0">
-                        <a:buClr>
-                          <a:srgbClr val="C00000"/>
-                        </a:buClr>
-                        <a:buSzPct val="100000"/>
-                        <a:buFontTx/>
-                        <a:buNone/>
-                      </a:pPr>
-                      <a:r>
-                        <a:rPr lang="pt-BR" sz="1600" b="1" baseline="0" dirty="0">
-                          <a:solidFill>
-                            <a:schemeClr val="tx1"/>
-                          </a:solidFill>
-                          <a:latin typeface="Courier New" panose="02070309020205020404" pitchFamily="49" charset="0"/>
-                          <a:cs typeface="Courier New" panose="02070309020205020404" pitchFamily="49" charset="0"/>
-                        </a:rPr>
-                        <a:t>      break</a:t>
-                      </a:r>
-                    </a:p>
-                    <a:p>
-                      <a:pPr marL="265113" indent="0">
-                        <a:buClr>
-                          <a:srgbClr val="C00000"/>
-                        </a:buClr>
-                        <a:buSzPct val="100000"/>
-                        <a:buFontTx/>
-                        <a:buNone/>
-                      </a:pPr>
-                      <a:r>
-                        <a:rPr lang="pt-BR" sz="1600" b="1" baseline="0" dirty="0">
-                          <a:solidFill>
-                            <a:schemeClr val="tx1"/>
-                          </a:solidFill>
-                          <a:latin typeface="Courier New" panose="02070309020205020404" pitchFamily="49" charset="0"/>
-                          <a:cs typeface="Courier New" panose="02070309020205020404" pitchFamily="49" charset="0"/>
-                        </a:rPr>
-                        <a:t>  print(</a:t>
-                      </a:r>
-                      <a:r>
-                        <a:rPr lang="pt-BR" sz="1600" b="1" baseline="0" dirty="0">
-                          <a:solidFill>
-                            <a:srgbClr val="00B050"/>
-                          </a:solidFill>
-                          <a:latin typeface="Courier New" panose="02070309020205020404" pitchFamily="49" charset="0"/>
-                          <a:cs typeface="Courier New" panose="02070309020205020404" pitchFamily="49" charset="0"/>
-                        </a:rPr>
-                        <a:t>data_type</a:t>
-                      </a:r>
-                      <a:r>
-                        <a:rPr lang="pt-BR" sz="1600" b="1" baseline="0" dirty="0">
-                          <a:solidFill>
-                            <a:schemeClr val="tx1"/>
-                          </a:solidFill>
-                          <a:latin typeface="Courier New" panose="02070309020205020404" pitchFamily="49" charset="0"/>
-                          <a:cs typeface="Courier New" panose="02070309020205020404" pitchFamily="49" charset="0"/>
-                        </a:rPr>
-                        <a:t>, i - 1, 'bits mantissa')</a:t>
-                      </a:r>
-                      <a:endParaRPr lang="en-US" sz="1600" b="1" baseline="0" dirty="0">
-                        <a:solidFill>
-                          <a:schemeClr val="tx1"/>
-                        </a:solidFill>
-                        <a:latin typeface="Courier New" panose="02070309020205020404" pitchFamily="49" charset="0"/>
-                        <a:cs typeface="Courier New" panose="02070309020205020404" pitchFamily="49" charset="0"/>
-                      </a:endParaRPr>
+                        <a:t>sctypes</a:t>
+                      </a:r>
                     </a:p>
                     <a:p>
                       <a:pPr marL="266700" indent="-266700">
@@ -41308,248 +42623,116 @@
                         <a:buChar char="|"/>
                       </a:pPr>
                       <a:r>
-                        <a:rPr lang="pt-BR" sz="1600" b="1" baseline="0" dirty="0">
-                          <a:solidFill>
-                            <a:srgbClr val="00B050"/>
-                          </a:solidFill>
-                          <a:latin typeface="Courier New" panose="02070309020205020404" pitchFamily="49" charset="0"/>
-                          <a:cs typeface="Courier New" panose="02070309020205020404" pitchFamily="49" charset="0"/>
-                        </a:rPr>
-                        <a:t>half</a:t>
-                      </a:r>
-                      <a:r>
-                        <a:rPr lang="pt-BR" sz="1600" b="1" baseline="0" dirty="0">
-                          <a:solidFill>
-                            <a:schemeClr val="tx1"/>
-                          </a:solidFill>
-                          <a:latin typeface="Courier New" panose="02070309020205020404" pitchFamily="49" charset="0"/>
-                          <a:cs typeface="Courier New" panose="02070309020205020404" pitchFamily="49" charset="0"/>
-                        </a:rPr>
-                        <a:t> 10 bits mantissa</a:t>
-                      </a:r>
-                    </a:p>
-                    <a:p>
-                      <a:pPr marL="266700" indent="-266700">
-                        <a:buClr>
-                          <a:schemeClr val="accent1">
-                            <a:lumMod val="50000"/>
-                          </a:schemeClr>
-                        </a:buClr>
-                        <a:buSzPct val="120000"/>
-                        <a:buFont typeface="Courier New" panose="02070309020205020404" pitchFamily="49" charset="0"/>
-                        <a:buChar char="|"/>
-                      </a:pPr>
-                      <a:r>
-                        <a:rPr lang="pt-BR" sz="1600" b="1" baseline="0" dirty="0">
-                          <a:solidFill>
-                            <a:srgbClr val="00B050"/>
-                          </a:solidFill>
-                          <a:latin typeface="Courier New" panose="02070309020205020404" pitchFamily="49" charset="0"/>
-                          <a:cs typeface="Courier New" panose="02070309020205020404" pitchFamily="49" charset="0"/>
-                        </a:rPr>
-                        <a:t>float</a:t>
-                      </a:r>
-                      <a:r>
-                        <a:rPr lang="pt-BR" sz="1600" b="1" baseline="0" dirty="0">
-                          <a:solidFill>
-                            <a:schemeClr val="tx1"/>
-                          </a:solidFill>
-                          <a:latin typeface="Courier New" panose="02070309020205020404" pitchFamily="49" charset="0"/>
-                          <a:cs typeface="Courier New" panose="02070309020205020404" pitchFamily="49" charset="0"/>
-                        </a:rPr>
-                        <a:t> 52 bits mantissa</a:t>
-                      </a:r>
-                    </a:p>
-                    <a:p>
-                      <a:pPr marL="266700" indent="-266700">
-                        <a:buClr>
-                          <a:schemeClr val="accent1">
-                            <a:lumMod val="50000"/>
-                          </a:schemeClr>
-                        </a:buClr>
-                        <a:buSzPct val="120000"/>
-                        <a:buFont typeface="Courier New" panose="02070309020205020404" pitchFamily="49" charset="0"/>
-                        <a:buChar char="|"/>
-                      </a:pPr>
-                      <a:r>
-                        <a:rPr lang="pt-BR" sz="1600" b="1" baseline="0" dirty="0">
-                          <a:solidFill>
-                            <a:srgbClr val="00B050"/>
-                          </a:solidFill>
-                          <a:latin typeface="Courier New" panose="02070309020205020404" pitchFamily="49" charset="0"/>
-                          <a:cs typeface="Courier New" panose="02070309020205020404" pitchFamily="49" charset="0"/>
-                        </a:rPr>
-                        <a:t>single</a:t>
-                      </a:r>
-                      <a:r>
-                        <a:rPr lang="pt-BR" sz="1600" b="1" baseline="0" dirty="0">
-                          <a:solidFill>
-                            <a:schemeClr val="tx1"/>
-                          </a:solidFill>
-                          <a:latin typeface="Courier New" panose="02070309020205020404" pitchFamily="49" charset="0"/>
-                          <a:cs typeface="Courier New" panose="02070309020205020404" pitchFamily="49" charset="0"/>
-                        </a:rPr>
-                        <a:t> 23 bits mantissa</a:t>
-                      </a:r>
-                    </a:p>
-                    <a:p>
-                      <a:pPr marL="266700" indent="-266700">
-                        <a:buClr>
-                          <a:schemeClr val="accent1">
-                            <a:lumMod val="50000"/>
-                          </a:schemeClr>
-                        </a:buClr>
-                        <a:buSzPct val="120000"/>
-                        <a:buFont typeface="Courier New" panose="02070309020205020404" pitchFamily="49" charset="0"/>
-                        <a:buChar char="|"/>
-                      </a:pPr>
-                      <a:r>
-                        <a:rPr lang="pt-BR" sz="1600" b="1" baseline="0" dirty="0">
-                          <a:solidFill>
-                            <a:srgbClr val="00B050"/>
-                          </a:solidFill>
-                          <a:latin typeface="Courier New" panose="02070309020205020404" pitchFamily="49" charset="0"/>
-                          <a:cs typeface="Courier New" panose="02070309020205020404" pitchFamily="49" charset="0"/>
-                        </a:rPr>
-                        <a:t>double</a:t>
-                      </a:r>
-                      <a:r>
-                        <a:rPr lang="pt-BR" sz="1600" b="1" baseline="0" dirty="0">
-                          <a:solidFill>
-                            <a:schemeClr val="tx1"/>
-                          </a:solidFill>
-                          <a:latin typeface="Courier New" panose="02070309020205020404" pitchFamily="49" charset="0"/>
-                          <a:cs typeface="Courier New" panose="02070309020205020404" pitchFamily="49" charset="0"/>
-                        </a:rPr>
-                        <a:t> 52 bits mantissa</a:t>
-                      </a:r>
-                    </a:p>
-                    <a:p>
-                      <a:pPr marL="266700" indent="-266700">
-                        <a:buClr>
-                          <a:schemeClr val="accent1">
-                            <a:lumMod val="50000"/>
-                          </a:schemeClr>
-                        </a:buClr>
-                        <a:buSzPct val="120000"/>
-                        <a:buFont typeface="Courier New" panose="02070309020205020404" pitchFamily="49" charset="0"/>
-                        <a:buChar char="|"/>
-                      </a:pPr>
-                      <a:r>
-                        <a:rPr lang="pt-BR" sz="1600" b="1" baseline="0" dirty="0">
-                          <a:solidFill>
-                            <a:srgbClr val="00B050"/>
-                          </a:solidFill>
-                          <a:latin typeface="Courier New" panose="02070309020205020404" pitchFamily="49" charset="0"/>
-                          <a:cs typeface="Courier New" panose="02070309020205020404" pitchFamily="49" charset="0"/>
-                        </a:rPr>
-                        <a:t>longdouble</a:t>
-                      </a:r>
-                      <a:r>
-                        <a:rPr lang="pt-BR" sz="1600" b="1" baseline="0" dirty="0">
-                          <a:solidFill>
-                            <a:schemeClr val="tx1"/>
-                          </a:solidFill>
-                          <a:latin typeface="Courier New" panose="02070309020205020404" pitchFamily="49" charset="0"/>
-                          <a:cs typeface="Courier New" panose="02070309020205020404" pitchFamily="49" charset="0"/>
-                        </a:rPr>
-                        <a:t> 52 bits mantissa</a:t>
-                      </a:r>
-                    </a:p>
-                    <a:p>
-                      <a:pPr marL="266700" indent="-266700">
-                        <a:buClr>
-                          <a:schemeClr val="accent1">
-                            <a:lumMod val="50000"/>
-                          </a:schemeClr>
-                        </a:buClr>
-                        <a:buSzPct val="120000"/>
-                        <a:buFont typeface="Courier New" panose="02070309020205020404" pitchFamily="49" charset="0"/>
-                        <a:buChar char="|"/>
-                      </a:pPr>
-                      <a:r>
-                        <a:rPr lang="pt-BR" sz="1600" b="1" baseline="0" dirty="0">
-                          <a:solidFill>
-                            <a:srgbClr val="00B050"/>
-                          </a:solidFill>
-                          <a:latin typeface="Courier New" panose="02070309020205020404" pitchFamily="49" charset="0"/>
-                          <a:cs typeface="Courier New" panose="02070309020205020404" pitchFamily="49" charset="0"/>
-                        </a:rPr>
-                        <a:t>float32</a:t>
-                      </a:r>
-                      <a:r>
-                        <a:rPr lang="pt-BR" sz="1600" b="1" baseline="0" dirty="0">
-                          <a:solidFill>
-                            <a:schemeClr val="tx1"/>
-                          </a:solidFill>
-                          <a:latin typeface="Courier New" panose="02070309020205020404" pitchFamily="49" charset="0"/>
-                          <a:cs typeface="Courier New" panose="02070309020205020404" pitchFamily="49" charset="0"/>
-                        </a:rPr>
-                        <a:t> 23 bits mantissa            </a:t>
-                      </a:r>
-                      <a:r>
-                        <a:rPr lang="pt-BR" sz="1600" b="1" baseline="0" dirty="0">
-                          <a:solidFill>
-                            <a:schemeClr val="bg1">
-                              <a:lumMod val="50000"/>
-                            </a:schemeClr>
-                          </a:solidFill>
-                          <a:latin typeface="Courier New" panose="02070309020205020404" pitchFamily="49" charset="0"/>
-                          <a:cs typeface="Courier New" panose="02070309020205020404" pitchFamily="49" charset="0"/>
-                        </a:rPr>
-                        <a:t># platform independent</a:t>
-                      </a:r>
-                    </a:p>
-                    <a:p>
-                      <a:pPr marL="266700" indent="-266700">
-                        <a:buClr>
-                          <a:schemeClr val="accent1">
-                            <a:lumMod val="50000"/>
-                          </a:schemeClr>
-                        </a:buClr>
-                        <a:buSzPct val="120000"/>
-                        <a:buFont typeface="Courier New" panose="02070309020205020404" pitchFamily="49" charset="0"/>
-                        <a:buChar char="|"/>
-                      </a:pPr>
-                      <a:r>
-                        <a:rPr lang="pt-BR" sz="1600" b="1" baseline="0" dirty="0">
-                          <a:solidFill>
-                            <a:srgbClr val="00B050"/>
-                          </a:solidFill>
-                          <a:latin typeface="Courier New" panose="02070309020205020404" pitchFamily="49" charset="0"/>
-                          <a:cs typeface="Courier New" panose="02070309020205020404" pitchFamily="49" charset="0"/>
-                        </a:rPr>
-                        <a:t>float64</a:t>
-                      </a:r>
-                      <a:r>
-                        <a:rPr lang="pt-BR" sz="1600" b="1" baseline="0" dirty="0">
-                          <a:solidFill>
-                            <a:schemeClr val="tx1"/>
-                          </a:solidFill>
-                          <a:latin typeface="Courier New" panose="02070309020205020404" pitchFamily="49" charset="0"/>
-                          <a:cs typeface="Courier New" panose="02070309020205020404" pitchFamily="49" charset="0"/>
-                        </a:rPr>
-                        <a:t> 52 bits mantissa            </a:t>
-                      </a:r>
-                      <a:r>
-                        <a:rPr lang="pt-BR" sz="1600" b="1" baseline="0" dirty="0">
-                          <a:solidFill>
-                            <a:schemeClr val="bg1">
-                              <a:lumMod val="50000"/>
-                            </a:schemeClr>
-                          </a:solidFill>
-                          <a:latin typeface="Courier New" panose="02070309020205020404" pitchFamily="49" charset="0"/>
-                          <a:cs typeface="Courier New" panose="02070309020205020404" pitchFamily="49" charset="0"/>
-                        </a:rPr>
-                        <a:t># platform independent</a:t>
-                      </a:r>
-                      <a:endParaRPr lang="pt-BR" sz="1600" b="1" baseline="0" dirty="0">
-                        <a:solidFill>
-                          <a:schemeClr val="tx1"/>
-                        </a:solidFill>
-                        <a:latin typeface="Courier New" panose="02070309020205020404" pitchFamily="49" charset="0"/>
-                        <a:cs typeface="Courier New" panose="02070309020205020404" pitchFamily="49" charset="0"/>
-                      </a:endParaRPr>
+                        <a:rPr lang="pt-BR" sz="1800" b="1" baseline="0" dirty="0">
+                          <a:latin typeface="Courier New" panose="02070309020205020404" pitchFamily="49" charset="0"/>
+                          <a:cs typeface="Courier New" panose="02070309020205020404" pitchFamily="49" charset="0"/>
+                        </a:rPr>
+                        <a:t>{'int':    [&lt;class 'numpy.int8'&gt;, &lt;class 'numpy.int16'&gt;,</a:t>
+                      </a:r>
+                      <a:br>
+                        <a:rPr lang="pt-BR" sz="1800" b="1" baseline="0" dirty="0">
+                          <a:latin typeface="Courier New" panose="02070309020205020404" pitchFamily="49" charset="0"/>
+                          <a:cs typeface="Courier New" panose="02070309020205020404" pitchFamily="49" charset="0"/>
+                        </a:rPr>
+                      </a:br>
+                      <a:r>
+                        <a:rPr lang="pt-BR" sz="1800" b="1" baseline="0" dirty="0">
+                          <a:latin typeface="Courier New" panose="02070309020205020404" pitchFamily="49" charset="0"/>
+                          <a:cs typeface="Courier New" panose="02070309020205020404" pitchFamily="49" charset="0"/>
+                        </a:rPr>
+                        <a:t>            &lt;class 'numpy.int32'&gt;, &lt;class 'numpy.int64'&gt;], </a:t>
+                      </a:r>
+                      <a:br>
+                        <a:rPr lang="pt-BR" sz="1800" b="1" baseline="0" dirty="0">
+                          <a:latin typeface="Courier New" panose="02070309020205020404" pitchFamily="49" charset="0"/>
+                          <a:cs typeface="Courier New" panose="02070309020205020404" pitchFamily="49" charset="0"/>
+                        </a:rPr>
+                      </a:br>
+                      <a:r>
+                        <a:rPr lang="pt-BR" sz="1800" b="1" baseline="0" dirty="0">
+                          <a:latin typeface="Courier New" panose="02070309020205020404" pitchFamily="49" charset="0"/>
+                          <a:cs typeface="Courier New" panose="02070309020205020404" pitchFamily="49" charset="0"/>
+                        </a:rPr>
+                        <a:t>'uint':    [&lt;class 'numpy.uint8'&gt;, &lt;class 'numpy.uint16'&gt;, </a:t>
+                      </a:r>
+                      <a:br>
+                        <a:rPr lang="pt-BR" sz="1800" b="1" baseline="0" dirty="0">
+                          <a:latin typeface="Courier New" panose="02070309020205020404" pitchFamily="49" charset="0"/>
+                          <a:cs typeface="Courier New" panose="02070309020205020404" pitchFamily="49" charset="0"/>
+                        </a:rPr>
+                      </a:br>
+                      <a:r>
+                        <a:rPr lang="pt-BR" sz="1800" b="1" baseline="0" dirty="0">
+                          <a:latin typeface="Courier New" panose="02070309020205020404" pitchFamily="49" charset="0"/>
+                          <a:cs typeface="Courier New" panose="02070309020205020404" pitchFamily="49" charset="0"/>
+                        </a:rPr>
+                        <a:t>            &lt;class 'numpy.uint32'&gt;, &lt;class 'numpy.uint64'&gt;], </a:t>
+                      </a:r>
+                      <a:br>
+                        <a:rPr lang="pt-BR" sz="1800" b="1" baseline="0" dirty="0">
+                          <a:latin typeface="Courier New" panose="02070309020205020404" pitchFamily="49" charset="0"/>
+                          <a:cs typeface="Courier New" panose="02070309020205020404" pitchFamily="49" charset="0"/>
+                        </a:rPr>
+                      </a:br>
+                      <a:r>
+                        <a:rPr lang="pt-BR" sz="1800" b="1" baseline="0" dirty="0">
+                          <a:latin typeface="Courier New" panose="02070309020205020404" pitchFamily="49" charset="0"/>
+                          <a:cs typeface="Courier New" panose="02070309020205020404" pitchFamily="49" charset="0"/>
+                        </a:rPr>
+                        <a:t>'float':   [&lt;class 'numpy.float16'&gt;, &lt;class 'numpy.float32'&gt;, </a:t>
+                      </a:r>
+                      <a:br>
+                        <a:rPr lang="pt-BR" sz="1800" b="1" baseline="0" dirty="0">
+                          <a:latin typeface="Courier New" panose="02070309020205020404" pitchFamily="49" charset="0"/>
+                          <a:cs typeface="Courier New" panose="02070309020205020404" pitchFamily="49" charset="0"/>
+                        </a:rPr>
+                      </a:br>
+                      <a:r>
+                        <a:rPr lang="pt-BR" sz="1800" b="1" baseline="0" dirty="0">
+                          <a:latin typeface="Courier New" panose="02070309020205020404" pitchFamily="49" charset="0"/>
+                          <a:cs typeface="Courier New" panose="02070309020205020404" pitchFamily="49" charset="0"/>
+                        </a:rPr>
+                        <a:t>            &lt;class 'numpy.float64'&gt;], </a:t>
+                      </a:r>
+                      <a:br>
+                        <a:rPr lang="pt-BR" sz="1800" b="1" baseline="0" dirty="0">
+                          <a:latin typeface="Courier New" panose="02070309020205020404" pitchFamily="49" charset="0"/>
+                          <a:cs typeface="Courier New" panose="02070309020205020404" pitchFamily="49" charset="0"/>
+                        </a:rPr>
+                      </a:br>
+                      <a:r>
+                        <a:rPr lang="pt-BR" sz="1800" b="1" baseline="0" dirty="0">
+                          <a:latin typeface="Courier New" panose="02070309020205020404" pitchFamily="49" charset="0"/>
+                          <a:cs typeface="Courier New" panose="02070309020205020404" pitchFamily="49" charset="0"/>
+                        </a:rPr>
+                        <a:t>'complex': [&lt;class 'numpy.complex64'&gt;, &lt;class 'numpy.complex128'&gt;],</a:t>
+                      </a:r>
+                      <a:br>
+                        <a:rPr lang="pt-BR" sz="1800" b="1" baseline="0" dirty="0">
+                          <a:latin typeface="Courier New" panose="02070309020205020404" pitchFamily="49" charset="0"/>
+                          <a:cs typeface="Courier New" panose="02070309020205020404" pitchFamily="49" charset="0"/>
+                        </a:rPr>
+                      </a:br>
+                      <a:r>
+                        <a:rPr lang="pt-BR" sz="1800" b="1" baseline="0" dirty="0">
+                          <a:latin typeface="Courier New" panose="02070309020205020404" pitchFamily="49" charset="0"/>
+                          <a:cs typeface="Courier New" panose="02070309020205020404" pitchFamily="49" charset="0"/>
+                        </a:rPr>
+                        <a:t>'others':  [&lt;class 'bool'&gt;, &lt;class 'object'&gt;, &lt;class 'bytes'&gt;, </a:t>
+                      </a:r>
+                      <a:br>
+                        <a:rPr lang="pt-BR" sz="1800" b="1" baseline="0" dirty="0">
+                          <a:latin typeface="Courier New" panose="02070309020205020404" pitchFamily="49" charset="0"/>
+                          <a:cs typeface="Courier New" panose="02070309020205020404" pitchFamily="49" charset="0"/>
+                        </a:rPr>
+                      </a:br>
+                      <a:r>
+                        <a:rPr lang="pt-BR" sz="1800" b="1" baseline="0" dirty="0">
+                          <a:latin typeface="Courier New" panose="02070309020205020404" pitchFamily="49" charset="0"/>
+                          <a:cs typeface="Courier New" panose="02070309020205020404" pitchFamily="49" charset="0"/>
+                        </a:rPr>
+                        <a:t>            &lt;class 'str'&gt;, &lt;class 'numpy.void'&gt;]}</a:t>
+                      </a:r>
                     </a:p>
                   </a:txBody>
                   <a:tcPr>
@@ -41617,70 +42800,6 @@
       </p:graphicFrame>
       <p:sp>
         <p:nvSpPr>
-          <p:cNvPr id="2" name="Title 1"/>
-          <p:cNvSpPr>
-            <a:spLocks noGrp="1"/>
-          </p:cNvSpPr>
-          <p:nvPr>
-            <p:ph type="title"/>
-          </p:nvPr>
-        </p:nvSpPr>
-        <p:spPr>
-          <a:xfrm>
-            <a:off x="600696" y="103869"/>
-            <a:ext cx="10515600" cy="1325563"/>
-          </a:xfrm>
-        </p:spPr>
-        <p:txBody>
-          <a:bodyPr/>
-          <a:lstStyle/>
-          <a:p>
-            <a:r>
-              <a:rPr lang="da-DK" dirty="0" err="1"/>
-              <a:t>Mantissa</a:t>
-            </a:r>
-            <a:r>
-              <a:rPr lang="da-DK" dirty="0"/>
-              <a:t> </a:t>
-            </a:r>
-            <a:r>
-              <a:rPr lang="da-DK" dirty="0" err="1"/>
-              <a:t>size</a:t>
-            </a:r>
-            <a:r>
-              <a:rPr lang="da-DK" dirty="0"/>
-              <a:t> in </a:t>
-            </a:r>
-            <a:r>
-              <a:rPr lang="da-DK" dirty="0" err="1"/>
-              <a:t>various</a:t>
-            </a:r>
-            <a:r>
-              <a:rPr lang="da-DK" dirty="0"/>
-              <a:t> </a:t>
-            </a:r>
-            <a:r>
-              <a:rPr lang="da-DK" dirty="0" err="1"/>
-              <a:t>numpy</a:t>
-            </a:r>
-            <a:r>
-              <a:rPr lang="da-DK" dirty="0"/>
-              <a:t> </a:t>
-            </a:r>
-            <a:r>
-              <a:rPr lang="da-DK" dirty="0" err="1"/>
-              <a:t>floats</a:t>
-            </a:r>
-            <a:r>
-              <a:rPr lang="da-DK" dirty="0"/>
-              <a:t> </a:t>
-            </a:r>
-            <a:endParaRPr lang="en-US" dirty="0"/>
-          </a:p>
-        </p:txBody>
-      </p:sp>
-      <p:sp>
-        <p:nvSpPr>
           <p:cNvPr id="7" name="Rectangle 6"/>
           <p:cNvSpPr/>
           <p:nvPr/>
@@ -41705,256 +42824,94 @@
               <a:rPr lang="en-US" dirty="0">
                 <a:hlinkClick r:id="rId3"/>
               </a:rPr>
-              <a:t>docs.scipy.org/doc/numpy-1.13.0/user/basics.types.html</a:t>
+              <a:t>https://numpy.org/doc/stable/reference/arrays.scalars.html</a:t>
             </a:r>
             <a:endParaRPr lang="en-US" dirty="0"/>
           </a:p>
         </p:txBody>
       </p:sp>
-      <p:grpSp>
-        <p:nvGrpSpPr>
-          <p:cNvPr id="12" name="Group 11"/>
-          <p:cNvGrpSpPr/>
+      <p:sp>
+        <p:nvSpPr>
+          <p:cNvPr id="10" name="Content Placeholder 2">
+            <a:extLst>
+              <a:ext uri="{FF2B5EF4-FFF2-40B4-BE49-F238E27FC236}">
+                <a16:creationId xmlns:a16="http://schemas.microsoft.com/office/drawing/2014/main" id="{40C16040-C9A5-A366-CE73-A03CC8D4C027}"/>
+              </a:ext>
+            </a:extLst>
+          </p:cNvPr>
+          <p:cNvSpPr>
+            <a:spLocks noGrp="1"/>
+          </p:cNvSpPr>
+          <p:nvPr>
+            <p:ph idx="1"/>
+          </p:nvPr>
+        </p:nvSpPr>
+        <p:spPr>
+          <a:xfrm>
+            <a:off x="838200" y="1825625"/>
+            <a:ext cx="10515600" cy="600075"/>
+          </a:xfrm>
+        </p:spPr>
+        <p:txBody>
+          <a:bodyPr/>
+          <a:lstStyle/>
+          <a:p>
+            <a:r>
+              <a:rPr lang="en-US" dirty="0"/>
+              <a:t>The supported </a:t>
+            </a:r>
+            <a:r>
+              <a:rPr lang="en-US" dirty="0" err="1"/>
+              <a:t>dtypes</a:t>
+            </a:r>
+            <a:r>
+              <a:rPr lang="en-US" dirty="0"/>
+              <a:t> is platform dependent</a:t>
+            </a:r>
+            <a:endParaRPr lang="da-DK" dirty="0"/>
+          </a:p>
+        </p:txBody>
+      </p:sp>
+      <p:pic>
+        <p:nvPicPr>
+          <p:cNvPr id="11" name="Picture 10">
+            <a:extLst>
+              <a:ext uri="{FF2B5EF4-FFF2-40B4-BE49-F238E27FC236}">
+                <a16:creationId xmlns:a16="http://schemas.microsoft.com/office/drawing/2014/main" id="{28095352-3BFA-56A0-BE47-AAC9F26B1166}"/>
+              </a:ext>
+            </a:extLst>
+          </p:cNvPr>
+          <p:cNvPicPr>
+            <a:picLocks noChangeAspect="1"/>
+          </p:cNvPicPr>
           <p:nvPr/>
-        </p:nvGrpSpPr>
-        <p:grpSpPr>
+        </p:nvPicPr>
+        <p:blipFill>
+          <a:blip r:embed="rId4" cstate="print">
+            <a:extLst>
+              <a:ext uri="{28A0092B-C50C-407E-A947-70E740481C1C}">
+                <a14:useLocalDpi xmlns:a14="http://schemas.microsoft.com/office/drawing/2010/main" val="0"/>
+              </a:ext>
+            </a:extLst>
+          </a:blip>
+          <a:stretch>
+            <a:fillRect/>
+          </a:stretch>
+        </p:blipFill>
+        <p:spPr>
           <a:xfrm>
-            <a:off x="8061015" y="3291663"/>
-            <a:ext cx="1934210" cy="923330"/>
-            <a:chOff x="6414052" y="2736539"/>
-            <a:chExt cx="1934210" cy="923330"/>
+            <a:off x="283706" y="1816937"/>
+            <a:ext cx="487666" cy="405904"/>
           </a:xfrm>
-        </p:grpSpPr>
-        <p:sp>
-          <p:nvSpPr>
-            <p:cNvPr id="3" name="TextBox 2"/>
-            <p:cNvSpPr txBox="1"/>
-            <p:nvPr/>
-          </p:nvSpPr>
-          <p:spPr>
-            <a:xfrm>
-              <a:off x="6414052" y="2736539"/>
-              <a:ext cx="1934210" cy="923330"/>
-            </a:xfrm>
-            <a:prstGeom prst="rect">
-              <a:avLst/>
-            </a:prstGeom>
-            <a:solidFill>
-              <a:schemeClr val="bg1">
-                <a:lumMod val="85000"/>
-              </a:schemeClr>
-            </a:solidFill>
-            <a:ln>
-              <a:solidFill>
-                <a:schemeClr val="tx1"/>
-              </a:solidFill>
-            </a:ln>
-          </p:spPr>
-          <p:txBody>
-            <a:bodyPr wrap="square" tIns="0" bIns="0" rtlCol="0">
-              <a:spAutoFit/>
-            </a:bodyPr>
-            <a:lstStyle/>
-            <a:p>
-              <a:pPr>
-                <a:lnSpc>
-                  <a:spcPts val="2400"/>
-                </a:lnSpc>
-                <a:spcBef>
-                  <a:spcPts val="600"/>
-                </a:spcBef>
-              </a:pPr>
-              <a:r>
-                <a:rPr lang="en-US" dirty="0">
-                  <a:solidFill>
-                    <a:srgbClr val="C00000"/>
-                  </a:solidFill>
-                  <a:cs typeface="Courier New" panose="02070309020205020404" pitchFamily="49" charset="0"/>
-                </a:rPr>
-                <a:t>          mantissa</a:t>
-              </a:r>
-            </a:p>
-            <a:p>
-              <a:pPr>
-                <a:lnSpc>
-                  <a:spcPts val="2400"/>
-                </a:lnSpc>
-              </a:pPr>
-              <a:r>
-                <a:rPr lang="en-US" b="1" dirty="0">
-                  <a:solidFill>
-                    <a:srgbClr val="C00000"/>
-                  </a:solidFill>
-                  <a:latin typeface="Courier New" panose="02070309020205020404" pitchFamily="49" charset="0"/>
-                  <a:cs typeface="Courier New" panose="02070309020205020404" pitchFamily="49" charset="0"/>
-                </a:rPr>
-                <a:t>1.0000100000</a:t>
-              </a:r>
-              <a:r>
-                <a:rPr lang="en-US" b="1" baseline="-25000" dirty="0">
-                  <a:solidFill>
-                    <a:srgbClr val="C00000"/>
-                  </a:solidFill>
-                  <a:latin typeface="Courier New" panose="02070309020205020404" pitchFamily="49" charset="0"/>
-                  <a:cs typeface="Courier New" panose="02070309020205020404" pitchFamily="49" charset="0"/>
-                </a:rPr>
-                <a:t>2</a:t>
-              </a:r>
-            </a:p>
-            <a:p>
-              <a:pPr>
-                <a:lnSpc>
-                  <a:spcPts val="2400"/>
-                </a:lnSpc>
-              </a:pPr>
-              <a:r>
-                <a:rPr lang="en-US" b="1" dirty="0">
-                  <a:solidFill>
-                    <a:srgbClr val="C00000"/>
-                  </a:solidFill>
-                  <a:latin typeface="Courier New" panose="02070309020205020404" pitchFamily="49" charset="0"/>
-                  <a:cs typeface="Courier New" panose="02070309020205020404" pitchFamily="49" charset="0"/>
-                </a:rPr>
-                <a:t>    i</a:t>
-              </a:r>
-            </a:p>
-          </p:txBody>
-        </p:sp>
-        <p:sp>
-          <p:nvSpPr>
-            <p:cNvPr id="10" name="Left Brace 9"/>
-            <p:cNvSpPr/>
-            <p:nvPr/>
-          </p:nvSpPr>
-          <p:spPr>
-            <a:xfrm rot="16200000">
-              <a:off x="7088195" y="2999588"/>
-              <a:ext cx="58779" cy="648000"/>
-            </a:xfrm>
-            <a:prstGeom prst="leftBrace">
-              <a:avLst>
-                <a:gd name="adj1" fmla="val 67926"/>
-                <a:gd name="adj2" fmla="val 50000"/>
-              </a:avLst>
-            </a:prstGeom>
-            <a:ln>
-              <a:solidFill>
-                <a:srgbClr val="C00000"/>
-              </a:solidFill>
-            </a:ln>
-          </p:spPr>
-          <p:style>
-            <a:lnRef idx="1">
-              <a:schemeClr val="accent1"/>
-            </a:lnRef>
-            <a:fillRef idx="0">
-              <a:schemeClr val="accent1"/>
-            </a:fillRef>
-            <a:effectRef idx="0">
-              <a:schemeClr val="accent1"/>
-            </a:effectRef>
-            <a:fontRef idx="minor">
-              <a:schemeClr val="tx1"/>
-            </a:fontRef>
-          </p:style>
-          <p:txBody>
-            <a:bodyPr rtlCol="0" anchor="ctr"/>
-            <a:lstStyle/>
-            <a:p>
-              <a:pPr algn="ctr"/>
-              <a:endParaRPr lang="en-US"/>
-            </a:p>
-          </p:txBody>
-        </p:sp>
-        <p:sp>
-          <p:nvSpPr>
-            <p:cNvPr id="11" name="Left Brace 10"/>
-            <p:cNvSpPr/>
-            <p:nvPr/>
-          </p:nvSpPr>
-          <p:spPr>
-            <a:xfrm rot="16200000" flipH="1">
-              <a:off x="7430784" y="2401054"/>
-              <a:ext cx="57600" cy="1332000"/>
-            </a:xfrm>
-            <a:prstGeom prst="leftBrace">
-              <a:avLst>
-                <a:gd name="adj1" fmla="val 67926"/>
-                <a:gd name="adj2" fmla="val 50000"/>
-              </a:avLst>
-            </a:prstGeom>
-            <a:ln>
-              <a:solidFill>
-                <a:srgbClr val="C00000"/>
-              </a:solidFill>
-            </a:ln>
-          </p:spPr>
-          <p:style>
-            <a:lnRef idx="1">
-              <a:schemeClr val="accent1"/>
-            </a:lnRef>
-            <a:fillRef idx="0">
-              <a:schemeClr val="accent1"/>
-            </a:fillRef>
-            <a:effectRef idx="0">
-              <a:schemeClr val="accent1"/>
-            </a:effectRef>
-            <a:fontRef idx="minor">
-              <a:schemeClr val="tx1"/>
-            </a:fontRef>
-          </p:style>
-          <p:txBody>
-            <a:bodyPr rtlCol="0" anchor="ctr"/>
-            <a:lstStyle/>
-            <a:p>
-              <a:pPr algn="ctr"/>
-              <a:endParaRPr lang="en-US"/>
-            </a:p>
-          </p:txBody>
-        </p:sp>
-      </p:grpSp>
-      <p:cxnSp>
-        <p:nvCxnSpPr>
-          <p:cNvPr id="13" name="Straight Arrow Connector 12"/>
-          <p:cNvCxnSpPr>
-            <a:stCxn id="3" idx="1"/>
-          </p:cNvCxnSpPr>
-          <p:nvPr/>
-        </p:nvCxnSpPr>
-        <p:spPr>
-          <a:xfrm flipH="1" flipV="1">
-            <a:off x="4166797" y="3240005"/>
-            <a:ext cx="3894218" cy="513323"/>
-          </a:xfrm>
-          <a:prstGeom prst="straightConnector1">
+          <a:prstGeom prst="rect">
             <a:avLst/>
           </a:prstGeom>
-          <a:ln>
-            <a:solidFill>
-              <a:srgbClr val="C00000"/>
-            </a:solidFill>
-            <a:tailEnd type="triangle"/>
-          </a:ln>
         </p:spPr>
-        <p:style>
-          <a:lnRef idx="1">
-            <a:schemeClr val="accent1"/>
-          </a:lnRef>
-          <a:fillRef idx="0">
-            <a:schemeClr val="accent1"/>
-          </a:fillRef>
-          <a:effectRef idx="0">
-            <a:schemeClr val="accent1"/>
-          </a:effectRef>
-          <a:fontRef idx="minor">
-            <a:schemeClr val="tx1"/>
-          </a:fontRef>
-        </p:style>
-      </p:cxnSp>
+      </p:pic>
     </p:spTree>
     <p:extLst>
       <p:ext uri="{BB962C8B-B14F-4D97-AF65-F5344CB8AC3E}">
-        <p14:creationId xmlns:p14="http://schemas.microsoft.com/office/powerpoint/2010/main" val="12591899"/>
+        <p14:creationId xmlns:p14="http://schemas.microsoft.com/office/powerpoint/2010/main" val="1808197162"/>
       </p:ext>
     </p:extLst>
   </p:cSld>

--- a/ipsa/slides/numpy.pptx
+++ b/ipsa/slides/numpy.pptx
@@ -146,6 +146,14 @@
 </p:presentation>
 </file>
 
+<file path=ppt/revisionInfo.xml><?xml version="1.0" encoding="utf-8"?>
+<p1510:revInfo xmlns:a="http://schemas.openxmlformats.org/drawingml/2006/main" xmlns:r="http://schemas.openxmlformats.org/officeDocument/2006/relationships" xmlns:p1510="http://schemas.microsoft.com/office/powerpoint/2015/10/main">
+  <p1510:revLst>
+    <p1510:client id="{E52E23E9-4768-40CE-B370-48443915BC4B}" v="7" dt="2025-03-26T08:12:11.989"/>
+  </p1510:revLst>
+</p1510:revInfo>
+</file>
+
 <file path=ppt/changesInfos/changesInfo1.xml><?xml version="1.0" encoding="utf-8"?>
 <pc:chgInfo xmlns:a="http://schemas.openxmlformats.org/drawingml/2006/main" xmlns:r="http://schemas.openxmlformats.org/officeDocument/2006/relationships" xmlns:ac="http://schemas.microsoft.com/office/drawing/2013/main/command" xmlns:pc="http://schemas.microsoft.com/office/powerpoint/2013/main/command">
   <pc:docChgLst>
@@ -161,14 +169,6 @@
           <pc:docMk/>
           <pc:sldMk cId="3157069365" sldId="740"/>
         </pc:sldMkLst>
-        <pc:spChg chg="mod">
-          <ac:chgData name="Gerth Stølting Brodal" userId="04ef4784-6591-4f86-a140-f5c3b108582a" providerId="ADAL" clId="{0BAB94BD-0E9F-4ADC-9293-77F5DC9D0D68}" dt="2024-04-08T07:50:28.309" v="42" actId="20577"/>
-          <ac:spMkLst>
-            <pc:docMk/>
-            <pc:sldMk cId="3157069365" sldId="740"/>
-            <ac:spMk id="3" creationId="{00000000-0000-0000-0000-000000000000}"/>
-          </ac:spMkLst>
-        </pc:spChg>
       </pc:sldChg>
       <pc:sldChg chg="modNotesTx">
         <pc:chgData name="Gerth Stølting Brodal" userId="04ef4784-6591-4f86-a140-f5c3b108582a" providerId="ADAL" clId="{0BAB94BD-0E9F-4ADC-9293-77F5DC9D0D68}" dt="2024-04-08T07:17:49.620" v="41" actId="20577"/>
@@ -183,14 +183,6 @@
           <pc:docMk/>
           <pc:sldMk cId="2510596143" sldId="755"/>
         </pc:sldMkLst>
-        <pc:graphicFrameChg chg="mod modGraphic">
-          <ac:chgData name="Gerth Stølting Brodal" userId="04ef4784-6591-4f86-a140-f5c3b108582a" providerId="ADAL" clId="{0BAB94BD-0E9F-4ADC-9293-77F5DC9D0D68}" dt="2024-04-08T12:25:42.513" v="60" actId="20577"/>
-          <ac:graphicFrameMkLst>
-            <pc:docMk/>
-            <pc:sldMk cId="2510596143" sldId="755"/>
-            <ac:graphicFrameMk id="4" creationId="{00000000-0000-0000-0000-000000000000}"/>
-          </ac:graphicFrameMkLst>
-        </pc:graphicFrameChg>
       </pc:sldChg>
     </pc:docChg>
   </pc:docChgLst>
@@ -207,14 +199,6 @@
           <pc:docMk/>
           <pc:sldMk cId="1557432263" sldId="751"/>
         </pc:sldMkLst>
-        <pc:spChg chg="mod">
-          <ac:chgData name="Gerth Stølting Brodal" userId="04ef4784-6591-4f86-a140-f5c3b108582a" providerId="ADAL" clId="{F316340A-942C-45D6-9D7E-5900E7876E8F}" dt="2023-03-29T13:04:07.364" v="187" actId="20577"/>
-          <ac:spMkLst>
-            <pc:docMk/>
-            <pc:sldMk cId="1557432263" sldId="751"/>
-            <ac:spMk id="4" creationId="{00000000-0000-0000-0000-000000000000}"/>
-          </ac:spMkLst>
-        </pc:spChg>
       </pc:sldChg>
       <pc:sldChg chg="modSp mod">
         <pc:chgData name="Gerth Stølting Brodal" userId="04ef4784-6591-4f86-a140-f5c3b108582a" providerId="ADAL" clId="{F316340A-942C-45D6-9D7E-5900E7876E8F}" dt="2023-04-12T07:51:50.733" v="197" actId="20577"/>
@@ -222,46 +206,6 @@
           <pc:docMk/>
           <pc:sldMk cId="4115646034" sldId="753"/>
         </pc:sldMkLst>
-        <pc:spChg chg="mod">
-          <ac:chgData name="Gerth Stølting Brodal" userId="04ef4784-6591-4f86-a140-f5c3b108582a" providerId="ADAL" clId="{F316340A-942C-45D6-9D7E-5900E7876E8F}" dt="2023-03-29T10:36:49.113" v="71" actId="1037"/>
-          <ac:spMkLst>
-            <pc:docMk/>
-            <pc:sldMk cId="4115646034" sldId="753"/>
-            <ac:spMk id="5" creationId="{00000000-0000-0000-0000-000000000000}"/>
-          </ac:spMkLst>
-        </pc:spChg>
-        <pc:spChg chg="mod">
-          <ac:chgData name="Gerth Stølting Brodal" userId="04ef4784-6591-4f86-a140-f5c3b108582a" providerId="ADAL" clId="{F316340A-942C-45D6-9D7E-5900E7876E8F}" dt="2023-03-29T10:39:58.718" v="77" actId="113"/>
-          <ac:spMkLst>
-            <pc:docMk/>
-            <pc:sldMk cId="4115646034" sldId="753"/>
-            <ac:spMk id="7" creationId="{00000000-0000-0000-0000-000000000000}"/>
-          </ac:spMkLst>
-        </pc:spChg>
-        <pc:graphicFrameChg chg="modGraphic">
-          <ac:chgData name="Gerth Stølting Brodal" userId="04ef4784-6591-4f86-a140-f5c3b108582a" providerId="ADAL" clId="{F316340A-942C-45D6-9D7E-5900E7876E8F}" dt="2023-04-12T07:51:50.733" v="197" actId="20577"/>
-          <ac:graphicFrameMkLst>
-            <pc:docMk/>
-            <pc:sldMk cId="4115646034" sldId="753"/>
-            <ac:graphicFrameMk id="4" creationId="{00000000-0000-0000-0000-000000000000}"/>
-          </ac:graphicFrameMkLst>
-        </pc:graphicFrameChg>
-        <pc:picChg chg="mod">
-          <ac:chgData name="Gerth Stølting Brodal" userId="04ef4784-6591-4f86-a140-f5c3b108582a" providerId="ADAL" clId="{F316340A-942C-45D6-9D7E-5900E7876E8F}" dt="2023-03-29T10:36:49.113" v="71" actId="1037"/>
-          <ac:picMkLst>
-            <pc:docMk/>
-            <pc:sldMk cId="4115646034" sldId="753"/>
-            <ac:picMk id="6" creationId="{00000000-0000-0000-0000-000000000000}"/>
-          </ac:picMkLst>
-        </pc:picChg>
-        <pc:picChg chg="mod">
-          <ac:chgData name="Gerth Stølting Brodal" userId="04ef4784-6591-4f86-a140-f5c3b108582a" providerId="ADAL" clId="{F316340A-942C-45D6-9D7E-5900E7876E8F}" dt="2023-03-29T10:36:39.507" v="57" actId="1076"/>
-          <ac:picMkLst>
-            <pc:docMk/>
-            <pc:sldMk cId="4115646034" sldId="753"/>
-            <ac:picMk id="8" creationId="{00000000-0000-0000-0000-000000000000}"/>
-          </ac:picMkLst>
-        </pc:picChg>
       </pc:sldChg>
       <pc:sldChg chg="addSp modSp mod modNotesTx">
         <pc:chgData name="Gerth Stølting Brodal" userId="04ef4784-6591-4f86-a140-f5c3b108582a" providerId="ADAL" clId="{F316340A-942C-45D6-9D7E-5900E7876E8F}" dt="2023-03-29T10:43:20.610" v="94" actId="1035"/>
@@ -269,22 +213,6 @@
           <pc:docMk/>
           <pc:sldMk cId="822157407" sldId="754"/>
         </pc:sldMkLst>
-        <pc:graphicFrameChg chg="mod modGraphic">
-          <ac:chgData name="Gerth Stølting Brodal" userId="04ef4784-6591-4f86-a140-f5c3b108582a" providerId="ADAL" clId="{F316340A-942C-45D6-9D7E-5900E7876E8F}" dt="2023-03-29T10:42:50.271" v="90"/>
-          <ac:graphicFrameMkLst>
-            <pc:docMk/>
-            <pc:sldMk cId="822157407" sldId="754"/>
-            <ac:graphicFrameMk id="4" creationId="{00000000-0000-0000-0000-000000000000}"/>
-          </ac:graphicFrameMkLst>
-        </pc:graphicFrameChg>
-        <pc:picChg chg="add mod">
-          <ac:chgData name="Gerth Stølting Brodal" userId="04ef4784-6591-4f86-a140-f5c3b108582a" providerId="ADAL" clId="{F316340A-942C-45D6-9D7E-5900E7876E8F}" dt="2023-03-29T10:43:20.610" v="94" actId="1035"/>
-          <ac:picMkLst>
-            <pc:docMk/>
-            <pc:sldMk cId="822157407" sldId="754"/>
-            <ac:picMk id="3" creationId="{71193D85-B494-3907-983F-971117A48141}"/>
-          </ac:picMkLst>
-        </pc:picChg>
       </pc:sldChg>
       <pc:sldChg chg="modSp mod">
         <pc:chgData name="Gerth Stølting Brodal" userId="04ef4784-6591-4f86-a140-f5c3b108582a" providerId="ADAL" clId="{F316340A-942C-45D6-9D7E-5900E7876E8F}" dt="2023-03-29T10:49:44.643" v="95" actId="20577"/>
@@ -292,14 +220,6 @@
           <pc:docMk/>
           <pc:sldMk cId="601737075" sldId="757"/>
         </pc:sldMkLst>
-        <pc:graphicFrameChg chg="modGraphic">
-          <ac:chgData name="Gerth Stølting Brodal" userId="04ef4784-6591-4f86-a140-f5c3b108582a" providerId="ADAL" clId="{F316340A-942C-45D6-9D7E-5900E7876E8F}" dt="2023-03-29T10:49:44.643" v="95" actId="20577"/>
-          <ac:graphicFrameMkLst>
-            <pc:docMk/>
-            <pc:sldMk cId="601737075" sldId="757"/>
-            <ac:graphicFrameMk id="4" creationId="{00000000-0000-0000-0000-000000000000}"/>
-          </ac:graphicFrameMkLst>
-        </pc:graphicFrameChg>
       </pc:sldChg>
       <pc:sldChg chg="modSp mod modNotesTx">
         <pc:chgData name="Gerth Stølting Brodal" userId="04ef4784-6591-4f86-a140-f5c3b108582a" providerId="ADAL" clId="{F316340A-942C-45D6-9D7E-5900E7876E8F}" dt="2023-04-12T10:58:33.252" v="666" actId="20577"/>
@@ -307,14 +227,6 @@
           <pc:docMk/>
           <pc:sldMk cId="1886750958" sldId="758"/>
         </pc:sldMkLst>
-        <pc:graphicFrameChg chg="modGraphic">
-          <ac:chgData name="Gerth Stølting Brodal" userId="04ef4784-6591-4f86-a140-f5c3b108582a" providerId="ADAL" clId="{F316340A-942C-45D6-9D7E-5900E7876E8F}" dt="2023-04-12T10:55:30.991" v="511" actId="2161"/>
-          <ac:graphicFrameMkLst>
-            <pc:docMk/>
-            <pc:sldMk cId="1886750958" sldId="758"/>
-            <ac:graphicFrameMk id="4" creationId="{00000000-0000-0000-0000-000000000000}"/>
-          </ac:graphicFrameMkLst>
-        </pc:graphicFrameChg>
       </pc:sldChg>
       <pc:sldChg chg="modSp mod">
         <pc:chgData name="Gerth Stølting Brodal" userId="04ef4784-6591-4f86-a140-f5c3b108582a" providerId="ADAL" clId="{F316340A-942C-45D6-9D7E-5900E7876E8F}" dt="2023-03-29T10:51:34.765" v="97" actId="1076"/>
@@ -322,22 +234,6 @@
           <pc:docMk/>
           <pc:sldMk cId="2008844095" sldId="763"/>
         </pc:sldMkLst>
-        <pc:spChg chg="mod">
-          <ac:chgData name="Gerth Stølting Brodal" userId="04ef4784-6591-4f86-a140-f5c3b108582a" providerId="ADAL" clId="{F316340A-942C-45D6-9D7E-5900E7876E8F}" dt="2023-03-29T10:51:20.113" v="96" actId="14100"/>
-          <ac:spMkLst>
-            <pc:docMk/>
-            <pc:sldMk cId="2008844095" sldId="763"/>
-            <ac:spMk id="5" creationId="{00000000-0000-0000-0000-000000000000}"/>
-          </ac:spMkLst>
-        </pc:spChg>
-        <pc:picChg chg="mod">
-          <ac:chgData name="Gerth Stølting Brodal" userId="04ef4784-6591-4f86-a140-f5c3b108582a" providerId="ADAL" clId="{F316340A-942C-45D6-9D7E-5900E7876E8F}" dt="2023-03-29T10:51:34.765" v="97" actId="1076"/>
-          <ac:picMkLst>
-            <pc:docMk/>
-            <pc:sldMk cId="2008844095" sldId="763"/>
-            <ac:picMk id="6" creationId="{00000000-0000-0000-0000-000000000000}"/>
-          </ac:picMkLst>
-        </pc:picChg>
       </pc:sldChg>
       <pc:sldChg chg="modNotesTx">
         <pc:chgData name="Gerth Stølting Brodal" userId="04ef4784-6591-4f86-a140-f5c3b108582a" providerId="ADAL" clId="{F316340A-942C-45D6-9D7E-5900E7876E8F}" dt="2023-03-29T11:02:33.279" v="169" actId="113"/>
@@ -352,78 +248,6 @@
           <pc:docMk/>
           <pc:sldMk cId="3441406672" sldId="769"/>
         </pc:sldMkLst>
-        <pc:graphicFrameChg chg="modGraphic">
-          <ac:chgData name="Gerth Stølting Brodal" userId="04ef4784-6591-4f86-a140-f5c3b108582a" providerId="ADAL" clId="{F316340A-942C-45D6-9D7E-5900E7876E8F}" dt="2023-04-12T10:42:11.709" v="509" actId="5793"/>
-          <ac:graphicFrameMkLst>
-            <pc:docMk/>
-            <pc:sldMk cId="3441406672" sldId="769"/>
-            <ac:graphicFrameMk id="4" creationId="{00000000-0000-0000-0000-000000000000}"/>
-          </ac:graphicFrameMkLst>
-        </pc:graphicFrameChg>
-        <pc:picChg chg="add mod">
-          <ac:chgData name="Gerth Stølting Brodal" userId="04ef4784-6591-4f86-a140-f5c3b108582a" providerId="ADAL" clId="{F316340A-942C-45D6-9D7E-5900E7876E8F}" dt="2023-04-12T10:38:46.267" v="499" actId="1038"/>
-          <ac:picMkLst>
-            <pc:docMk/>
-            <pc:sldMk cId="3441406672" sldId="769"/>
-            <ac:picMk id="2" creationId="{868D558B-CB5C-7358-81C4-F89F0C390AB6}"/>
-          </ac:picMkLst>
-        </pc:picChg>
-        <pc:picChg chg="add mod">
-          <ac:chgData name="Gerth Stølting Brodal" userId="04ef4784-6591-4f86-a140-f5c3b108582a" providerId="ADAL" clId="{F316340A-942C-45D6-9D7E-5900E7876E8F}" dt="2023-04-12T10:38:46.267" v="499" actId="1038"/>
-          <ac:picMkLst>
-            <pc:docMk/>
-            <pc:sldMk cId="3441406672" sldId="769"/>
-            <ac:picMk id="3" creationId="{54A360F1-9E79-437F-563D-1AB4F2FF4366}"/>
-          </ac:picMkLst>
-        </pc:picChg>
-        <pc:picChg chg="add mod">
-          <ac:chgData name="Gerth Stølting Brodal" userId="04ef4784-6591-4f86-a140-f5c3b108582a" providerId="ADAL" clId="{F316340A-942C-45D6-9D7E-5900E7876E8F}" dt="2023-04-12T10:38:46.267" v="499" actId="1038"/>
-          <ac:picMkLst>
-            <pc:docMk/>
-            <pc:sldMk cId="3441406672" sldId="769"/>
-            <ac:picMk id="5" creationId="{8F9F3E11-280A-D180-A5C2-DD65A03754B6}"/>
-          </ac:picMkLst>
-        </pc:picChg>
-        <pc:picChg chg="del">
-          <ac:chgData name="Gerth Stølting Brodal" userId="04ef4784-6591-4f86-a140-f5c3b108582a" providerId="ADAL" clId="{F316340A-942C-45D6-9D7E-5900E7876E8F}" dt="2023-04-12T10:38:37.958" v="473" actId="478"/>
-          <ac:picMkLst>
-            <pc:docMk/>
-            <pc:sldMk cId="3441406672" sldId="769"/>
-            <ac:picMk id="10" creationId="{00000000-0000-0000-0000-000000000000}"/>
-          </ac:picMkLst>
-        </pc:picChg>
-        <pc:picChg chg="del">
-          <ac:chgData name="Gerth Stølting Brodal" userId="04ef4784-6591-4f86-a140-f5c3b108582a" providerId="ADAL" clId="{F316340A-942C-45D6-9D7E-5900E7876E8F}" dt="2023-04-12T10:38:37.958" v="473" actId="478"/>
-          <ac:picMkLst>
-            <pc:docMk/>
-            <pc:sldMk cId="3441406672" sldId="769"/>
-            <ac:picMk id="11" creationId="{00000000-0000-0000-0000-000000000000}"/>
-          </ac:picMkLst>
-        </pc:picChg>
-        <pc:picChg chg="del">
-          <ac:chgData name="Gerth Stølting Brodal" userId="04ef4784-6591-4f86-a140-f5c3b108582a" providerId="ADAL" clId="{F316340A-942C-45D6-9D7E-5900E7876E8F}" dt="2023-04-12T10:38:37.958" v="473" actId="478"/>
-          <ac:picMkLst>
-            <pc:docMk/>
-            <pc:sldMk cId="3441406672" sldId="769"/>
-            <ac:picMk id="12" creationId="{00000000-0000-0000-0000-000000000000}"/>
-          </ac:picMkLst>
-        </pc:picChg>
-        <pc:picChg chg="del mod">
-          <ac:chgData name="Gerth Stølting Brodal" userId="04ef4784-6591-4f86-a140-f5c3b108582a" providerId="ADAL" clId="{F316340A-942C-45D6-9D7E-5900E7876E8F}" dt="2023-04-12T10:38:37.958" v="473" actId="478"/>
-          <ac:picMkLst>
-            <pc:docMk/>
-            <pc:sldMk cId="3441406672" sldId="769"/>
-            <ac:picMk id="13" creationId="{00000000-0000-0000-0000-000000000000}"/>
-          </ac:picMkLst>
-        </pc:picChg>
-        <pc:picChg chg="add mod">
-          <ac:chgData name="Gerth Stølting Brodal" userId="04ef4784-6591-4f86-a140-f5c3b108582a" providerId="ADAL" clId="{F316340A-942C-45D6-9D7E-5900E7876E8F}" dt="2023-04-12T10:38:46.267" v="499" actId="1038"/>
-          <ac:picMkLst>
-            <pc:docMk/>
-            <pc:sldMk cId="3441406672" sldId="769"/>
-            <ac:picMk id="15" creationId="{A7596384-E6A7-5312-84B2-3623373007A7}"/>
-          </ac:picMkLst>
-        </pc:picChg>
       </pc:sldChg>
       <pc:sldChg chg="addSp delSp modSp add mod modNotesTx">
         <pc:chgData name="Gerth Stølting Brodal" userId="04ef4784-6591-4f86-a140-f5c3b108582a" providerId="ADAL" clId="{F316340A-942C-45D6-9D7E-5900E7876E8F}" dt="2023-04-12T10:36:44.142" v="463" actId="1076"/>
@@ -431,70 +255,6 @@
           <pc:docMk/>
           <pc:sldMk cId="1808197162" sldId="775"/>
         </pc:sldMkLst>
-        <pc:spChg chg="mod">
-          <ac:chgData name="Gerth Stølting Brodal" userId="04ef4784-6591-4f86-a140-f5c3b108582a" providerId="ADAL" clId="{F316340A-942C-45D6-9D7E-5900E7876E8F}" dt="2023-04-12T10:29:29.327" v="399" actId="1076"/>
-          <ac:spMkLst>
-            <pc:docMk/>
-            <pc:sldMk cId="1808197162" sldId="775"/>
-            <ac:spMk id="2" creationId="{00000000-0000-0000-0000-000000000000}"/>
-          </ac:spMkLst>
-        </pc:spChg>
-        <pc:spChg chg="del">
-          <ac:chgData name="Gerth Stølting Brodal" userId="04ef4784-6591-4f86-a140-f5c3b108582a" providerId="ADAL" clId="{F316340A-942C-45D6-9D7E-5900E7876E8F}" dt="2023-04-12T10:29:09.105" v="398" actId="478"/>
-          <ac:spMkLst>
-            <pc:docMk/>
-            <pc:sldMk cId="1808197162" sldId="775"/>
-            <ac:spMk id="5" creationId="{00000000-0000-0000-0000-000000000000}"/>
-          </ac:spMkLst>
-        </pc:spChg>
-        <pc:spChg chg="add del mod">
-          <ac:chgData name="Gerth Stølting Brodal" userId="04ef4784-6591-4f86-a140-f5c3b108582a" providerId="ADAL" clId="{F316340A-942C-45D6-9D7E-5900E7876E8F}" dt="2023-04-12T10:34:42.617" v="405" actId="22"/>
-          <ac:spMkLst>
-            <pc:docMk/>
-            <pc:sldMk cId="1808197162" sldId="775"/>
-            <ac:spMk id="9" creationId="{8781FCF3-2DC1-EF12-6727-570C54C4CA5F}"/>
-          </ac:spMkLst>
-        </pc:spChg>
-        <pc:spChg chg="add mod">
-          <ac:chgData name="Gerth Stølting Brodal" userId="04ef4784-6591-4f86-a140-f5c3b108582a" providerId="ADAL" clId="{F316340A-942C-45D6-9D7E-5900E7876E8F}" dt="2023-04-12T10:35:46.925" v="461" actId="6549"/>
-          <ac:spMkLst>
-            <pc:docMk/>
-            <pc:sldMk cId="1808197162" sldId="775"/>
-            <ac:spMk id="10" creationId="{40C16040-C9A5-A366-CE73-A03CC8D4C027}"/>
-          </ac:spMkLst>
-        </pc:spChg>
-        <pc:graphicFrameChg chg="mod modGraphic">
-          <ac:chgData name="Gerth Stølting Brodal" userId="04ef4784-6591-4f86-a140-f5c3b108582a" providerId="ADAL" clId="{F316340A-942C-45D6-9D7E-5900E7876E8F}" dt="2023-04-12T10:36:36.044" v="462" actId="1076"/>
-          <ac:graphicFrameMkLst>
-            <pc:docMk/>
-            <pc:sldMk cId="1808197162" sldId="775"/>
-            <ac:graphicFrameMk id="4" creationId="{00000000-0000-0000-0000-000000000000}"/>
-          </ac:graphicFrameMkLst>
-        </pc:graphicFrameChg>
-        <pc:picChg chg="del">
-          <ac:chgData name="Gerth Stølting Brodal" userId="04ef4784-6591-4f86-a140-f5c3b108582a" providerId="ADAL" clId="{F316340A-942C-45D6-9D7E-5900E7876E8F}" dt="2023-04-12T10:29:09.105" v="398" actId="478"/>
-          <ac:picMkLst>
-            <pc:docMk/>
-            <pc:sldMk cId="1808197162" sldId="775"/>
-            <ac:picMk id="6" creationId="{00000000-0000-0000-0000-000000000000}"/>
-          </ac:picMkLst>
-        </pc:picChg>
-        <pc:picChg chg="del">
-          <ac:chgData name="Gerth Stølting Brodal" userId="04ef4784-6591-4f86-a140-f5c3b108582a" providerId="ADAL" clId="{F316340A-942C-45D6-9D7E-5900E7876E8F}" dt="2023-04-12T10:26:35.299" v="262" actId="478"/>
-          <ac:picMkLst>
-            <pc:docMk/>
-            <pc:sldMk cId="1808197162" sldId="775"/>
-            <ac:picMk id="8" creationId="{00000000-0000-0000-0000-000000000000}"/>
-          </ac:picMkLst>
-        </pc:picChg>
-        <pc:picChg chg="add mod">
-          <ac:chgData name="Gerth Stølting Brodal" userId="04ef4784-6591-4f86-a140-f5c3b108582a" providerId="ADAL" clId="{F316340A-942C-45D6-9D7E-5900E7876E8F}" dt="2023-04-12T10:36:44.142" v="463" actId="1076"/>
-          <ac:picMkLst>
-            <pc:docMk/>
-            <pc:sldMk cId="1808197162" sldId="775"/>
-            <ac:picMk id="11" creationId="{28095352-3BFA-56A0-BE47-AAC9F26B1166}"/>
-          </ac:picMkLst>
-        </pc:picChg>
       </pc:sldChg>
       <pc:sldChg chg="new del">
         <pc:chgData name="Gerth Stølting Brodal" userId="04ef4784-6591-4f86-a140-f5c3b108582a" providerId="ADAL" clId="{F316340A-942C-45D6-9D7E-5900E7876E8F}" dt="2023-04-12T10:28:04.560" v="360" actId="680"/>
@@ -509,14 +269,76 @@
           <pc:docMk/>
           <pc:sldMk cId="3389015899" sldId="776"/>
         </pc:sldMkLst>
-        <pc:spChg chg="del mod">
-          <ac:chgData name="Gerth Stølting Brodal" userId="04ef4784-6591-4f86-a140-f5c3b108582a" providerId="ADAL" clId="{F316340A-942C-45D6-9D7E-5900E7876E8F}" dt="2023-04-12T10:34:52.799" v="410" actId="21"/>
+      </pc:sldChg>
+    </pc:docChg>
+  </pc:docChgLst>
+  <pc:docChgLst>
+    <pc:chgData name="Gerth Stølting Brodal" userId="04ef4784-6591-4f86-a140-f5c3b108582a" providerId="ADAL" clId="{E52E23E9-4768-40CE-B370-48443915BC4B}"/>
+    <pc:docChg chg="undo custSel modSld">
+      <pc:chgData name="Gerth Stølting Brodal" userId="04ef4784-6591-4f86-a140-f5c3b108582a" providerId="ADAL" clId="{E52E23E9-4768-40CE-B370-48443915BC4B}" dt="2025-03-26T08:12:40.448" v="196" actId="1035"/>
+      <pc:docMkLst>
+        <pc:docMk/>
+      </pc:docMkLst>
+      <pc:sldChg chg="addSp modSp mod">
+        <pc:chgData name="Gerth Stølting Brodal" userId="04ef4784-6591-4f86-a140-f5c3b108582a" providerId="ADAL" clId="{E52E23E9-4768-40CE-B370-48443915BC4B}" dt="2025-03-26T07:50:23.260" v="81" actId="1038"/>
+        <pc:sldMkLst>
+          <pc:docMk/>
+          <pc:sldMk cId="4115646034" sldId="753"/>
+        </pc:sldMkLst>
+        <pc:spChg chg="add mod">
+          <ac:chgData name="Gerth Stølting Brodal" userId="04ef4784-6591-4f86-a140-f5c3b108582a" providerId="ADAL" clId="{E52E23E9-4768-40CE-B370-48443915BC4B}" dt="2025-03-26T07:50:23.260" v="81" actId="1038"/>
           <ac:spMkLst>
             <pc:docMk/>
-            <pc:sldMk cId="3389015899" sldId="776"/>
-            <ac:spMk id="3" creationId="{7EEA2963-1F94-6200-4743-A3C0D7A6EC6D}"/>
+            <pc:sldMk cId="4115646034" sldId="753"/>
+            <ac:spMk id="9" creationId="{CF633ABE-04BB-BEA3-2AB1-AB1DF2823887}"/>
           </ac:spMkLst>
         </pc:spChg>
+        <pc:graphicFrameChg chg="modGraphic">
+          <ac:chgData name="Gerth Stølting Brodal" userId="04ef4784-6591-4f86-a140-f5c3b108582a" providerId="ADAL" clId="{E52E23E9-4768-40CE-B370-48443915BC4B}" dt="2025-03-26T07:49:43.108" v="7" actId="20577"/>
+          <ac:graphicFrameMkLst>
+            <pc:docMk/>
+            <pc:sldMk cId="4115646034" sldId="753"/>
+            <ac:graphicFrameMk id="4" creationId="{00000000-0000-0000-0000-000000000000}"/>
+          </ac:graphicFrameMkLst>
+        </pc:graphicFrameChg>
+        <pc:picChg chg="add mod">
+          <ac:chgData name="Gerth Stølting Brodal" userId="04ef4784-6591-4f86-a140-f5c3b108582a" providerId="ADAL" clId="{E52E23E9-4768-40CE-B370-48443915BC4B}" dt="2025-03-26T07:49:54.588" v="9" actId="1076"/>
+          <ac:picMkLst>
+            <pc:docMk/>
+            <pc:sldMk cId="4115646034" sldId="753"/>
+            <ac:picMk id="3" creationId="{DC2D2D41-C5E8-9710-8570-8CC2097A8D39}"/>
+          </ac:picMkLst>
+        </pc:picChg>
+      </pc:sldChg>
+      <pc:sldChg chg="modSp mod">
+        <pc:chgData name="Gerth Stølting Brodal" userId="04ef4784-6591-4f86-a140-f5c3b108582a" providerId="ADAL" clId="{E52E23E9-4768-40CE-B370-48443915BC4B}" dt="2025-03-26T08:12:40.448" v="196" actId="1035"/>
+        <pc:sldMkLst>
+          <pc:docMk/>
+          <pc:sldMk cId="3441406672" sldId="769"/>
+        </pc:sldMkLst>
+        <pc:graphicFrameChg chg="mod modGraphic">
+          <ac:chgData name="Gerth Stølting Brodal" userId="04ef4784-6591-4f86-a140-f5c3b108582a" providerId="ADAL" clId="{E52E23E9-4768-40CE-B370-48443915BC4B}" dt="2025-03-26T08:12:40.448" v="196" actId="1035"/>
+          <ac:graphicFrameMkLst>
+            <pc:docMk/>
+            <pc:sldMk cId="3441406672" sldId="769"/>
+            <ac:graphicFrameMk id="9" creationId="{00000000-0000-0000-0000-000000000000}"/>
+          </ac:graphicFrameMkLst>
+        </pc:graphicFrameChg>
+      </pc:sldChg>
+      <pc:sldChg chg="modSp mod modNotesTx">
+        <pc:chgData name="Gerth Stølting Brodal" userId="04ef4784-6591-4f86-a140-f5c3b108582a" providerId="ADAL" clId="{E52E23E9-4768-40CE-B370-48443915BC4B}" dt="2025-03-26T07:57:50.004" v="152" actId="20577"/>
+        <pc:sldMkLst>
+          <pc:docMk/>
+          <pc:sldMk cId="1808197162" sldId="775"/>
+        </pc:sldMkLst>
+        <pc:graphicFrameChg chg="mod modGraphic">
+          <ac:chgData name="Gerth Stølting Brodal" userId="04ef4784-6591-4f86-a140-f5c3b108582a" providerId="ADAL" clId="{E52E23E9-4768-40CE-B370-48443915BC4B}" dt="2025-03-26T07:56:22.326" v="88" actId="20577"/>
+          <ac:graphicFrameMkLst>
+            <pc:docMk/>
+            <pc:sldMk cId="1808197162" sldId="775"/>
+            <ac:graphicFrameMk id="4" creationId="{00000000-0000-0000-0000-000000000000}"/>
+          </ac:graphicFrameMkLst>
+        </pc:graphicFrameChg>
       </pc:sldChg>
     </pc:docChg>
   </pc:docChgLst>
@@ -533,14 +355,6 @@
           <pc:docMk/>
           <pc:sldMk cId="1023447693" sldId="739"/>
         </pc:sldMkLst>
-        <pc:spChg chg="mod">
-          <ac:chgData name="Gerth Stølting Brodal" userId="04ef4784-6591-4f86-a140-f5c3b108582a" providerId="ADAL" clId="{6582DE44-CBB2-4155-94EA-6873D72B1ACF}" dt="2022-03-18T14:01:45.390" v="24" actId="947"/>
-          <ac:spMkLst>
-            <pc:docMk/>
-            <pc:sldMk cId="1023447693" sldId="739"/>
-            <ac:spMk id="3" creationId="{00000000-0000-0000-0000-000000000000}"/>
-          </ac:spMkLst>
-        </pc:spChg>
       </pc:sldChg>
       <pc:sldChg chg="modSp mod">
         <pc:chgData name="Gerth Stølting Brodal" userId="04ef4784-6591-4f86-a140-f5c3b108582a" providerId="ADAL" clId="{6582DE44-CBB2-4155-94EA-6873D72B1ACF}" dt="2022-03-18T14:06:01.428" v="41" actId="1076"/>
@@ -548,22 +362,6 @@
           <pc:docMk/>
           <pc:sldMk cId="4197135765" sldId="749"/>
         </pc:sldMkLst>
-        <pc:graphicFrameChg chg="mod modGraphic">
-          <ac:chgData name="Gerth Stølting Brodal" userId="04ef4784-6591-4f86-a140-f5c3b108582a" providerId="ADAL" clId="{6582DE44-CBB2-4155-94EA-6873D72B1ACF}" dt="2022-03-18T14:06:01.428" v="41" actId="1076"/>
-          <ac:graphicFrameMkLst>
-            <pc:docMk/>
-            <pc:sldMk cId="4197135765" sldId="749"/>
-            <ac:graphicFrameMk id="4" creationId="{00000000-0000-0000-0000-000000000000}"/>
-          </ac:graphicFrameMkLst>
-        </pc:graphicFrameChg>
-        <pc:graphicFrameChg chg="mod modGraphic">
-          <ac:chgData name="Gerth Stølting Brodal" userId="04ef4784-6591-4f86-a140-f5c3b108582a" providerId="ADAL" clId="{6582DE44-CBB2-4155-94EA-6873D72B1ACF}" dt="2022-03-18T14:06:01.428" v="41" actId="1076"/>
-          <ac:graphicFrameMkLst>
-            <pc:docMk/>
-            <pc:sldMk cId="4197135765" sldId="749"/>
-            <ac:graphicFrameMk id="5" creationId="{00000000-0000-0000-0000-000000000000}"/>
-          </ac:graphicFrameMkLst>
-        </pc:graphicFrameChg>
       </pc:sldChg>
       <pc:sldChg chg="modSp mod modNotesTx">
         <pc:chgData name="Gerth Stølting Brodal" userId="04ef4784-6591-4f86-a140-f5c3b108582a" providerId="ADAL" clId="{6582DE44-CBB2-4155-94EA-6873D72B1ACF}" dt="2022-03-30T10:55:57.907" v="3060" actId="313"/>
@@ -571,14 +369,6 @@
           <pc:docMk/>
           <pc:sldMk cId="1557432263" sldId="751"/>
         </pc:sldMkLst>
-        <pc:graphicFrameChg chg="modGraphic">
-          <ac:chgData name="Gerth Stølting Brodal" userId="04ef4784-6591-4f86-a140-f5c3b108582a" providerId="ADAL" clId="{6582DE44-CBB2-4155-94EA-6873D72B1ACF}" dt="2022-03-18T14:03:18.460" v="32" actId="14100"/>
-          <ac:graphicFrameMkLst>
-            <pc:docMk/>
-            <pc:sldMk cId="1557432263" sldId="751"/>
-            <ac:graphicFrameMk id="5" creationId="{00000000-0000-0000-0000-000000000000}"/>
-          </ac:graphicFrameMkLst>
-        </pc:graphicFrameChg>
       </pc:sldChg>
       <pc:sldChg chg="modSp mod">
         <pc:chgData name="Gerth Stølting Brodal" userId="04ef4784-6591-4f86-a140-f5c3b108582a" providerId="ADAL" clId="{6582DE44-CBB2-4155-94EA-6873D72B1ACF}" dt="2022-03-30T11:00:03.488" v="3061" actId="207"/>
@@ -586,14 +376,6 @@
           <pc:docMk/>
           <pc:sldMk cId="822157407" sldId="754"/>
         </pc:sldMkLst>
-        <pc:graphicFrameChg chg="modGraphic">
-          <ac:chgData name="Gerth Stølting Brodal" userId="04ef4784-6591-4f86-a140-f5c3b108582a" providerId="ADAL" clId="{6582DE44-CBB2-4155-94EA-6873D72B1ACF}" dt="2022-03-30T11:00:03.488" v="3061" actId="207"/>
-          <ac:graphicFrameMkLst>
-            <pc:docMk/>
-            <pc:sldMk cId="822157407" sldId="754"/>
-            <ac:graphicFrameMk id="4" creationId="{00000000-0000-0000-0000-000000000000}"/>
-          </ac:graphicFrameMkLst>
-        </pc:graphicFrameChg>
       </pc:sldChg>
       <pc:sldChg chg="modNotesTx">
         <pc:chgData name="Gerth Stølting Brodal" userId="04ef4784-6591-4f86-a140-f5c3b108582a" providerId="ADAL" clId="{6582DE44-CBB2-4155-94EA-6873D72B1ACF}" dt="2022-03-30T11:06:02.793" v="3087" actId="20577"/>
@@ -608,14 +390,6 @@
           <pc:docMk/>
           <pc:sldMk cId="1297860505" sldId="756"/>
         </pc:sldMkLst>
-        <pc:graphicFrameChg chg="modGraphic">
-          <ac:chgData name="Gerth Stølting Brodal" userId="04ef4784-6591-4f86-a140-f5c3b108582a" providerId="ADAL" clId="{6582DE44-CBB2-4155-94EA-6873D72B1ACF}" dt="2022-03-30T11:06:50.473" v="3088" actId="207"/>
-          <ac:graphicFrameMkLst>
-            <pc:docMk/>
-            <pc:sldMk cId="1297860505" sldId="756"/>
-            <ac:graphicFrameMk id="4" creationId="{00000000-0000-0000-0000-000000000000}"/>
-          </ac:graphicFrameMkLst>
-        </pc:graphicFrameChg>
       </pc:sldChg>
       <pc:sldChg chg="modSp mod">
         <pc:chgData name="Gerth Stølting Brodal" userId="04ef4784-6591-4f86-a140-f5c3b108582a" providerId="ADAL" clId="{6582DE44-CBB2-4155-94EA-6873D72B1ACF}" dt="2022-03-30T11:10:17.428" v="3091" actId="20577"/>
@@ -623,14 +397,6 @@
           <pc:docMk/>
           <pc:sldMk cId="601737075" sldId="757"/>
         </pc:sldMkLst>
-        <pc:graphicFrameChg chg="modGraphic">
-          <ac:chgData name="Gerth Stølting Brodal" userId="04ef4784-6591-4f86-a140-f5c3b108582a" providerId="ADAL" clId="{6582DE44-CBB2-4155-94EA-6873D72B1ACF}" dt="2022-03-30T11:10:17.428" v="3091" actId="20577"/>
-          <ac:graphicFrameMkLst>
-            <pc:docMk/>
-            <pc:sldMk cId="601737075" sldId="757"/>
-            <ac:graphicFrameMk id="4" creationId="{00000000-0000-0000-0000-000000000000}"/>
-          </ac:graphicFrameMkLst>
-        </pc:graphicFrameChg>
       </pc:sldChg>
       <pc:sldChg chg="modSp mod">
         <pc:chgData name="Gerth Stølting Brodal" userId="04ef4784-6591-4f86-a140-f5c3b108582a" providerId="ADAL" clId="{6582DE44-CBB2-4155-94EA-6873D72B1ACF}" dt="2022-04-04T06:34:38.759" v="3215" actId="313"/>
@@ -638,14 +404,6 @@
           <pc:docMk/>
           <pc:sldMk cId="873157440" sldId="759"/>
         </pc:sldMkLst>
-        <pc:graphicFrameChg chg="modGraphic">
-          <ac:chgData name="Gerth Stølting Brodal" userId="04ef4784-6591-4f86-a140-f5c3b108582a" providerId="ADAL" clId="{6582DE44-CBB2-4155-94EA-6873D72B1ACF}" dt="2022-04-04T06:34:38.759" v="3215" actId="313"/>
-          <ac:graphicFrameMkLst>
-            <pc:docMk/>
-            <pc:sldMk cId="873157440" sldId="759"/>
-            <ac:graphicFrameMk id="4" creationId="{00000000-0000-0000-0000-000000000000}"/>
-          </ac:graphicFrameMkLst>
-        </pc:graphicFrameChg>
       </pc:sldChg>
       <pc:sldChg chg="modSp mod">
         <pc:chgData name="Gerth Stølting Brodal" userId="04ef4784-6591-4f86-a140-f5c3b108582a" providerId="ADAL" clId="{6582DE44-CBB2-4155-94EA-6873D72B1ACF}" dt="2022-03-30T11:08:30.948" v="3089" actId="20577"/>
@@ -653,14 +411,6 @@
           <pc:docMk/>
           <pc:sldMk cId="3620329826" sldId="762"/>
         </pc:sldMkLst>
-        <pc:graphicFrameChg chg="modGraphic">
-          <ac:chgData name="Gerth Stølting Brodal" userId="04ef4784-6591-4f86-a140-f5c3b108582a" providerId="ADAL" clId="{6582DE44-CBB2-4155-94EA-6873D72B1ACF}" dt="2022-03-30T11:08:30.948" v="3089" actId="20577"/>
-          <ac:graphicFrameMkLst>
-            <pc:docMk/>
-            <pc:sldMk cId="3620329826" sldId="762"/>
-            <ac:graphicFrameMk id="4" creationId="{00000000-0000-0000-0000-000000000000}"/>
-          </ac:graphicFrameMkLst>
-        </pc:graphicFrameChg>
       </pc:sldChg>
       <pc:sldChg chg="modNotesTx">
         <pc:chgData name="Gerth Stølting Brodal" userId="04ef4784-6591-4f86-a140-f5c3b108582a" providerId="ADAL" clId="{6582DE44-CBB2-4155-94EA-6873D72B1ACF}" dt="2022-03-30T11:29:04.128" v="3122" actId="20577"/>
@@ -675,430 +425,6 @@
           <pc:docMk/>
           <pc:sldMk cId="386054163" sldId="770"/>
         </pc:sldMkLst>
-        <pc:spChg chg="mod">
-          <ac:chgData name="Gerth Stølting Brodal" userId="04ef4784-6591-4f86-a140-f5c3b108582a" providerId="ADAL" clId="{6582DE44-CBB2-4155-94EA-6873D72B1ACF}" dt="2022-03-18T20:41:13.219" v="1741" actId="14100"/>
-          <ac:spMkLst>
-            <pc:docMk/>
-            <pc:sldMk cId="386054163" sldId="770"/>
-            <ac:spMk id="2" creationId="{00000000-0000-0000-0000-000000000000}"/>
-          </ac:spMkLst>
-        </pc:spChg>
-        <pc:spChg chg="add del">
-          <ac:chgData name="Gerth Stølting Brodal" userId="04ef4784-6591-4f86-a140-f5c3b108582a" providerId="ADAL" clId="{6582DE44-CBB2-4155-94EA-6873D72B1ACF}" dt="2022-03-18T14:16:20.237" v="140" actId="478"/>
-          <ac:spMkLst>
-            <pc:docMk/>
-            <pc:sldMk cId="386054163" sldId="770"/>
-            <ac:spMk id="3" creationId="{00000000-0000-0000-0000-000000000000}"/>
-          </ac:spMkLst>
-        </pc:spChg>
-        <pc:spChg chg="del">
-          <ac:chgData name="Gerth Stølting Brodal" userId="04ef4784-6591-4f86-a140-f5c3b108582a" providerId="ADAL" clId="{6582DE44-CBB2-4155-94EA-6873D72B1ACF}" dt="2022-03-18T14:14:46.521" v="107" actId="478"/>
-          <ac:spMkLst>
-            <pc:docMk/>
-            <pc:sldMk cId="386054163" sldId="770"/>
-            <ac:spMk id="5" creationId="{00000000-0000-0000-0000-000000000000}"/>
-          </ac:spMkLst>
-        </pc:spChg>
-        <pc:spChg chg="del">
-          <ac:chgData name="Gerth Stølting Brodal" userId="04ef4784-6591-4f86-a140-f5c3b108582a" providerId="ADAL" clId="{6582DE44-CBB2-4155-94EA-6873D72B1ACF}" dt="2022-03-18T14:11:37.383" v="71" actId="478"/>
-          <ac:spMkLst>
-            <pc:docMk/>
-            <pc:sldMk cId="386054163" sldId="770"/>
-            <ac:spMk id="6" creationId="{00000000-0000-0000-0000-000000000000}"/>
-          </ac:spMkLst>
-        </pc:spChg>
-        <pc:spChg chg="add del mod">
-          <ac:chgData name="Gerth Stølting Brodal" userId="04ef4784-6591-4f86-a140-f5c3b108582a" providerId="ADAL" clId="{6582DE44-CBB2-4155-94EA-6873D72B1ACF}" dt="2022-03-18T15:44:31.656" v="379" actId="478"/>
-          <ac:spMkLst>
-            <pc:docMk/>
-            <pc:sldMk cId="386054163" sldId="770"/>
-            <ac:spMk id="11" creationId="{05BB2982-6C93-466C-B510-94E6218A0A46}"/>
-          </ac:spMkLst>
-        </pc:spChg>
-        <pc:spChg chg="add del mod">
-          <ac:chgData name="Gerth Stølting Brodal" userId="04ef4784-6591-4f86-a140-f5c3b108582a" providerId="ADAL" clId="{6582DE44-CBB2-4155-94EA-6873D72B1ACF}" dt="2022-03-18T20:05:37.247" v="1468" actId="478"/>
-          <ac:spMkLst>
-            <pc:docMk/>
-            <pc:sldMk cId="386054163" sldId="770"/>
-            <ac:spMk id="12" creationId="{B1109C6D-502F-44F9-948E-BD54BF0DAE87}"/>
-          </ac:spMkLst>
-        </pc:spChg>
-        <pc:spChg chg="add del mod">
-          <ac:chgData name="Gerth Stølting Brodal" userId="04ef4784-6591-4f86-a140-f5c3b108582a" providerId="ADAL" clId="{6582DE44-CBB2-4155-94EA-6873D72B1ACF}" dt="2022-03-18T16:03:55.835" v="594" actId="478"/>
-          <ac:spMkLst>
-            <pc:docMk/>
-            <pc:sldMk cId="386054163" sldId="770"/>
-            <ac:spMk id="13" creationId="{AAB12527-1AD4-4434-B1D8-BC8892F5B45B}"/>
-          </ac:spMkLst>
-        </pc:spChg>
-        <pc:spChg chg="add del mod">
-          <ac:chgData name="Gerth Stølting Brodal" userId="04ef4784-6591-4f86-a140-f5c3b108582a" providerId="ADAL" clId="{6582DE44-CBB2-4155-94EA-6873D72B1ACF}" dt="2022-03-18T16:03:55.835" v="594" actId="478"/>
-          <ac:spMkLst>
-            <pc:docMk/>
-            <pc:sldMk cId="386054163" sldId="770"/>
-            <ac:spMk id="14" creationId="{60569E3F-A86B-4A7D-B3DB-F2BECAFF7E9E}"/>
-          </ac:spMkLst>
-        </pc:spChg>
-        <pc:spChg chg="add del mod topLvl">
-          <ac:chgData name="Gerth Stølting Brodal" userId="04ef4784-6591-4f86-a140-f5c3b108582a" providerId="ADAL" clId="{6582DE44-CBB2-4155-94EA-6873D72B1ACF}" dt="2022-03-18T20:05:37.247" v="1468" actId="478"/>
-          <ac:spMkLst>
-            <pc:docMk/>
-            <pc:sldMk cId="386054163" sldId="770"/>
-            <ac:spMk id="15" creationId="{A5FBE3C7-6861-40EA-A5A1-7C7AF5BAC40F}"/>
-          </ac:spMkLst>
-        </pc:spChg>
-        <pc:spChg chg="add del mod topLvl">
-          <ac:chgData name="Gerth Stølting Brodal" userId="04ef4784-6591-4f86-a140-f5c3b108582a" providerId="ADAL" clId="{6582DE44-CBB2-4155-94EA-6873D72B1ACF}" dt="2022-03-18T20:05:37.247" v="1468" actId="478"/>
-          <ac:spMkLst>
-            <pc:docMk/>
-            <pc:sldMk cId="386054163" sldId="770"/>
-            <ac:spMk id="16" creationId="{48F5A869-1EC6-461D-A908-0E37B5615E40}"/>
-          </ac:spMkLst>
-        </pc:spChg>
-        <pc:spChg chg="add del mod">
-          <ac:chgData name="Gerth Stølting Brodal" userId="04ef4784-6591-4f86-a140-f5c3b108582a" providerId="ADAL" clId="{6582DE44-CBB2-4155-94EA-6873D72B1ACF}" dt="2022-03-18T20:05:37.247" v="1468" actId="478"/>
-          <ac:spMkLst>
-            <pc:docMk/>
-            <pc:sldMk cId="386054163" sldId="770"/>
-            <ac:spMk id="17" creationId="{AFD77E79-77BF-473A-84F2-713E1E991CC7}"/>
-          </ac:spMkLst>
-        </pc:spChg>
-        <pc:spChg chg="add del mod">
-          <ac:chgData name="Gerth Stølting Brodal" userId="04ef4784-6591-4f86-a140-f5c3b108582a" providerId="ADAL" clId="{6582DE44-CBB2-4155-94EA-6873D72B1ACF}" dt="2022-03-18T15:55:34.922" v="534" actId="478"/>
-          <ac:spMkLst>
-            <pc:docMk/>
-            <pc:sldMk cId="386054163" sldId="770"/>
-            <ac:spMk id="18" creationId="{5B0A6F4B-0D7C-4E4B-8E4D-6A899F94CD0B}"/>
-          </ac:spMkLst>
-        </pc:spChg>
-        <pc:spChg chg="add del mod topLvl">
-          <ac:chgData name="Gerth Stølting Brodal" userId="04ef4784-6591-4f86-a140-f5c3b108582a" providerId="ADAL" clId="{6582DE44-CBB2-4155-94EA-6873D72B1ACF}" dt="2022-03-18T20:05:37.247" v="1468" actId="478"/>
-          <ac:spMkLst>
-            <pc:docMk/>
-            <pc:sldMk cId="386054163" sldId="770"/>
-            <ac:spMk id="19" creationId="{622EA022-1CB2-48D6-A091-13AE8B9BE8CE}"/>
-          </ac:spMkLst>
-        </pc:spChg>
-        <pc:spChg chg="add del mod topLvl">
-          <ac:chgData name="Gerth Stølting Brodal" userId="04ef4784-6591-4f86-a140-f5c3b108582a" providerId="ADAL" clId="{6582DE44-CBB2-4155-94EA-6873D72B1ACF}" dt="2022-03-18T20:05:37.247" v="1468" actId="478"/>
-          <ac:spMkLst>
-            <pc:docMk/>
-            <pc:sldMk cId="386054163" sldId="770"/>
-            <ac:spMk id="20" creationId="{7CC83A41-B101-4912-8A15-B39BFBBACE41}"/>
-          </ac:spMkLst>
-        </pc:spChg>
-        <pc:spChg chg="add del mod topLvl">
-          <ac:chgData name="Gerth Stølting Brodal" userId="04ef4784-6591-4f86-a140-f5c3b108582a" providerId="ADAL" clId="{6582DE44-CBB2-4155-94EA-6873D72B1ACF}" dt="2022-03-18T20:05:37.247" v="1468" actId="478"/>
-          <ac:spMkLst>
-            <pc:docMk/>
-            <pc:sldMk cId="386054163" sldId="770"/>
-            <ac:spMk id="21" creationId="{495B8B70-07F3-4DA3-BFB5-11D4AFCEE22B}"/>
-          </ac:spMkLst>
-        </pc:spChg>
-        <pc:spChg chg="add del mod">
-          <ac:chgData name="Gerth Stølting Brodal" userId="04ef4784-6591-4f86-a140-f5c3b108582a" providerId="ADAL" clId="{6582DE44-CBB2-4155-94EA-6873D72B1ACF}" dt="2022-03-18T20:05:37.247" v="1468" actId="478"/>
-          <ac:spMkLst>
-            <pc:docMk/>
-            <pc:sldMk cId="386054163" sldId="770"/>
-            <ac:spMk id="22" creationId="{A05C0497-E63F-4CA0-9A70-39A8612D7A87}"/>
-          </ac:spMkLst>
-        </pc:spChg>
-        <pc:spChg chg="add del mod topLvl">
-          <ac:chgData name="Gerth Stølting Brodal" userId="04ef4784-6591-4f86-a140-f5c3b108582a" providerId="ADAL" clId="{6582DE44-CBB2-4155-94EA-6873D72B1ACF}" dt="2022-03-18T20:05:39.467" v="1469" actId="478"/>
-          <ac:spMkLst>
-            <pc:docMk/>
-            <pc:sldMk cId="386054163" sldId="770"/>
-            <ac:spMk id="23" creationId="{825DB411-0624-4CB4-866C-5F4227D92A64}"/>
-          </ac:spMkLst>
-        </pc:spChg>
-        <pc:spChg chg="add del mod topLvl">
-          <ac:chgData name="Gerth Stølting Brodal" userId="04ef4784-6591-4f86-a140-f5c3b108582a" providerId="ADAL" clId="{6582DE44-CBB2-4155-94EA-6873D72B1ACF}" dt="2022-03-18T20:05:37.247" v="1468" actId="478"/>
-          <ac:spMkLst>
-            <pc:docMk/>
-            <pc:sldMk cId="386054163" sldId="770"/>
-            <ac:spMk id="27" creationId="{BDF744DC-8081-44A1-8ECF-C5E24038A569}"/>
-          </ac:spMkLst>
-        </pc:spChg>
-        <pc:spChg chg="add del mod topLvl">
-          <ac:chgData name="Gerth Stølting Brodal" userId="04ef4784-6591-4f86-a140-f5c3b108582a" providerId="ADAL" clId="{6582DE44-CBB2-4155-94EA-6873D72B1ACF}" dt="2022-03-18T20:05:37.247" v="1468" actId="478"/>
-          <ac:spMkLst>
-            <pc:docMk/>
-            <pc:sldMk cId="386054163" sldId="770"/>
-            <ac:spMk id="28" creationId="{F581D962-7C2A-44F0-A9BC-484DE52CF1CA}"/>
-          </ac:spMkLst>
-        </pc:spChg>
-        <pc:spChg chg="add mod">
-          <ac:chgData name="Gerth Stølting Brodal" userId="04ef4784-6591-4f86-a140-f5c3b108582a" providerId="ADAL" clId="{6582DE44-CBB2-4155-94EA-6873D72B1ACF}" dt="2022-03-18T16:07:14.638" v="757"/>
-          <ac:spMkLst>
-            <pc:docMk/>
-            <pc:sldMk cId="386054163" sldId="770"/>
-            <ac:spMk id="30" creationId="{54D7C720-1000-4C30-B025-578954E0B8A4}"/>
-          </ac:spMkLst>
-        </pc:spChg>
-        <pc:spChg chg="add mod">
-          <ac:chgData name="Gerth Stølting Brodal" userId="04ef4784-6591-4f86-a140-f5c3b108582a" providerId="ADAL" clId="{6582DE44-CBB2-4155-94EA-6873D72B1ACF}" dt="2022-03-18T16:07:14.638" v="757"/>
-          <ac:spMkLst>
-            <pc:docMk/>
-            <pc:sldMk cId="386054163" sldId="770"/>
-            <ac:spMk id="31" creationId="{A1702FC0-1653-4A7B-806A-547FEB8AFC22}"/>
-          </ac:spMkLst>
-        </pc:spChg>
-        <pc:spChg chg="add mod">
-          <ac:chgData name="Gerth Stølting Brodal" userId="04ef4784-6591-4f86-a140-f5c3b108582a" providerId="ADAL" clId="{6582DE44-CBB2-4155-94EA-6873D72B1ACF}" dt="2022-03-18T16:07:14.638" v="757"/>
-          <ac:spMkLst>
-            <pc:docMk/>
-            <pc:sldMk cId="386054163" sldId="770"/>
-            <ac:spMk id="32" creationId="{C682BBDC-99B9-46B3-8302-E8BF6EF90EF4}"/>
-          </ac:spMkLst>
-        </pc:spChg>
-        <pc:spChg chg="add mod">
-          <ac:chgData name="Gerth Stølting Brodal" userId="04ef4784-6591-4f86-a140-f5c3b108582a" providerId="ADAL" clId="{6582DE44-CBB2-4155-94EA-6873D72B1ACF}" dt="2022-03-18T16:07:14.638" v="757"/>
-          <ac:spMkLst>
-            <pc:docMk/>
-            <pc:sldMk cId="386054163" sldId="770"/>
-            <ac:spMk id="33" creationId="{736D00B8-8A5B-4DBE-98E9-4EB5678E56EC}"/>
-          </ac:spMkLst>
-        </pc:spChg>
-        <pc:spChg chg="add mod">
-          <ac:chgData name="Gerth Stølting Brodal" userId="04ef4784-6591-4f86-a140-f5c3b108582a" providerId="ADAL" clId="{6582DE44-CBB2-4155-94EA-6873D72B1ACF}" dt="2022-03-18T16:07:14.638" v="757"/>
-          <ac:spMkLst>
-            <pc:docMk/>
-            <pc:sldMk cId="386054163" sldId="770"/>
-            <ac:spMk id="34" creationId="{3F73D83A-7CE0-48AA-BE8E-8C42C298F2BC}"/>
-          </ac:spMkLst>
-        </pc:spChg>
-        <pc:spChg chg="add mod">
-          <ac:chgData name="Gerth Stølting Brodal" userId="04ef4784-6591-4f86-a140-f5c3b108582a" providerId="ADAL" clId="{6582DE44-CBB2-4155-94EA-6873D72B1ACF}" dt="2022-03-18T20:44:23.967" v="1770" actId="1035"/>
-          <ac:spMkLst>
-            <pc:docMk/>
-            <pc:sldMk cId="386054163" sldId="770"/>
-            <ac:spMk id="34" creationId="{83DC6ACF-8886-48DF-8791-5A52B074A78F}"/>
-          </ac:spMkLst>
-        </pc:spChg>
-        <pc:spChg chg="add mod">
-          <ac:chgData name="Gerth Stølting Brodal" userId="04ef4784-6591-4f86-a140-f5c3b108582a" providerId="ADAL" clId="{6582DE44-CBB2-4155-94EA-6873D72B1ACF}" dt="2022-03-18T20:59:44.668" v="1790" actId="6549"/>
-          <ac:spMkLst>
-            <pc:docMk/>
-            <pc:sldMk cId="386054163" sldId="770"/>
-            <ac:spMk id="35" creationId="{216172EA-9872-4357-9E2D-1677FB93A20F}"/>
-          </ac:spMkLst>
-        </pc:spChg>
-        <pc:spChg chg="add mod">
-          <ac:chgData name="Gerth Stølting Brodal" userId="04ef4784-6591-4f86-a140-f5c3b108582a" providerId="ADAL" clId="{6582DE44-CBB2-4155-94EA-6873D72B1ACF}" dt="2022-03-18T16:07:14.638" v="757"/>
-          <ac:spMkLst>
-            <pc:docMk/>
-            <pc:sldMk cId="386054163" sldId="770"/>
-            <ac:spMk id="35" creationId="{8F8EE745-A270-4029-B674-4C1CAEDFDDEA}"/>
-          </ac:spMkLst>
-        </pc:spChg>
-        <pc:spChg chg="add mod">
-          <ac:chgData name="Gerth Stølting Brodal" userId="04ef4784-6591-4f86-a140-f5c3b108582a" providerId="ADAL" clId="{6582DE44-CBB2-4155-94EA-6873D72B1ACF}" dt="2022-03-18T16:07:14.638" v="757"/>
-          <ac:spMkLst>
-            <pc:docMk/>
-            <pc:sldMk cId="386054163" sldId="770"/>
-            <ac:spMk id="36" creationId="{38884CCB-3A7F-4656-A713-56271F88716E}"/>
-          </ac:spMkLst>
-        </pc:spChg>
-        <pc:spChg chg="add mod">
-          <ac:chgData name="Gerth Stølting Brodal" userId="04ef4784-6591-4f86-a140-f5c3b108582a" providerId="ADAL" clId="{6582DE44-CBB2-4155-94EA-6873D72B1ACF}" dt="2022-03-18T16:07:14.638" v="757"/>
-          <ac:spMkLst>
-            <pc:docMk/>
-            <pc:sldMk cId="386054163" sldId="770"/>
-            <ac:spMk id="37" creationId="{3CB28499-6F29-4EF0-A0D3-C68271C29EDE}"/>
-          </ac:spMkLst>
-        </pc:spChg>
-        <pc:spChg chg="add del mod ord">
-          <ac:chgData name="Gerth Stølting Brodal" userId="04ef4784-6591-4f86-a140-f5c3b108582a" providerId="ADAL" clId="{6582DE44-CBB2-4155-94EA-6873D72B1ACF}" dt="2022-03-18T20:05:37.247" v="1468" actId="478"/>
-          <ac:spMkLst>
-            <pc:docMk/>
-            <pc:sldMk cId="386054163" sldId="770"/>
-            <ac:spMk id="39" creationId="{20D27FBC-4B6C-4909-85EB-9386F4214E90}"/>
-          </ac:spMkLst>
-        </pc:spChg>
-        <pc:spChg chg="add del mod">
-          <ac:chgData name="Gerth Stølting Brodal" userId="04ef4784-6591-4f86-a140-f5c3b108582a" providerId="ADAL" clId="{6582DE44-CBB2-4155-94EA-6873D72B1ACF}" dt="2022-03-18T20:05:37.247" v="1468" actId="478"/>
-          <ac:spMkLst>
-            <pc:docMk/>
-            <pc:sldMk cId="386054163" sldId="770"/>
-            <ac:spMk id="40" creationId="{B438CC3A-9BD8-4F7E-89A1-DFD4CF737327}"/>
-          </ac:spMkLst>
-        </pc:spChg>
-        <pc:spChg chg="add del mod">
-          <ac:chgData name="Gerth Stølting Brodal" userId="04ef4784-6591-4f86-a140-f5c3b108582a" providerId="ADAL" clId="{6582DE44-CBB2-4155-94EA-6873D72B1ACF}" dt="2022-03-18T20:05:37.247" v="1468" actId="478"/>
-          <ac:spMkLst>
-            <pc:docMk/>
-            <pc:sldMk cId="386054163" sldId="770"/>
-            <ac:spMk id="41" creationId="{2FD36CF3-BE6E-486C-A4B2-3D85C0496273}"/>
-          </ac:spMkLst>
-        </pc:spChg>
-        <pc:spChg chg="add del mod">
-          <ac:chgData name="Gerth Stølting Brodal" userId="04ef4784-6591-4f86-a140-f5c3b108582a" providerId="ADAL" clId="{6582DE44-CBB2-4155-94EA-6873D72B1ACF}" dt="2022-03-18T20:05:37.247" v="1468" actId="478"/>
-          <ac:spMkLst>
-            <pc:docMk/>
-            <pc:sldMk cId="386054163" sldId="770"/>
-            <ac:spMk id="42" creationId="{133A5FBE-7E17-4BD9-9B8F-EA205318AC3F}"/>
-          </ac:spMkLst>
-        </pc:spChg>
-        <pc:spChg chg="add del mod">
-          <ac:chgData name="Gerth Stølting Brodal" userId="04ef4784-6591-4f86-a140-f5c3b108582a" providerId="ADAL" clId="{6582DE44-CBB2-4155-94EA-6873D72B1ACF}" dt="2022-03-18T20:05:37.247" v="1468" actId="478"/>
-          <ac:spMkLst>
-            <pc:docMk/>
-            <pc:sldMk cId="386054163" sldId="770"/>
-            <ac:spMk id="43" creationId="{C4DB3934-741C-4710-BF6E-75E4B3DDF048}"/>
-          </ac:spMkLst>
-        </pc:spChg>
-        <pc:spChg chg="add del mod">
-          <ac:chgData name="Gerth Stølting Brodal" userId="04ef4784-6591-4f86-a140-f5c3b108582a" providerId="ADAL" clId="{6582DE44-CBB2-4155-94EA-6873D72B1ACF}" dt="2022-03-18T20:05:37.247" v="1468" actId="478"/>
-          <ac:spMkLst>
-            <pc:docMk/>
-            <pc:sldMk cId="386054163" sldId="770"/>
-            <ac:spMk id="44" creationId="{DA448C31-9763-4E25-9C26-8D17F393ED43}"/>
-          </ac:spMkLst>
-        </pc:spChg>
-        <pc:spChg chg="add del mod">
-          <ac:chgData name="Gerth Stølting Brodal" userId="04ef4784-6591-4f86-a140-f5c3b108582a" providerId="ADAL" clId="{6582DE44-CBB2-4155-94EA-6873D72B1ACF}" dt="2022-03-18T20:05:37.247" v="1468" actId="478"/>
-          <ac:spMkLst>
-            <pc:docMk/>
-            <pc:sldMk cId="386054163" sldId="770"/>
-            <ac:spMk id="45" creationId="{FBC4B3F9-7518-4B76-9A74-01B40D5E83D7}"/>
-          </ac:spMkLst>
-        </pc:spChg>
-        <pc:spChg chg="add del mod">
-          <ac:chgData name="Gerth Stølting Brodal" userId="04ef4784-6591-4f86-a140-f5c3b108582a" providerId="ADAL" clId="{6582DE44-CBB2-4155-94EA-6873D72B1ACF}" dt="2022-03-18T20:05:37.247" v="1468" actId="478"/>
-          <ac:spMkLst>
-            <pc:docMk/>
-            <pc:sldMk cId="386054163" sldId="770"/>
-            <ac:spMk id="46" creationId="{1DAF10F4-6BB2-4FAB-93ED-7E1FBE4D16CA}"/>
-          </ac:spMkLst>
-        </pc:spChg>
-        <pc:spChg chg="add del mod">
-          <ac:chgData name="Gerth Stølting Brodal" userId="04ef4784-6591-4f86-a140-f5c3b108582a" providerId="ADAL" clId="{6582DE44-CBB2-4155-94EA-6873D72B1ACF}" dt="2022-03-18T20:05:37.247" v="1468" actId="478"/>
-          <ac:spMkLst>
-            <pc:docMk/>
-            <pc:sldMk cId="386054163" sldId="770"/>
-            <ac:spMk id="47" creationId="{20508799-EC7C-4E0F-A2F5-4A213A030553}"/>
-          </ac:spMkLst>
-        </pc:spChg>
-        <pc:spChg chg="add del mod">
-          <ac:chgData name="Gerth Stølting Brodal" userId="04ef4784-6591-4f86-a140-f5c3b108582a" providerId="ADAL" clId="{6582DE44-CBB2-4155-94EA-6873D72B1ACF}" dt="2022-03-18T20:05:37.247" v="1468" actId="478"/>
-          <ac:spMkLst>
-            <pc:docMk/>
-            <pc:sldMk cId="386054163" sldId="770"/>
-            <ac:spMk id="48" creationId="{8F6869D5-7908-4AAB-A331-4078D852602C}"/>
-          </ac:spMkLst>
-        </pc:spChg>
-        <pc:spChg chg="add mod">
-          <ac:chgData name="Gerth Stølting Brodal" userId="04ef4784-6591-4f86-a140-f5c3b108582a" providerId="ADAL" clId="{6582DE44-CBB2-4155-94EA-6873D72B1ACF}" dt="2022-03-18T20:44:23.967" v="1770" actId="1035"/>
-          <ac:spMkLst>
-            <pc:docMk/>
-            <pc:sldMk cId="386054163" sldId="770"/>
-            <ac:spMk id="49" creationId="{27CFA618-9750-4DBB-B843-DB91CF5BB07C}"/>
-          </ac:spMkLst>
-        </pc:spChg>
-        <pc:spChg chg="add mod">
-          <ac:chgData name="Gerth Stølting Brodal" userId="04ef4784-6591-4f86-a140-f5c3b108582a" providerId="ADAL" clId="{6582DE44-CBB2-4155-94EA-6873D72B1ACF}" dt="2022-03-18T20:44:23.967" v="1770" actId="1035"/>
-          <ac:spMkLst>
-            <pc:docMk/>
-            <pc:sldMk cId="386054163" sldId="770"/>
-            <ac:spMk id="52" creationId="{B89159AD-BC7A-4565-B1DF-EC3885C162D4}"/>
-          </ac:spMkLst>
-        </pc:spChg>
-        <pc:grpChg chg="add del mod">
-          <ac:chgData name="Gerth Stølting Brodal" userId="04ef4784-6591-4f86-a140-f5c3b108582a" providerId="ADAL" clId="{6582DE44-CBB2-4155-94EA-6873D72B1ACF}" dt="2022-03-18T16:08:09.257" v="760" actId="165"/>
-          <ac:grpSpMkLst>
-            <pc:docMk/>
-            <pc:sldMk cId="386054163" sldId="770"/>
-            <ac:grpSpMk id="38" creationId="{91D2D86F-235D-4F69-ACA9-DA84DCAA0DD7}"/>
-          </ac:grpSpMkLst>
-        </pc:grpChg>
-        <pc:graphicFrameChg chg="add del mod">
-          <ac:chgData name="Gerth Stølting Brodal" userId="04ef4784-6591-4f86-a140-f5c3b108582a" providerId="ADAL" clId="{6582DE44-CBB2-4155-94EA-6873D72B1ACF}" dt="2022-03-18T14:11:54.496" v="79" actId="478"/>
-          <ac:graphicFrameMkLst>
-            <pc:docMk/>
-            <pc:sldMk cId="386054163" sldId="770"/>
-            <ac:graphicFrameMk id="4" creationId="{00000000-0000-0000-0000-000000000000}"/>
-          </ac:graphicFrameMkLst>
-        </pc:graphicFrameChg>
-        <pc:graphicFrameChg chg="add mod modGraphic">
-          <ac:chgData name="Gerth Stølting Brodal" userId="04ef4784-6591-4f86-a140-f5c3b108582a" providerId="ADAL" clId="{6582DE44-CBB2-4155-94EA-6873D72B1ACF}" dt="2022-03-18T20:56:56.556" v="1789" actId="207"/>
-          <ac:graphicFrameMkLst>
-            <pc:docMk/>
-            <pc:sldMk cId="386054163" sldId="770"/>
-            <ac:graphicFrameMk id="8" creationId="{FEFCB115-AB53-4C2D-B305-0CACDAB2540B}"/>
-          </ac:graphicFrameMkLst>
-        </pc:graphicFrameChg>
-        <pc:picChg chg="add mod">
-          <ac:chgData name="Gerth Stølting Brodal" userId="04ef4784-6591-4f86-a140-f5c3b108582a" providerId="ADAL" clId="{6582DE44-CBB2-4155-94EA-6873D72B1ACF}" dt="2022-03-19T11:23:32.085" v="3000" actId="1037"/>
-          <ac:picMkLst>
-            <pc:docMk/>
-            <pc:sldMk cId="386054163" sldId="770"/>
-            <ac:picMk id="4" creationId="{01C62DF3-A7AA-4692-8340-004ECB98DBCE}"/>
-          </ac:picMkLst>
-        </pc:picChg>
-        <pc:picChg chg="del">
-          <ac:chgData name="Gerth Stølting Brodal" userId="04ef4784-6591-4f86-a140-f5c3b108582a" providerId="ADAL" clId="{6582DE44-CBB2-4155-94EA-6873D72B1ACF}" dt="2022-03-18T14:11:39.658" v="72" actId="478"/>
-          <ac:picMkLst>
-            <pc:docMk/>
-            <pc:sldMk cId="386054163" sldId="770"/>
-            <ac:picMk id="7" creationId="{00000000-0000-0000-0000-000000000000}"/>
-          </ac:picMkLst>
-        </pc:picChg>
-        <pc:picChg chg="add del mod ord modCrop">
-          <ac:chgData name="Gerth Stølting Brodal" userId="04ef4784-6591-4f86-a140-f5c3b108582a" providerId="ADAL" clId="{6582DE44-CBB2-4155-94EA-6873D72B1ACF}" dt="2022-03-18T20:05:31.335" v="1467" actId="478"/>
-          <ac:picMkLst>
-            <pc:docMk/>
-            <pc:sldMk cId="386054163" sldId="770"/>
-            <ac:picMk id="10" creationId="{7725E3D9-1F0A-4F92-B5A7-195414FCA9A0}"/>
-          </ac:picMkLst>
-        </pc:picChg>
-        <pc:cxnChg chg="add del mod ord topLvl">
-          <ac:chgData name="Gerth Stølting Brodal" userId="04ef4784-6591-4f86-a140-f5c3b108582a" providerId="ADAL" clId="{6582DE44-CBB2-4155-94EA-6873D72B1ACF}" dt="2022-03-18T20:05:37.247" v="1468" actId="478"/>
-          <ac:cxnSpMkLst>
-            <pc:docMk/>
-            <pc:sldMk cId="386054163" sldId="770"/>
-            <ac:cxnSpMk id="25" creationId="{C1E3C627-43DE-4D5C-9428-A6C6225B2F4D}"/>
-          </ac:cxnSpMkLst>
-        </pc:cxnChg>
-        <pc:cxnChg chg="add mod">
-          <ac:chgData name="Gerth Stølting Brodal" userId="04ef4784-6591-4f86-a140-f5c3b108582a" providerId="ADAL" clId="{6582DE44-CBB2-4155-94EA-6873D72B1ACF}" dt="2022-03-18T16:07:14.638" v="757"/>
-          <ac:cxnSpMkLst>
-            <pc:docMk/>
-            <pc:sldMk cId="386054163" sldId="770"/>
-            <ac:cxnSpMk id="29" creationId="{CBACEEC4-1D80-403B-9134-38A299D6127C}"/>
-          </ac:cxnSpMkLst>
-        </pc:cxnChg>
-        <pc:cxnChg chg="add mod">
-          <ac:chgData name="Gerth Stølting Brodal" userId="04ef4784-6591-4f86-a140-f5c3b108582a" providerId="ADAL" clId="{6582DE44-CBB2-4155-94EA-6873D72B1ACF}" dt="2022-03-18T20:44:23.967" v="1770" actId="1035"/>
-          <ac:cxnSpMkLst>
-            <pc:docMk/>
-            <pc:sldMk cId="386054163" sldId="770"/>
-            <ac:cxnSpMk id="32" creationId="{7765C4BC-0DBE-4CAE-9029-78ED3968197E}"/>
-          </ac:cxnSpMkLst>
-        </pc:cxnChg>
-        <pc:cxnChg chg="add mod">
-          <ac:chgData name="Gerth Stølting Brodal" userId="04ef4784-6591-4f86-a140-f5c3b108582a" providerId="ADAL" clId="{6582DE44-CBB2-4155-94EA-6873D72B1ACF}" dt="2022-03-18T20:44:23.967" v="1770" actId="1035"/>
-          <ac:cxnSpMkLst>
-            <pc:docMk/>
-            <pc:sldMk cId="386054163" sldId="770"/>
-            <ac:cxnSpMk id="36" creationId="{F7F0AF67-EEA6-41B9-BDF4-FCC9482FF1ED}"/>
-          </ac:cxnSpMkLst>
-        </pc:cxnChg>
-        <pc:cxnChg chg="add mod">
-          <ac:chgData name="Gerth Stølting Brodal" userId="04ef4784-6591-4f86-a140-f5c3b108582a" providerId="ADAL" clId="{6582DE44-CBB2-4155-94EA-6873D72B1ACF}" dt="2022-03-18T20:44:23.967" v="1770" actId="1035"/>
-          <ac:cxnSpMkLst>
-            <pc:docMk/>
-            <pc:sldMk cId="386054163" sldId="770"/>
-            <ac:cxnSpMk id="50" creationId="{5573AF38-E2A2-4572-829E-D9383C4B8D26}"/>
-          </ac:cxnSpMkLst>
-        </pc:cxnChg>
-        <pc:cxnChg chg="add mod">
-          <ac:chgData name="Gerth Stølting Brodal" userId="04ef4784-6591-4f86-a140-f5c3b108582a" providerId="ADAL" clId="{6582DE44-CBB2-4155-94EA-6873D72B1ACF}" dt="2022-03-18T20:44:52.722" v="1772" actId="14100"/>
-          <ac:cxnSpMkLst>
-            <pc:docMk/>
-            <pc:sldMk cId="386054163" sldId="770"/>
-            <ac:cxnSpMk id="51" creationId="{07947EBA-9148-4CB5-8DF7-B9F46BC95050}"/>
-          </ac:cxnSpMkLst>
-        </pc:cxnChg>
       </pc:sldChg>
       <pc:sldChg chg="add del">
         <pc:chgData name="Gerth Stølting Brodal" userId="04ef4784-6591-4f86-a140-f5c3b108582a" providerId="ADAL" clId="{6582DE44-CBB2-4155-94EA-6873D72B1ACF}" dt="2022-03-18T14:09:39.206" v="46"/>
@@ -1113,118 +439,6 @@
           <pc:docMk/>
           <pc:sldMk cId="4024228852" sldId="771"/>
         </pc:sldMkLst>
-        <pc:spChg chg="mod">
-          <ac:chgData name="Gerth Stølting Brodal" userId="04ef4784-6591-4f86-a140-f5c3b108582a" providerId="ADAL" clId="{6582DE44-CBB2-4155-94EA-6873D72B1ACF}" dt="2022-03-29T06:09:22.607" v="3014" actId="207"/>
-          <ac:spMkLst>
-            <pc:docMk/>
-            <pc:sldMk cId="4024228852" sldId="771"/>
-            <ac:spMk id="12" creationId="{B1109C6D-502F-44F9-948E-BD54BF0DAE87}"/>
-          </ac:spMkLst>
-        </pc:spChg>
-        <pc:spChg chg="mod">
-          <ac:chgData name="Gerth Stølting Brodal" userId="04ef4784-6591-4f86-a140-f5c3b108582a" providerId="ADAL" clId="{6582DE44-CBB2-4155-94EA-6873D72B1ACF}" dt="2022-03-29T06:09:33.716" v="3017" actId="207"/>
-          <ac:spMkLst>
-            <pc:docMk/>
-            <pc:sldMk cId="4024228852" sldId="771"/>
-            <ac:spMk id="15" creationId="{A5FBE3C7-6861-40EA-A5A1-7C7AF5BAC40F}"/>
-          </ac:spMkLst>
-        </pc:spChg>
-        <pc:spChg chg="add mod ord">
-          <ac:chgData name="Gerth Stølting Brodal" userId="04ef4784-6591-4f86-a140-f5c3b108582a" providerId="ADAL" clId="{6582DE44-CBB2-4155-94EA-6873D72B1ACF}" dt="2022-03-29T06:10:08.004" v="3020" actId="207"/>
-          <ac:spMkLst>
-            <pc:docMk/>
-            <pc:sldMk cId="4024228852" sldId="771"/>
-            <ac:spMk id="30" creationId="{C6C7587D-22CD-4B73-8818-3571DB00469F}"/>
-          </ac:spMkLst>
-        </pc:spChg>
-        <pc:spChg chg="mod">
-          <ac:chgData name="Gerth Stølting Brodal" userId="04ef4784-6591-4f86-a140-f5c3b108582a" providerId="ADAL" clId="{6582DE44-CBB2-4155-94EA-6873D72B1ACF}" dt="2022-03-29T06:09:37.405" v="3018" actId="207"/>
-          <ac:spMkLst>
-            <pc:docMk/>
-            <pc:sldMk cId="4024228852" sldId="771"/>
-            <ac:spMk id="39" creationId="{20D27FBC-4B6C-4909-85EB-9386F4214E90}"/>
-          </ac:spMkLst>
-        </pc:spChg>
-        <pc:spChg chg="del">
-          <ac:chgData name="Gerth Stølting Brodal" userId="04ef4784-6591-4f86-a140-f5c3b108582a" providerId="ADAL" clId="{6582DE44-CBB2-4155-94EA-6873D72B1ACF}" dt="2022-03-19T09:12:22.733" v="1793" actId="478"/>
-          <ac:spMkLst>
-            <pc:docMk/>
-            <pc:sldMk cId="4024228852" sldId="771"/>
-            <ac:spMk id="40" creationId="{B438CC3A-9BD8-4F7E-89A1-DFD4CF737327}"/>
-          </ac:spMkLst>
-        </pc:spChg>
-        <pc:spChg chg="mod">
-          <ac:chgData name="Gerth Stølting Brodal" userId="04ef4784-6591-4f86-a140-f5c3b108582a" providerId="ADAL" clId="{6582DE44-CBB2-4155-94EA-6873D72B1ACF}" dt="2022-03-18T20:39:06.188" v="1735" actId="164"/>
-          <ac:spMkLst>
-            <pc:docMk/>
-            <pc:sldMk cId="4024228852" sldId="771"/>
-            <ac:spMk id="42" creationId="{133A5FBE-7E17-4BD9-9B8F-EA205318AC3F}"/>
-          </ac:spMkLst>
-        </pc:spChg>
-        <pc:spChg chg="mod">
-          <ac:chgData name="Gerth Stølting Brodal" userId="04ef4784-6591-4f86-a140-f5c3b108582a" providerId="ADAL" clId="{6582DE44-CBB2-4155-94EA-6873D72B1ACF}" dt="2022-03-18T20:39:06.188" v="1735" actId="164"/>
-          <ac:spMkLst>
-            <pc:docMk/>
-            <pc:sldMk cId="4024228852" sldId="771"/>
-            <ac:spMk id="43" creationId="{C4DB3934-741C-4710-BF6E-75E4B3DDF048}"/>
-          </ac:spMkLst>
-        </pc:spChg>
-        <pc:spChg chg="mod">
-          <ac:chgData name="Gerth Stølting Brodal" userId="04ef4784-6591-4f86-a140-f5c3b108582a" providerId="ADAL" clId="{6582DE44-CBB2-4155-94EA-6873D72B1ACF}" dt="2022-03-18T20:39:06.188" v="1735" actId="164"/>
-          <ac:spMkLst>
-            <pc:docMk/>
-            <pc:sldMk cId="4024228852" sldId="771"/>
-            <ac:spMk id="44" creationId="{DA448C31-9763-4E25-9C26-8D17F393ED43}"/>
-          </ac:spMkLst>
-        </pc:spChg>
-        <pc:spChg chg="mod">
-          <ac:chgData name="Gerth Stølting Brodal" userId="04ef4784-6591-4f86-a140-f5c3b108582a" providerId="ADAL" clId="{6582DE44-CBB2-4155-94EA-6873D72B1ACF}" dt="2022-03-18T20:39:06.188" v="1735" actId="164"/>
-          <ac:spMkLst>
-            <pc:docMk/>
-            <pc:sldMk cId="4024228852" sldId="771"/>
-            <ac:spMk id="45" creationId="{FBC4B3F9-7518-4B76-9A74-01B40D5E83D7}"/>
-          </ac:spMkLst>
-        </pc:spChg>
-        <pc:spChg chg="mod">
-          <ac:chgData name="Gerth Stølting Brodal" userId="04ef4784-6591-4f86-a140-f5c3b108582a" providerId="ADAL" clId="{6582DE44-CBB2-4155-94EA-6873D72B1ACF}" dt="2022-03-18T20:39:06.188" v="1735" actId="164"/>
-          <ac:spMkLst>
-            <pc:docMk/>
-            <pc:sldMk cId="4024228852" sldId="771"/>
-            <ac:spMk id="46" creationId="{1DAF10F4-6BB2-4FAB-93ED-7E1FBE4D16CA}"/>
-          </ac:spMkLst>
-        </pc:spChg>
-        <pc:spChg chg="mod">
-          <ac:chgData name="Gerth Stølting Brodal" userId="04ef4784-6591-4f86-a140-f5c3b108582a" providerId="ADAL" clId="{6582DE44-CBB2-4155-94EA-6873D72B1ACF}" dt="2022-03-18T20:39:06.188" v="1735" actId="164"/>
-          <ac:spMkLst>
-            <pc:docMk/>
-            <pc:sldMk cId="4024228852" sldId="771"/>
-            <ac:spMk id="47" creationId="{20508799-EC7C-4E0F-A2F5-4A213A030553}"/>
-          </ac:spMkLst>
-        </pc:spChg>
-        <pc:spChg chg="mod">
-          <ac:chgData name="Gerth Stølting Brodal" userId="04ef4784-6591-4f86-a140-f5c3b108582a" providerId="ADAL" clId="{6582DE44-CBB2-4155-94EA-6873D72B1ACF}" dt="2022-03-18T20:39:06.188" v="1735" actId="164"/>
-          <ac:spMkLst>
-            <pc:docMk/>
-            <pc:sldMk cId="4024228852" sldId="771"/>
-            <ac:spMk id="48" creationId="{8F6869D5-7908-4AAB-A331-4078D852602C}"/>
-          </ac:spMkLst>
-        </pc:spChg>
-        <pc:grpChg chg="add del mod">
-          <ac:chgData name="Gerth Stølting Brodal" userId="04ef4784-6591-4f86-a140-f5c3b108582a" providerId="ADAL" clId="{6582DE44-CBB2-4155-94EA-6873D72B1ACF}" dt="2022-03-18T20:39:09.995" v="1737" actId="478"/>
-          <ac:grpSpMkLst>
-            <pc:docMk/>
-            <pc:sldMk cId="4024228852" sldId="771"/>
-            <ac:grpSpMk id="3" creationId="{BB798676-DAAD-4AE1-A631-CC8A5F7A4868}"/>
-          </ac:grpSpMkLst>
-        </pc:grpChg>
-        <pc:cxnChg chg="mod">
-          <ac:chgData name="Gerth Stølting Brodal" userId="04ef4784-6591-4f86-a140-f5c3b108582a" providerId="ADAL" clId="{6582DE44-CBB2-4155-94EA-6873D72B1ACF}" dt="2022-03-29T06:09:48.336" v="3019" actId="208"/>
-          <ac:cxnSpMkLst>
-            <pc:docMk/>
-            <pc:sldMk cId="4024228852" sldId="771"/>
-            <ac:cxnSpMk id="25" creationId="{C1E3C627-43DE-4D5C-9428-A6C6225B2F4D}"/>
-          </ac:cxnSpMkLst>
-        </pc:cxnChg>
       </pc:sldChg>
       <pc:sldChg chg="new del">
         <pc:chgData name="Gerth Stølting Brodal" userId="04ef4784-6591-4f86-a140-f5c3b108582a" providerId="ADAL" clId="{6582DE44-CBB2-4155-94EA-6873D72B1ACF}" dt="2022-03-19T10:15:21.524" v="2154" actId="47"/>
@@ -1239,46 +453,6 @@
           <pc:docMk/>
           <pc:sldMk cId="3124323286" sldId="773"/>
         </pc:sldMkLst>
-        <pc:spChg chg="del">
-          <ac:chgData name="Gerth Stølting Brodal" userId="04ef4784-6591-4f86-a140-f5c3b108582a" providerId="ADAL" clId="{6582DE44-CBB2-4155-94EA-6873D72B1ACF}" dt="2022-03-19T09:15:56.990" v="1940" actId="478"/>
-          <ac:spMkLst>
-            <pc:docMk/>
-            <pc:sldMk cId="3124323286" sldId="773"/>
-            <ac:spMk id="2" creationId="{BE699651-C0A8-49C1-8619-22AECD1A17AE}"/>
-          </ac:spMkLst>
-        </pc:spChg>
-        <pc:spChg chg="del">
-          <ac:chgData name="Gerth Stølting Brodal" userId="04ef4784-6591-4f86-a140-f5c3b108582a" providerId="ADAL" clId="{6582DE44-CBB2-4155-94EA-6873D72B1ACF}" dt="2022-03-19T09:15:56.990" v="1940" actId="478"/>
-          <ac:spMkLst>
-            <pc:docMk/>
-            <pc:sldMk cId="3124323286" sldId="773"/>
-            <ac:spMk id="3" creationId="{D70EF64B-B6D4-4E30-AA82-DC1D07FE79B2}"/>
-          </ac:spMkLst>
-        </pc:spChg>
-        <pc:graphicFrameChg chg="add mod modGraphic">
-          <ac:chgData name="Gerth Stølting Brodal" userId="04ef4784-6591-4f86-a140-f5c3b108582a" providerId="ADAL" clId="{6582DE44-CBB2-4155-94EA-6873D72B1ACF}" dt="2022-03-19T11:37:53.872" v="3006" actId="5793"/>
-          <ac:graphicFrameMkLst>
-            <pc:docMk/>
-            <pc:sldMk cId="3124323286" sldId="773"/>
-            <ac:graphicFrameMk id="6" creationId="{EDC7C7C2-12C3-4BDC-AE0E-CA8F02A3F0DD}"/>
-          </ac:graphicFrameMkLst>
-        </pc:graphicFrameChg>
-        <pc:picChg chg="add mod">
-          <ac:chgData name="Gerth Stølting Brodal" userId="04ef4784-6591-4f86-a140-f5c3b108582a" providerId="ADAL" clId="{6582DE44-CBB2-4155-94EA-6873D72B1ACF}" dt="2022-03-19T09:24:56.958" v="1997" actId="1076"/>
-          <ac:picMkLst>
-            <pc:docMk/>
-            <pc:sldMk cId="3124323286" sldId="773"/>
-            <ac:picMk id="5" creationId="{D741C955-67A7-4497-B80F-75B15BBD93CD}"/>
-          </ac:picMkLst>
-        </pc:picChg>
-        <pc:picChg chg="add mod">
-          <ac:chgData name="Gerth Stølting Brodal" userId="04ef4784-6591-4f86-a140-f5c3b108582a" providerId="ADAL" clId="{6582DE44-CBB2-4155-94EA-6873D72B1ACF}" dt="2022-03-19T09:34:53.662" v="2138" actId="1076"/>
-          <ac:picMkLst>
-            <pc:docMk/>
-            <pc:sldMk cId="3124323286" sldId="773"/>
-            <ac:picMk id="7" creationId="{5BF33AA1-21CD-4329-8642-D9D48A3B34ED}"/>
-          </ac:picMkLst>
-        </pc:picChg>
       </pc:sldChg>
       <pc:sldChg chg="addSp delSp modSp add mod delAnim modAnim modNotesTx">
         <pc:chgData name="Gerth Stølting Brodal" userId="04ef4784-6591-4f86-a140-f5c3b108582a" providerId="ADAL" clId="{6582DE44-CBB2-4155-94EA-6873D72B1ACF}" dt="2022-03-19T12:30:23.438" v="3013" actId="207"/>
@@ -1286,126 +460,6 @@
           <pc:docMk/>
           <pc:sldMk cId="2720162074" sldId="774"/>
         </pc:sldMkLst>
-        <pc:spChg chg="mod">
-          <ac:chgData name="Gerth Stølting Brodal" userId="04ef4784-6591-4f86-a140-f5c3b108582a" providerId="ADAL" clId="{6582DE44-CBB2-4155-94EA-6873D72B1ACF}" dt="2022-03-19T10:16:14.547" v="2172" actId="20577"/>
-          <ac:spMkLst>
-            <pc:docMk/>
-            <pc:sldMk cId="2720162074" sldId="774"/>
-            <ac:spMk id="2" creationId="{00000000-0000-0000-0000-000000000000}"/>
-          </ac:spMkLst>
-        </pc:spChg>
-        <pc:spChg chg="add mod">
-          <ac:chgData name="Gerth Stølting Brodal" userId="04ef4784-6591-4f86-a140-f5c3b108582a" providerId="ADAL" clId="{6582DE44-CBB2-4155-94EA-6873D72B1ACF}" dt="2022-03-19T11:15:02.689" v="2835" actId="1582"/>
-          <ac:spMkLst>
-            <pc:docMk/>
-            <pc:sldMk cId="2720162074" sldId="774"/>
-            <ac:spMk id="13" creationId="{2DD0BB4C-CFE0-4F02-A4A7-44471E97919F}"/>
-          </ac:spMkLst>
-        </pc:spChg>
-        <pc:spChg chg="add del mod">
-          <ac:chgData name="Gerth Stølting Brodal" userId="04ef4784-6591-4f86-a140-f5c3b108582a" providerId="ADAL" clId="{6582DE44-CBB2-4155-94EA-6873D72B1ACF}" dt="2022-03-19T11:11:52.139" v="2813" actId="478"/>
-          <ac:spMkLst>
-            <pc:docMk/>
-            <pc:sldMk cId="2720162074" sldId="774"/>
-            <ac:spMk id="20" creationId="{9001A4E0-0BC3-4AE1-8629-DCA4E02D40B8}"/>
-          </ac:spMkLst>
-        </pc:spChg>
-        <pc:spChg chg="mod">
-          <ac:chgData name="Gerth Stølting Brodal" userId="04ef4784-6591-4f86-a140-f5c3b108582a" providerId="ADAL" clId="{6582DE44-CBB2-4155-94EA-6873D72B1ACF}" dt="2022-03-19T10:49:55.446" v="2618" actId="1036"/>
-          <ac:spMkLst>
-            <pc:docMk/>
-            <pc:sldMk cId="2720162074" sldId="774"/>
-            <ac:spMk id="34" creationId="{83DC6ACF-8886-48DF-8791-5A52B074A78F}"/>
-          </ac:spMkLst>
-        </pc:spChg>
-        <pc:spChg chg="mod">
-          <ac:chgData name="Gerth Stølting Brodal" userId="04ef4784-6591-4f86-a140-f5c3b108582a" providerId="ADAL" clId="{6582DE44-CBB2-4155-94EA-6873D72B1ACF}" dt="2022-03-19T10:49:25.185" v="2592" actId="1076"/>
-          <ac:spMkLst>
-            <pc:docMk/>
-            <pc:sldMk cId="2720162074" sldId="774"/>
-            <ac:spMk id="35" creationId="{216172EA-9872-4357-9E2D-1677FB93A20F}"/>
-          </ac:spMkLst>
-        </pc:spChg>
-        <pc:spChg chg="mod">
-          <ac:chgData name="Gerth Stølting Brodal" userId="04ef4784-6591-4f86-a140-f5c3b108582a" providerId="ADAL" clId="{6582DE44-CBB2-4155-94EA-6873D72B1ACF}" dt="2022-03-19T12:28:53.734" v="3012" actId="20577"/>
-          <ac:spMkLst>
-            <pc:docMk/>
-            <pc:sldMk cId="2720162074" sldId="774"/>
-            <ac:spMk id="49" creationId="{27CFA618-9750-4DBB-B843-DB91CF5BB07C}"/>
-          </ac:spMkLst>
-        </pc:spChg>
-        <pc:spChg chg="mod">
-          <ac:chgData name="Gerth Stølting Brodal" userId="04ef4784-6591-4f86-a140-f5c3b108582a" providerId="ADAL" clId="{6582DE44-CBB2-4155-94EA-6873D72B1ACF}" dt="2022-03-19T11:09:48.226" v="2809" actId="6549"/>
-          <ac:spMkLst>
-            <pc:docMk/>
-            <pc:sldMk cId="2720162074" sldId="774"/>
-            <ac:spMk id="52" creationId="{B89159AD-BC7A-4565-B1DF-EC3885C162D4}"/>
-          </ac:spMkLst>
-        </pc:spChg>
-        <pc:graphicFrameChg chg="mod modGraphic">
-          <ac:chgData name="Gerth Stølting Brodal" userId="04ef4784-6591-4f86-a140-f5c3b108582a" providerId="ADAL" clId="{6582DE44-CBB2-4155-94EA-6873D72B1ACF}" dt="2022-03-19T12:30:23.438" v="3013" actId="207"/>
-          <ac:graphicFrameMkLst>
-            <pc:docMk/>
-            <pc:sldMk cId="2720162074" sldId="774"/>
-            <ac:graphicFrameMk id="8" creationId="{FEFCB115-AB53-4C2D-B305-0CACDAB2540B}"/>
-          </ac:graphicFrameMkLst>
-        </pc:graphicFrameChg>
-        <pc:picChg chg="del">
-          <ac:chgData name="Gerth Stølting Brodal" userId="04ef4784-6591-4f86-a140-f5c3b108582a" providerId="ADAL" clId="{6582DE44-CBB2-4155-94EA-6873D72B1ACF}" dt="2022-03-19T11:23:01.428" v="2984" actId="478"/>
-          <ac:picMkLst>
-            <pc:docMk/>
-            <pc:sldMk cId="2720162074" sldId="774"/>
-            <ac:picMk id="4" creationId="{01C62DF3-A7AA-4692-8340-004ECB98DBCE}"/>
-          </ac:picMkLst>
-        </pc:picChg>
-        <pc:picChg chg="add mod">
-          <ac:chgData name="Gerth Stølting Brodal" userId="04ef4784-6591-4f86-a140-f5c3b108582a" providerId="ADAL" clId="{6582DE44-CBB2-4155-94EA-6873D72B1ACF}" dt="2022-03-19T11:23:42.819" v="3004" actId="1037"/>
-          <ac:picMkLst>
-            <pc:docMk/>
-            <pc:sldMk cId="2720162074" sldId="774"/>
-            <ac:picMk id="15" creationId="{5C3C1E70-8A85-427F-ACE8-F70A99E01894}"/>
-          </ac:picMkLst>
-        </pc:picChg>
-        <pc:cxnChg chg="add del mod">
-          <ac:chgData name="Gerth Stølting Brodal" userId="04ef4784-6591-4f86-a140-f5c3b108582a" providerId="ADAL" clId="{6582DE44-CBB2-4155-94EA-6873D72B1ACF}" dt="2022-03-19T11:12:33.379" v="2818" actId="478"/>
-          <ac:cxnSpMkLst>
-            <pc:docMk/>
-            <pc:sldMk cId="2720162074" sldId="774"/>
-            <ac:cxnSpMk id="21" creationId="{92585E37-B695-423E-82C0-A5ECA20A2A36}"/>
-          </ac:cxnSpMkLst>
-        </pc:cxnChg>
-        <pc:cxnChg chg="mod">
-          <ac:chgData name="Gerth Stølting Brodal" userId="04ef4784-6591-4f86-a140-f5c3b108582a" providerId="ADAL" clId="{6582DE44-CBB2-4155-94EA-6873D72B1ACF}" dt="2022-03-19T10:49:55.446" v="2618" actId="1036"/>
-          <ac:cxnSpMkLst>
-            <pc:docMk/>
-            <pc:sldMk cId="2720162074" sldId="774"/>
-            <ac:cxnSpMk id="32" creationId="{7765C4BC-0DBE-4CAE-9029-78ED3968197E}"/>
-          </ac:cxnSpMkLst>
-        </pc:cxnChg>
-        <pc:cxnChg chg="mod">
-          <ac:chgData name="Gerth Stølting Brodal" userId="04ef4784-6591-4f86-a140-f5c3b108582a" providerId="ADAL" clId="{6582DE44-CBB2-4155-94EA-6873D72B1ACF}" dt="2022-03-19T10:49:25.185" v="2592" actId="1076"/>
-          <ac:cxnSpMkLst>
-            <pc:docMk/>
-            <pc:sldMk cId="2720162074" sldId="774"/>
-            <ac:cxnSpMk id="36" creationId="{F7F0AF67-EEA6-41B9-BDF4-FCC9482FF1ED}"/>
-          </ac:cxnSpMkLst>
-        </pc:cxnChg>
-        <pc:cxnChg chg="mod">
-          <ac:chgData name="Gerth Stølting Brodal" userId="04ef4784-6591-4f86-a140-f5c3b108582a" providerId="ADAL" clId="{6582DE44-CBB2-4155-94EA-6873D72B1ACF}" dt="2022-03-19T10:50:07.416" v="2620" actId="14100"/>
-          <ac:cxnSpMkLst>
-            <pc:docMk/>
-            <pc:sldMk cId="2720162074" sldId="774"/>
-            <ac:cxnSpMk id="50" creationId="{5573AF38-E2A2-4572-829E-D9383C4B8D26}"/>
-          </ac:cxnSpMkLst>
-        </pc:cxnChg>
-        <pc:cxnChg chg="mod">
-          <ac:chgData name="Gerth Stølting Brodal" userId="04ef4784-6591-4f86-a140-f5c3b108582a" providerId="ADAL" clId="{6582DE44-CBB2-4155-94EA-6873D72B1ACF}" dt="2022-03-19T11:11:20.958" v="2810" actId="14100"/>
-          <ac:cxnSpMkLst>
-            <pc:docMk/>
-            <pc:sldMk cId="2720162074" sldId="774"/>
-            <ac:cxnSpMk id="51" creationId="{07947EBA-9148-4CB5-8DF7-B9F46BC95050}"/>
-          </ac:cxnSpMkLst>
-        </pc:cxnChg>
       </pc:sldChg>
     </pc:docChg>
   </pc:docChgLst>
@@ -1422,14 +476,6 @@
           <pc:docMk/>
           <pc:sldMk cId="1333584684" sldId="766"/>
         </pc:sldMkLst>
-        <pc:spChg chg="mod">
-          <ac:chgData name="Gerth Stølting Brodal" userId="04ef4784-6591-4f86-a140-f5c3b108582a" providerId="ADAL" clId="{8FD47DEE-5086-479D-B5CD-3F2A274EE952}" dt="2021-04-14T09:46:01.380" v="4" actId="20577"/>
-          <ac:spMkLst>
-            <pc:docMk/>
-            <pc:sldMk cId="1333584684" sldId="766"/>
-            <ac:spMk id="3" creationId="{00000000-0000-0000-0000-000000000000}"/>
-          </ac:spMkLst>
-        </pc:spChg>
       </pc:sldChg>
     </pc:docChg>
   </pc:docChgLst>
@@ -1446,14 +492,6 @@
           <pc:docMk/>
           <pc:sldMk cId="2195625844" sldId="742"/>
         </pc:sldMkLst>
-        <pc:graphicFrameChg chg="modGraphic">
-          <ac:chgData name="Gerth Stølting Brodal" userId="04ef4784-6591-4f86-a140-f5c3b108582a" providerId="ADAL" clId="{15D7ACD7-1346-459B-961E-1F8D8C80D6DB}" dt="2023-03-10T23:59:55.021" v="47" actId="313"/>
-          <ac:graphicFrameMkLst>
-            <pc:docMk/>
-            <pc:sldMk cId="2195625844" sldId="742"/>
-            <ac:graphicFrameMk id="4" creationId="{00000000-0000-0000-0000-000000000000}"/>
-          </ac:graphicFrameMkLst>
-        </pc:graphicFrameChg>
       </pc:sldChg>
       <pc:sldChg chg="modSp mod">
         <pc:chgData name="Gerth Stølting Brodal" userId="04ef4784-6591-4f86-a140-f5c3b108582a" providerId="ADAL" clId="{15D7ACD7-1346-459B-961E-1F8D8C80D6DB}" dt="2023-03-10T23:59:21.033" v="23" actId="20577"/>
@@ -1461,14 +499,6 @@
           <pc:docMk/>
           <pc:sldMk cId="3517907610" sldId="765"/>
         </pc:sldMkLst>
-        <pc:graphicFrameChg chg="modGraphic">
-          <ac:chgData name="Gerth Stølting Brodal" userId="04ef4784-6591-4f86-a140-f5c3b108582a" providerId="ADAL" clId="{15D7ACD7-1346-459B-961E-1F8D8C80D6DB}" dt="2023-03-10T23:59:21.033" v="23" actId="20577"/>
-          <ac:graphicFrameMkLst>
-            <pc:docMk/>
-            <pc:sldMk cId="3517907610" sldId="765"/>
-            <ac:graphicFrameMk id="5" creationId="{00000000-0000-0000-0000-000000000000}"/>
-          </ac:graphicFrameMkLst>
-        </pc:graphicFrameChg>
       </pc:sldChg>
     </pc:docChg>
   </pc:docChgLst>
@@ -1573,7 +603,7 @@
           <a:p>
             <a:fld id="{FB1A172F-81D4-4DC4-9113-1DBD56EC3646}" type="datetimeFigureOut">
               <a:rPr lang="en-US" smtClean="0"/>
-              <a:t>4/10/2024</a:t>
+              <a:t>3/26/2025</a:t>
             </a:fld>
             <a:endParaRPr lang="en-US"/>
           </a:p>
@@ -4844,6 +3874,81 @@
           <a:bodyPr/>
           <a:lstStyle/>
           <a:p>
+            <a:pPr marL="0" marR="0" lvl="0" indent="0" algn="l" defTabSz="914400" rtl="0" eaLnBrk="1" fontAlgn="auto" latinLnBrk="0" hangingPunct="1">
+              <a:lnSpc>
+                <a:spcPct val="100000"/>
+              </a:lnSpc>
+              <a:spcBef>
+                <a:spcPts val="0"/>
+              </a:spcBef>
+              <a:spcAft>
+                <a:spcPts val="0"/>
+              </a:spcAft>
+              <a:buClrTx/>
+              <a:buSzTx/>
+              <a:buFontTx/>
+              <a:buNone/>
+              <a:tabLst/>
+              <a:defRPr/>
+            </a:pPr>
+            <a:r>
+              <a:rPr lang="da-DK" b="0" dirty="0" err="1"/>
+              <a:t>Until</a:t>
+            </a:r>
+            <a:r>
+              <a:rPr lang="da-DK" b="0" dirty="0"/>
+              <a:t> </a:t>
+            </a:r>
+            <a:r>
+              <a:rPr lang="da-DK" b="0" dirty="0" err="1"/>
+              <a:t>numpy</a:t>
+            </a:r>
+            <a:r>
+              <a:rPr lang="da-DK" b="0" dirty="0"/>
+              <a:t> Version 2.0 </a:t>
+            </a:r>
+            <a:r>
+              <a:rPr lang="da-DK" b="0" dirty="0" err="1"/>
+              <a:t>one</a:t>
+            </a:r>
+            <a:r>
+              <a:rPr lang="da-DK" b="0" dirty="0"/>
+              <a:t> </a:t>
+            </a:r>
+            <a:r>
+              <a:rPr lang="da-DK" b="0" dirty="0" err="1"/>
+              <a:t>could</a:t>
+            </a:r>
+            <a:r>
+              <a:rPr lang="da-DK" b="0" dirty="0"/>
+              <a:t> </a:t>
+            </a:r>
+            <a:r>
+              <a:rPr lang="da-DK" b="0" dirty="0" err="1"/>
+              <a:t>use</a:t>
+            </a:r>
+            <a:r>
+              <a:rPr lang="da-DK" b="0" dirty="0"/>
+              <a:t> </a:t>
+            </a:r>
+            <a:r>
+              <a:rPr lang="da-DK" b="0" dirty="0" err="1"/>
+              <a:t>np</a:t>
+            </a:r>
+            <a:r>
+              <a:rPr lang="da-DK" b="0" dirty="0"/>
+              <a:t>.</a:t>
+            </a:r>
+            <a:r>
+              <a:rPr lang="en-US" b="0" dirty="0" err="1"/>
+              <a:t>sctypes</a:t>
+            </a:r>
+            <a:r>
+              <a:rPr lang="en-US" b="0" dirty="0"/>
+              <a:t> to get all types</a:t>
+            </a:r>
+          </a:p>
+          <a:p>
             <a:endParaRPr lang="en-US" b="1" dirty="0"/>
           </a:p>
         </p:txBody>
@@ -5344,7 +4449,7 @@
           <a:p>
             <a:fld id="{0560A9CD-0304-4E0B-9E82-E7E0115DE05B}" type="datetimeFigureOut">
               <a:rPr lang="en-US" smtClean="0"/>
-              <a:t>4/10/2024</a:t>
+              <a:t>3/26/2025</a:t>
             </a:fld>
             <a:endParaRPr lang="en-US"/>
           </a:p>
@@ -5512,7 +4617,7 @@
           <a:p>
             <a:fld id="{0560A9CD-0304-4E0B-9E82-E7E0115DE05B}" type="datetimeFigureOut">
               <a:rPr lang="en-US" smtClean="0"/>
-              <a:t>4/10/2024</a:t>
+              <a:t>3/26/2025</a:t>
             </a:fld>
             <a:endParaRPr lang="en-US"/>
           </a:p>
@@ -5690,7 +4795,7 @@
           <a:p>
             <a:fld id="{0560A9CD-0304-4E0B-9E82-E7E0115DE05B}" type="datetimeFigureOut">
               <a:rPr lang="en-US" smtClean="0"/>
-              <a:t>4/10/2024</a:t>
+              <a:t>3/26/2025</a:t>
             </a:fld>
             <a:endParaRPr lang="en-US"/>
           </a:p>
@@ -5873,7 +4978,7 @@
           <a:p>
             <a:fld id="{0560A9CD-0304-4E0B-9E82-E7E0115DE05B}" type="datetimeFigureOut">
               <a:rPr lang="en-US" smtClean="0"/>
-              <a:t>4/10/2024</a:t>
+              <a:t>3/26/2025</a:t>
             </a:fld>
             <a:endParaRPr lang="en-US"/>
           </a:p>
@@ -6118,7 +5223,7 @@
           <a:p>
             <a:fld id="{0560A9CD-0304-4E0B-9E82-E7E0115DE05B}" type="datetimeFigureOut">
               <a:rPr lang="en-US" smtClean="0"/>
-              <a:t>4/10/2024</a:t>
+              <a:t>3/26/2025</a:t>
             </a:fld>
             <a:endParaRPr lang="en-US"/>
           </a:p>
@@ -6347,7 +5452,7 @@
           <a:p>
             <a:fld id="{0560A9CD-0304-4E0B-9E82-E7E0115DE05B}" type="datetimeFigureOut">
               <a:rPr lang="en-US" smtClean="0"/>
-              <a:t>4/10/2024</a:t>
+              <a:t>3/26/2025</a:t>
             </a:fld>
             <a:endParaRPr lang="en-US"/>
           </a:p>
@@ -6711,7 +5816,7 @@
           <a:p>
             <a:fld id="{0560A9CD-0304-4E0B-9E82-E7E0115DE05B}" type="datetimeFigureOut">
               <a:rPr lang="en-US" smtClean="0"/>
-              <a:t>4/10/2024</a:t>
+              <a:t>3/26/2025</a:t>
             </a:fld>
             <a:endParaRPr lang="en-US"/>
           </a:p>
@@ -6828,7 +5933,7 @@
           <a:p>
             <a:fld id="{0560A9CD-0304-4E0B-9E82-E7E0115DE05B}" type="datetimeFigureOut">
               <a:rPr lang="en-US" smtClean="0"/>
-              <a:t>4/10/2024</a:t>
+              <a:t>3/26/2025</a:t>
             </a:fld>
             <a:endParaRPr lang="en-US"/>
           </a:p>
@@ -6923,7 +6028,7 @@
           <a:p>
             <a:fld id="{0560A9CD-0304-4E0B-9E82-E7E0115DE05B}" type="datetimeFigureOut">
               <a:rPr lang="en-US" smtClean="0"/>
-              <a:t>4/10/2024</a:t>
+              <a:t>3/26/2025</a:t>
             </a:fld>
             <a:endParaRPr lang="en-US"/>
           </a:p>
@@ -7198,7 +6303,7 @@
           <a:p>
             <a:fld id="{0560A9CD-0304-4E0B-9E82-E7E0115DE05B}" type="datetimeFigureOut">
               <a:rPr lang="en-US" smtClean="0"/>
-              <a:t>4/10/2024</a:t>
+              <a:t>3/26/2025</a:t>
             </a:fld>
             <a:endParaRPr lang="en-US"/>
           </a:p>
@@ -7450,7 +6555,7 @@
           <a:p>
             <a:fld id="{0560A9CD-0304-4E0B-9E82-E7E0115DE05B}" type="datetimeFigureOut">
               <a:rPr lang="en-US" smtClean="0"/>
-              <a:t>4/10/2024</a:t>
+              <a:t>3/26/2025</a:t>
             </a:fld>
             <a:endParaRPr lang="en-US"/>
           </a:p>
@@ -7661,7 +6766,7 @@
           <a:p>
             <a:fld id="{0560A9CD-0304-4E0B-9E82-E7E0115DE05B}" type="datetimeFigureOut">
               <a:rPr lang="en-US" smtClean="0"/>
-              <a:t>4/10/2024</a:t>
+              <a:t>3/26/2025</a:t>
             </a:fld>
             <a:endParaRPr lang="en-US"/>
           </a:p>
@@ -21023,14 +20128,14 @@
           <p:nvPr>
             <p:extLst>
               <p:ext uri="{D42A27DB-BD31-4B8C-83A1-F6EECF244321}">
-                <p14:modId xmlns:p14="http://schemas.microsoft.com/office/powerpoint/2010/main" val="4076853759"/>
+                <p14:modId xmlns:p14="http://schemas.microsoft.com/office/powerpoint/2010/main" val="2928263866"/>
               </p:ext>
             </p:extLst>
           </p:nvPr>
         </p:nvGraphicFramePr>
         <p:xfrm>
-          <a:off x="385470" y="3279052"/>
-          <a:ext cx="5407660" cy="3188570"/>
+          <a:off x="385470" y="3188678"/>
+          <a:ext cx="5407660" cy="3210944"/>
         </p:xfrm>
         <a:graphic>
           <a:graphicData uri="http://schemas.openxmlformats.org/drawingml/2006/table">
@@ -21054,7 +20159,7 @@
                   </a:extLst>
                 </a:gridCol>
               </a:tblGrid>
-              <a:tr h="318857">
+              <a:tr h="291904">
                 <a:tc>
                   <a:txBody>
                     <a:bodyPr/>
@@ -21147,7 +20252,7 @@
                   </a:ext>
                 </a:extLst>
               </a:tr>
-              <a:tr h="318857">
+              <a:tr h="291904">
                 <a:tc>
                   <a:txBody>
                     <a:bodyPr/>
@@ -21222,7 +20327,7 @@
                   </a:ext>
                 </a:extLst>
               </a:tr>
-              <a:tr h="318857">
+              <a:tr h="291904">
                 <a:tc>
                   <a:txBody>
                     <a:bodyPr/>
@@ -21302,7 +20407,7 @@
                   </a:ext>
                 </a:extLst>
               </a:tr>
-              <a:tr h="318857">
+              <a:tr h="291904">
                 <a:tc>
                   <a:txBody>
                     <a:bodyPr/>
@@ -21393,7 +20498,7 @@
                   </a:ext>
                 </a:extLst>
               </a:tr>
-              <a:tr h="318857">
+              <a:tr h="291904">
                 <a:tc>
                   <a:txBody>
                     <a:bodyPr/>
@@ -21484,7 +20589,7 @@
                   </a:ext>
                 </a:extLst>
               </a:tr>
-              <a:tr h="318857">
+              <a:tr h="291904">
                 <a:tc>
                   <a:txBody>
                     <a:bodyPr/>
@@ -21575,7 +20680,7 @@
                   </a:ext>
                 </a:extLst>
               </a:tr>
-              <a:tr h="318857">
+              <a:tr h="291904">
                 <a:tc>
                   <a:txBody>
                     <a:bodyPr/>
@@ -21666,7 +20771,99 @@
                   </a:ext>
                 </a:extLst>
               </a:tr>
-              <a:tr h="318857">
+              <a:tr h="291904">
+                <a:tc>
+                  <a:txBody>
+                    <a:bodyPr/>
+                    <a:lstStyle/>
+                    <a:p>
+                      <a:pPr marL="0" marR="0" lvl="0" indent="0" algn="ctr" defTabSz="914400" rtl="0" eaLnBrk="1" fontAlgn="auto" latinLnBrk="0" hangingPunct="1">
+                        <a:lnSpc>
+                          <a:spcPct val="100000"/>
+                        </a:lnSpc>
+                        <a:spcBef>
+                          <a:spcPts val="0"/>
+                        </a:spcBef>
+                        <a:spcAft>
+                          <a:spcPts val="0"/>
+                        </a:spcAft>
+                        <a:buClrTx/>
+                        <a:buSzTx/>
+                        <a:buFontTx/>
+                        <a:buNone/>
+                        <a:tabLst/>
+                        <a:defRPr/>
+                      </a:pPr>
+                      <a:r>
+                        <a:rPr lang="en-US" dirty="0">
+                          <a:solidFill>
+                            <a:srgbClr val="C00000"/>
+                          </a:solidFill>
+                        </a:rPr>
+                        <a:t>0</a:t>
+                      </a:r>
+                      <a:r>
+                        <a:rPr lang="en-US" dirty="0"/>
+                        <a:t>0000000000000000000000000000010</a:t>
+                      </a:r>
+                    </a:p>
+                  </a:txBody>
+                  <a:tcPr marL="0" marR="0" marT="0" marB="0">
+                    <a:lnL w="12700" cap="flat" cmpd="sng" algn="ctr">
+                      <a:solidFill>
+                        <a:schemeClr val="tx1"/>
+                      </a:solidFill>
+                      <a:prstDash val="solid"/>
+                      <a:round/>
+                      <a:headEnd type="none" w="med" len="med"/>
+                      <a:tailEnd type="none" w="med" len="med"/>
+                    </a:lnL>
+                    <a:solidFill>
+                      <a:schemeClr val="accent1">
+                        <a:lumMod val="20000"/>
+                        <a:lumOff val="80000"/>
+                      </a:schemeClr>
+                    </a:solidFill>
+                  </a:tcPr>
+                </a:tc>
+                <a:tc>
+                  <a:txBody>
+                    <a:bodyPr/>
+                    <a:lstStyle/>
+                    <a:p>
+                      <a:pPr algn="ctr"/>
+                      <a:r>
+                        <a:rPr lang="da-DK" dirty="0"/>
+                        <a:t>2</a:t>
+                      </a:r>
+                      <a:endParaRPr lang="en-US" dirty="0"/>
+                    </a:p>
+                  </a:txBody>
+                  <a:tcPr marL="0" marR="0" marT="0" marB="0">
+                    <a:lnR w="12700" cap="flat" cmpd="sng" algn="ctr">
+                      <a:solidFill>
+                        <a:schemeClr val="tx1"/>
+                      </a:solidFill>
+                      <a:prstDash val="solid"/>
+                      <a:round/>
+                      <a:headEnd type="none" w="med" len="med"/>
+                      <a:tailEnd type="none" w="med" len="med"/>
+                    </a:lnR>
+                    <a:solidFill>
+                      <a:schemeClr val="accent1">
+                        <a:lumMod val="20000"/>
+                        <a:lumOff val="80000"/>
+                      </a:schemeClr>
+                    </a:solidFill>
+                  </a:tcPr>
+                </a:tc>
+                <a:extLst>
+                  <a:ext uri="{0D108BD9-81ED-4DB2-BD59-A6C34878D82A}">
+                    <a16:rowId xmlns:a16="http://schemas.microsoft.com/office/drawing/2014/main" val="4094232554"/>
+                  </a:ext>
+                </a:extLst>
+              </a:tr>
+              <a:tr h="291904">
                 <a:tc>
                   <a:txBody>
                     <a:bodyPr/>
@@ -21730,7 +20927,7 @@
                   </a:ext>
                 </a:extLst>
               </a:tr>
-              <a:tr h="318857">
+              <a:tr h="291904">
                 <a:tc>
                   <a:txBody>
                     <a:bodyPr/>
@@ -21821,7 +21018,7 @@
                   </a:ext>
                 </a:extLst>
               </a:tr>
-              <a:tr h="318857">
+              <a:tr h="291904">
                 <a:tc>
                   <a:txBody>
                     <a:bodyPr/>
@@ -40838,7 +40035,7 @@
           <p:nvPr>
             <p:extLst>
               <p:ext uri="{D42A27DB-BD31-4B8C-83A1-F6EECF244321}">
-                <p14:modId xmlns:p14="http://schemas.microsoft.com/office/powerpoint/2010/main" val="1433385590"/>
+                <p14:modId xmlns:p14="http://schemas.microsoft.com/office/powerpoint/2010/main" val="1377297701"/>
               </p:ext>
             </p:extLst>
           </p:nvPr>
@@ -42463,6 +41660,87 @@
           </a:prstGeom>
         </p:spPr>
       </p:pic>
+      <p:pic>
+        <p:nvPicPr>
+          <p:cNvPr id="3" name="Picture 2">
+            <a:extLst>
+              <a:ext uri="{FF2B5EF4-FFF2-40B4-BE49-F238E27FC236}">
+                <a16:creationId xmlns:a16="http://schemas.microsoft.com/office/drawing/2014/main" id="{DC2D2D41-C5E8-9710-8570-8CC2097A8D39}"/>
+              </a:ext>
+            </a:extLst>
+          </p:cNvPr>
+          <p:cNvPicPr>
+            <a:picLocks noChangeAspect="1"/>
+          </p:cNvPicPr>
+          <p:nvPr/>
+        </p:nvPicPr>
+        <p:blipFill>
+          <a:blip r:embed="rId3" cstate="print">
+            <a:extLst>
+              <a:ext uri="{28A0092B-C50C-407E-A947-70E740481C1C}">
+                <a14:useLocalDpi xmlns:a14="http://schemas.microsoft.com/office/drawing/2010/main" val="0"/>
+              </a:ext>
+            </a:extLst>
+          </a:blip>
+          <a:stretch>
+            <a:fillRect/>
+          </a:stretch>
+        </p:blipFill>
+        <p:spPr>
+          <a:xfrm>
+            <a:off x="11583949" y="4658413"/>
+            <a:ext cx="487666" cy="405904"/>
+          </a:xfrm>
+          <a:prstGeom prst="rect">
+            <a:avLst/>
+          </a:prstGeom>
+        </p:spPr>
+      </p:pic>
+      <p:sp>
+        <p:nvSpPr>
+          <p:cNvPr id="9" name="TextBox 8">
+            <a:extLst>
+              <a:ext uri="{FF2B5EF4-FFF2-40B4-BE49-F238E27FC236}">
+                <a16:creationId xmlns:a16="http://schemas.microsoft.com/office/drawing/2014/main" id="{CF633ABE-04BB-BEA3-2AB1-AB1DF2823887}"/>
+              </a:ext>
+            </a:extLst>
+          </p:cNvPr>
+          <p:cNvSpPr txBox="1"/>
+          <p:nvPr/>
+        </p:nvSpPr>
+        <p:spPr>
+          <a:xfrm>
+            <a:off x="11486271" y="4986905"/>
+            <a:ext cx="670560" cy="369332"/>
+          </a:xfrm>
+          <a:prstGeom prst="rect">
+            <a:avLst/>
+          </a:prstGeom>
+          <a:noFill/>
+        </p:spPr>
+        <p:txBody>
+          <a:bodyPr wrap="square" rtlCol="0">
+            <a:spAutoFit/>
+          </a:bodyPr>
+          <a:lstStyle/>
+          <a:p>
+            <a:pPr algn="ctr"/>
+            <a:r>
+              <a:rPr lang="da-DK" dirty="0" err="1">
+                <a:solidFill>
+                  <a:srgbClr val="C00000"/>
+                </a:solidFill>
+              </a:rPr>
+              <a:t>slow</a:t>
+            </a:r>
+            <a:endParaRPr lang="da-DK" dirty="0">
+              <a:solidFill>
+                <a:srgbClr val="C00000"/>
+              </a:solidFill>
+            </a:endParaRPr>
+          </a:p>
+        </p:txBody>
+      </p:sp>
     </p:spTree>
     <p:extLst>
       <p:ext uri="{BB962C8B-B14F-4D97-AF65-F5344CB8AC3E}">
@@ -42538,14 +41816,14 @@
           <p:nvPr>
             <p:extLst>
               <p:ext uri="{D42A27DB-BD31-4B8C-83A1-F6EECF244321}">
-                <p14:modId xmlns:p14="http://schemas.microsoft.com/office/powerpoint/2010/main" val="2045099847"/>
+                <p14:modId xmlns:p14="http://schemas.microsoft.com/office/powerpoint/2010/main" val="3036145987"/>
               </p:ext>
             </p:extLst>
           </p:nvPr>
         </p:nvGraphicFramePr>
         <p:xfrm>
           <a:off x="703790" y="2685144"/>
-          <a:ext cx="10784420" cy="3514410"/>
+          <a:ext cx="10784420" cy="2965770"/>
         </p:xfrm>
         <a:graphic>
           <a:graphicData uri="http://schemas.openxmlformats.org/drawingml/2006/table">
@@ -42684,20 +41962,13 @@
                       </a:pPr>
                       <a:r>
                         <a:rPr lang="pt-BR" sz="1800" b="1" baseline="0" dirty="0">
-                          <a:latin typeface="Courier New" panose="02070309020205020404" pitchFamily="49" charset="0"/>
-                          <a:cs typeface="Courier New" panose="02070309020205020404" pitchFamily="49" charset="0"/>
-                        </a:rPr>
-                        <a:t>np.</a:t>
-                      </a:r>
-                      <a:r>
-                        <a:rPr lang="pt-BR" sz="1800" b="1" baseline="0" dirty="0">
                           <a:solidFill>
                             <a:srgbClr val="C00000"/>
                           </a:solidFill>
                           <a:latin typeface="Courier New" panose="02070309020205020404" pitchFamily="49" charset="0"/>
                           <a:cs typeface="Courier New" panose="02070309020205020404" pitchFamily="49" charset="0"/>
                         </a:rPr>
-                        <a:t>sctypes</a:t>
+                        <a:t>list(np.sctypeDict)</a:t>
                       </a:r>
                     </a:p>
                     <a:p>
@@ -42716,111 +41987,7 @@
                           <a:latin typeface="Courier New" panose="02070309020205020404" pitchFamily="49" charset="0"/>
                           <a:cs typeface="Courier New" panose="02070309020205020404" pitchFamily="49" charset="0"/>
                         </a:rPr>
-                        <a:t>{'int':    [&lt;class 'numpy.int8'&gt;, &lt;class 'numpy.int16'&gt;,</a:t>
-                      </a:r>
-                      <a:br>
-                        <a:rPr lang="pt-BR" sz="1800" b="1" baseline="0" dirty="0">
-                          <a:latin typeface="Courier New" panose="02070309020205020404" pitchFamily="49" charset="0"/>
-                          <a:cs typeface="Courier New" panose="02070309020205020404" pitchFamily="49" charset="0"/>
-                        </a:rPr>
-                      </a:br>
-                      <a:r>
-                        <a:rPr lang="pt-BR" sz="1800" b="1" baseline="0" dirty="0">
-                          <a:latin typeface="Courier New" panose="02070309020205020404" pitchFamily="49" charset="0"/>
-                          <a:cs typeface="Courier New" panose="02070309020205020404" pitchFamily="49" charset="0"/>
-                        </a:rPr>
-                        <a:t>            &lt;class 'numpy.int32'&gt;, &lt;class 'numpy.int64'&gt;], </a:t>
-                      </a:r>
-                      <a:br>
-                        <a:rPr lang="pt-BR" sz="1800" b="1" baseline="0" dirty="0">
-                          <a:latin typeface="Courier New" panose="02070309020205020404" pitchFamily="49" charset="0"/>
-                          <a:cs typeface="Courier New" panose="02070309020205020404" pitchFamily="49" charset="0"/>
-                        </a:rPr>
-                      </a:br>
-                      <a:r>
-                        <a:rPr lang="pt-BR" sz="1800" b="1" baseline="0" dirty="0">
-                          <a:latin typeface="Courier New" panose="02070309020205020404" pitchFamily="49" charset="0"/>
-                          <a:cs typeface="Courier New" panose="02070309020205020404" pitchFamily="49" charset="0"/>
-                        </a:rPr>
-                        <a:t>'uint':    [&lt;class 'numpy.uint8'&gt;, &lt;class 'numpy.uint16'&gt;, </a:t>
-                      </a:r>
-                      <a:br>
-                        <a:rPr lang="pt-BR" sz="1800" b="1" baseline="0" dirty="0">
-                          <a:latin typeface="Courier New" panose="02070309020205020404" pitchFamily="49" charset="0"/>
-                          <a:cs typeface="Courier New" panose="02070309020205020404" pitchFamily="49" charset="0"/>
-                        </a:rPr>
-                      </a:br>
-                      <a:r>
-                        <a:rPr lang="pt-BR" sz="1800" b="1" baseline="0" dirty="0">
-                          <a:latin typeface="Courier New" panose="02070309020205020404" pitchFamily="49" charset="0"/>
-                          <a:cs typeface="Courier New" panose="02070309020205020404" pitchFamily="49" charset="0"/>
-                        </a:rPr>
-                        <a:t>            &lt;class 'numpy.uint32'&gt;, &lt;class 'numpy.uint64'&gt;], </a:t>
-                      </a:r>
-                      <a:br>
-                        <a:rPr lang="pt-BR" sz="1800" b="1" baseline="0" dirty="0">
-                          <a:latin typeface="Courier New" panose="02070309020205020404" pitchFamily="49" charset="0"/>
-                          <a:cs typeface="Courier New" panose="02070309020205020404" pitchFamily="49" charset="0"/>
-                        </a:rPr>
-                      </a:br>
-                      <a:r>
-                        <a:rPr lang="pt-BR" sz="1800" b="1" baseline="0" dirty="0">
-                          <a:latin typeface="Courier New" panose="02070309020205020404" pitchFamily="49" charset="0"/>
-                          <a:cs typeface="Courier New" panose="02070309020205020404" pitchFamily="49" charset="0"/>
-                        </a:rPr>
-                        <a:t>'float':   [&lt;class 'numpy.float16'&gt;, &lt;class 'numpy.float32'&gt;, </a:t>
-                      </a:r>
-                      <a:br>
-                        <a:rPr lang="pt-BR" sz="1800" b="1" baseline="0" dirty="0">
-                          <a:latin typeface="Courier New" panose="02070309020205020404" pitchFamily="49" charset="0"/>
-                          <a:cs typeface="Courier New" panose="02070309020205020404" pitchFamily="49" charset="0"/>
-                        </a:rPr>
-                      </a:br>
-                      <a:r>
-                        <a:rPr lang="pt-BR" sz="1800" b="1" baseline="0" dirty="0">
-                          <a:latin typeface="Courier New" panose="02070309020205020404" pitchFamily="49" charset="0"/>
-                          <a:cs typeface="Courier New" panose="02070309020205020404" pitchFamily="49" charset="0"/>
-                        </a:rPr>
-                        <a:t>            &lt;class 'numpy.float64'&gt;], </a:t>
-                      </a:r>
-                      <a:br>
-                        <a:rPr lang="pt-BR" sz="1800" b="1" baseline="0" dirty="0">
-                          <a:latin typeface="Courier New" panose="02070309020205020404" pitchFamily="49" charset="0"/>
-                          <a:cs typeface="Courier New" panose="02070309020205020404" pitchFamily="49" charset="0"/>
-                        </a:rPr>
-                      </a:br>
-                      <a:r>
-                        <a:rPr lang="pt-BR" sz="1800" b="1" baseline="0" dirty="0">
-                          <a:latin typeface="Courier New" panose="02070309020205020404" pitchFamily="49" charset="0"/>
-                          <a:cs typeface="Courier New" panose="02070309020205020404" pitchFamily="49" charset="0"/>
-                        </a:rPr>
-                        <a:t>'complex': [&lt;class 'numpy.complex64'&gt;, &lt;class 'numpy.complex128'&gt;],</a:t>
-                      </a:r>
-                      <a:br>
-                        <a:rPr lang="pt-BR" sz="1800" b="1" baseline="0" dirty="0">
-                          <a:latin typeface="Courier New" panose="02070309020205020404" pitchFamily="49" charset="0"/>
-                          <a:cs typeface="Courier New" panose="02070309020205020404" pitchFamily="49" charset="0"/>
-                        </a:rPr>
-                      </a:br>
-                      <a:r>
-                        <a:rPr lang="pt-BR" sz="1800" b="1" baseline="0" dirty="0">
-                          <a:latin typeface="Courier New" panose="02070309020205020404" pitchFamily="49" charset="0"/>
-                          <a:cs typeface="Courier New" panose="02070309020205020404" pitchFamily="49" charset="0"/>
-                        </a:rPr>
-                        <a:t>'others':  [&lt;class 'bool'&gt;, &lt;class 'object'&gt;, &lt;class 'bytes'&gt;, </a:t>
-                      </a:r>
-                      <a:br>
-                        <a:rPr lang="pt-BR" sz="1800" b="1" baseline="0" dirty="0">
-                          <a:latin typeface="Courier New" panose="02070309020205020404" pitchFamily="49" charset="0"/>
-                          <a:cs typeface="Courier New" panose="02070309020205020404" pitchFamily="49" charset="0"/>
-                        </a:rPr>
-                      </a:br>
-                      <a:r>
-                        <a:rPr lang="pt-BR" sz="1800" b="1" baseline="0" dirty="0">
-                          <a:latin typeface="Courier New" panose="02070309020205020404" pitchFamily="49" charset="0"/>
-                          <a:cs typeface="Courier New" panose="02070309020205020404" pitchFamily="49" charset="0"/>
-                        </a:rPr>
-                        <a:t>            &lt;class 'str'&gt;, &lt;class 'numpy.void'&gt;]}</a:t>
+                        <a:t>['bool', 'float16', 'float32', 'float64', 'longdouble', 'complex64', 'complex128', 'clongdouble', 'bytes_', 'str_', 'void', 'object_', 'datetime64', 'timedelta64', 'int8', 'byte', 'uint8', 'ubyte', 'int16', 'short', 'uint16', 'ushort', 'intc', 'uintc', 'int32', 'long', 'uint32', 'ulong', 'int64', 'longlong', 'uint64', 'ulonglong', 'intp', 'uintp', 'double', 'cdouble', 'single', 'csingle', 'half', 'bool_', 'int_', 'uint', 'float', 'complex', 'object', 'bytes', 'a', 'int', 'str', 'unicode']</a:t>
                       </a:r>
                     </a:p>
                   </a:txBody>

--- a/ipsa/slides/numpy.pptx
+++ b/ipsa/slides/numpy.pptx
@@ -157,36 +157,6 @@
 <file path=ppt/changesInfos/changesInfo1.xml><?xml version="1.0" encoding="utf-8"?>
 <pc:chgInfo xmlns:a="http://schemas.openxmlformats.org/drawingml/2006/main" xmlns:r="http://schemas.openxmlformats.org/officeDocument/2006/relationships" xmlns:ac="http://schemas.microsoft.com/office/drawing/2013/main/command" xmlns:pc="http://schemas.microsoft.com/office/powerpoint/2013/main/command">
   <pc:docChgLst>
-    <pc:chgData name="Gerth Stølting Brodal" userId="04ef4784-6591-4f86-a140-f5c3b108582a" providerId="ADAL" clId="{0BAB94BD-0E9F-4ADC-9293-77F5DC9D0D68}"/>
-    <pc:docChg chg="modSld">
-      <pc:chgData name="Gerth Stølting Brodal" userId="04ef4784-6591-4f86-a140-f5c3b108582a" providerId="ADAL" clId="{0BAB94BD-0E9F-4ADC-9293-77F5DC9D0D68}" dt="2024-04-08T12:25:42.513" v="60" actId="20577"/>
-      <pc:docMkLst>
-        <pc:docMk/>
-      </pc:docMkLst>
-      <pc:sldChg chg="modSp mod">
-        <pc:chgData name="Gerth Stølting Brodal" userId="04ef4784-6591-4f86-a140-f5c3b108582a" providerId="ADAL" clId="{0BAB94BD-0E9F-4ADC-9293-77F5DC9D0D68}" dt="2024-04-08T07:50:28.309" v="42" actId="20577"/>
-        <pc:sldMkLst>
-          <pc:docMk/>
-          <pc:sldMk cId="3157069365" sldId="740"/>
-        </pc:sldMkLst>
-      </pc:sldChg>
-      <pc:sldChg chg="modNotesTx">
-        <pc:chgData name="Gerth Stølting Brodal" userId="04ef4784-6591-4f86-a140-f5c3b108582a" providerId="ADAL" clId="{0BAB94BD-0E9F-4ADC-9293-77F5DC9D0D68}" dt="2024-04-08T07:17:49.620" v="41" actId="20577"/>
-        <pc:sldMkLst>
-          <pc:docMk/>
-          <pc:sldMk cId="4115646034" sldId="753"/>
-        </pc:sldMkLst>
-      </pc:sldChg>
-      <pc:sldChg chg="modSp mod">
-        <pc:chgData name="Gerth Stølting Brodal" userId="04ef4784-6591-4f86-a140-f5c3b108582a" providerId="ADAL" clId="{0BAB94BD-0E9F-4ADC-9293-77F5DC9D0D68}" dt="2024-04-08T12:25:42.513" v="60" actId="20577"/>
-        <pc:sldMkLst>
-          <pc:docMk/>
-          <pc:sldMk cId="2510596143" sldId="755"/>
-        </pc:sldMkLst>
-      </pc:sldChg>
-    </pc:docChg>
-  </pc:docChgLst>
-  <pc:docChgLst>
     <pc:chgData name="Gerth Stølting Brodal" userId="04ef4784-6591-4f86-a140-f5c3b108582a" providerId="ADAL" clId="{F316340A-942C-45D6-9D7E-5900E7876E8F}"/>
     <pc:docChg chg="undo custSel addSld delSld modSld">
       <pc:chgData name="Gerth Stølting Brodal" userId="04ef4784-6591-4f86-a140-f5c3b108582a" providerId="ADAL" clId="{F316340A-942C-45D6-9D7E-5900E7876E8F}" dt="2023-04-12T10:58:33.252" v="666" actId="20577"/>
@@ -268,6 +238,59 @@
         <pc:sldMkLst>
           <pc:docMk/>
           <pc:sldMk cId="3389015899" sldId="776"/>
+        </pc:sldMkLst>
+      </pc:sldChg>
+    </pc:docChg>
+  </pc:docChgLst>
+  <pc:docChgLst>
+    <pc:chgData name="Gerth Stølting Brodal" userId="04ef4784-6591-4f86-a140-f5c3b108582a" providerId="ADAL" clId="{15D7ACD7-1346-459B-961E-1F8D8C80D6DB}"/>
+    <pc:docChg chg="undo custSel modSld">
+      <pc:chgData name="Gerth Stølting Brodal" userId="04ef4784-6591-4f86-a140-f5c3b108582a" providerId="ADAL" clId="{15D7ACD7-1346-459B-961E-1F8D8C80D6DB}" dt="2023-03-10T23:59:55.021" v="47" actId="313"/>
+      <pc:docMkLst>
+        <pc:docMk/>
+      </pc:docMkLst>
+      <pc:sldChg chg="modSp mod">
+        <pc:chgData name="Gerth Stølting Brodal" userId="04ef4784-6591-4f86-a140-f5c3b108582a" providerId="ADAL" clId="{15D7ACD7-1346-459B-961E-1F8D8C80D6DB}" dt="2023-03-10T23:59:55.021" v="47" actId="313"/>
+        <pc:sldMkLst>
+          <pc:docMk/>
+          <pc:sldMk cId="2195625844" sldId="742"/>
+        </pc:sldMkLst>
+      </pc:sldChg>
+      <pc:sldChg chg="modSp mod">
+        <pc:chgData name="Gerth Stølting Brodal" userId="04ef4784-6591-4f86-a140-f5c3b108582a" providerId="ADAL" clId="{15D7ACD7-1346-459B-961E-1F8D8C80D6DB}" dt="2023-03-10T23:59:21.033" v="23" actId="20577"/>
+        <pc:sldMkLst>
+          <pc:docMk/>
+          <pc:sldMk cId="3517907610" sldId="765"/>
+        </pc:sldMkLst>
+      </pc:sldChg>
+    </pc:docChg>
+  </pc:docChgLst>
+  <pc:docChgLst>
+    <pc:chgData name="Gerth Stølting Brodal" userId="04ef4784-6591-4f86-a140-f5c3b108582a" providerId="ADAL" clId="{0BAB94BD-0E9F-4ADC-9293-77F5DC9D0D68}"/>
+    <pc:docChg chg="modSld">
+      <pc:chgData name="Gerth Stølting Brodal" userId="04ef4784-6591-4f86-a140-f5c3b108582a" providerId="ADAL" clId="{0BAB94BD-0E9F-4ADC-9293-77F5DC9D0D68}" dt="2024-04-08T12:25:42.513" v="60" actId="20577"/>
+      <pc:docMkLst>
+        <pc:docMk/>
+      </pc:docMkLst>
+      <pc:sldChg chg="modSp mod">
+        <pc:chgData name="Gerth Stølting Brodal" userId="04ef4784-6591-4f86-a140-f5c3b108582a" providerId="ADAL" clId="{0BAB94BD-0E9F-4ADC-9293-77F5DC9D0D68}" dt="2024-04-08T07:50:28.309" v="42" actId="20577"/>
+        <pc:sldMkLst>
+          <pc:docMk/>
+          <pc:sldMk cId="3157069365" sldId="740"/>
+        </pc:sldMkLst>
+      </pc:sldChg>
+      <pc:sldChg chg="modNotesTx">
+        <pc:chgData name="Gerth Stølting Brodal" userId="04ef4784-6591-4f86-a140-f5c3b108582a" providerId="ADAL" clId="{0BAB94BD-0E9F-4ADC-9293-77F5DC9D0D68}" dt="2024-04-08T07:17:49.620" v="41" actId="20577"/>
+        <pc:sldMkLst>
+          <pc:docMk/>
+          <pc:sldMk cId="4115646034" sldId="753"/>
+        </pc:sldMkLst>
+      </pc:sldChg>
+      <pc:sldChg chg="modSp mod">
+        <pc:chgData name="Gerth Stølting Brodal" userId="04ef4784-6591-4f86-a140-f5c3b108582a" providerId="ADAL" clId="{0BAB94BD-0E9F-4ADC-9293-77F5DC9D0D68}" dt="2024-04-08T12:25:42.513" v="60" actId="20577"/>
+        <pc:sldMkLst>
+          <pc:docMk/>
+          <pc:sldMk cId="2510596143" sldId="755"/>
         </pc:sldMkLst>
       </pc:sldChg>
     </pc:docChg>
@@ -480,29 +503,6 @@
     </pc:docChg>
   </pc:docChgLst>
   <pc:docChgLst>
-    <pc:chgData name="Gerth Stølting Brodal" userId="04ef4784-6591-4f86-a140-f5c3b108582a" providerId="ADAL" clId="{15D7ACD7-1346-459B-961E-1F8D8C80D6DB}"/>
-    <pc:docChg chg="undo custSel modSld">
-      <pc:chgData name="Gerth Stølting Brodal" userId="04ef4784-6591-4f86-a140-f5c3b108582a" providerId="ADAL" clId="{15D7ACD7-1346-459B-961E-1F8D8C80D6DB}" dt="2023-03-10T23:59:55.021" v="47" actId="313"/>
-      <pc:docMkLst>
-        <pc:docMk/>
-      </pc:docMkLst>
-      <pc:sldChg chg="modSp mod">
-        <pc:chgData name="Gerth Stølting Brodal" userId="04ef4784-6591-4f86-a140-f5c3b108582a" providerId="ADAL" clId="{15D7ACD7-1346-459B-961E-1F8D8C80D6DB}" dt="2023-03-10T23:59:55.021" v="47" actId="313"/>
-        <pc:sldMkLst>
-          <pc:docMk/>
-          <pc:sldMk cId="2195625844" sldId="742"/>
-        </pc:sldMkLst>
-      </pc:sldChg>
-      <pc:sldChg chg="modSp mod">
-        <pc:chgData name="Gerth Stølting Brodal" userId="04ef4784-6591-4f86-a140-f5c3b108582a" providerId="ADAL" clId="{15D7ACD7-1346-459B-961E-1F8D8C80D6DB}" dt="2023-03-10T23:59:21.033" v="23" actId="20577"/>
-        <pc:sldMkLst>
-          <pc:docMk/>
-          <pc:sldMk cId="3517907610" sldId="765"/>
-        </pc:sldMkLst>
-      </pc:sldChg>
-    </pc:docChg>
-  </pc:docChgLst>
-  <pc:docChgLst>
     <pc:chgData name="Gerth Stølting Brodal" userId="04ef4784-6591-4f86-a140-f5c3b108582a" providerId="ADAL" clId="{0BA5ECDB-CBBA-4E45-A197-F342682FF4EC}"/>
     <pc:docChg chg="custSel modSld">
       <pc:chgData name="Gerth Stølting Brodal" userId="04ef4784-6591-4f86-a140-f5c3b108582a" providerId="ADAL" clId="{0BA5ECDB-CBBA-4E45-A197-F342682FF4EC}" dt="2024-04-10T07:07:23.170" v="85" actId="20577"/>
@@ -603,7 +603,7 @@
           <a:p>
             <a:fld id="{FB1A172F-81D4-4DC4-9113-1DBD56EC3646}" type="datetimeFigureOut">
               <a:rPr lang="en-US" smtClean="0"/>
-              <a:t>3/26/2025</a:t>
+              <a:t>3/31/2025</a:t>
             </a:fld>
             <a:endParaRPr lang="en-US"/>
           </a:p>
@@ -4449,7 +4449,7 @@
           <a:p>
             <a:fld id="{0560A9CD-0304-4E0B-9E82-E7E0115DE05B}" type="datetimeFigureOut">
               <a:rPr lang="en-US" smtClean="0"/>
-              <a:t>3/26/2025</a:t>
+              <a:t>3/31/2025</a:t>
             </a:fld>
             <a:endParaRPr lang="en-US"/>
           </a:p>
@@ -4617,7 +4617,7 @@
           <a:p>
             <a:fld id="{0560A9CD-0304-4E0B-9E82-E7E0115DE05B}" type="datetimeFigureOut">
               <a:rPr lang="en-US" smtClean="0"/>
-              <a:t>3/26/2025</a:t>
+              <a:t>3/31/2025</a:t>
             </a:fld>
             <a:endParaRPr lang="en-US"/>
           </a:p>
@@ -4795,7 +4795,7 @@
           <a:p>
             <a:fld id="{0560A9CD-0304-4E0B-9E82-E7E0115DE05B}" type="datetimeFigureOut">
               <a:rPr lang="en-US" smtClean="0"/>
-              <a:t>3/26/2025</a:t>
+              <a:t>3/31/2025</a:t>
             </a:fld>
             <a:endParaRPr lang="en-US"/>
           </a:p>
@@ -4978,7 +4978,7 @@
           <a:p>
             <a:fld id="{0560A9CD-0304-4E0B-9E82-E7E0115DE05B}" type="datetimeFigureOut">
               <a:rPr lang="en-US" smtClean="0"/>
-              <a:t>3/26/2025</a:t>
+              <a:t>3/31/2025</a:t>
             </a:fld>
             <a:endParaRPr lang="en-US"/>
           </a:p>
@@ -5223,7 +5223,7 @@
           <a:p>
             <a:fld id="{0560A9CD-0304-4E0B-9E82-E7E0115DE05B}" type="datetimeFigureOut">
               <a:rPr lang="en-US" smtClean="0"/>
-              <a:t>3/26/2025</a:t>
+              <a:t>3/31/2025</a:t>
             </a:fld>
             <a:endParaRPr lang="en-US"/>
           </a:p>
@@ -5452,7 +5452,7 @@
           <a:p>
             <a:fld id="{0560A9CD-0304-4E0B-9E82-E7E0115DE05B}" type="datetimeFigureOut">
               <a:rPr lang="en-US" smtClean="0"/>
-              <a:t>3/26/2025</a:t>
+              <a:t>3/31/2025</a:t>
             </a:fld>
             <a:endParaRPr lang="en-US"/>
           </a:p>
@@ -5816,7 +5816,7 @@
           <a:p>
             <a:fld id="{0560A9CD-0304-4E0B-9E82-E7E0115DE05B}" type="datetimeFigureOut">
               <a:rPr lang="en-US" smtClean="0"/>
-              <a:t>3/26/2025</a:t>
+              <a:t>3/31/2025</a:t>
             </a:fld>
             <a:endParaRPr lang="en-US"/>
           </a:p>
@@ -5933,7 +5933,7 @@
           <a:p>
             <a:fld id="{0560A9CD-0304-4E0B-9E82-E7E0115DE05B}" type="datetimeFigureOut">
               <a:rPr lang="en-US" smtClean="0"/>
-              <a:t>3/26/2025</a:t>
+              <a:t>3/31/2025</a:t>
             </a:fld>
             <a:endParaRPr lang="en-US"/>
           </a:p>
@@ -6028,7 +6028,7 @@
           <a:p>
             <a:fld id="{0560A9CD-0304-4E0B-9E82-E7E0115DE05B}" type="datetimeFigureOut">
               <a:rPr lang="en-US" smtClean="0"/>
-              <a:t>3/26/2025</a:t>
+              <a:t>3/31/2025</a:t>
             </a:fld>
             <a:endParaRPr lang="en-US"/>
           </a:p>
@@ -6303,7 +6303,7 @@
           <a:p>
             <a:fld id="{0560A9CD-0304-4E0B-9E82-E7E0115DE05B}" type="datetimeFigureOut">
               <a:rPr lang="en-US" smtClean="0"/>
-              <a:t>3/26/2025</a:t>
+              <a:t>3/31/2025</a:t>
             </a:fld>
             <a:endParaRPr lang="en-US"/>
           </a:p>
@@ -6555,7 +6555,7 @@
           <a:p>
             <a:fld id="{0560A9CD-0304-4E0B-9E82-E7E0115DE05B}" type="datetimeFigureOut">
               <a:rPr lang="en-US" smtClean="0"/>
-              <a:t>3/26/2025</a:t>
+              <a:t>3/31/2025</a:t>
             </a:fld>
             <a:endParaRPr lang="en-US"/>
           </a:p>
@@ -6766,7 +6766,7 @@
           <a:p>
             <a:fld id="{0560A9CD-0304-4E0B-9E82-E7E0115DE05B}" type="datetimeFigureOut">
               <a:rPr lang="en-US" smtClean="0"/>
-              <a:t>3/26/2025</a:t>
+              <a:t>3/31/2025</a:t>
             </a:fld>
             <a:endParaRPr lang="en-US"/>
           </a:p>
@@ -17263,13 +17263,13 @@
           <p:nvPr>
             <p:extLst>
               <p:ext uri="{D42A27DB-BD31-4B8C-83A1-F6EECF244321}">
-                <p14:modId xmlns:p14="http://schemas.microsoft.com/office/powerpoint/2010/main" val="2461902459"/>
+                <p14:modId xmlns:p14="http://schemas.microsoft.com/office/powerpoint/2010/main" val="4082913852"/>
               </p:ext>
             </p:extLst>
           </p:nvPr>
         </p:nvGraphicFramePr>
         <p:xfrm>
-          <a:off x="667473" y="1042632"/>
+          <a:off x="667473" y="941964"/>
           <a:ext cx="11042248" cy="5587050"/>
         </p:xfrm>
         <a:graphic>
@@ -18390,7 +18390,7 @@
         </p:blipFill>
         <p:spPr>
           <a:xfrm>
-            <a:off x="81023" y="4114093"/>
+            <a:off x="81023" y="4013425"/>
             <a:ext cx="487666" cy="405904"/>
           </a:xfrm>
           <a:prstGeom prst="rect">
@@ -18420,7 +18420,7 @@
         </p:blipFill>
         <p:spPr>
           <a:xfrm>
-            <a:off x="81023" y="2159901"/>
+            <a:off x="81023" y="2059233"/>
             <a:ext cx="487666" cy="405904"/>
           </a:xfrm>
           <a:prstGeom prst="rect">
@@ -18428,6 +18428,46 @@
           </a:prstGeom>
         </p:spPr>
       </p:pic>
+      <p:sp>
+        <p:nvSpPr>
+          <p:cNvPr id="8" name="TextBox 7">
+            <a:extLst>
+              <a:ext uri="{FF2B5EF4-FFF2-40B4-BE49-F238E27FC236}">
+                <a16:creationId xmlns:a16="http://schemas.microsoft.com/office/drawing/2014/main" id="{F7466382-8AC1-0451-54AF-8938A0E11DE0}"/>
+              </a:ext>
+            </a:extLst>
+          </p:cNvPr>
+          <p:cNvSpPr txBox="1"/>
+          <p:nvPr/>
+        </p:nvSpPr>
+        <p:spPr>
+          <a:xfrm>
+            <a:off x="6096000" y="6493136"/>
+            <a:ext cx="6094602" cy="369332"/>
+          </a:xfrm>
+          <a:prstGeom prst="rect">
+            <a:avLst/>
+          </a:prstGeom>
+          <a:noFill/>
+        </p:spPr>
+        <p:txBody>
+          <a:bodyPr wrap="square">
+            <a:spAutoFit/>
+          </a:bodyPr>
+          <a:lstStyle/>
+          <a:p>
+            <a:pPr algn="r"/>
+            <a:r>
+              <a:rPr lang="en-US"/>
+              <a:t>results using </a:t>
+            </a:r>
+            <a:r>
+              <a:rPr lang="en-US" dirty="0"/>
+              <a:t>a 32-bit Python installation</a:t>
+            </a:r>
+          </a:p>
+        </p:txBody>
+      </p:sp>
     </p:spTree>
     <p:extLst>
       <p:ext uri="{BB962C8B-B14F-4D97-AF65-F5344CB8AC3E}">
@@ -30574,8 +30614,8 @@
           </a:p>
         </p:txBody>
       </p:sp>
-      <mc:AlternateContent xmlns:mc="http://schemas.openxmlformats.org/markup-compatibility/2006" xmlns:a14="http://schemas.microsoft.com/office/drawing/2010/main">
-        <mc:Choice Requires="a14">
+      <mc:AlternateContent xmlns:mc="http://schemas.openxmlformats.org/markup-compatibility/2006">
+        <mc:Choice xmlns:a14="http://schemas.microsoft.com/office/drawing/2010/main" Requires="a14">
           <p:sp>
             <p:nvSpPr>
               <p:cNvPr id="3" name="Content Placeholder 2"/>
@@ -30831,14 +30871,22 @@
                                     <m:rPr>
                                       <m:nor/>
                                     </m:rPr>
-                                    <a:rPr lang="da-DK" i="0"/>
+                                    <a:rPr lang="da-DK" i="0" smtClean="0">
+                                      <a:solidFill>
+                                        <a:srgbClr val="FF0000"/>
+                                      </a:solidFill>
+                                    </a:rPr>
                                     <m:t>y</m:t>
                                   </m:r>
                                   <m:r>
                                     <m:rPr>
                                       <m:nor/>
                                     </m:rPr>
-                                    <a:rPr lang="da-DK" b="0" i="0" baseline="-25000" smtClean="0"/>
+                                    <a:rPr lang="da-DK" b="0" i="0" baseline="-25000" smtClean="0">
+                                      <a:solidFill>
+                                        <a:srgbClr val="FF0000"/>
+                                      </a:solidFill>
+                                    </a:rPr>
                                     <m:t>i</m:t>
                                   </m:r>
                                   <m:r>
@@ -30852,7 +30900,11 @@
                                     <m:rPr>
                                       <m:nor/>
                                     </m:rPr>
-                                    <a:rPr lang="da-DK" b="0" i="0" smtClean="0"/>
+                                    <a:rPr lang="da-DK" b="0" i="0" smtClean="0">
+                                      <a:solidFill>
+                                        <a:schemeClr val="accent5"/>
+                                      </a:solidFill>
+                                    </a:rPr>
                                     <m:t>p</m:t>
                                   </m:r>
                                   <m:r>
@@ -30866,14 +30918,21 @@
                                     <m:rPr>
                                       <m:nor/>
                                     </m:rPr>
-                                    <a:rPr lang="da-DK" i="0"/>
+                                    <a:rPr lang="da-DK" i="0" smtClean="0">
+                                      <a:solidFill>
+                                        <a:srgbClr val="FF0000"/>
+                                      </a:solidFill>
+                                    </a:rPr>
                                     <m:t>x</m:t>
                                   </m:r>
                                   <m:r>
                                     <m:rPr>
                                       <m:nor/>
                                     </m:rPr>
-                                    <a:rPr lang="da-DK" i="0" baseline="-25000">
+                                    <a:rPr lang="da-DK" i="0" baseline="-25000" smtClean="0">
+                                      <a:solidFill>
+                                        <a:srgbClr val="FF0000"/>
+                                      </a:solidFill>
                                       <a:latin typeface="Cambria Math" panose="02040503050406030204" pitchFamily="18" charset="0"/>
                                     </a:rPr>
                                     <m:t>i</m:t>
@@ -30953,7 +31012,7 @@
             </p:txBody>
           </p:sp>
         </mc:Choice>
-        <mc:Fallback xmlns="">
+        <mc:Fallback>
           <p:sp>
             <p:nvSpPr>
               <p:cNvPr id="3" name="Content Placeholder 2"/>
@@ -30981,7 +31040,7 @@
               <a:lstStyle/>
               <a:p>
                 <a:r>
-                  <a:rPr lang="da-DK">
+                  <a:rPr lang="en-US">
                     <a:noFill/>
                   </a:rPr>
                   <a:t> </a:t>
